--- a/ApplicationProject_UmsatzprognoseBäckerei_v2.pptx
+++ b/ApplicationProject_UmsatzprognoseBäckerei_v2.pptx
@@ -5,7 +5,7 @@
     <p:sldMasterId id="2147483648" r:id="rId1"/>
   </p:sldMasterIdLst>
   <p:notesMasterIdLst>
-    <p:notesMasterId r:id="rId22"/>
+    <p:notesMasterId r:id="rId26"/>
   </p:notesMasterIdLst>
   <p:sldIdLst>
     <p:sldId id="256" r:id="rId2"/>
@@ -14,7 +14,7 @@
     <p:sldId id="259" r:id="rId5"/>
     <p:sldId id="260" r:id="rId6"/>
     <p:sldId id="263" r:id="rId7"/>
-    <p:sldId id="264" r:id="rId8"/>
+    <p:sldId id="280" r:id="rId8"/>
     <p:sldId id="265" r:id="rId9"/>
     <p:sldId id="266" r:id="rId10"/>
     <p:sldId id="267" r:id="rId11"/>
@@ -27,7 +27,11 @@
     <p:sldId id="273" r:id="rId18"/>
     <p:sldId id="274" r:id="rId19"/>
     <p:sldId id="271" r:id="rId20"/>
-    <p:sldId id="272" r:id="rId21"/>
+    <p:sldId id="278" r:id="rId21"/>
+    <p:sldId id="279" r:id="rId22"/>
+    <p:sldId id="281" r:id="rId23"/>
+    <p:sldId id="277" r:id="rId24"/>
+    <p:sldId id="272" r:id="rId25"/>
   </p:sldIdLst>
   <p:sldSz cx="12192000" cy="6858000"/>
   <p:notesSz cx="6858000" cy="9144000"/>
@@ -216,7 +220,7 @@
           <a:p>
             <a:fld id="{64EB8CAC-2C73-41BC-842E-00A0647E69E9}" type="datetimeFigureOut">
               <a:rPr lang="de-DE" smtClean="0"/>
-              <a:t>09.06.2020</a:t>
+              <a:t>14.06.2020</a:t>
             </a:fld>
             <a:endParaRPr lang="de-DE"/>
           </a:p>
@@ -483,6 +487,254 @@
 </p:notesMaster>
 </file>
 
+<file path=ppt/notesSlides/notesSlide1.xml><?xml version="1.0" encoding="utf-8"?>
+<p:notes xmlns:a="http://schemas.openxmlformats.org/drawingml/2006/main" xmlns:r="http://schemas.openxmlformats.org/officeDocument/2006/relationships" xmlns:p="http://schemas.openxmlformats.org/presentationml/2006/main">
+  <p:cSld>
+    <p:spTree>
+      <p:nvGrpSpPr>
+        <p:cNvPr id="1" name=""/>
+        <p:cNvGrpSpPr/>
+        <p:nvPr/>
+      </p:nvGrpSpPr>
+      <p:grpSpPr>
+        <a:xfrm>
+          <a:off x="0" y="0"/>
+          <a:ext cx="0" cy="0"/>
+          <a:chOff x="0" y="0"/>
+          <a:chExt cx="0" cy="0"/>
+        </a:xfrm>
+      </p:grpSpPr>
+      <p:sp>
+        <p:nvSpPr>
+          <p:cNvPr id="2" name="Folienbildplatzhalter 1"/>
+          <p:cNvSpPr>
+            <a:spLocks noGrp="1" noRot="1" noChangeAspect="1"/>
+          </p:cNvSpPr>
+          <p:nvPr>
+            <p:ph type="sldImg"/>
+          </p:nvPr>
+        </p:nvSpPr>
+        <p:spPr/>
+      </p:sp>
+      <p:sp>
+        <p:nvSpPr>
+          <p:cNvPr id="3" name="Notizenplatzhalter 2"/>
+          <p:cNvSpPr>
+            <a:spLocks noGrp="1"/>
+          </p:cNvSpPr>
+          <p:nvPr>
+            <p:ph type="body" idx="1"/>
+          </p:nvPr>
+        </p:nvSpPr>
+        <p:spPr/>
+        <p:txBody>
+          <a:bodyPr/>
+          <a:lstStyle/>
+          <a:p>
+            <a:r>
+              <a:rPr lang="de-DE" dirty="0"/>
+              <a:t>In einem nächsten Schritt wird mit der linearen Regression ein traditionelles statistisches Modell zur Prognose der Bäckereiumsätze eingesetzt. Die lineare Regression ist ein sehr einfacher Ansatz für das sog. "überwachte Lernen" (</a:t>
+            </a:r>
+            <a:r>
+              <a:rPr lang="de-DE" dirty="0" err="1"/>
+              <a:t>supervised</a:t>
+            </a:r>
+            <a:r>
+              <a:rPr lang="de-DE" dirty="0"/>
+              <a:t> </a:t>
+            </a:r>
+            <a:r>
+              <a:rPr lang="de-DE" dirty="0" err="1"/>
+              <a:t>learning</a:t>
+            </a:r>
+            <a:r>
+              <a:rPr lang="de-DE" dirty="0"/>
+              <a:t>). Lineare Regressionsmodelle sind insbesondere ein nützliches Werkzeug zur Vorhersage einer quantitativen Output-Variable, die in diesem Fall dem Umsatz pro Tag entspricht. Die Inputvariablen können auch nominal oder ordinal sein. </a:t>
+            </a:r>
+          </a:p>
+          <a:p>
+            <a:endParaRPr lang="de-DE" dirty="0"/>
+          </a:p>
+          <a:p>
+            <a:r>
+              <a:rPr lang="de-DE" dirty="0"/>
+              <a:t>Bei der Anwendung der linearen Regression sind wir in mehreren Stunden vorgegangen. Der erste Schritt bestand daraus, einen Trainings- und Testdatensatz zu erzeugen. Der Trainingsdatensatz beinhaltete die Daten aus den Jahren 2014 – 2017, der Testdatensatz umfasste die Daten aus dem Jahr 2018.</a:t>
+            </a:r>
+          </a:p>
+          <a:p>
+            <a:endParaRPr lang="de-DE" dirty="0"/>
+          </a:p>
+          <a:p>
+            <a:r>
+              <a:rPr lang="de-DE" dirty="0"/>
+              <a:t>Des Weiteren wurden die potentiellen Inputvariablen auf lineare Abhängigkeiten und Multikollinearität untersucht, denn zum einen dürfen für die Erstellung linearer Modelle keine linearen Abhängigkeiten zwischen den einzelnen Variablen bestehen; zum anderen wird die Lösung des Regressionsmodells bei Vorhandensein von Multikollinearität instabil.</a:t>
+            </a:r>
+          </a:p>
+          <a:p>
+            <a:endParaRPr lang="de-DE" dirty="0"/>
+          </a:p>
+          <a:p>
+            <a:r>
+              <a:rPr lang="de-DE" dirty="0"/>
+              <a:t>In einem weiteren Schritt haben wir uns einem der spannendsten Fragen gewidmet: Welche von unseren 37 Inputvariablen sind denn nun am besten geeignet um ein gutes Regressionsmodell zu erhalten? Sind es für alle Warengruppen die gleichen Inputvariablen oder sieht man Unterschiede? Und vor allem, wie wählen wir diese aus? </a:t>
+            </a:r>
+          </a:p>
+          <a:p>
+            <a:endParaRPr lang="de-DE" dirty="0"/>
+          </a:p>
+          <a:p>
+            <a:r>
+              <a:rPr lang="de-DE" dirty="0"/>
+              <a:t>Wir haben zur Auswahl der am besten geeigneten Variablen je Warengruppe zum einen die </a:t>
+            </a:r>
+            <a:r>
+              <a:rPr lang="de-DE" dirty="0" err="1"/>
+              <a:t>best</a:t>
+            </a:r>
+            <a:r>
+              <a:rPr lang="de-DE" dirty="0"/>
+              <a:t> </a:t>
+            </a:r>
+            <a:r>
+              <a:rPr lang="de-DE" dirty="0" err="1"/>
+              <a:t>subset</a:t>
+            </a:r>
+            <a:r>
+              <a:rPr lang="de-DE" dirty="0"/>
+              <a:t> </a:t>
+            </a:r>
+            <a:r>
+              <a:rPr lang="de-DE" dirty="0" err="1"/>
+              <a:t>selection</a:t>
+            </a:r>
+            <a:r>
+              <a:rPr lang="de-DE" dirty="0"/>
+              <a:t> genutzt, zum anderen die </a:t>
+            </a:r>
+            <a:r>
+              <a:rPr lang="de-DE" dirty="0" err="1"/>
+              <a:t>stepwise</a:t>
+            </a:r>
+            <a:r>
+              <a:rPr lang="de-DE" dirty="0"/>
+              <a:t> </a:t>
+            </a:r>
+            <a:r>
+              <a:rPr lang="de-DE" dirty="0" err="1"/>
+              <a:t>selection</a:t>
+            </a:r>
+            <a:r>
+              <a:rPr lang="de-DE" dirty="0"/>
+              <a:t> und dabei sowohl </a:t>
+            </a:r>
+            <a:r>
+              <a:rPr lang="de-DE" dirty="0" err="1"/>
+              <a:t>forward</a:t>
+            </a:r>
+            <a:r>
+              <a:rPr lang="de-DE" dirty="0"/>
+              <a:t> als auch </a:t>
+            </a:r>
+            <a:r>
+              <a:rPr lang="de-DE" dirty="0" err="1"/>
+              <a:t>backward</a:t>
+            </a:r>
+            <a:r>
+              <a:rPr lang="de-DE" dirty="0"/>
+              <a:t>-Vorgehen berücksichtigt.</a:t>
+            </a:r>
+          </a:p>
+          <a:p>
+            <a:endParaRPr lang="de-DE" dirty="0"/>
+          </a:p>
+          <a:p>
+            <a:r>
+              <a:rPr lang="de-DE" dirty="0"/>
+              <a:t>Die verschiedenen Verfahren führten mitunter zu unterschiedlichen Vorschlägen bzgl. der einzubeziehenden Variablen, weshalb für jeder Warengruppe unterschiedliche Variablen einbezogen wurden, sowohl hinsichtlich der Anzahl als auch inhaltlich und somit natürlich auch unterschiedliche Modelle erstellt wurden. Diese Modelle haben wir dann wiederum anhand vorher definierter Gütekriterien miteinander verglichen und für jede Warengruppe das beste Modell ausgewählt.</a:t>
+            </a:r>
+          </a:p>
+          <a:p>
+            <a:endParaRPr lang="de-DE" dirty="0"/>
+          </a:p>
+          <a:p>
+            <a:r>
+              <a:rPr lang="de-DE" dirty="0"/>
+              <a:t>Wir haben bei der Auswahl der Modelle festgestellt, dass die einzubeziehenden Variablen mitunter stark voneinander abweichen, wenn man die unterschiedlichen Warengruppen betrachtet. Zudem performen Regressionsmodelle insgesamt für die unterschiedlichen Warengruppen unterschiedlich gut.</a:t>
+            </a:r>
+          </a:p>
+          <a:p>
+            <a:endParaRPr lang="de-DE" dirty="0"/>
+          </a:p>
+          <a:p>
+            <a:r>
+              <a:rPr lang="de-DE" dirty="0"/>
+              <a:t>Dann fällt auf, dass die Schätzer für die Warengruppe 1 und 3 offenbar systematisch zu niedrig sind, weil die mittlere relative Abweichung bei -8% liegt. Warengruppe 4 wird dagegen konsequent zu hoch geschätzt. Für die Warengruppen 2 und 5 liegt der Wert näher an Null bzw. ist gleich 0.</a:t>
+            </a:r>
+          </a:p>
+          <a:p>
+            <a:endParaRPr lang="de-DE" dirty="0"/>
+          </a:p>
+          <a:p>
+            <a:r>
+              <a:rPr lang="de-DE" dirty="0"/>
+              <a:t>Und der mittlere gewichtete Absolutwert der relativen Abweichung (WAPE), den wir vorrangig als Güte-Kriterium im Auge haben, zeigt den niedrigsten Wert für Warengruppe 2, gefolgt von Warengruppe 5. Ähnliche Ergebnisse hatten wir auch mit dem besten naiven Modell erzielt: Dort konnten mit dem erweiterten gleitenden Durchschnitt der letzten 4 Wochen- bzw. Wochenendtage die besten Ergebnisse für die Warengruppen insgesamt erzielt werden und für die Warengruppe 2 lag der WAPE ebenfalls bei 11.</a:t>
+            </a:r>
+          </a:p>
+          <a:p>
+            <a:endParaRPr lang="de-DE" dirty="0"/>
+          </a:p>
+          <a:p>
+            <a:r>
+              <a:rPr lang="de-DE" dirty="0"/>
+              <a:t>Wir widmen uns nun den Verfahren aus dem Bereich </a:t>
+            </a:r>
+            <a:r>
+              <a:rPr lang="de-DE" dirty="0" err="1"/>
+              <a:t>Machine</a:t>
+            </a:r>
+            <a:r>
+              <a:rPr lang="de-DE" dirty="0"/>
+              <a:t> Learning und Deep Learning und wollen rausfinden, ob sich damit noch bessere Ergebnisse erzielen lassen.</a:t>
+            </a:r>
+          </a:p>
+        </p:txBody>
+      </p:sp>
+      <p:sp>
+        <p:nvSpPr>
+          <p:cNvPr id="4" name="Foliennummernplatzhalter 3"/>
+          <p:cNvSpPr>
+            <a:spLocks noGrp="1"/>
+          </p:cNvSpPr>
+          <p:nvPr>
+            <p:ph type="sldNum" sz="quarter" idx="5"/>
+          </p:nvPr>
+        </p:nvSpPr>
+        <p:spPr/>
+        <p:txBody>
+          <a:bodyPr/>
+          <a:lstStyle/>
+          <a:p>
+            <a:fld id="{487B24B3-5E55-4E94-9D0B-91EB239BE60F}" type="slidenum">
+              <a:rPr lang="de-DE" smtClean="0"/>
+              <a:t>6</a:t>
+            </a:fld>
+            <a:endParaRPr lang="de-DE"/>
+          </a:p>
+        </p:txBody>
+      </p:sp>
+    </p:spTree>
+    <p:extLst>
+      <p:ext uri="{BB962C8B-B14F-4D97-AF65-F5344CB8AC3E}">
+        <p14:creationId xmlns:p14="http://schemas.microsoft.com/office/powerpoint/2010/main" val="1571678819"/>
+      </p:ext>
+    </p:extLst>
+  </p:cSld>
+  <p:clrMapOvr>
+    <a:masterClrMapping/>
+  </p:clrMapOvr>
+</p:notes>
+</file>
+
 <file path=ppt/slideLayouts/slideLayout1.xml><?xml version="1.0" encoding="utf-8"?>
 <p:sldLayout xmlns:a="http://schemas.openxmlformats.org/drawingml/2006/main" xmlns:r="http://schemas.openxmlformats.org/officeDocument/2006/relationships" xmlns:p="http://schemas.openxmlformats.org/presentationml/2006/main" type="title" preserve="1">
   <p:cSld name="Titelfolie">
@@ -630,7 +882,7 @@
           <a:p>
             <a:fld id="{B6932020-A466-4CD7-88C1-F34D58D43DBC}" type="datetime1">
               <a:rPr lang="de-DE" smtClean="0"/>
-              <a:t>09.06.2020</a:t>
+              <a:t>14.06.2020</a:t>
             </a:fld>
             <a:endParaRPr lang="de-DE"/>
           </a:p>
@@ -831,7 +1083,7 @@
           <a:p>
             <a:fld id="{E8B25B24-51C9-4699-8A4D-D7C884CE4BEB}" type="datetime1">
               <a:rPr lang="de-DE" smtClean="0"/>
-              <a:t>09.06.2020</a:t>
+              <a:t>14.06.2020</a:t>
             </a:fld>
             <a:endParaRPr lang="de-DE"/>
           </a:p>
@@ -1042,7 +1294,7 @@
           <a:p>
             <a:fld id="{D87FA873-C8E6-4235-9F92-6AB3BEDADCE2}" type="datetime1">
               <a:rPr lang="de-DE" smtClean="0"/>
-              <a:t>09.06.2020</a:t>
+              <a:t>14.06.2020</a:t>
             </a:fld>
             <a:endParaRPr lang="de-DE"/>
           </a:p>
@@ -1243,7 +1495,7 @@
           <a:p>
             <a:fld id="{15AB50BE-E56B-4057-9942-9CFA8D877CB5}" type="datetime1">
               <a:rPr lang="de-DE" smtClean="0"/>
-              <a:t>09.06.2020</a:t>
+              <a:t>14.06.2020</a:t>
             </a:fld>
             <a:endParaRPr lang="de-DE"/>
           </a:p>
@@ -1521,7 +1773,7 @@
           <a:p>
             <a:fld id="{1EE6F005-3080-4F28-90DA-B2092FABA75A}" type="datetime1">
               <a:rPr lang="de-DE" smtClean="0"/>
-              <a:t>09.06.2020</a:t>
+              <a:t>14.06.2020</a:t>
             </a:fld>
             <a:endParaRPr lang="de-DE"/>
           </a:p>
@@ -1789,7 +2041,7 @@
           <a:p>
             <a:fld id="{DB5437FA-8DD9-4D71-92E7-116D6DABFD5C}" type="datetime1">
               <a:rPr lang="de-DE" smtClean="0"/>
-              <a:t>09.06.2020</a:t>
+              <a:t>14.06.2020</a:t>
             </a:fld>
             <a:endParaRPr lang="de-DE"/>
           </a:p>
@@ -2204,7 +2456,7 @@
           <a:p>
             <a:fld id="{E3C31C1D-4101-4BD3-A6A7-9AD314156F65}" type="datetime1">
               <a:rPr lang="de-DE" smtClean="0"/>
-              <a:t>09.06.2020</a:t>
+              <a:t>14.06.2020</a:t>
             </a:fld>
             <a:endParaRPr lang="de-DE"/>
           </a:p>
@@ -2348,7 +2600,7 @@
           <a:p>
             <a:fld id="{855683AA-232C-44A6-8647-15C228F86A7E}" type="datetime1">
               <a:rPr lang="de-DE" smtClean="0"/>
-              <a:t>09.06.2020</a:t>
+              <a:t>14.06.2020</a:t>
             </a:fld>
             <a:endParaRPr lang="de-DE"/>
           </a:p>
@@ -2464,7 +2716,7 @@
           <a:p>
             <a:fld id="{BF8036BA-1230-4B67-9016-04F2CF2EF38C}" type="datetime1">
               <a:rPr lang="de-DE" smtClean="0"/>
-              <a:t>09.06.2020</a:t>
+              <a:t>14.06.2020</a:t>
             </a:fld>
             <a:endParaRPr lang="de-DE"/>
           </a:p>
@@ -2778,7 +3030,7 @@
           <a:p>
             <a:fld id="{C705D9ED-1137-4454-B1B1-62A39904138B}" type="datetime1">
               <a:rPr lang="de-DE" smtClean="0"/>
-              <a:t>09.06.2020</a:t>
+              <a:t>14.06.2020</a:t>
             </a:fld>
             <a:endParaRPr lang="de-DE"/>
           </a:p>
@@ -3069,7 +3321,7 @@
           <a:p>
             <a:fld id="{A795C217-277F-4F85-8043-E43C93B3A3DF}" type="datetime1">
               <a:rPr lang="de-DE" smtClean="0"/>
-              <a:t>09.06.2020</a:t>
+              <a:t>14.06.2020</a:t>
             </a:fld>
             <a:endParaRPr lang="de-DE"/>
           </a:p>
@@ -3313,7 +3565,7 @@
           <a:p>
             <a:fld id="{12141198-C8E7-43D4-976D-3793ADFF8918}" type="datetime1">
               <a:rPr lang="de-DE" smtClean="0"/>
-              <a:t>09.06.2020</a:t>
+              <a:t>14.06.2020</a:t>
             </a:fld>
             <a:endParaRPr lang="de-DE"/>
           </a:p>
@@ -5581,12 +5833,47 @@
           </a:p>
         </p:txBody>
       </p:sp>
+      <p:sp>
+        <p:nvSpPr>
+          <p:cNvPr id="9" name="Titel 1">
+            <a:extLst>
+              <a:ext uri="{FF2B5EF4-FFF2-40B4-BE49-F238E27FC236}">
+                <a16:creationId xmlns:a16="http://schemas.microsoft.com/office/drawing/2014/main" id="{605F0B5C-04B5-4DC7-AB62-259843635722}"/>
+              </a:ext>
+            </a:extLst>
+          </p:cNvPr>
+          <p:cNvSpPr>
+            <a:spLocks noGrp="1"/>
+          </p:cNvSpPr>
+          <p:nvPr>
+            <p:ph type="title"/>
+          </p:nvPr>
+        </p:nvSpPr>
+        <p:spPr>
+          <a:xfrm>
+            <a:off x="92476" y="1"/>
+            <a:ext cx="10997556" cy="976544"/>
+          </a:xfrm>
+        </p:spPr>
+        <p:txBody>
+          <a:bodyPr>
+            <a:normAutofit/>
+          </a:bodyPr>
+          <a:lstStyle/>
+          <a:p>
+            <a:r>
+              <a:rPr lang="de-DE" sz="3600" dirty="0"/>
+              <a:t>Anhang – Lineare Regression – Beste Teilmengenauswahl</a:t>
+            </a:r>
+          </a:p>
+        </p:txBody>
+      </p:sp>
       <p:pic>
         <p:nvPicPr>
-          <p:cNvPr id="2" name="Grafik 1">
-            <a:extLst>
-              <a:ext uri="{FF2B5EF4-FFF2-40B4-BE49-F238E27FC236}">
-                <a16:creationId xmlns:a16="http://schemas.microsoft.com/office/drawing/2014/main" id="{E3FF49E8-B53B-4277-91D2-56F085FDD7CE}"/>
+          <p:cNvPr id="3" name="Grafik 2">
+            <a:extLst>
+              <a:ext uri="{FF2B5EF4-FFF2-40B4-BE49-F238E27FC236}">
+                <a16:creationId xmlns:a16="http://schemas.microsoft.com/office/drawing/2014/main" id="{ECC2C405-8A5E-4330-851B-C65431592049}"/>
               </a:ext>
             </a:extLst>
           </p:cNvPr>
@@ -5603,8 +5890,8 @@
         </p:blipFill>
         <p:spPr>
           <a:xfrm>
-            <a:off x="1583923" y="539447"/>
-            <a:ext cx="9226951" cy="5908977"/>
+            <a:off x="1252537" y="881795"/>
+            <a:ext cx="9686925" cy="5686425"/>
           </a:xfrm>
           <a:prstGeom prst="rect">
             <a:avLst/>
@@ -5613,34 +5900,60 @@
       </p:pic>
       <p:sp>
         <p:nvSpPr>
-          <p:cNvPr id="9" name="Titel 1">
-            <a:extLst>
-              <a:ext uri="{FF2B5EF4-FFF2-40B4-BE49-F238E27FC236}">
-                <a16:creationId xmlns:a16="http://schemas.microsoft.com/office/drawing/2014/main" id="{605F0B5C-04B5-4DC7-AB62-259843635722}"/>
-              </a:ext>
-            </a:extLst>
-          </p:cNvPr>
-          <p:cNvSpPr>
-            <a:spLocks noGrp="1"/>
-          </p:cNvSpPr>
-          <p:nvPr>
-            <p:ph type="title"/>
-          </p:nvPr>
+          <p:cNvPr id="7" name="Interaktive Schaltfläche: Nächste(r) oder Weiter 6">
+            <a:hlinkClick r:id="rId3" action="ppaction://hlinksldjump" highlightClick="1"/>
+            <a:extLst>
+              <a:ext uri="{FF2B5EF4-FFF2-40B4-BE49-F238E27FC236}">
+                <a16:creationId xmlns:a16="http://schemas.microsoft.com/office/drawing/2014/main" id="{6D2EC8F3-E0FA-4A9F-8CBB-EC1720BB0570}"/>
+              </a:ext>
+            </a:extLst>
+          </p:cNvPr>
+          <p:cNvSpPr/>
+          <p:nvPr/>
         </p:nvSpPr>
         <p:spPr>
           <a:xfrm>
-            <a:off x="92476" y="1"/>
-            <a:ext cx="10515600" cy="976544"/>
+            <a:off x="332537" y="6142892"/>
+            <a:ext cx="505662" cy="396020"/>
           </a:xfrm>
+          <a:prstGeom prst="actionButtonForwardNext">
+            <a:avLst/>
+          </a:prstGeom>
+          <a:solidFill>
+            <a:schemeClr val="bg1">
+              <a:lumMod val="85000"/>
+            </a:schemeClr>
+          </a:solidFill>
+          <a:ln>
+            <a:solidFill>
+              <a:schemeClr val="bg2">
+                <a:lumMod val="90000"/>
+              </a:schemeClr>
+            </a:solidFill>
+          </a:ln>
         </p:spPr>
-        <p:txBody>
-          <a:bodyPr/>
-          <a:lstStyle/>
-          <a:p>
-            <a:r>
-              <a:rPr lang="de-DE" dirty="0"/>
-              <a:t>Anhang</a:t>
-            </a:r>
+        <p:style>
+          <a:lnRef idx="2">
+            <a:schemeClr val="accent1">
+              <a:shade val="50000"/>
+            </a:schemeClr>
+          </a:lnRef>
+          <a:fillRef idx="1">
+            <a:schemeClr val="accent1"/>
+          </a:fillRef>
+          <a:effectRef idx="0">
+            <a:schemeClr val="accent1"/>
+          </a:effectRef>
+          <a:fontRef idx="minor">
+            <a:schemeClr val="lt1"/>
+          </a:fontRef>
+        </p:style>
+        <p:txBody>
+          <a:bodyPr rtlCol="0" anchor="ctr"/>
+          <a:lstStyle/>
+          <a:p>
+            <a:pPr algn="ctr"/>
+            <a:endParaRPr lang="de-DE"/>
           </a:p>
         </p:txBody>
       </p:sp>
@@ -5763,15 +6076,23 @@
           <a:p>
             <a:r>
               <a:rPr lang="de-DE" dirty="0"/>
-              <a:t>Wir haben ein </a:t>
+              <a:t>Wir haben unterschiedliche </a:t>
             </a:r>
             <a:r>
               <a:rPr lang="de-DE" b="1" dirty="0"/>
-              <a:t>Prognosemodell entworfen</a:t>
-            </a:r>
-            <a:r>
-              <a:rPr lang="de-DE" dirty="0"/>
-              <a:t>, das Bäckereien eine bessere Planungsgrundlage bietet.</a:t>
+              <a:t>Prognosemodelle entworfen</a:t>
+            </a:r>
+            <a:r>
+              <a:rPr lang="de-DE" dirty="0"/>
+              <a:t>, die Bäckereien eine bessere Planungsgrundlage </a:t>
+            </a:r>
+            <a:r>
+              <a:rPr lang="de-DE" dirty="0" err="1"/>
+              <a:t>bietensollen</a:t>
+            </a:r>
+            <a:r>
+              <a:rPr lang="de-DE" dirty="0"/>
+              <a:t>.</a:t>
             </a:r>
           </a:p>
           <a:p>
@@ -5971,6 +6292,789 @@
           </a:xfrm>
         </p:spPr>
         <p:txBody>
+          <a:bodyPr>
+            <a:normAutofit fontScale="90000"/>
+          </a:bodyPr>
+          <a:lstStyle/>
+          <a:p>
+            <a:r>
+              <a:rPr lang="de-DE" dirty="0"/>
+              <a:t>Anhang – Lineare Regression - Vorwärtsauswahl</a:t>
+            </a:r>
+          </a:p>
+        </p:txBody>
+      </p:sp>
+      <p:sp>
+        <p:nvSpPr>
+          <p:cNvPr id="7" name="Interaktive Schaltfläche: Nächste(r) oder Weiter 6">
+            <a:hlinkClick r:id="rId2" action="ppaction://hlinksldjump" highlightClick="1"/>
+            <a:extLst>
+              <a:ext uri="{FF2B5EF4-FFF2-40B4-BE49-F238E27FC236}">
+                <a16:creationId xmlns:a16="http://schemas.microsoft.com/office/drawing/2014/main" id="{6D2EC8F3-E0FA-4A9F-8CBB-EC1720BB0570}"/>
+              </a:ext>
+            </a:extLst>
+          </p:cNvPr>
+          <p:cNvSpPr/>
+          <p:nvPr/>
+        </p:nvSpPr>
+        <p:spPr>
+          <a:xfrm>
+            <a:off x="332537" y="6142892"/>
+            <a:ext cx="505662" cy="396020"/>
+          </a:xfrm>
+          <a:prstGeom prst="actionButtonForwardNext">
+            <a:avLst/>
+          </a:prstGeom>
+          <a:solidFill>
+            <a:schemeClr val="bg1">
+              <a:lumMod val="85000"/>
+            </a:schemeClr>
+          </a:solidFill>
+          <a:ln>
+            <a:solidFill>
+              <a:schemeClr val="bg2">
+                <a:lumMod val="90000"/>
+              </a:schemeClr>
+            </a:solidFill>
+          </a:ln>
+        </p:spPr>
+        <p:style>
+          <a:lnRef idx="2">
+            <a:schemeClr val="accent1">
+              <a:shade val="50000"/>
+            </a:schemeClr>
+          </a:lnRef>
+          <a:fillRef idx="1">
+            <a:schemeClr val="accent1"/>
+          </a:fillRef>
+          <a:effectRef idx="0">
+            <a:schemeClr val="accent1"/>
+          </a:effectRef>
+          <a:fontRef idx="minor">
+            <a:schemeClr val="lt1"/>
+          </a:fontRef>
+        </p:style>
+        <p:txBody>
+          <a:bodyPr rtlCol="0" anchor="ctr"/>
+          <a:lstStyle/>
+          <a:p>
+            <a:pPr algn="ctr"/>
+            <a:endParaRPr lang="de-DE"/>
+          </a:p>
+        </p:txBody>
+      </p:sp>
+      <p:pic>
+        <p:nvPicPr>
+          <p:cNvPr id="2" name="Grafik 1">
+            <a:extLst>
+              <a:ext uri="{FF2B5EF4-FFF2-40B4-BE49-F238E27FC236}">
+                <a16:creationId xmlns:a16="http://schemas.microsoft.com/office/drawing/2014/main" id="{F3D5C02E-8510-4883-8434-1A34B07B20F0}"/>
+              </a:ext>
+            </a:extLst>
+          </p:cNvPr>
+          <p:cNvPicPr>
+            <a:picLocks noChangeAspect="1"/>
+          </p:cNvPicPr>
+          <p:nvPr/>
+        </p:nvPicPr>
+        <p:blipFill>
+          <a:blip r:embed="rId3"/>
+          <a:stretch>
+            <a:fillRect/>
+          </a:stretch>
+        </p:blipFill>
+        <p:spPr>
+          <a:xfrm>
+            <a:off x="1147762" y="1033462"/>
+            <a:ext cx="9896475" cy="5505450"/>
+          </a:xfrm>
+          <a:prstGeom prst="rect">
+            <a:avLst/>
+          </a:prstGeom>
+        </p:spPr>
+      </p:pic>
+    </p:spTree>
+    <p:extLst>
+      <p:ext uri="{BB962C8B-B14F-4D97-AF65-F5344CB8AC3E}">
+        <p14:creationId xmlns:p14="http://schemas.microsoft.com/office/powerpoint/2010/main" val="4048320831"/>
+      </p:ext>
+    </p:extLst>
+  </p:cSld>
+  <p:clrMapOvr>
+    <a:masterClrMapping/>
+  </p:clrMapOvr>
+</p:sld>
+</file>
+
+<file path=ppt/slides/slide21.xml><?xml version="1.0" encoding="utf-8"?>
+<p:sld xmlns:a="http://schemas.openxmlformats.org/drawingml/2006/main" xmlns:r="http://schemas.openxmlformats.org/officeDocument/2006/relationships" xmlns:p="http://schemas.openxmlformats.org/presentationml/2006/main">
+  <p:cSld>
+    <p:spTree>
+      <p:nvGrpSpPr>
+        <p:cNvPr id="1" name=""/>
+        <p:cNvGrpSpPr/>
+        <p:nvPr/>
+      </p:nvGrpSpPr>
+      <p:grpSpPr>
+        <a:xfrm>
+          <a:off x="0" y="0"/>
+          <a:ext cx="0" cy="0"/>
+          <a:chOff x="0" y="0"/>
+          <a:chExt cx="0" cy="0"/>
+        </a:xfrm>
+      </p:grpSpPr>
+      <p:sp>
+        <p:nvSpPr>
+          <p:cNvPr id="4" name="Fußzeilenplatzhalter 3">
+            <a:extLst>
+              <a:ext uri="{FF2B5EF4-FFF2-40B4-BE49-F238E27FC236}">
+                <a16:creationId xmlns:a16="http://schemas.microsoft.com/office/drawing/2014/main" id="{16F63B71-9DCA-4E29-A33C-A5817A2E808C}"/>
+              </a:ext>
+            </a:extLst>
+          </p:cNvPr>
+          <p:cNvSpPr>
+            <a:spLocks noGrp="1"/>
+          </p:cNvSpPr>
+          <p:nvPr>
+            <p:ph type="ftr" sz="quarter" idx="11"/>
+          </p:nvPr>
+        </p:nvSpPr>
+        <p:spPr/>
+        <p:txBody>
+          <a:bodyPr/>
+          <a:lstStyle/>
+          <a:p>
+            <a:r>
+              <a:rPr lang="de-DE"/>
+              <a:t>Application Project "Umsatzprognose Bäckerei"</a:t>
+            </a:r>
+          </a:p>
+        </p:txBody>
+      </p:sp>
+      <p:sp>
+        <p:nvSpPr>
+          <p:cNvPr id="5" name="Foliennummernplatzhalter 4">
+            <a:extLst>
+              <a:ext uri="{FF2B5EF4-FFF2-40B4-BE49-F238E27FC236}">
+                <a16:creationId xmlns:a16="http://schemas.microsoft.com/office/drawing/2014/main" id="{3B37C111-C299-456C-AE5F-E0E6F2CA0C65}"/>
+              </a:ext>
+            </a:extLst>
+          </p:cNvPr>
+          <p:cNvSpPr>
+            <a:spLocks noGrp="1"/>
+          </p:cNvSpPr>
+          <p:nvPr>
+            <p:ph type="sldNum" sz="quarter" idx="12"/>
+          </p:nvPr>
+        </p:nvSpPr>
+        <p:spPr/>
+        <p:txBody>
+          <a:bodyPr/>
+          <a:lstStyle/>
+          <a:p>
+            <a:fld id="{9C75FA27-ABA3-44D1-A3BB-EAEC5689F51E}" type="slidenum">
+              <a:rPr lang="de-DE" smtClean="0"/>
+              <a:t>21</a:t>
+            </a:fld>
+            <a:endParaRPr lang="de-DE"/>
+          </a:p>
+        </p:txBody>
+      </p:sp>
+      <p:sp>
+        <p:nvSpPr>
+          <p:cNvPr id="9" name="Titel 1">
+            <a:extLst>
+              <a:ext uri="{FF2B5EF4-FFF2-40B4-BE49-F238E27FC236}">
+                <a16:creationId xmlns:a16="http://schemas.microsoft.com/office/drawing/2014/main" id="{605F0B5C-04B5-4DC7-AB62-259843635722}"/>
+              </a:ext>
+            </a:extLst>
+          </p:cNvPr>
+          <p:cNvSpPr>
+            <a:spLocks noGrp="1"/>
+          </p:cNvSpPr>
+          <p:nvPr>
+            <p:ph type="title"/>
+          </p:nvPr>
+        </p:nvSpPr>
+        <p:spPr>
+          <a:xfrm>
+            <a:off x="92476" y="1"/>
+            <a:ext cx="10515600" cy="976544"/>
+          </a:xfrm>
+        </p:spPr>
+        <p:txBody>
+          <a:bodyPr>
+            <a:normAutofit fontScale="90000"/>
+          </a:bodyPr>
+          <a:lstStyle/>
+          <a:p>
+            <a:r>
+              <a:rPr lang="de-DE" dirty="0"/>
+              <a:t>Anhang – Lineare Regression - Rückwärtsauswahl</a:t>
+            </a:r>
+          </a:p>
+        </p:txBody>
+      </p:sp>
+      <p:sp>
+        <p:nvSpPr>
+          <p:cNvPr id="7" name="Interaktive Schaltfläche: Nächste(r) oder Weiter 6">
+            <a:hlinkClick r:id="rId2" action="ppaction://hlinksldjump" highlightClick="1"/>
+            <a:extLst>
+              <a:ext uri="{FF2B5EF4-FFF2-40B4-BE49-F238E27FC236}">
+                <a16:creationId xmlns:a16="http://schemas.microsoft.com/office/drawing/2014/main" id="{6D2EC8F3-E0FA-4A9F-8CBB-EC1720BB0570}"/>
+              </a:ext>
+            </a:extLst>
+          </p:cNvPr>
+          <p:cNvSpPr/>
+          <p:nvPr/>
+        </p:nvSpPr>
+        <p:spPr>
+          <a:xfrm>
+            <a:off x="332537" y="6142892"/>
+            <a:ext cx="505662" cy="396020"/>
+          </a:xfrm>
+          <a:prstGeom prst="actionButtonForwardNext">
+            <a:avLst/>
+          </a:prstGeom>
+          <a:solidFill>
+            <a:schemeClr val="bg1">
+              <a:lumMod val="85000"/>
+            </a:schemeClr>
+          </a:solidFill>
+          <a:ln>
+            <a:solidFill>
+              <a:schemeClr val="bg2">
+                <a:lumMod val="90000"/>
+              </a:schemeClr>
+            </a:solidFill>
+          </a:ln>
+        </p:spPr>
+        <p:style>
+          <a:lnRef idx="2">
+            <a:schemeClr val="accent1">
+              <a:shade val="50000"/>
+            </a:schemeClr>
+          </a:lnRef>
+          <a:fillRef idx="1">
+            <a:schemeClr val="accent1"/>
+          </a:fillRef>
+          <a:effectRef idx="0">
+            <a:schemeClr val="accent1"/>
+          </a:effectRef>
+          <a:fontRef idx="minor">
+            <a:schemeClr val="lt1"/>
+          </a:fontRef>
+        </p:style>
+        <p:txBody>
+          <a:bodyPr rtlCol="0" anchor="ctr"/>
+          <a:lstStyle/>
+          <a:p>
+            <a:pPr algn="ctr"/>
+            <a:endParaRPr lang="de-DE"/>
+          </a:p>
+        </p:txBody>
+      </p:sp>
+      <p:pic>
+        <p:nvPicPr>
+          <p:cNvPr id="3" name="Grafik 2">
+            <a:extLst>
+              <a:ext uri="{FF2B5EF4-FFF2-40B4-BE49-F238E27FC236}">
+                <a16:creationId xmlns:a16="http://schemas.microsoft.com/office/drawing/2014/main" id="{DA64EAD9-5C0A-489E-B9ED-4AD2FB56437D}"/>
+              </a:ext>
+            </a:extLst>
+          </p:cNvPr>
+          <p:cNvPicPr>
+            <a:picLocks noChangeAspect="1"/>
+          </p:cNvPicPr>
+          <p:nvPr/>
+        </p:nvPicPr>
+        <p:blipFill>
+          <a:blip r:embed="rId3"/>
+          <a:stretch>
+            <a:fillRect/>
+          </a:stretch>
+        </p:blipFill>
+        <p:spPr>
+          <a:xfrm>
+            <a:off x="1204912" y="1051835"/>
+            <a:ext cx="9782175" cy="5229225"/>
+          </a:xfrm>
+          <a:prstGeom prst="rect">
+            <a:avLst/>
+          </a:prstGeom>
+        </p:spPr>
+      </p:pic>
+    </p:spTree>
+    <p:extLst>
+      <p:ext uri="{BB962C8B-B14F-4D97-AF65-F5344CB8AC3E}">
+        <p14:creationId xmlns:p14="http://schemas.microsoft.com/office/powerpoint/2010/main" val="4223168594"/>
+      </p:ext>
+    </p:extLst>
+  </p:cSld>
+  <p:clrMapOvr>
+    <a:masterClrMapping/>
+  </p:clrMapOvr>
+</p:sld>
+</file>
+
+<file path=ppt/slides/slide22.xml><?xml version="1.0" encoding="utf-8"?>
+<p:sld xmlns:a="http://schemas.openxmlformats.org/drawingml/2006/main" xmlns:r="http://schemas.openxmlformats.org/officeDocument/2006/relationships" xmlns:p="http://schemas.openxmlformats.org/presentationml/2006/main">
+  <p:cSld>
+    <p:spTree>
+      <p:nvGrpSpPr>
+        <p:cNvPr id="1" name=""/>
+        <p:cNvGrpSpPr/>
+        <p:nvPr/>
+      </p:nvGrpSpPr>
+      <p:grpSpPr>
+        <a:xfrm>
+          <a:off x="0" y="0"/>
+          <a:ext cx="0" cy="0"/>
+          <a:chOff x="0" y="0"/>
+          <a:chExt cx="0" cy="0"/>
+        </a:xfrm>
+      </p:grpSpPr>
+      <p:sp>
+        <p:nvSpPr>
+          <p:cNvPr id="4" name="Fußzeilenplatzhalter 3">
+            <a:extLst>
+              <a:ext uri="{FF2B5EF4-FFF2-40B4-BE49-F238E27FC236}">
+                <a16:creationId xmlns:a16="http://schemas.microsoft.com/office/drawing/2014/main" id="{16F63B71-9DCA-4E29-A33C-A5817A2E808C}"/>
+              </a:ext>
+            </a:extLst>
+          </p:cNvPr>
+          <p:cNvSpPr>
+            <a:spLocks noGrp="1"/>
+          </p:cNvSpPr>
+          <p:nvPr>
+            <p:ph type="ftr" sz="quarter" idx="11"/>
+          </p:nvPr>
+        </p:nvSpPr>
+        <p:spPr/>
+        <p:txBody>
+          <a:bodyPr/>
+          <a:lstStyle/>
+          <a:p>
+            <a:r>
+              <a:rPr lang="de-DE"/>
+              <a:t>Application Project "Umsatzprognose Bäckerei"</a:t>
+            </a:r>
+          </a:p>
+        </p:txBody>
+      </p:sp>
+      <p:sp>
+        <p:nvSpPr>
+          <p:cNvPr id="5" name="Foliennummernplatzhalter 4">
+            <a:extLst>
+              <a:ext uri="{FF2B5EF4-FFF2-40B4-BE49-F238E27FC236}">
+                <a16:creationId xmlns:a16="http://schemas.microsoft.com/office/drawing/2014/main" id="{3B37C111-C299-456C-AE5F-E0E6F2CA0C65}"/>
+              </a:ext>
+            </a:extLst>
+          </p:cNvPr>
+          <p:cNvSpPr>
+            <a:spLocks noGrp="1"/>
+          </p:cNvSpPr>
+          <p:nvPr>
+            <p:ph type="sldNum" sz="quarter" idx="12"/>
+          </p:nvPr>
+        </p:nvSpPr>
+        <p:spPr/>
+        <p:txBody>
+          <a:bodyPr/>
+          <a:lstStyle/>
+          <a:p>
+            <a:fld id="{9C75FA27-ABA3-44D1-A3BB-EAEC5689F51E}" type="slidenum">
+              <a:rPr lang="de-DE" smtClean="0"/>
+              <a:t>22</a:t>
+            </a:fld>
+            <a:endParaRPr lang="de-DE"/>
+          </a:p>
+        </p:txBody>
+      </p:sp>
+      <p:sp>
+        <p:nvSpPr>
+          <p:cNvPr id="9" name="Titel 1">
+            <a:extLst>
+              <a:ext uri="{FF2B5EF4-FFF2-40B4-BE49-F238E27FC236}">
+                <a16:creationId xmlns:a16="http://schemas.microsoft.com/office/drawing/2014/main" id="{605F0B5C-04B5-4DC7-AB62-259843635722}"/>
+              </a:ext>
+            </a:extLst>
+          </p:cNvPr>
+          <p:cNvSpPr>
+            <a:spLocks noGrp="1"/>
+          </p:cNvSpPr>
+          <p:nvPr>
+            <p:ph type="title"/>
+          </p:nvPr>
+        </p:nvSpPr>
+        <p:spPr>
+          <a:xfrm>
+            <a:off x="92476" y="1"/>
+            <a:ext cx="10515600" cy="976544"/>
+          </a:xfrm>
+        </p:spPr>
+        <p:txBody>
+          <a:bodyPr>
+            <a:normAutofit/>
+          </a:bodyPr>
+          <a:lstStyle/>
+          <a:p>
+            <a:r>
+              <a:rPr lang="de-DE" sz="3600" dirty="0"/>
+              <a:t>Anhang – Lineare Regression – Vergleich der Ergebnisse</a:t>
+            </a:r>
+          </a:p>
+        </p:txBody>
+      </p:sp>
+      <p:sp>
+        <p:nvSpPr>
+          <p:cNvPr id="7" name="Interaktive Schaltfläche: Nächste(r) oder Weiter 6">
+            <a:hlinkClick r:id="rId2" action="ppaction://hlinksldjump" highlightClick="1"/>
+            <a:extLst>
+              <a:ext uri="{FF2B5EF4-FFF2-40B4-BE49-F238E27FC236}">
+                <a16:creationId xmlns:a16="http://schemas.microsoft.com/office/drawing/2014/main" id="{6D2EC8F3-E0FA-4A9F-8CBB-EC1720BB0570}"/>
+              </a:ext>
+            </a:extLst>
+          </p:cNvPr>
+          <p:cNvSpPr/>
+          <p:nvPr/>
+        </p:nvSpPr>
+        <p:spPr>
+          <a:xfrm>
+            <a:off x="332537" y="6142892"/>
+            <a:ext cx="505662" cy="396020"/>
+          </a:xfrm>
+          <a:prstGeom prst="actionButtonForwardNext">
+            <a:avLst/>
+          </a:prstGeom>
+          <a:solidFill>
+            <a:schemeClr val="bg1">
+              <a:lumMod val="85000"/>
+            </a:schemeClr>
+          </a:solidFill>
+          <a:ln>
+            <a:solidFill>
+              <a:schemeClr val="bg2">
+                <a:lumMod val="90000"/>
+              </a:schemeClr>
+            </a:solidFill>
+          </a:ln>
+        </p:spPr>
+        <p:style>
+          <a:lnRef idx="2">
+            <a:schemeClr val="accent1">
+              <a:shade val="50000"/>
+            </a:schemeClr>
+          </a:lnRef>
+          <a:fillRef idx="1">
+            <a:schemeClr val="accent1"/>
+          </a:fillRef>
+          <a:effectRef idx="0">
+            <a:schemeClr val="accent1"/>
+          </a:effectRef>
+          <a:fontRef idx="minor">
+            <a:schemeClr val="lt1"/>
+          </a:fontRef>
+        </p:style>
+        <p:txBody>
+          <a:bodyPr rtlCol="0" anchor="ctr"/>
+          <a:lstStyle/>
+          <a:p>
+            <a:pPr algn="ctr"/>
+            <a:endParaRPr lang="de-DE"/>
+          </a:p>
+        </p:txBody>
+      </p:sp>
+      <p:pic>
+        <p:nvPicPr>
+          <p:cNvPr id="2" name="Grafik 1">
+            <a:extLst>
+              <a:ext uri="{FF2B5EF4-FFF2-40B4-BE49-F238E27FC236}">
+                <a16:creationId xmlns:a16="http://schemas.microsoft.com/office/drawing/2014/main" id="{3DF78873-5FA5-4EA9-BEED-6B69013431A2}"/>
+              </a:ext>
+            </a:extLst>
+          </p:cNvPr>
+          <p:cNvPicPr>
+            <a:picLocks noChangeAspect="1"/>
+          </p:cNvPicPr>
+          <p:nvPr/>
+        </p:nvPicPr>
+        <p:blipFill>
+          <a:blip r:embed="rId3"/>
+          <a:stretch>
+            <a:fillRect/>
+          </a:stretch>
+        </p:blipFill>
+        <p:spPr>
+          <a:xfrm>
+            <a:off x="1265638" y="648651"/>
+            <a:ext cx="10084118" cy="6267085"/>
+          </a:xfrm>
+          <a:prstGeom prst="rect">
+            <a:avLst/>
+          </a:prstGeom>
+        </p:spPr>
+      </p:pic>
+    </p:spTree>
+    <p:extLst>
+      <p:ext uri="{BB962C8B-B14F-4D97-AF65-F5344CB8AC3E}">
+        <p14:creationId xmlns:p14="http://schemas.microsoft.com/office/powerpoint/2010/main" val="185563580"/>
+      </p:ext>
+    </p:extLst>
+  </p:cSld>
+  <p:clrMapOvr>
+    <a:masterClrMapping/>
+  </p:clrMapOvr>
+</p:sld>
+</file>
+
+<file path=ppt/slides/slide23.xml><?xml version="1.0" encoding="utf-8"?>
+<p:sld xmlns:a="http://schemas.openxmlformats.org/drawingml/2006/main" xmlns:r="http://schemas.openxmlformats.org/officeDocument/2006/relationships" xmlns:p="http://schemas.openxmlformats.org/presentationml/2006/main">
+  <p:cSld>
+    <p:spTree>
+      <p:nvGrpSpPr>
+        <p:cNvPr id="1" name=""/>
+        <p:cNvGrpSpPr/>
+        <p:nvPr/>
+      </p:nvGrpSpPr>
+      <p:grpSpPr>
+        <a:xfrm>
+          <a:off x="0" y="0"/>
+          <a:ext cx="0" cy="0"/>
+          <a:chOff x="0" y="0"/>
+          <a:chExt cx="0" cy="0"/>
+        </a:xfrm>
+      </p:grpSpPr>
+      <p:sp>
+        <p:nvSpPr>
+          <p:cNvPr id="4" name="Fußzeilenplatzhalter 3">
+            <a:extLst>
+              <a:ext uri="{FF2B5EF4-FFF2-40B4-BE49-F238E27FC236}">
+                <a16:creationId xmlns:a16="http://schemas.microsoft.com/office/drawing/2014/main" id="{16F63B71-9DCA-4E29-A33C-A5817A2E808C}"/>
+              </a:ext>
+            </a:extLst>
+          </p:cNvPr>
+          <p:cNvSpPr>
+            <a:spLocks noGrp="1"/>
+          </p:cNvSpPr>
+          <p:nvPr>
+            <p:ph type="ftr" sz="quarter" idx="11"/>
+          </p:nvPr>
+        </p:nvSpPr>
+        <p:spPr/>
+        <p:txBody>
+          <a:bodyPr/>
+          <a:lstStyle/>
+          <a:p>
+            <a:r>
+              <a:rPr lang="de-DE"/>
+              <a:t>Application Project "Umsatzprognose Bäckerei"</a:t>
+            </a:r>
+          </a:p>
+        </p:txBody>
+      </p:sp>
+      <p:sp>
+        <p:nvSpPr>
+          <p:cNvPr id="5" name="Foliennummernplatzhalter 4">
+            <a:extLst>
+              <a:ext uri="{FF2B5EF4-FFF2-40B4-BE49-F238E27FC236}">
+                <a16:creationId xmlns:a16="http://schemas.microsoft.com/office/drawing/2014/main" id="{3B37C111-C299-456C-AE5F-E0E6F2CA0C65}"/>
+              </a:ext>
+            </a:extLst>
+          </p:cNvPr>
+          <p:cNvSpPr>
+            <a:spLocks noGrp="1"/>
+          </p:cNvSpPr>
+          <p:nvPr>
+            <p:ph type="sldNum" sz="quarter" idx="12"/>
+          </p:nvPr>
+        </p:nvSpPr>
+        <p:spPr/>
+        <p:txBody>
+          <a:bodyPr/>
+          <a:lstStyle/>
+          <a:p>
+            <a:fld id="{9C75FA27-ABA3-44D1-A3BB-EAEC5689F51E}" type="slidenum">
+              <a:rPr lang="de-DE" smtClean="0"/>
+              <a:t>23</a:t>
+            </a:fld>
+            <a:endParaRPr lang="de-DE"/>
+          </a:p>
+        </p:txBody>
+      </p:sp>
+      <p:pic>
+        <p:nvPicPr>
+          <p:cNvPr id="2" name="Grafik 1">
+            <a:extLst>
+              <a:ext uri="{FF2B5EF4-FFF2-40B4-BE49-F238E27FC236}">
+                <a16:creationId xmlns:a16="http://schemas.microsoft.com/office/drawing/2014/main" id="{E3FF49E8-B53B-4277-91D2-56F085FDD7CE}"/>
+              </a:ext>
+            </a:extLst>
+          </p:cNvPr>
+          <p:cNvPicPr>
+            <a:picLocks noChangeAspect="1"/>
+          </p:cNvPicPr>
+          <p:nvPr/>
+        </p:nvPicPr>
+        <p:blipFill>
+          <a:blip r:embed="rId2"/>
+          <a:stretch>
+            <a:fillRect/>
+          </a:stretch>
+        </p:blipFill>
+        <p:spPr>
+          <a:xfrm>
+            <a:off x="1583923" y="539447"/>
+            <a:ext cx="9226951" cy="5908977"/>
+          </a:xfrm>
+          <a:prstGeom prst="rect">
+            <a:avLst/>
+          </a:prstGeom>
+        </p:spPr>
+      </p:pic>
+      <p:sp>
+        <p:nvSpPr>
+          <p:cNvPr id="9" name="Titel 1">
+            <a:extLst>
+              <a:ext uri="{FF2B5EF4-FFF2-40B4-BE49-F238E27FC236}">
+                <a16:creationId xmlns:a16="http://schemas.microsoft.com/office/drawing/2014/main" id="{605F0B5C-04B5-4DC7-AB62-259843635722}"/>
+              </a:ext>
+            </a:extLst>
+          </p:cNvPr>
+          <p:cNvSpPr>
+            <a:spLocks noGrp="1"/>
+          </p:cNvSpPr>
+          <p:nvPr>
+            <p:ph type="title"/>
+          </p:nvPr>
+        </p:nvSpPr>
+        <p:spPr>
+          <a:xfrm>
+            <a:off x="92476" y="1"/>
+            <a:ext cx="10515600" cy="976544"/>
+          </a:xfrm>
+        </p:spPr>
+        <p:txBody>
+          <a:bodyPr/>
+          <a:lstStyle/>
+          <a:p>
+            <a:r>
+              <a:rPr lang="de-DE" dirty="0"/>
+              <a:t>Anhang</a:t>
+            </a:r>
+          </a:p>
+        </p:txBody>
+      </p:sp>
+    </p:spTree>
+    <p:extLst>
+      <p:ext uri="{BB962C8B-B14F-4D97-AF65-F5344CB8AC3E}">
+        <p14:creationId xmlns:p14="http://schemas.microsoft.com/office/powerpoint/2010/main" val="3997722087"/>
+      </p:ext>
+    </p:extLst>
+  </p:cSld>
+  <p:clrMapOvr>
+    <a:masterClrMapping/>
+  </p:clrMapOvr>
+</p:sld>
+</file>
+
+<file path=ppt/slides/slide24.xml><?xml version="1.0" encoding="utf-8"?>
+<p:sld xmlns:a="http://schemas.openxmlformats.org/drawingml/2006/main" xmlns:r="http://schemas.openxmlformats.org/officeDocument/2006/relationships" xmlns:p="http://schemas.openxmlformats.org/presentationml/2006/main">
+  <p:cSld>
+    <p:spTree>
+      <p:nvGrpSpPr>
+        <p:cNvPr id="1" name=""/>
+        <p:cNvGrpSpPr/>
+        <p:nvPr/>
+      </p:nvGrpSpPr>
+      <p:grpSpPr>
+        <a:xfrm>
+          <a:off x="0" y="0"/>
+          <a:ext cx="0" cy="0"/>
+          <a:chOff x="0" y="0"/>
+          <a:chExt cx="0" cy="0"/>
+        </a:xfrm>
+      </p:grpSpPr>
+      <p:sp>
+        <p:nvSpPr>
+          <p:cNvPr id="4" name="Fußzeilenplatzhalter 3">
+            <a:extLst>
+              <a:ext uri="{FF2B5EF4-FFF2-40B4-BE49-F238E27FC236}">
+                <a16:creationId xmlns:a16="http://schemas.microsoft.com/office/drawing/2014/main" id="{16F63B71-9DCA-4E29-A33C-A5817A2E808C}"/>
+              </a:ext>
+            </a:extLst>
+          </p:cNvPr>
+          <p:cNvSpPr>
+            <a:spLocks noGrp="1"/>
+          </p:cNvSpPr>
+          <p:nvPr>
+            <p:ph type="ftr" sz="quarter" idx="11"/>
+          </p:nvPr>
+        </p:nvSpPr>
+        <p:spPr/>
+        <p:txBody>
+          <a:bodyPr/>
+          <a:lstStyle/>
+          <a:p>
+            <a:r>
+              <a:rPr lang="de-DE"/>
+              <a:t>Application Project "Umsatzprognose Bäckerei"</a:t>
+            </a:r>
+          </a:p>
+        </p:txBody>
+      </p:sp>
+      <p:sp>
+        <p:nvSpPr>
+          <p:cNvPr id="5" name="Foliennummernplatzhalter 4">
+            <a:extLst>
+              <a:ext uri="{FF2B5EF4-FFF2-40B4-BE49-F238E27FC236}">
+                <a16:creationId xmlns:a16="http://schemas.microsoft.com/office/drawing/2014/main" id="{3B37C111-C299-456C-AE5F-E0E6F2CA0C65}"/>
+              </a:ext>
+            </a:extLst>
+          </p:cNvPr>
+          <p:cNvSpPr>
+            <a:spLocks noGrp="1"/>
+          </p:cNvSpPr>
+          <p:nvPr>
+            <p:ph type="sldNum" sz="quarter" idx="12"/>
+          </p:nvPr>
+        </p:nvSpPr>
+        <p:spPr/>
+        <p:txBody>
+          <a:bodyPr/>
+          <a:lstStyle/>
+          <a:p>
+            <a:fld id="{9C75FA27-ABA3-44D1-A3BB-EAEC5689F51E}" type="slidenum">
+              <a:rPr lang="de-DE" smtClean="0"/>
+              <a:t>24</a:t>
+            </a:fld>
+            <a:endParaRPr lang="de-DE"/>
+          </a:p>
+        </p:txBody>
+      </p:sp>
+      <p:sp>
+        <p:nvSpPr>
+          <p:cNvPr id="9" name="Titel 1">
+            <a:extLst>
+              <a:ext uri="{FF2B5EF4-FFF2-40B4-BE49-F238E27FC236}">
+                <a16:creationId xmlns:a16="http://schemas.microsoft.com/office/drawing/2014/main" id="{605F0B5C-04B5-4DC7-AB62-259843635722}"/>
+              </a:ext>
+            </a:extLst>
+          </p:cNvPr>
+          <p:cNvSpPr>
+            <a:spLocks noGrp="1"/>
+          </p:cNvSpPr>
+          <p:nvPr>
+            <p:ph type="title"/>
+          </p:nvPr>
+        </p:nvSpPr>
+        <p:spPr>
+          <a:xfrm>
+            <a:off x="92476" y="1"/>
+            <a:ext cx="10515600" cy="976544"/>
+          </a:xfrm>
+        </p:spPr>
+        <p:txBody>
           <a:bodyPr/>
           <a:lstStyle/>
           <a:p>
@@ -6011,6 +7115,65 @@
           </a:prstGeom>
         </p:spPr>
       </p:pic>
+      <p:sp>
+        <p:nvSpPr>
+          <p:cNvPr id="7" name="Interaktive Schaltfläche: Nächste(r) oder Weiter 6">
+            <a:hlinkClick r:id="rId3" action="ppaction://hlinksldjump" highlightClick="1"/>
+            <a:extLst>
+              <a:ext uri="{FF2B5EF4-FFF2-40B4-BE49-F238E27FC236}">
+                <a16:creationId xmlns:a16="http://schemas.microsoft.com/office/drawing/2014/main" id="{E99D689E-039D-4AE0-A2BB-FE556AA80124}"/>
+              </a:ext>
+            </a:extLst>
+          </p:cNvPr>
+          <p:cNvSpPr/>
+          <p:nvPr/>
+        </p:nvSpPr>
+        <p:spPr>
+          <a:xfrm>
+            <a:off x="381000" y="6180509"/>
+            <a:ext cx="457200" cy="365125"/>
+          </a:xfrm>
+          <a:prstGeom prst="actionButtonForwardNext">
+            <a:avLst/>
+          </a:prstGeom>
+          <a:solidFill>
+            <a:schemeClr val="bg1">
+              <a:lumMod val="85000"/>
+            </a:schemeClr>
+          </a:solidFill>
+          <a:ln>
+            <a:solidFill>
+              <a:schemeClr val="bg2">
+                <a:lumMod val="90000"/>
+              </a:schemeClr>
+            </a:solidFill>
+          </a:ln>
+        </p:spPr>
+        <p:style>
+          <a:lnRef idx="2">
+            <a:schemeClr val="accent1">
+              <a:shade val="50000"/>
+            </a:schemeClr>
+          </a:lnRef>
+          <a:fillRef idx="1">
+            <a:schemeClr val="accent1"/>
+          </a:fillRef>
+          <a:effectRef idx="0">
+            <a:schemeClr val="accent1"/>
+          </a:effectRef>
+          <a:fontRef idx="minor">
+            <a:schemeClr val="lt1"/>
+          </a:fontRef>
+        </p:style>
+        <p:txBody>
+          <a:bodyPr rtlCol="0" anchor="ctr"/>
+          <a:lstStyle/>
+          <a:p>
+            <a:pPr algn="ctr"/>
+            <a:endParaRPr lang="de-DE"/>
+          </a:p>
+        </p:txBody>
+      </p:sp>
     </p:spTree>
     <p:extLst>
       <p:ext uri="{BB962C8B-B14F-4D97-AF65-F5344CB8AC3E}">
@@ -6558,7 +7721,7 @@
               <a:rPr lang="de-DE" smtClean="0"/>
               <a:t>4</a:t>
             </a:fld>
-            <a:endParaRPr lang="de-DE"/>
+            <a:endParaRPr lang="de-DE" dirty="0"/>
           </a:p>
         </p:txBody>
       </p:sp>
@@ -6608,8 +7771,8 @@
         </p:nvSpPr>
         <p:spPr>
           <a:xfrm>
-            <a:off x="838200" y="4280178"/>
-            <a:ext cx="8204154" cy="2441297"/>
+            <a:off x="838199" y="4280178"/>
+            <a:ext cx="8786567" cy="2441297"/>
           </a:xfrm>
           <a:prstGeom prst="rect">
             <a:avLst/>
@@ -6810,7 +7973,7 @@
           <a:p>
             <a:r>
               <a:rPr lang="de-DE" sz="2600" dirty="0"/>
-              <a:t>Und wir haben </a:t>
+              <a:t>Als weitere </a:t>
             </a:r>
             <a:r>
               <a:rPr lang="de-DE" sz="2600" b="1" dirty="0"/>
@@ -6818,7 +7981,7 @@
             </a:r>
             <a:r>
               <a:rPr lang="de-DE" sz="2600" dirty="0"/>
-              <a:t>identifiziert: Ferien, Feiertage</a:t>
+              <a:t>haben wir identifiziert: Ferien, Feiertage, Jahreszeiten</a:t>
             </a:r>
           </a:p>
         </p:txBody>
@@ -7931,12 +9094,100 @@
           <a:lstStyle/>
           <a:p>
             <a:r>
+              <a:rPr lang="de-DE" dirty="0"/>
+              <a:t>Anwendung</a:t>
+            </a:r>
+            <a:r>
               <a:rPr lang="de-DE" b="1" dirty="0"/>
-              <a:t>Beste Teilmenge </a:t>
-            </a:r>
-            <a:r>
-              <a:rPr lang="de-DE" dirty="0"/>
-              <a:t>an Regressoren („Best </a:t>
+              <a:t> </a:t>
+            </a:r>
+            <a:r>
+              <a:rPr lang="de-DE" dirty="0"/>
+              <a:t>von</a:t>
+            </a:r>
+            <a:r>
+              <a:rPr lang="de-DE" b="1" dirty="0"/>
+              <a:t> multiplen Regressionsmodellen</a:t>
+            </a:r>
+          </a:p>
+          <a:p>
+            <a:r>
+              <a:rPr lang="de-DE" b="1" dirty="0"/>
+              <a:t>Mehrstufiges Vorgehen:</a:t>
+            </a:r>
+          </a:p>
+          <a:p>
+            <a:pPr marL="914400" lvl="1" indent="-457200">
+              <a:buFont typeface="+mj-lt"/>
+              <a:buAutoNum type="arabicPeriod"/>
+            </a:pPr>
+            <a:r>
+              <a:rPr lang="de-DE" dirty="0"/>
+              <a:t>Einteilung der Daten in </a:t>
+            </a:r>
+            <a:r>
+              <a:rPr lang="de-DE" b="1" dirty="0"/>
+              <a:t>Trainings- und Testdatensatz </a:t>
+            </a:r>
+            <a:r>
+              <a:rPr lang="de-DE" dirty="0"/>
+              <a:t>sowie</a:t>
+            </a:r>
+            <a:r>
+              <a:rPr lang="de-DE" b="1" dirty="0"/>
+              <a:t> Überprüfung </a:t>
+            </a:r>
+            <a:r>
+              <a:rPr lang="de-DE" dirty="0"/>
+              <a:t>der Variablen auf</a:t>
+            </a:r>
+            <a:r>
+              <a:rPr lang="de-DE" b="1" dirty="0"/>
+              <a:t> lineare Abhängigkeit </a:t>
+            </a:r>
+            <a:r>
+              <a:rPr lang="de-DE" dirty="0"/>
+              <a:t>und</a:t>
+            </a:r>
+            <a:r>
+              <a:rPr lang="de-DE" b="1" dirty="0"/>
+              <a:t> Multikollinearität</a:t>
+            </a:r>
+          </a:p>
+          <a:p>
+            <a:pPr marL="914400" lvl="1" indent="-457200">
+              <a:buFont typeface="+mj-lt"/>
+              <a:buAutoNum type="arabicPeriod"/>
+            </a:pPr>
+            <a:r>
+              <a:rPr lang="de-DE" b="1" dirty="0"/>
+              <a:t>Auswahl </a:t>
+            </a:r>
+            <a:r>
+              <a:rPr lang="de-DE" dirty="0"/>
+              <a:t>der in die Modelle </a:t>
+            </a:r>
+            <a:r>
+              <a:rPr lang="de-DE" b="1" dirty="0"/>
+              <a:t>aufzunehmenden Variablen </a:t>
+            </a:r>
+            <a:r>
+              <a:rPr lang="de-DE" dirty="0"/>
+              <a:t>(je Warengruppe)</a:t>
+            </a:r>
+          </a:p>
+          <a:p>
+            <a:pPr marL="1371600" lvl="2" indent="-457200">
+              <a:buFont typeface="+mj-lt"/>
+              <a:buAutoNum type="alphaLcParenR"/>
+            </a:pPr>
+            <a:r>
+              <a:rPr lang="de-DE" b="1" dirty="0"/>
+              <a:t>Beste Teilmengenauswahl </a:t>
+            </a:r>
+            <a:r>
+              <a:rPr lang="de-DE" dirty="0"/>
+              <a:t>(„Best </a:t>
             </a:r>
             <a:r>
               <a:rPr lang="de-DE" dirty="0" err="1"/>
@@ -7956,6 +9207,10 @@
             </a:r>
           </a:p>
           <a:p>
+            <a:pPr marL="1371600" lvl="2" indent="-457200">
+              <a:buFont typeface="+mj-lt"/>
+              <a:buAutoNum type="alphaLcParenR"/>
+            </a:pPr>
             <a:r>
               <a:rPr lang="de-DE" b="1" dirty="0"/>
               <a:t>Schrittweise Auswahl </a:t>
@@ -7978,30 +9233,359 @@
             </a:r>
             <a:r>
               <a:rPr lang="de-DE" dirty="0"/>
-              <a:t>“)</a:t>
-            </a:r>
-          </a:p>
-          <a:p>
-            <a:pPr lvl="1"/>
+              <a:t>“): </a:t>
+            </a:r>
             <a:r>
               <a:rPr lang="de-DE" dirty="0" err="1"/>
               <a:t>forward</a:t>
             </a:r>
             <a:r>
               <a:rPr lang="de-DE" dirty="0"/>
-              <a:t> vs. </a:t>
+              <a:t> and </a:t>
             </a:r>
             <a:r>
               <a:rPr lang="de-DE" dirty="0" err="1"/>
-              <a:t>Backward</a:t>
+              <a:t>backward</a:t>
             </a:r>
             <a:endParaRPr lang="de-DE" dirty="0"/>
           </a:p>
           <a:p>
-            <a:r>
-              <a:rPr lang="de-DE" dirty="0"/>
-              <a:t>…</a:t>
-            </a:r>
+            <a:pPr marL="914400" lvl="1" indent="-457200">
+              <a:buFont typeface="+mj-lt"/>
+              <a:buAutoNum type="arabicPeriod"/>
+            </a:pPr>
+            <a:r>
+              <a:rPr lang="de-DE" dirty="0"/>
+              <a:t>Erstellung von Regressionsmodellen (je Warengruppe)</a:t>
+            </a:r>
+          </a:p>
+          <a:p>
+            <a:pPr marL="914400" lvl="1" indent="-457200">
+              <a:buFont typeface="+mj-lt"/>
+              <a:buAutoNum type="arabicPeriod"/>
+            </a:pPr>
+            <a:r>
+              <a:rPr lang="de-DE" dirty="0"/>
+              <a:t>Auswahl des jeweils besten Modells anhand vordefinierter Gütekennzahlen </a:t>
+            </a:r>
+          </a:p>
+        </p:txBody>
+      </p:sp>
+      <p:sp>
+        <p:nvSpPr>
+          <p:cNvPr id="8" name="Interaktive Schaltfläche: Nächste(r) oder Weiter 7">
+            <a:hlinkClick r:id="rId3" action="ppaction://hlinksldjump" highlightClick="1"/>
+            <a:extLst>
+              <a:ext uri="{FF2B5EF4-FFF2-40B4-BE49-F238E27FC236}">
+                <a16:creationId xmlns:a16="http://schemas.microsoft.com/office/drawing/2014/main" id="{50D1B559-C9DE-4469-B9A6-34403D1D29FC}"/>
+              </a:ext>
+            </a:extLst>
+          </p:cNvPr>
+          <p:cNvSpPr/>
+          <p:nvPr/>
+        </p:nvSpPr>
+        <p:spPr>
+          <a:xfrm>
+            <a:off x="7813431" y="3938954"/>
+            <a:ext cx="339969" cy="244902"/>
+          </a:xfrm>
+          <a:prstGeom prst="actionButtonForwardNext">
+            <a:avLst/>
+          </a:prstGeom>
+          <a:solidFill>
+            <a:schemeClr val="bg1">
+              <a:lumMod val="85000"/>
+            </a:schemeClr>
+          </a:solidFill>
+          <a:ln>
+            <a:solidFill>
+              <a:schemeClr val="bg2">
+                <a:lumMod val="90000"/>
+              </a:schemeClr>
+            </a:solidFill>
+          </a:ln>
+        </p:spPr>
+        <p:style>
+          <a:lnRef idx="2">
+            <a:schemeClr val="accent1">
+              <a:shade val="50000"/>
+            </a:schemeClr>
+          </a:lnRef>
+          <a:fillRef idx="1">
+            <a:schemeClr val="accent1"/>
+          </a:fillRef>
+          <a:effectRef idx="0">
+            <a:schemeClr val="accent1"/>
+          </a:effectRef>
+          <a:fontRef idx="minor">
+            <a:schemeClr val="lt1"/>
+          </a:fontRef>
+        </p:style>
+        <p:txBody>
+          <a:bodyPr rtlCol="0" anchor="ctr"/>
+          <a:lstStyle/>
+          <a:p>
+            <a:pPr algn="ctr"/>
+            <a:endParaRPr lang="de-DE"/>
+          </a:p>
+        </p:txBody>
+      </p:sp>
+      <p:sp>
+        <p:nvSpPr>
+          <p:cNvPr id="9" name="Interaktive Schaltfläche: Nächste(r) oder Weiter 8">
+            <a:hlinkClick r:id="rId4" action="ppaction://hlinksldjump" highlightClick="1"/>
+            <a:extLst>
+              <a:ext uri="{FF2B5EF4-FFF2-40B4-BE49-F238E27FC236}">
+                <a16:creationId xmlns:a16="http://schemas.microsoft.com/office/drawing/2014/main" id="{93F49670-E424-412B-94B5-0B879EF9F9B7}"/>
+              </a:ext>
+            </a:extLst>
+          </p:cNvPr>
+          <p:cNvSpPr/>
+          <p:nvPr/>
+        </p:nvSpPr>
+        <p:spPr>
+          <a:xfrm>
+            <a:off x="9525001" y="4278924"/>
+            <a:ext cx="339969" cy="244902"/>
+          </a:xfrm>
+          <a:prstGeom prst="actionButtonForwardNext">
+            <a:avLst/>
+          </a:prstGeom>
+          <a:solidFill>
+            <a:schemeClr val="bg1">
+              <a:lumMod val="85000"/>
+            </a:schemeClr>
+          </a:solidFill>
+          <a:ln>
+            <a:solidFill>
+              <a:schemeClr val="bg2">
+                <a:lumMod val="90000"/>
+              </a:schemeClr>
+            </a:solidFill>
+          </a:ln>
+        </p:spPr>
+        <p:style>
+          <a:lnRef idx="2">
+            <a:schemeClr val="accent1">
+              <a:shade val="50000"/>
+            </a:schemeClr>
+          </a:lnRef>
+          <a:fillRef idx="1">
+            <a:schemeClr val="accent1"/>
+          </a:fillRef>
+          <a:effectRef idx="0">
+            <a:schemeClr val="accent1"/>
+          </a:effectRef>
+          <a:fontRef idx="minor">
+            <a:schemeClr val="lt1"/>
+          </a:fontRef>
+        </p:style>
+        <p:txBody>
+          <a:bodyPr rtlCol="0" anchor="ctr"/>
+          <a:lstStyle/>
+          <a:p>
+            <a:pPr algn="ctr"/>
+            <a:endParaRPr lang="de-DE"/>
+          </a:p>
+        </p:txBody>
+      </p:sp>
+      <p:sp>
+        <p:nvSpPr>
+          <p:cNvPr id="11" name="Interaktive Schaltfläche: Nächste(r) oder Weiter 10">
+            <a:hlinkClick r:id="rId5" action="ppaction://hlinksldjump" highlightClick="1"/>
+            <a:extLst>
+              <a:ext uri="{FF2B5EF4-FFF2-40B4-BE49-F238E27FC236}">
+                <a16:creationId xmlns:a16="http://schemas.microsoft.com/office/drawing/2014/main" id="{236D4263-74A5-4796-BAB0-169C7A255F7B}"/>
+              </a:ext>
+            </a:extLst>
+          </p:cNvPr>
+          <p:cNvSpPr/>
+          <p:nvPr/>
+        </p:nvSpPr>
+        <p:spPr>
+          <a:xfrm>
+            <a:off x="10007846" y="4278924"/>
+            <a:ext cx="339969" cy="244902"/>
+          </a:xfrm>
+          <a:prstGeom prst="actionButtonForwardNext">
+            <a:avLst/>
+          </a:prstGeom>
+          <a:solidFill>
+            <a:schemeClr val="bg1">
+              <a:lumMod val="85000"/>
+            </a:schemeClr>
+          </a:solidFill>
+          <a:ln>
+            <a:solidFill>
+              <a:schemeClr val="bg2">
+                <a:lumMod val="90000"/>
+              </a:schemeClr>
+            </a:solidFill>
+          </a:ln>
+        </p:spPr>
+        <p:style>
+          <a:lnRef idx="2">
+            <a:schemeClr val="accent1">
+              <a:shade val="50000"/>
+            </a:schemeClr>
+          </a:lnRef>
+          <a:fillRef idx="1">
+            <a:schemeClr val="accent1"/>
+          </a:fillRef>
+          <a:effectRef idx="0">
+            <a:schemeClr val="accent1"/>
+          </a:effectRef>
+          <a:fontRef idx="minor">
+            <a:schemeClr val="lt1"/>
+          </a:fontRef>
+        </p:style>
+        <p:txBody>
+          <a:bodyPr rtlCol="0" anchor="ctr"/>
+          <a:lstStyle/>
+          <a:p>
+            <a:pPr algn="ctr"/>
+            <a:endParaRPr lang="de-DE"/>
+          </a:p>
+        </p:txBody>
+      </p:sp>
+      <p:pic>
+        <p:nvPicPr>
+          <p:cNvPr id="12" name="Grafik 11">
+            <a:extLst>
+              <a:ext uri="{FF2B5EF4-FFF2-40B4-BE49-F238E27FC236}">
+                <a16:creationId xmlns:a16="http://schemas.microsoft.com/office/drawing/2014/main" id="{F28516E8-DD04-48B8-BBE8-49F88BD726AF}"/>
+              </a:ext>
+            </a:extLst>
+          </p:cNvPr>
+          <p:cNvPicPr>
+            <a:picLocks noChangeAspect="1"/>
+          </p:cNvPicPr>
+          <p:nvPr/>
+        </p:nvPicPr>
+        <p:blipFill>
+          <a:blip r:embed="rId6"/>
+          <a:stretch>
+            <a:fillRect/>
+          </a:stretch>
+        </p:blipFill>
+        <p:spPr>
+          <a:xfrm>
+            <a:off x="633826" y="5486400"/>
+            <a:ext cx="11163922" cy="1233958"/>
+          </a:xfrm>
+          <a:prstGeom prst="rect">
+            <a:avLst/>
+          </a:prstGeom>
+        </p:spPr>
+      </p:pic>
+      <p:sp>
+        <p:nvSpPr>
+          <p:cNvPr id="6" name="Rechteck 5">
+            <a:extLst>
+              <a:ext uri="{FF2B5EF4-FFF2-40B4-BE49-F238E27FC236}">
+                <a16:creationId xmlns:a16="http://schemas.microsoft.com/office/drawing/2014/main" id="{19B05EF4-5BBE-4795-816C-F39D45868157}"/>
+              </a:ext>
+            </a:extLst>
+          </p:cNvPr>
+          <p:cNvSpPr/>
+          <p:nvPr/>
+        </p:nvSpPr>
+        <p:spPr>
+          <a:xfrm>
+            <a:off x="7219632" y="5485283"/>
+            <a:ext cx="721733" cy="1235076"/>
+          </a:xfrm>
+          <a:prstGeom prst="rect">
+            <a:avLst/>
+          </a:prstGeom>
+          <a:noFill/>
+          <a:ln w="19050">
+            <a:solidFill>
+              <a:srgbClr val="C00000"/>
+            </a:solidFill>
+          </a:ln>
+        </p:spPr>
+        <p:style>
+          <a:lnRef idx="2">
+            <a:schemeClr val="accent1">
+              <a:shade val="50000"/>
+            </a:schemeClr>
+          </a:lnRef>
+          <a:fillRef idx="1">
+            <a:schemeClr val="accent1"/>
+          </a:fillRef>
+          <a:effectRef idx="0">
+            <a:schemeClr val="accent1"/>
+          </a:effectRef>
+          <a:fontRef idx="minor">
+            <a:schemeClr val="lt1"/>
+          </a:fontRef>
+        </p:style>
+        <p:txBody>
+          <a:bodyPr rtlCol="0" anchor="ctr"/>
+          <a:lstStyle/>
+          <a:p>
+            <a:pPr algn="ctr"/>
+            <a:endParaRPr lang="de-DE"/>
+          </a:p>
+        </p:txBody>
+      </p:sp>
+      <p:sp>
+        <p:nvSpPr>
+          <p:cNvPr id="13" name="Interaktive Schaltfläche: Nächste(r) oder Weiter 12">
+            <a:hlinkClick r:id="rId7" action="ppaction://hlinksldjump" highlightClick="1"/>
+            <a:extLst>
+              <a:ext uri="{FF2B5EF4-FFF2-40B4-BE49-F238E27FC236}">
+                <a16:creationId xmlns:a16="http://schemas.microsoft.com/office/drawing/2014/main" id="{7DC01CE4-C116-4029-B593-B2D9AE7E32C5}"/>
+              </a:ext>
+            </a:extLst>
+          </p:cNvPr>
+          <p:cNvSpPr/>
+          <p:nvPr/>
+        </p:nvSpPr>
+        <p:spPr>
+          <a:xfrm>
+            <a:off x="11235804" y="5048227"/>
+            <a:ext cx="339969" cy="244902"/>
+          </a:xfrm>
+          <a:prstGeom prst="actionButtonForwardNext">
+            <a:avLst/>
+          </a:prstGeom>
+          <a:solidFill>
+            <a:schemeClr val="bg1">
+              <a:lumMod val="85000"/>
+            </a:schemeClr>
+          </a:solidFill>
+          <a:ln>
+            <a:solidFill>
+              <a:schemeClr val="bg2">
+                <a:lumMod val="90000"/>
+              </a:schemeClr>
+            </a:solidFill>
+          </a:ln>
+        </p:spPr>
+        <p:style>
+          <a:lnRef idx="2">
+            <a:schemeClr val="accent1">
+              <a:shade val="50000"/>
+            </a:schemeClr>
+          </a:lnRef>
+          <a:fillRef idx="1">
+            <a:schemeClr val="accent1"/>
+          </a:fillRef>
+          <a:effectRef idx="0">
+            <a:schemeClr val="accent1"/>
+          </a:effectRef>
+          <a:fontRef idx="minor">
+            <a:schemeClr val="lt1"/>
+          </a:fontRef>
+        </p:style>
+        <p:txBody>
+          <a:bodyPr rtlCol="0" anchor="ctr"/>
+          <a:lstStyle/>
+          <a:p>
+            <a:pPr algn="ctr"/>
+            <a:endParaRPr lang="de-DE"/>
           </a:p>
         </p:txBody>
       </p:sp>
@@ -8157,7 +9741,7 @@
     </p:spTree>
     <p:extLst>
       <p:ext uri="{BB962C8B-B14F-4D97-AF65-F5344CB8AC3E}">
-        <p14:creationId xmlns:p14="http://schemas.microsoft.com/office/powerpoint/2010/main" val="2116034065"/>
+        <p14:creationId xmlns:p14="http://schemas.microsoft.com/office/powerpoint/2010/main" val="1110697242"/>
       </p:ext>
     </p:extLst>
   </p:cSld>
@@ -8662,6 +10246,65 @@
               <a:buNone/>
             </a:pPr>
             <a:endParaRPr lang="de-DE" dirty="0"/>
+          </a:p>
+        </p:txBody>
+      </p:sp>
+      <p:sp>
+        <p:nvSpPr>
+          <p:cNvPr id="8" name="Interaktive Schaltfläche: Nächste(r) oder Weiter 7">
+            <a:hlinkClick r:id="rId5" action="ppaction://hlinksldjump" highlightClick="1"/>
+            <a:extLst>
+              <a:ext uri="{FF2B5EF4-FFF2-40B4-BE49-F238E27FC236}">
+                <a16:creationId xmlns:a16="http://schemas.microsoft.com/office/drawing/2014/main" id="{C3515AA0-4901-47D4-A037-3046B0899298}"/>
+              </a:ext>
+            </a:extLst>
+          </p:cNvPr>
+          <p:cNvSpPr/>
+          <p:nvPr/>
+        </p:nvSpPr>
+        <p:spPr>
+          <a:xfrm>
+            <a:off x="381000" y="6180509"/>
+            <a:ext cx="457200" cy="365125"/>
+          </a:xfrm>
+          <a:prstGeom prst="actionButtonForwardNext">
+            <a:avLst/>
+          </a:prstGeom>
+          <a:solidFill>
+            <a:schemeClr val="bg1">
+              <a:lumMod val="85000"/>
+            </a:schemeClr>
+          </a:solidFill>
+          <a:ln>
+            <a:solidFill>
+              <a:schemeClr val="bg2">
+                <a:lumMod val="90000"/>
+              </a:schemeClr>
+            </a:solidFill>
+          </a:ln>
+        </p:spPr>
+        <p:style>
+          <a:lnRef idx="2">
+            <a:schemeClr val="accent1">
+              <a:shade val="50000"/>
+            </a:schemeClr>
+          </a:lnRef>
+          <a:fillRef idx="1">
+            <a:schemeClr val="accent1"/>
+          </a:fillRef>
+          <a:effectRef idx="0">
+            <a:schemeClr val="accent1"/>
+          </a:effectRef>
+          <a:fontRef idx="minor">
+            <a:schemeClr val="lt1"/>
+          </a:fontRef>
+        </p:style>
+        <p:txBody>
+          <a:bodyPr rtlCol="0" anchor="ctr"/>
+          <a:lstStyle/>
+          <a:p>
+            <a:pPr algn="ctr"/>
+            <a:endParaRPr lang="de-DE"/>
           </a:p>
         </p:txBody>
       </p:sp>

--- a/ApplicationProject_UmsatzprognoseBäckerei_v2.pptx
+++ b/ApplicationProject_UmsatzprognoseBäckerei_v2.pptx
@@ -9112,7 +9112,7 @@
           </a:p>
           <a:p>
             <a:r>
-              <a:rPr lang="de-DE" b="1" dirty="0"/>
+              <a:rPr lang="de-DE" dirty="0"/>
               <a:t>Mehrstufiges Vorgehen:</a:t>
             </a:r>
           </a:p>
@@ -9256,7 +9256,15 @@
             </a:pPr>
             <a:r>
               <a:rPr lang="de-DE" dirty="0"/>
-              <a:t>Erstellung von Regressionsmodellen (je Warengruppe)</a:t>
+              <a:t>Erstellung von </a:t>
+            </a:r>
+            <a:r>
+              <a:rPr lang="de-DE" b="1" dirty="0"/>
+              <a:t>Regressionsmodellen</a:t>
+            </a:r>
+            <a:r>
+              <a:rPr lang="de-DE" dirty="0"/>
+              <a:t> (je Warengruppe)</a:t>
             </a:r>
           </a:p>
           <a:p>
@@ -9265,8 +9273,20 @@
               <a:buAutoNum type="arabicPeriod"/>
             </a:pPr>
             <a:r>
-              <a:rPr lang="de-DE" dirty="0"/>
-              <a:t>Auswahl des jeweils besten Modells anhand vordefinierter Gütekennzahlen </a:t>
+              <a:rPr lang="de-DE" b="1" dirty="0"/>
+              <a:t>Auswahl</a:t>
+            </a:r>
+            <a:r>
+              <a:rPr lang="de-DE" dirty="0"/>
+              <a:t> des jeweils </a:t>
+            </a:r>
+            <a:r>
+              <a:rPr lang="de-DE" b="1" dirty="0"/>
+              <a:t>besten Modells </a:t>
+            </a:r>
+            <a:r>
+              <a:rPr lang="de-DE" dirty="0"/>
+              <a:t>anhand vordefinierter Gütekennzahlen </a:t>
             </a:r>
           </a:p>
         </p:txBody>

--- a/ApplicationProject_UmsatzprognoseBäckerei_v2.pptx
+++ b/ApplicationProject_UmsatzprognoseBäckerei_v2.pptx
@@ -5,7 +5,7 @@
     <p:sldMasterId id="2147483648" r:id="rId1"/>
   </p:sldMasterIdLst>
   <p:notesMasterIdLst>
-    <p:notesMasterId r:id="rId29"/>
+    <p:notesMasterId r:id="rId31"/>
   </p:notesMasterIdLst>
   <p:sldIdLst>
     <p:sldId id="256" r:id="rId2"/>
@@ -20,21 +20,23 @@
     <p:sldId id="265" r:id="rId11"/>
     <p:sldId id="266" r:id="rId12"/>
     <p:sldId id="267" r:id="rId13"/>
-    <p:sldId id="284" r:id="rId14"/>
-    <p:sldId id="276" r:id="rId15"/>
-    <p:sldId id="275" r:id="rId16"/>
-    <p:sldId id="262" r:id="rId17"/>
-    <p:sldId id="269" r:id="rId18"/>
-    <p:sldId id="270" r:id="rId19"/>
-    <p:sldId id="273" r:id="rId20"/>
-    <p:sldId id="274" r:id="rId21"/>
-    <p:sldId id="271" r:id="rId22"/>
-    <p:sldId id="278" r:id="rId23"/>
-    <p:sldId id="279" r:id="rId24"/>
-    <p:sldId id="282" r:id="rId25"/>
-    <p:sldId id="281" r:id="rId26"/>
-    <p:sldId id="277" r:id="rId27"/>
-    <p:sldId id="272" r:id="rId28"/>
+    <p:sldId id="276" r:id="rId14"/>
+    <p:sldId id="275" r:id="rId15"/>
+    <p:sldId id="262" r:id="rId16"/>
+    <p:sldId id="286" r:id="rId17"/>
+    <p:sldId id="287" r:id="rId18"/>
+    <p:sldId id="269" r:id="rId19"/>
+    <p:sldId id="270" r:id="rId20"/>
+    <p:sldId id="273" r:id="rId21"/>
+    <p:sldId id="274" r:id="rId22"/>
+    <p:sldId id="271" r:id="rId23"/>
+    <p:sldId id="278" r:id="rId24"/>
+    <p:sldId id="279" r:id="rId25"/>
+    <p:sldId id="282" r:id="rId26"/>
+    <p:sldId id="281" r:id="rId27"/>
+    <p:sldId id="277" r:id="rId28"/>
+    <p:sldId id="272" r:id="rId29"/>
+    <p:sldId id="288" r:id="rId30"/>
   </p:sldIdLst>
   <p:sldSz cx="12192000" cy="6858000"/>
   <p:notesSz cx="6858000" cy="9144000"/>
@@ -190,7 +192,7 @@
             </a:lvl1pPr>
           </a:lstStyle>
           <a:p>
-            <a:endParaRPr lang="de-DE"/>
+            <a:endParaRPr lang="de-DE" dirty="0"/>
           </a:p>
         </p:txBody>
       </p:sp>
@@ -223,9 +225,9 @@
           <a:p>
             <a:fld id="{64EB8CAC-2C73-41BC-842E-00A0647E69E9}" type="datetimeFigureOut">
               <a:rPr lang="de-DE" smtClean="0"/>
-              <a:t>15.06.2020</a:t>
+              <a:t>16.06.2020</a:t>
             </a:fld>
-            <a:endParaRPr lang="de-DE"/>
+            <a:endParaRPr lang="de-DE" dirty="0"/>
           </a:p>
         </p:txBody>
       </p:sp>
@@ -258,7 +260,7 @@
           <a:bodyPr vert="horz" lIns="91440" tIns="45720" rIns="91440" bIns="45720" rtlCol="0" anchor="ctr"/>
           <a:lstStyle/>
           <a:p>
-            <a:endParaRPr lang="de-DE"/>
+            <a:endParaRPr lang="de-DE" dirty="0"/>
           </a:p>
         </p:txBody>
       </p:sp>
@@ -348,7 +350,7 @@
             </a:lvl1pPr>
           </a:lstStyle>
           <a:p>
-            <a:endParaRPr lang="de-DE"/>
+            <a:endParaRPr lang="de-DE" dirty="0"/>
           </a:p>
         </p:txBody>
       </p:sp>
@@ -383,7 +385,7 @@
               <a:rPr lang="de-DE" smtClean="0"/>
               <a:t>‹Nr.›</a:t>
             </a:fld>
-            <a:endParaRPr lang="de-DE"/>
+            <a:endParaRPr lang="de-DE" dirty="0"/>
           </a:p>
         </p:txBody>
       </p:sp>
@@ -534,171 +536,7 @@
           <a:bodyPr/>
           <a:lstStyle/>
           <a:p>
-            <a:r>
-              <a:rPr lang="de-DE" dirty="0"/>
-              <a:t>In einem nächsten Schritt wird mit der linearen Regression ein traditionelles statistisches Modell zur Prognose der Bäckereiumsätze eingesetzt. Die lineare Regression ist ein sehr einfacher Ansatz für das sog. "überwachte Lernen" (</a:t>
-            </a:r>
-            <a:r>
-              <a:rPr lang="de-DE" dirty="0" err="1"/>
-              <a:t>supervised</a:t>
-            </a:r>
-            <a:r>
-              <a:rPr lang="de-DE" dirty="0"/>
-              <a:t> </a:t>
-            </a:r>
-            <a:r>
-              <a:rPr lang="de-DE" dirty="0" err="1"/>
-              <a:t>learning</a:t>
-            </a:r>
-            <a:r>
-              <a:rPr lang="de-DE" dirty="0"/>
-              <a:t>). Lineare Regressionsmodelle sind insbesondere ein nützliches Werkzeug zur Vorhersage einer quantitativen Output-Variable, die in diesem Fall dem Umsatz pro Tag entspricht. Die Inputvariablen können auch nominal oder ordinal sein. </a:t>
-            </a:r>
-          </a:p>
-          <a:p>
             <a:endParaRPr lang="de-DE" dirty="0"/>
-          </a:p>
-          <a:p>
-            <a:r>
-              <a:rPr lang="de-DE" dirty="0"/>
-              <a:t>Bei der Anwendung der linearen Regression sind wir in mehreren Stufen vorgegangen. Der erste Schritt bestand daraus, einen Trainings- und Testdatensatz zu erzeugen. Der Trainingsdatensatz beinhaltete die Daten aus den Jahren 2014 – 2017, der Testdatensatz umfasste die Daten aus dem Jahr 2018.</a:t>
-            </a:r>
-          </a:p>
-          <a:p>
-            <a:endParaRPr lang="de-DE" dirty="0"/>
-          </a:p>
-          <a:p>
-            <a:r>
-              <a:rPr lang="de-DE" dirty="0"/>
-              <a:t>Des Weiteren wurden die potentiellen Inputvariablen auf lineare Abhängigkeiten und Multikollinearität untersucht, denn zum einen dürfen für die Erstellung linearer Modelle keine linearen Abhängigkeiten zwischen den einzelnen Variablen bestehen; zum anderen wird die Lösung des Regressionsmodells bei Vorhandensein von Multikollinearität instabil.</a:t>
-            </a:r>
-          </a:p>
-          <a:p>
-            <a:endParaRPr lang="de-DE" dirty="0"/>
-          </a:p>
-          <a:p>
-            <a:r>
-              <a:rPr lang="de-DE" dirty="0"/>
-              <a:t>In einem weiteren Schritt haben wir uns einem der spannendsten Fragen gewidmet: Welche von unseren 37 Inputvariablen sind denn nun am besten geeignet um ein gutes Regressionsmodell zu erhalten? Sind es für alle Warengruppen die gleichen Inputvariablen oder sieht man Unterschiede? Und vor allem, wie wählen wir diese aus? </a:t>
-            </a:r>
-          </a:p>
-          <a:p>
-            <a:endParaRPr lang="de-DE" dirty="0"/>
-          </a:p>
-          <a:p>
-            <a:r>
-              <a:rPr lang="de-DE" dirty="0"/>
-              <a:t>Wir haben zur Auswahl der am besten geeigneten Variablen je Warengruppe zum einen die </a:t>
-            </a:r>
-            <a:r>
-              <a:rPr lang="de-DE" dirty="0" err="1"/>
-              <a:t>best</a:t>
-            </a:r>
-            <a:r>
-              <a:rPr lang="de-DE" dirty="0"/>
-              <a:t> </a:t>
-            </a:r>
-            <a:r>
-              <a:rPr lang="de-DE" dirty="0" err="1"/>
-              <a:t>subset</a:t>
-            </a:r>
-            <a:r>
-              <a:rPr lang="de-DE" dirty="0"/>
-              <a:t> </a:t>
-            </a:r>
-            <a:r>
-              <a:rPr lang="de-DE" dirty="0" err="1"/>
-              <a:t>selection</a:t>
-            </a:r>
-            <a:r>
-              <a:rPr lang="de-DE" dirty="0"/>
-              <a:t> genutzt, zum anderen die </a:t>
-            </a:r>
-            <a:r>
-              <a:rPr lang="de-DE" dirty="0" err="1"/>
-              <a:t>stepwise</a:t>
-            </a:r>
-            <a:r>
-              <a:rPr lang="de-DE" dirty="0"/>
-              <a:t> </a:t>
-            </a:r>
-            <a:r>
-              <a:rPr lang="de-DE" dirty="0" err="1"/>
-              <a:t>selection</a:t>
-            </a:r>
-            <a:r>
-              <a:rPr lang="de-DE" dirty="0"/>
-              <a:t> und dabei sowohl </a:t>
-            </a:r>
-            <a:r>
-              <a:rPr lang="de-DE" dirty="0" err="1"/>
-              <a:t>forward</a:t>
-            </a:r>
-            <a:r>
-              <a:rPr lang="de-DE" dirty="0"/>
-              <a:t> als auch </a:t>
-            </a:r>
-            <a:r>
-              <a:rPr lang="de-DE" dirty="0" err="1"/>
-              <a:t>backward</a:t>
-            </a:r>
-            <a:r>
-              <a:rPr lang="de-DE" dirty="0"/>
-              <a:t>-Vorgehen berücksichtigt.</a:t>
-            </a:r>
-          </a:p>
-          <a:p>
-            <a:endParaRPr lang="de-DE" dirty="0"/>
-          </a:p>
-          <a:p>
-            <a:r>
-              <a:rPr lang="de-DE" dirty="0"/>
-              <a:t>Die verschiedenen Verfahren führten mitunter zu unterschiedlichen Vorschlägen bzgl. der einzubeziehenden Variablen, weshalb für jeder Warengruppe unterschiedliche Variablen einbezogen wurden, sowohl hinsichtlich der Anzahl als auch inhaltlich und somit natürlich auch unterschiedliche Modelle erstellt wurden. Diese Modelle haben wir dann wiederum anhand vorher definierter Gütekriterien miteinander verglichen und für jede Warengruppe das beste Modell ausgewählt.</a:t>
-            </a:r>
-          </a:p>
-          <a:p>
-            <a:endParaRPr lang="de-DE" dirty="0"/>
-          </a:p>
-          <a:p>
-            <a:r>
-              <a:rPr lang="de-DE" dirty="0"/>
-              <a:t>Wir haben bei der Auswahl der Modelle festgestellt, dass die einzubeziehenden Variablen mitunter stark voneinander abweichen, wenn man die unterschiedlichen Warengruppen betrachtet. Zudem performen Regressionsmodelle insgesamt für die unterschiedlichen Warengruppen unterschiedlich gut.</a:t>
-            </a:r>
-          </a:p>
-          <a:p>
-            <a:endParaRPr lang="de-DE" dirty="0"/>
-          </a:p>
-          <a:p>
-            <a:r>
-              <a:rPr lang="de-DE" dirty="0"/>
-              <a:t>Dann fällt auf, dass die Schätzer für die Warengruppe 1 und 3 offenbar systematisch zu niedrig sind, weil die mittlere relative Abweichung bei -8% liegt. Warengruppe 4 wird dagegen konsequent zu hoch geschätzt. Für die Warengruppen 2 und 5 liegt der Wert näher an Null bzw. ist gleich 0.</a:t>
-            </a:r>
-          </a:p>
-          <a:p>
-            <a:endParaRPr lang="de-DE" dirty="0"/>
-          </a:p>
-          <a:p>
-            <a:r>
-              <a:rPr lang="de-DE" dirty="0"/>
-              <a:t>Und der mittlere gewichtete Absolutwert der relativen Abweichung (WAPE), den wir vorrangig als Güte-Kriterium im Auge haben, zeigt den niedrigsten Wert für Warengruppe 2, gefolgt von Warengruppe 5. Ähnliche Ergebnisse hatten wir auch mit dem besten naiven Modell erzielt: Dort konnten mit dem erweiterten gleitenden Durchschnitt der letzten 4 Wochen- bzw. Wochenendtage die besten Ergebnisse für die Warengruppen insgesamt erzielt werden und für die Warengruppe 2 lag der WAPE ebenfalls bei 11.</a:t>
-            </a:r>
-          </a:p>
-          <a:p>
-            <a:endParaRPr lang="de-DE" dirty="0"/>
-          </a:p>
-          <a:p>
-            <a:r>
-              <a:rPr lang="de-DE" dirty="0"/>
-              <a:t>Wir haben uns dann den Verfahren aus dem Bereich </a:t>
-            </a:r>
-            <a:r>
-              <a:rPr lang="de-DE" dirty="0" err="1"/>
-              <a:t>Machine</a:t>
-            </a:r>
-            <a:r>
-              <a:rPr lang="de-DE" dirty="0"/>
-              <a:t> Learning und Deep Learning gewidmet und wollten rausfinden, ob sich damit noch bessere Ergebnisse erzielen lassen.</a:t>
-            </a:r>
           </a:p>
         </p:txBody>
       </p:sp>
@@ -721,7 +559,7 @@
               <a:rPr lang="de-DE" smtClean="0"/>
               <a:t>8</a:t>
             </a:fld>
-            <a:endParaRPr lang="de-DE"/>
+            <a:endParaRPr lang="de-DE" dirty="0"/>
           </a:p>
         </p:txBody>
       </p:sp>
@@ -782,271 +620,6 @@
           <a:bodyPr/>
           <a:lstStyle/>
           <a:p>
-            <a:r>
-              <a:rPr lang="de-DE" dirty="0"/>
-              <a:t>In einem weiteren Schritt haben wir mit den Entscheidungsbäumen ein erstes </a:t>
-            </a:r>
-            <a:r>
-              <a:rPr lang="de-DE" dirty="0" err="1"/>
-              <a:t>Machine</a:t>
-            </a:r>
-            <a:r>
-              <a:rPr lang="de-DE" dirty="0"/>
-              <a:t> Learning-Verfahren angewendet.</a:t>
-            </a:r>
-          </a:p>
-          <a:p>
-            <a:endParaRPr lang="de-DE" dirty="0"/>
-          </a:p>
-          <a:p>
-            <a:r>
-              <a:rPr lang="de-DE" dirty="0"/>
-              <a:t>Es gibt viele Methoden zur Konstruktion von Entscheidungsbäumen, aber eine der ältesten ist der von </a:t>
-            </a:r>
-            <a:r>
-              <a:rPr lang="de-DE" dirty="0" err="1"/>
-              <a:t>Breiman</a:t>
-            </a:r>
-            <a:r>
-              <a:rPr lang="de-DE" dirty="0"/>
-              <a:t> et al. entwickelte Klassifizierungs- und Regressionsbaumansatz (CART). (1984). Dieses Projekt konzentriert sich auf den Regressionsteil von CART.</a:t>
-            </a:r>
-          </a:p>
-          <a:p>
-            <a:endParaRPr lang="de-DE" dirty="0"/>
-          </a:p>
-          <a:p>
-            <a:r>
-              <a:rPr lang="de-DE" dirty="0"/>
-              <a:t>Wir haben erneut die Daten in einen Trainings- und Testdatensatz unterteilt und dann je Warengruppe einen ersten Regressionsbaum erstellt. </a:t>
-            </a:r>
-          </a:p>
-          <a:p>
-            <a:endParaRPr lang="de-DE" dirty="0"/>
-          </a:p>
-          <a:p>
-            <a:r>
-              <a:rPr lang="de-DE" dirty="0"/>
-              <a:t>In R können Regressionsbäume mit der Funktion </a:t>
-            </a:r>
-            <a:r>
-              <a:rPr lang="de-DE" dirty="0" err="1"/>
-              <a:t>rpart</a:t>
-            </a:r>
-            <a:r>
-              <a:rPr lang="de-DE" dirty="0"/>
-              <a:t> erstellt und mit </a:t>
-            </a:r>
-            <a:r>
-              <a:rPr lang="de-DE" dirty="0" err="1"/>
-              <a:t>rpart.plot</a:t>
-            </a:r>
-            <a:r>
-              <a:rPr lang="de-DE" dirty="0"/>
-              <a:t> visualisiert werden. </a:t>
-            </a:r>
-            <a:r>
-              <a:rPr lang="de-DE" dirty="0" err="1"/>
-              <a:t>rpart.plot</a:t>
-            </a:r>
-            <a:r>
-              <a:rPr lang="de-DE" dirty="0"/>
-              <a:t> bietet viele </a:t>
-            </a:r>
-            <a:r>
-              <a:rPr lang="de-DE" dirty="0" err="1"/>
-              <a:t>Plotoptionen</a:t>
-            </a:r>
-            <a:r>
-              <a:rPr lang="de-DE" dirty="0"/>
-              <a:t>, auf die wir an dieser Stelle nicht weiter eingehen werden. Im Standard-Plot werden jedoch der Prozentsatz der Daten angezeigt, die auf diesen Knoten fallen, und der durchschnittliche Umsatz für diesen Zweig.</a:t>
-            </a:r>
-          </a:p>
-          <a:p>
-            <a:r>
-              <a:rPr lang="de-DE" dirty="0"/>
-              <a:t>Betrachten wir das Ergebnis für die 1. Warengruppe einmal genauer.</a:t>
-            </a:r>
-          </a:p>
-          <a:p>
-            <a:r>
-              <a:rPr lang="de-DE" dirty="0"/>
-              <a:t>&gt;</a:t>
-            </a:r>
-          </a:p>
-          <a:p>
-            <a:r>
-              <a:rPr lang="de-DE" dirty="0"/>
-              <a:t>… </a:t>
-            </a:r>
-          </a:p>
-          <a:p>
-            <a:r>
-              <a:rPr lang="de-DE" dirty="0"/>
-              <a:t>&lt;</a:t>
-            </a:r>
-          </a:p>
-          <a:p>
-            <a:endParaRPr lang="de-DE" dirty="0"/>
-          </a:p>
-          <a:p>
-            <a:r>
-              <a:rPr lang="de-DE" dirty="0"/>
-              <a:t>Man kann feststellen, dass dieser Baum 11 interne Knoten enthält, was zu 12 Endknoten führt. Grundsätzlich partitioniert dieser Baum in 11 Variablen, um sein Modell zu erstellen. Es gibt jedoch 28 Variablen in df_dt_train_WG1. Also was ist passiert?</a:t>
-            </a:r>
-          </a:p>
-          <a:p>
-            <a:endParaRPr lang="de-DE" dirty="0"/>
-          </a:p>
-          <a:p>
-            <a:r>
-              <a:rPr lang="de-DE" dirty="0"/>
-              <a:t>Hinter den Kulissen wendet </a:t>
-            </a:r>
-            <a:r>
-              <a:rPr lang="de-DE" dirty="0" err="1"/>
-              <a:t>rpart</a:t>
-            </a:r>
-            <a:r>
-              <a:rPr lang="de-DE" dirty="0"/>
-              <a:t> automatisch einen Bereich von Kostenkomplexität an (α-Werte zum Beschneiden des Baums). Um den Fehler für jeden α-Wert zu vergleichen, führt </a:t>
-            </a:r>
-            <a:r>
-              <a:rPr lang="de-DE" dirty="0" err="1"/>
-              <a:t>rpart</a:t>
-            </a:r>
-            <a:r>
-              <a:rPr lang="de-DE" dirty="0"/>
-              <a:t> eine 10-fache Kreuzvalidierung durch, sodass der mit einem bestimmten α-Wert verbundene Fehler berechnet wird.</a:t>
-            </a:r>
-          </a:p>
-          <a:p>
-            <a:endParaRPr lang="de-DE" dirty="0"/>
-          </a:p>
-          <a:p>
-            <a:r>
-              <a:rPr lang="de-DE" dirty="0"/>
-              <a:t>Tuning:</a:t>
-            </a:r>
-          </a:p>
-          <a:p>
-            <a:r>
-              <a:rPr lang="de-DE" dirty="0"/>
-              <a:t>Neben dem Kostenkomplexität (α)-Parameter ist es auch üblich folgende Parameter anzupassen:</a:t>
-            </a:r>
-          </a:p>
-          <a:p>
-            <a:r>
-              <a:rPr lang="de-DE" dirty="0"/>
-              <a:t>- </a:t>
-            </a:r>
-            <a:r>
-              <a:rPr lang="de-DE" b="1" dirty="0" err="1"/>
-              <a:t>minsplit</a:t>
-            </a:r>
-            <a:r>
-              <a:rPr lang="de-DE" dirty="0"/>
-              <a:t>: Die Mindestanzahl von Datenpunkten, die erforderlich sind, um eine Teilung zu versuchen, bevor ein Endknoten erstellt werden muss. Der Standardwert ist 20. Wenn man diesen Wert verkleinert, können Endknoten, die möglicherweise nur eine Handvoll Beobachtungen enthalten, erstellt werden um den vorhergesagten Wert zu prognostizieren.</a:t>
-            </a:r>
-          </a:p>
-          <a:p>
-            <a:r>
-              <a:rPr lang="de-DE" dirty="0"/>
-              <a:t>- </a:t>
-            </a:r>
-            <a:r>
-              <a:rPr lang="de-DE" b="1" dirty="0" err="1"/>
-              <a:t>maxdepth</a:t>
-            </a:r>
-            <a:r>
-              <a:rPr lang="de-DE" dirty="0"/>
-              <a:t>: Die maximale Anzahl interner Knoten zwischen dem Wurzelknoten und den Endknoten. Der Standardwert ist 30, was ziemlich liberal ist und das Bauen ziemlich großer Bäume ermöglicht.</a:t>
-            </a:r>
-          </a:p>
-          <a:p>
-            <a:endParaRPr lang="de-DE" dirty="0"/>
-          </a:p>
-          <a:p>
-            <a:r>
-              <a:rPr lang="de-DE" dirty="0"/>
-              <a:t>Um möglichst viele Kombinationen auszutesten, haben wir Rastersuchen per Hyperparameter-Raster durchgeführt. In diesem Beispiel für Warengruppe 1 haben wir einen Bereich von </a:t>
-            </a:r>
-            <a:r>
-              <a:rPr lang="de-DE" dirty="0" err="1"/>
-              <a:t>minsplit</a:t>
-            </a:r>
-            <a:r>
-              <a:rPr lang="de-DE" dirty="0"/>
-              <a:t> von 5 bis 150 untersucht und die maximale Tiefe von 8 bis 15 variiert (da unser ursprüngliches Modell eine optimale Tiefe von 12 gefunden hat). Das Ergebnis waren somit 1168 verschiedene Kombinationen, die untersucht wurden. Auf diesem Weg sind wir zu unseren optimalen Modellen je Warengruppe gelangt. </a:t>
-            </a:r>
-          </a:p>
-          <a:p>
-            <a:endParaRPr lang="de-DE" dirty="0"/>
-          </a:p>
-          <a:p>
-            <a:r>
-              <a:rPr lang="de-DE" dirty="0"/>
-              <a:t>7.4 Fazit </a:t>
-            </a:r>
-            <a:r>
-              <a:rPr lang="de-DE" dirty="0" err="1"/>
-              <a:t>Decision</a:t>
-            </a:r>
-            <a:r>
-              <a:rPr lang="de-DE" dirty="0"/>
-              <a:t> </a:t>
-            </a:r>
-            <a:r>
-              <a:rPr lang="de-DE" dirty="0" err="1"/>
-              <a:t>Trees</a:t>
-            </a:r>
-            <a:endParaRPr lang="de-DE" dirty="0"/>
-          </a:p>
-          <a:p>
-            <a:r>
-              <a:rPr lang="de-DE" dirty="0"/>
-              <a:t>Die </a:t>
-            </a:r>
-            <a:r>
-              <a:rPr lang="de-DE" dirty="0" err="1"/>
-              <a:t>Decision</a:t>
-            </a:r>
-            <a:r>
-              <a:rPr lang="de-DE" dirty="0"/>
-              <a:t> </a:t>
-            </a:r>
-            <a:r>
-              <a:rPr lang="de-DE" dirty="0" err="1"/>
-              <a:t>Trees</a:t>
-            </a:r>
-            <a:r>
-              <a:rPr lang="de-DE" dirty="0"/>
-              <a:t> liefern vergleichsweise gute Schätzwerte für die Warengruppen 4 (= Konditorei) und 5 (= Kuchen). Für Warengruppe 4 performt der Entscheidungsbaum insgesamt (deutlich) besser als das lineare Modell, aber immer noch schlechter als das naive. Das naive Modell liefert dabei insbesondere bessere Werte für den MPE, den WAPE sowie RMSE und </a:t>
-            </a:r>
-            <a:r>
-              <a:rPr lang="de-DE" dirty="0" err="1"/>
-              <a:t>rRMSE</a:t>
-            </a:r>
-            <a:r>
-              <a:rPr lang="de-DE" dirty="0"/>
-              <a:t>. Was Warengruppe 5 anbelangt, bleibt der Entscheidungsbaum knapp hinter dem linearen Modell zurück, was vor allem auf deutlich höhere Werte bei den Kennzahlen MSE, RMSE sowie </a:t>
-            </a:r>
-            <a:r>
-              <a:rPr lang="de-DE" dirty="0" err="1"/>
-              <a:t>rRMSE</a:t>
-            </a:r>
-            <a:r>
-              <a:rPr lang="de-DE" dirty="0"/>
-              <a:t> zurückzuführen ist.</a:t>
-            </a:r>
-          </a:p>
-          <a:p>
-            <a:r>
-              <a:rPr lang="de-DE" dirty="0"/>
-              <a:t>Anders sieht es bei den verbleibenden Warengruppen 1, 2, und 3 aus. Zwar liefert der Entscheidungsbaum für Warengruppe 1 bessere Werte als das naive Modell, performt aber andererseits deutlich schlechter als das lineare Modell. In den anderen Warengruppen 2 und 3 landen die Entscheidungsbäume hinter den anderen getesteten Modellen. Am schlechtesten scheinen Entscheidungsbäume für die Prognose der Umsätze in der Warengruppe 3 zu sein. Für diese Warengruppe ergeben sich deutlich schlechtere Werte bei nahezu allen Gütekennzahlen (Ausnahme: der MPE, der beim lm -8 und beim DT -7 beträgt).</a:t>
-            </a:r>
-          </a:p>
-          <a:p>
             <a:endParaRPr lang="de-DE" dirty="0"/>
           </a:p>
         </p:txBody>
@@ -1070,7 +643,7 @@
               <a:rPr lang="de-DE" smtClean="0"/>
               <a:t>9</a:t>
             </a:fld>
-            <a:endParaRPr lang="de-DE"/>
+            <a:endParaRPr lang="de-DE" dirty="0"/>
           </a:p>
         </p:txBody>
       </p:sp>
@@ -1154,7 +727,7 @@
               <a:rPr lang="de-DE" smtClean="0"/>
               <a:t>10</a:t>
             </a:fld>
-            <a:endParaRPr lang="de-DE"/>
+            <a:endParaRPr lang="de-DE" dirty="0"/>
           </a:p>
         </p:txBody>
       </p:sp>
@@ -1217,35 +790,65 @@
           <a:p>
             <a:r>
               <a:rPr lang="de-DE" dirty="0"/>
-              <a:t>Wir beginnen bspw. mit 1061 Beobachtungen am Wurzelknoten (ganz am Anfang) und die erste Variable, die zur Teilung verwendet wird (also die erste Variable, die eine Reduzierung der SSE optimiert), ist der Wochentag Sonntag. Wir sehen, dass am ersten Knoten alle Beobachtungen mit </a:t>
-            </a:r>
-            <a:r>
-              <a:rPr lang="de-DE" dirty="0" err="1"/>
-              <a:t>Wochentag_c</a:t>
-            </a:r>
-            <a:r>
-              <a:rPr lang="de-DE" dirty="0"/>
-              <a:t> = Sonntag zum nach links gehen. Die Gesamtzahl der Beobachtungen, die diesem Zweig folgen (152), ist in Prozent angegeben, genauso wie der durchschnittliche Umsatz. Die anderen Nicht-Sonntags-Kandidaten wandern nach rechts (wir kennen das alles aus </a:t>
-            </a:r>
-            <a:r>
-              <a:rPr lang="de-DE" dirty="0" err="1"/>
-              <a:t>Machine</a:t>
-            </a:r>
-            <a:r>
-              <a:rPr lang="de-DE" dirty="0"/>
-              <a:t> Learning).</a:t>
-            </a:r>
-          </a:p>
-          <a:p>
-            <a:r>
-              <a:rPr lang="de-DE" dirty="0"/>
-              <a:t>In einem nächsten Split wird der Monat als Kriterium verwendet. </a:t>
-            </a:r>
-          </a:p>
-          <a:p>
-            <a:r>
-              <a:rPr lang="de-DE" dirty="0"/>
-              <a:t>Grundsätzlich sagt uns dies, dass die wichtigste Variable, die anfangs den größten Rückgang der SSE aufweist, der Wochentag Sonntag ist, wobei die Umsätze sonntags in der Warengruppe Brot um &gt; 40% geringer sind als an den anderen Tagen der Woche.</a:t>
+              <a:t>Mögliche Aufbaustufen:</a:t>
+            </a:r>
+          </a:p>
+          <a:p>
+            <a:r>
+              <a:rPr lang="de-DE" dirty="0"/>
+              <a:t>- Lineare Regression: Interaktionsmodelle, lag-Variable mit reinnehmen</a:t>
+            </a:r>
+          </a:p>
+          <a:p>
+            <a:r>
+              <a:rPr lang="de-DE" dirty="0"/>
+              <a:t>- Decision Trees: Bagging + Random Forests</a:t>
+            </a:r>
+          </a:p>
+          <a:p>
+            <a:r>
+              <a:rPr lang="de-DE" dirty="0"/>
+              <a:t>Ein einzelnes Baummodell in der Regel sehr instabil und ein schlechter Prädiktor. Durch Bootstrap-Aggregation </a:t>
+            </a:r>
+            <a:r>
+              <a:rPr lang="de-DE" b="1" dirty="0"/>
+              <a:t>(Bagging) </a:t>
+            </a:r>
+            <a:r>
+              <a:rPr lang="de-DE" dirty="0"/>
+              <a:t>von Entscheidungsbäumen kann diese Technik jedoch sehr leistungsfähig und effektiv werden. Darüber hinaus bildet dies die grundlegende Grundlage für komplexere baumbasierte Modelle wie </a:t>
+            </a:r>
+            <a:r>
+              <a:rPr lang="de-DE" b="1" dirty="0"/>
+              <a:t>Random Forests ("zufällige Wälder")</a:t>
+            </a:r>
+            <a:r>
+              <a:rPr lang="de-DE" dirty="0"/>
+              <a:t> und sog. </a:t>
+            </a:r>
+            <a:r>
+              <a:rPr lang="de-DE" b="1" dirty="0" err="1"/>
+              <a:t>gradient</a:t>
+            </a:r>
+            <a:r>
+              <a:rPr lang="de-DE" b="1" dirty="0"/>
+              <a:t> </a:t>
+            </a:r>
+            <a:r>
+              <a:rPr lang="de-DE" b="1" dirty="0" err="1"/>
+              <a:t>boosting</a:t>
+            </a:r>
+            <a:r>
+              <a:rPr lang="de-DE" b="1" dirty="0"/>
+              <a:t> </a:t>
+            </a:r>
+            <a:r>
+              <a:rPr lang="de-DE" b="1" dirty="0" err="1"/>
+              <a:t>machines</a:t>
+            </a:r>
+            <a:r>
+              <a:rPr lang="de-DE" dirty="0"/>
+              <a:t> ("Maschinen zur Erhöhung des Gradienten")</a:t>
             </a:r>
           </a:p>
           <a:p>
@@ -1254,36 +857,8 @@
           <a:p>
             <a:r>
               <a:rPr lang="de-DE" dirty="0"/>
-              <a:t>Man kann feststellen, dass dieser Baum 11 interne Knoten enthält, was zu 12 Endknoten führt. Grundsätzlich partitioniert dieser Baum in 11 Variablen, um sein Modell zu erstellen. Es gibt jedoch 28 Variablen in df_dt_train_WG1. Also was ist passiert?</a:t>
-            </a:r>
-          </a:p>
-          <a:p>
-            <a:endParaRPr lang="de-DE" dirty="0"/>
-          </a:p>
-          <a:p>
-            <a:r>
-              <a:rPr lang="de-DE" dirty="0"/>
-              <a:t>Hinter den Kulissen wendet </a:t>
-            </a:r>
-            <a:r>
-              <a:rPr lang="de-DE" dirty="0" err="1"/>
-              <a:t>rpart</a:t>
-            </a:r>
-            <a:r>
-              <a:rPr lang="de-DE" dirty="0"/>
-              <a:t> automatisch einen Bereich von Kostenkomplexität an (α-Werte zum Beschneiden des Baums). Um den Fehler für jeden α-Wert zu vergleichen, führt </a:t>
-            </a:r>
-            <a:r>
-              <a:rPr lang="de-DE" dirty="0" err="1"/>
-              <a:t>rpart</a:t>
-            </a:r>
-            <a:r>
-              <a:rPr lang="de-DE" dirty="0"/>
-              <a:t> eine 10-fache Kreuzvalidierung durch, sodass der mit einem bestimmten α-Wert verbundene Fehler berechnet wird.</a:t>
-            </a:r>
-          </a:p>
-          <a:p>
-            <a:endParaRPr lang="de-DE" dirty="0"/>
+              <a:t>Rollierender Holdout – Modelle nachtrainieren; nur statistisch auf Gesamtjahr 2018 </a:t>
+            </a:r>
           </a:p>
         </p:txBody>
       </p:sp>
@@ -1304,9 +879,496 @@
           <a:p>
             <a:fld id="{487B24B3-5E55-4E94-9D0B-91EB239BE60F}" type="slidenum">
               <a:rPr lang="de-DE" smtClean="0"/>
-              <a:t>26</a:t>
+              <a:t>15</a:t>
             </a:fld>
-            <a:endParaRPr lang="de-DE"/>
+            <a:endParaRPr lang="de-DE" dirty="0"/>
+          </a:p>
+        </p:txBody>
+      </p:sp>
+    </p:spTree>
+    <p:extLst>
+      <p:ext uri="{BB962C8B-B14F-4D97-AF65-F5344CB8AC3E}">
+        <p14:creationId xmlns:p14="http://schemas.microsoft.com/office/powerpoint/2010/main" val="531096630"/>
+      </p:ext>
+    </p:extLst>
+  </p:cSld>
+  <p:clrMapOvr>
+    <a:masterClrMapping/>
+  </p:clrMapOvr>
+</p:notes>
+</file>
+
+<file path=ppt/notesSlides/notesSlide5.xml><?xml version="1.0" encoding="utf-8"?>
+<p:notes xmlns:a="http://schemas.openxmlformats.org/drawingml/2006/main" xmlns:r="http://schemas.openxmlformats.org/officeDocument/2006/relationships" xmlns:p="http://schemas.openxmlformats.org/presentationml/2006/main">
+  <p:cSld>
+    <p:spTree>
+      <p:nvGrpSpPr>
+        <p:cNvPr id="1" name=""/>
+        <p:cNvGrpSpPr/>
+        <p:nvPr/>
+      </p:nvGrpSpPr>
+      <p:grpSpPr>
+        <a:xfrm>
+          <a:off x="0" y="0"/>
+          <a:ext cx="0" cy="0"/>
+          <a:chOff x="0" y="0"/>
+          <a:chExt cx="0" cy="0"/>
+        </a:xfrm>
+      </p:grpSpPr>
+      <p:sp>
+        <p:nvSpPr>
+          <p:cNvPr id="2" name="Folienbildplatzhalter 1"/>
+          <p:cNvSpPr>
+            <a:spLocks noGrp="1" noRot="1" noChangeAspect="1"/>
+          </p:cNvSpPr>
+          <p:nvPr>
+            <p:ph type="sldImg"/>
+          </p:nvPr>
+        </p:nvSpPr>
+        <p:spPr/>
+      </p:sp>
+      <p:sp>
+        <p:nvSpPr>
+          <p:cNvPr id="3" name="Notizenplatzhalter 2"/>
+          <p:cNvSpPr>
+            <a:spLocks noGrp="1"/>
+          </p:cNvSpPr>
+          <p:nvPr>
+            <p:ph type="body" idx="1"/>
+          </p:nvPr>
+        </p:nvSpPr>
+        <p:spPr/>
+        <p:txBody>
+          <a:bodyPr/>
+          <a:lstStyle/>
+          <a:p>
+            <a:r>
+              <a:rPr lang="de-DE" dirty="0"/>
+              <a:t>Mögliche Aufbaustufen:</a:t>
+            </a:r>
+          </a:p>
+          <a:p>
+            <a:r>
+              <a:rPr lang="de-DE" dirty="0"/>
+              <a:t>Lineare Regression: Interaktionsmodelle, lag-Variable mit reinnehmen</a:t>
+            </a:r>
+          </a:p>
+          <a:p>
+            <a:r>
+              <a:rPr lang="de-DE" dirty="0"/>
+              <a:t>Decision Trees: Bagging + Random Forests</a:t>
+            </a:r>
+          </a:p>
+          <a:p>
+            <a:endParaRPr lang="de-DE" dirty="0"/>
+          </a:p>
+          <a:p>
+            <a:r>
+              <a:rPr lang="de-DE" dirty="0"/>
+              <a:t>Rollierender Holdout – Modelle nachtrainieren; nur statistisch auf Gesamtjahr 2018 </a:t>
+            </a:r>
+          </a:p>
+        </p:txBody>
+      </p:sp>
+      <p:sp>
+        <p:nvSpPr>
+          <p:cNvPr id="4" name="Foliennummernplatzhalter 3"/>
+          <p:cNvSpPr>
+            <a:spLocks noGrp="1"/>
+          </p:cNvSpPr>
+          <p:nvPr>
+            <p:ph type="sldNum" sz="quarter" idx="5"/>
+          </p:nvPr>
+        </p:nvSpPr>
+        <p:spPr/>
+        <p:txBody>
+          <a:bodyPr/>
+          <a:lstStyle/>
+          <a:p>
+            <a:fld id="{487B24B3-5E55-4E94-9D0B-91EB239BE60F}" type="slidenum">
+              <a:rPr lang="de-DE" smtClean="0"/>
+              <a:t>16</a:t>
+            </a:fld>
+            <a:endParaRPr lang="de-DE" dirty="0"/>
+          </a:p>
+        </p:txBody>
+      </p:sp>
+    </p:spTree>
+    <p:extLst>
+      <p:ext uri="{BB962C8B-B14F-4D97-AF65-F5344CB8AC3E}">
+        <p14:creationId xmlns:p14="http://schemas.microsoft.com/office/powerpoint/2010/main" val="4055140845"/>
+      </p:ext>
+    </p:extLst>
+  </p:cSld>
+  <p:clrMapOvr>
+    <a:masterClrMapping/>
+  </p:clrMapOvr>
+</p:notes>
+</file>
+
+<file path=ppt/notesSlides/notesSlide6.xml><?xml version="1.0" encoding="utf-8"?>
+<p:notes xmlns:a="http://schemas.openxmlformats.org/drawingml/2006/main" xmlns:r="http://schemas.openxmlformats.org/officeDocument/2006/relationships" xmlns:p="http://schemas.openxmlformats.org/presentationml/2006/main">
+  <p:cSld>
+    <p:spTree>
+      <p:nvGrpSpPr>
+        <p:cNvPr id="1" name=""/>
+        <p:cNvGrpSpPr/>
+        <p:nvPr/>
+      </p:nvGrpSpPr>
+      <p:grpSpPr>
+        <a:xfrm>
+          <a:off x="0" y="0"/>
+          <a:ext cx="0" cy="0"/>
+          <a:chOff x="0" y="0"/>
+          <a:chExt cx="0" cy="0"/>
+        </a:xfrm>
+      </p:grpSpPr>
+      <p:sp>
+        <p:nvSpPr>
+          <p:cNvPr id="2" name="Folienbildplatzhalter 1"/>
+          <p:cNvSpPr>
+            <a:spLocks noGrp="1" noRot="1" noChangeAspect="1"/>
+          </p:cNvSpPr>
+          <p:nvPr>
+            <p:ph type="sldImg"/>
+          </p:nvPr>
+        </p:nvSpPr>
+        <p:spPr/>
+      </p:sp>
+      <p:sp>
+        <p:nvSpPr>
+          <p:cNvPr id="3" name="Notizenplatzhalter 2"/>
+          <p:cNvSpPr>
+            <a:spLocks noGrp="1"/>
+          </p:cNvSpPr>
+          <p:nvPr>
+            <p:ph type="body" idx="1"/>
+          </p:nvPr>
+        </p:nvSpPr>
+        <p:spPr/>
+        <p:txBody>
+          <a:bodyPr/>
+          <a:lstStyle/>
+          <a:p>
+            <a:r>
+              <a:rPr lang="de-DE" sz="1200" b="0" i="0" kern="1200" dirty="0">
+                <a:solidFill>
+                  <a:schemeClr val="tx1"/>
+                </a:solidFill>
+                <a:effectLst/>
+                <a:latin typeface="+mn-lt"/>
+                <a:ea typeface="+mn-ea"/>
+                <a:cs typeface="+mn-cs"/>
+              </a:rPr>
+              <a:t>Die Suche nach den besten Teilmengen an Prädikatorvariablen kann mithilfe von </a:t>
+            </a:r>
+            <a:r>
+              <a:rPr lang="de-DE" dirty="0"/>
+              <a:t>regsubsets</a:t>
+            </a:r>
+            <a:r>
+              <a:rPr lang="de-DE" sz="1200" b="0" i="0" kern="1200" dirty="0">
+                <a:solidFill>
+                  <a:schemeClr val="tx1"/>
+                </a:solidFill>
+                <a:effectLst/>
+                <a:latin typeface="+mn-lt"/>
+                <a:ea typeface="+mn-ea"/>
+                <a:cs typeface="+mn-cs"/>
+              </a:rPr>
+              <a:t> (Teil der </a:t>
+            </a:r>
+            <a:r>
+              <a:rPr lang="de-DE" dirty="0"/>
+              <a:t>leaps</a:t>
+            </a:r>
+            <a:r>
+              <a:rPr lang="de-DE" sz="1200" b="0" i="0" kern="1200" dirty="0">
+                <a:solidFill>
+                  <a:schemeClr val="tx1"/>
+                </a:solidFill>
+                <a:effectLst/>
+                <a:latin typeface="+mn-lt"/>
+                <a:ea typeface="+mn-ea"/>
+                <a:cs typeface="+mn-cs"/>
+              </a:rPr>
+              <a:t>-Bibliothek) durchgeführt werden. </a:t>
+            </a:r>
+            <a:r>
+              <a:rPr lang="de-DE" dirty="0"/>
+              <a:t>regsubsets</a:t>
+            </a:r>
+            <a:r>
+              <a:rPr lang="de-DE" sz="1200" b="0" i="0" kern="1200" dirty="0">
+                <a:solidFill>
+                  <a:schemeClr val="tx1"/>
+                </a:solidFill>
+                <a:effectLst/>
+                <a:latin typeface="+mn-lt"/>
+                <a:ea typeface="+mn-ea"/>
+                <a:cs typeface="+mn-cs"/>
+              </a:rPr>
+              <a:t> identifiziert das beste Modell für eine bestimmte/festgelegte Anzahl von </a:t>
+            </a:r>
+            <a:r>
+              <a:rPr lang="de-DE" dirty="0"/>
+              <a:t>k</a:t>
+            </a:r>
+            <a:r>
+              <a:rPr lang="de-DE" sz="1200" b="0" i="0" kern="1200" dirty="0">
+                <a:solidFill>
+                  <a:schemeClr val="tx1"/>
+                </a:solidFill>
+                <a:effectLst/>
+                <a:latin typeface="+mn-lt"/>
+                <a:ea typeface="+mn-ea"/>
+                <a:cs typeface="+mn-cs"/>
+              </a:rPr>
+              <a:t> Prädiktoren, wobei “das Beste” mithilfe von RSS quantifiziert wird. Die Syntax entspricht der </a:t>
+            </a:r>
+            <a:r>
+              <a:rPr lang="de-DE" dirty="0"/>
+              <a:t>lm</a:t>
+            </a:r>
+            <a:r>
+              <a:rPr lang="de-DE" sz="1200" b="0" i="0" kern="1200" dirty="0">
+                <a:solidFill>
+                  <a:schemeClr val="tx1"/>
+                </a:solidFill>
+                <a:effectLst/>
+                <a:latin typeface="+mn-lt"/>
+                <a:ea typeface="+mn-ea"/>
+                <a:cs typeface="+mn-cs"/>
+              </a:rPr>
+              <a:t>-Funktion. Standardmäßig meldet </a:t>
+            </a:r>
+            <a:r>
+              <a:rPr lang="de-DE" dirty="0"/>
+              <a:t>regsubsets</a:t>
+            </a:r>
+            <a:r>
+              <a:rPr lang="de-DE" sz="1200" b="0" i="0" kern="1200" dirty="0">
+                <a:solidFill>
+                  <a:schemeClr val="tx1"/>
+                </a:solidFill>
+                <a:effectLst/>
+                <a:latin typeface="+mn-lt"/>
+                <a:ea typeface="+mn-ea"/>
+                <a:cs typeface="+mn-cs"/>
+              </a:rPr>
+              <a:t> nur Ergebnisse bis zum besten Modell mit acht Variablen. Die Option </a:t>
+            </a:r>
+            <a:r>
+              <a:rPr lang="de-DE" dirty="0"/>
+              <a:t>nvmax</a:t>
+            </a:r>
+            <a:r>
+              <a:rPr lang="de-DE" sz="1200" b="0" i="0" kern="1200" dirty="0">
+                <a:solidFill>
+                  <a:schemeClr val="tx1"/>
+                </a:solidFill>
+                <a:effectLst/>
+                <a:latin typeface="+mn-lt"/>
+                <a:ea typeface="+mn-ea"/>
+                <a:cs typeface="+mn-cs"/>
+              </a:rPr>
+              <a:t>kann jedoch verwendet werden, um so viele Variablen wie gewünscht zurückzugeben. Hier passen wir zu einem Modell mit 36 Variablen.</a:t>
+            </a:r>
+            <a:endParaRPr lang="de-DE" dirty="0"/>
+          </a:p>
+        </p:txBody>
+      </p:sp>
+      <p:sp>
+        <p:nvSpPr>
+          <p:cNvPr id="4" name="Foliennummernplatzhalter 3"/>
+          <p:cNvSpPr>
+            <a:spLocks noGrp="1"/>
+          </p:cNvSpPr>
+          <p:nvPr>
+            <p:ph type="sldNum" sz="quarter" idx="5"/>
+          </p:nvPr>
+        </p:nvSpPr>
+        <p:spPr/>
+        <p:txBody>
+          <a:bodyPr/>
+          <a:lstStyle/>
+          <a:p>
+            <a:fld id="{487B24B3-5E55-4E94-9D0B-91EB239BE60F}" type="slidenum">
+              <a:rPr lang="de-DE" smtClean="0"/>
+              <a:t>22</a:t>
+            </a:fld>
+            <a:endParaRPr lang="de-DE" dirty="0"/>
+          </a:p>
+        </p:txBody>
+      </p:sp>
+    </p:spTree>
+    <p:extLst>
+      <p:ext uri="{BB962C8B-B14F-4D97-AF65-F5344CB8AC3E}">
+        <p14:creationId xmlns:p14="http://schemas.microsoft.com/office/powerpoint/2010/main" val="2226116083"/>
+      </p:ext>
+    </p:extLst>
+  </p:cSld>
+  <p:clrMapOvr>
+    <a:masterClrMapping/>
+  </p:clrMapOvr>
+</p:notes>
+</file>
+
+<file path=ppt/notesSlides/notesSlide7.xml><?xml version="1.0" encoding="utf-8"?>
+<p:notes xmlns:a="http://schemas.openxmlformats.org/drawingml/2006/main" xmlns:r="http://schemas.openxmlformats.org/officeDocument/2006/relationships" xmlns:p="http://schemas.openxmlformats.org/presentationml/2006/main">
+  <p:cSld>
+    <p:spTree>
+      <p:nvGrpSpPr>
+        <p:cNvPr id="1" name=""/>
+        <p:cNvGrpSpPr/>
+        <p:nvPr/>
+      </p:nvGrpSpPr>
+      <p:grpSpPr>
+        <a:xfrm>
+          <a:off x="0" y="0"/>
+          <a:ext cx="0" cy="0"/>
+          <a:chOff x="0" y="0"/>
+          <a:chExt cx="0" cy="0"/>
+        </a:xfrm>
+      </p:grpSpPr>
+      <p:sp>
+        <p:nvSpPr>
+          <p:cNvPr id="2" name="Folienbildplatzhalter 1"/>
+          <p:cNvSpPr>
+            <a:spLocks noGrp="1" noRot="1" noChangeAspect="1"/>
+          </p:cNvSpPr>
+          <p:nvPr>
+            <p:ph type="sldImg"/>
+          </p:nvPr>
+        </p:nvSpPr>
+        <p:spPr/>
+      </p:sp>
+      <p:sp>
+        <p:nvSpPr>
+          <p:cNvPr id="3" name="Notizenplatzhalter 2"/>
+          <p:cNvSpPr>
+            <a:spLocks noGrp="1"/>
+          </p:cNvSpPr>
+          <p:nvPr>
+            <p:ph type="body" idx="1"/>
+          </p:nvPr>
+        </p:nvSpPr>
+        <p:spPr/>
+        <p:txBody>
+          <a:bodyPr/>
+          <a:lstStyle/>
+          <a:p>
+            <a:r>
+              <a:rPr lang="de-DE" dirty="0"/>
+              <a:t>Aus rechnerischen Gründen kann die beste Teilmengenauswahl nicht angewendet werden, wenn die Anzahl der p Prädiktorvariablen groß ist. Die Auswahl der besten Teilmenge kann auch unter statistischen Problemen leiden, wenn p groß ist. Je größer der Suchraum ist, desto höher ist die Wahrscheinlichkeit, Modelle zu finden, die in den Trainingsdaten gut aussehen, auch wenn sie möglicherweise keine Vorhersagekraft für zukünftige Daten haben. Ein enormer Suchraum kann daher zu einer Überanpassung und einer hohen Varianz der Koeffizientenschätzungen führen. Aus diesen beiden Gründen sind schrittweise Methoden, die einen weitaus eingeschränkteren Satz von Modellen untersuchen, attraktive Alternativen zur Auswahl der besten Teilmenge.</a:t>
+            </a:r>
+          </a:p>
+        </p:txBody>
+      </p:sp>
+      <p:sp>
+        <p:nvSpPr>
+          <p:cNvPr id="4" name="Foliennummernplatzhalter 3"/>
+          <p:cNvSpPr>
+            <a:spLocks noGrp="1"/>
+          </p:cNvSpPr>
+          <p:nvPr>
+            <p:ph type="sldNum" sz="quarter" idx="5"/>
+          </p:nvPr>
+        </p:nvSpPr>
+        <p:spPr/>
+        <p:txBody>
+          <a:bodyPr/>
+          <a:lstStyle/>
+          <a:p>
+            <a:fld id="{487B24B3-5E55-4E94-9D0B-91EB239BE60F}" type="slidenum">
+              <a:rPr lang="de-DE" smtClean="0"/>
+              <a:t>23</a:t>
+            </a:fld>
+            <a:endParaRPr lang="de-DE" dirty="0"/>
+          </a:p>
+        </p:txBody>
+      </p:sp>
+    </p:spTree>
+    <p:extLst>
+      <p:ext uri="{BB962C8B-B14F-4D97-AF65-F5344CB8AC3E}">
+        <p14:creationId xmlns:p14="http://schemas.microsoft.com/office/powerpoint/2010/main" val="685715835"/>
+      </p:ext>
+    </p:extLst>
+  </p:cSld>
+  <p:clrMapOvr>
+    <a:masterClrMapping/>
+  </p:clrMapOvr>
+</p:notes>
+</file>
+
+<file path=ppt/notesSlides/notesSlide8.xml><?xml version="1.0" encoding="utf-8"?>
+<p:notes xmlns:a="http://schemas.openxmlformats.org/drawingml/2006/main" xmlns:r="http://schemas.openxmlformats.org/officeDocument/2006/relationships" xmlns:p="http://schemas.openxmlformats.org/presentationml/2006/main">
+  <p:cSld>
+    <p:spTree>
+      <p:nvGrpSpPr>
+        <p:cNvPr id="1" name=""/>
+        <p:cNvGrpSpPr/>
+        <p:nvPr/>
+      </p:nvGrpSpPr>
+      <p:grpSpPr>
+        <a:xfrm>
+          <a:off x="0" y="0"/>
+          <a:ext cx="0" cy="0"/>
+          <a:chOff x="0" y="0"/>
+          <a:chExt cx="0" cy="0"/>
+        </a:xfrm>
+      </p:grpSpPr>
+      <p:sp>
+        <p:nvSpPr>
+          <p:cNvPr id="2" name="Folienbildplatzhalter 1"/>
+          <p:cNvSpPr>
+            <a:spLocks noGrp="1" noRot="1" noChangeAspect="1"/>
+          </p:cNvSpPr>
+          <p:nvPr>
+            <p:ph type="sldImg"/>
+          </p:nvPr>
+        </p:nvSpPr>
+        <p:spPr/>
+      </p:sp>
+      <p:sp>
+        <p:nvSpPr>
+          <p:cNvPr id="3" name="Notizenplatzhalter 2"/>
+          <p:cNvSpPr>
+            <a:spLocks noGrp="1"/>
+          </p:cNvSpPr>
+          <p:nvPr>
+            <p:ph type="body" idx="1"/>
+          </p:nvPr>
+        </p:nvSpPr>
+        <p:spPr/>
+        <p:txBody>
+          <a:bodyPr/>
+          <a:lstStyle/>
+          <a:p>
+            <a:endParaRPr lang="de-DE" dirty="0"/>
+          </a:p>
+        </p:txBody>
+      </p:sp>
+      <p:sp>
+        <p:nvSpPr>
+          <p:cNvPr id="4" name="Foliennummernplatzhalter 3"/>
+          <p:cNvSpPr>
+            <a:spLocks noGrp="1"/>
+          </p:cNvSpPr>
+          <p:nvPr>
+            <p:ph type="sldNum" sz="quarter" idx="5"/>
+          </p:nvPr>
+        </p:nvSpPr>
+        <p:spPr/>
+        <p:txBody>
+          <a:bodyPr/>
+          <a:lstStyle/>
+          <a:p>
+            <a:fld id="{487B24B3-5E55-4E94-9D0B-91EB239BE60F}" type="slidenum">
+              <a:rPr lang="de-DE" smtClean="0"/>
+              <a:t>27</a:t>
+            </a:fld>
+            <a:endParaRPr lang="de-DE" dirty="0"/>
           </a:p>
         </p:txBody>
       </p:sp>
@@ -1470,9 +1532,9 @@
           <a:p>
             <a:fld id="{B6932020-A466-4CD7-88C1-F34D58D43DBC}" type="datetime1">
               <a:rPr lang="de-DE" smtClean="0"/>
-              <a:t>15.06.2020</a:t>
+              <a:t>16.06.2020</a:t>
             </a:fld>
-            <a:endParaRPr lang="de-DE"/>
+            <a:endParaRPr lang="de-DE" dirty="0"/>
           </a:p>
         </p:txBody>
       </p:sp>
@@ -1498,7 +1560,7 @@
           <a:lstStyle/>
           <a:p>
             <a:r>
-              <a:rPr lang="de-DE"/>
+              <a:rPr lang="de-DE" dirty="0"/>
               <a:t>Application Project "Umsatzprognose Bäckerei"</a:t>
             </a:r>
           </a:p>
@@ -1529,7 +1591,7 @@
               <a:rPr lang="de-DE" smtClean="0"/>
               <a:t>‹Nr.›</a:t>
             </a:fld>
-            <a:endParaRPr lang="de-DE"/>
+            <a:endParaRPr lang="de-DE" dirty="0"/>
           </a:p>
         </p:txBody>
       </p:sp>
@@ -1671,9 +1733,9 @@
           <a:p>
             <a:fld id="{E8B25B24-51C9-4699-8A4D-D7C884CE4BEB}" type="datetime1">
               <a:rPr lang="de-DE" smtClean="0"/>
-              <a:t>15.06.2020</a:t>
+              <a:t>16.06.2020</a:t>
             </a:fld>
-            <a:endParaRPr lang="de-DE"/>
+            <a:endParaRPr lang="de-DE" dirty="0"/>
           </a:p>
         </p:txBody>
       </p:sp>
@@ -1699,7 +1761,7 @@
           <a:lstStyle/>
           <a:p>
             <a:r>
-              <a:rPr lang="de-DE"/>
+              <a:rPr lang="de-DE" dirty="0"/>
               <a:t>Application Project "Umsatzprognose Bäckerei"</a:t>
             </a:r>
           </a:p>
@@ -1730,7 +1792,7 @@
               <a:rPr lang="de-DE" smtClean="0"/>
               <a:t>‹Nr.›</a:t>
             </a:fld>
-            <a:endParaRPr lang="de-DE"/>
+            <a:endParaRPr lang="de-DE" dirty="0"/>
           </a:p>
         </p:txBody>
       </p:sp>
@@ -1882,9 +1944,9 @@
           <a:p>
             <a:fld id="{D87FA873-C8E6-4235-9F92-6AB3BEDADCE2}" type="datetime1">
               <a:rPr lang="de-DE" smtClean="0"/>
-              <a:t>15.06.2020</a:t>
+              <a:t>16.06.2020</a:t>
             </a:fld>
-            <a:endParaRPr lang="de-DE"/>
+            <a:endParaRPr lang="de-DE" dirty="0"/>
           </a:p>
         </p:txBody>
       </p:sp>
@@ -1910,7 +1972,7 @@
           <a:lstStyle/>
           <a:p>
             <a:r>
-              <a:rPr lang="de-DE"/>
+              <a:rPr lang="de-DE" dirty="0"/>
               <a:t>Application Project "Umsatzprognose Bäckerei"</a:t>
             </a:r>
           </a:p>
@@ -1941,7 +2003,7 @@
               <a:rPr lang="de-DE" smtClean="0"/>
               <a:t>‹Nr.›</a:t>
             </a:fld>
-            <a:endParaRPr lang="de-DE"/>
+            <a:endParaRPr lang="de-DE" dirty="0"/>
           </a:p>
         </p:txBody>
       </p:sp>
@@ -2083,9 +2145,9 @@
           <a:p>
             <a:fld id="{15AB50BE-E56B-4057-9942-9CFA8D877CB5}" type="datetime1">
               <a:rPr lang="de-DE" smtClean="0"/>
-              <a:t>15.06.2020</a:t>
+              <a:t>16.06.2020</a:t>
             </a:fld>
-            <a:endParaRPr lang="de-DE"/>
+            <a:endParaRPr lang="de-DE" dirty="0"/>
           </a:p>
         </p:txBody>
       </p:sp>
@@ -2111,7 +2173,7 @@
           <a:lstStyle/>
           <a:p>
             <a:r>
-              <a:rPr lang="de-DE"/>
+              <a:rPr lang="de-DE" dirty="0"/>
               <a:t>Application Project "Umsatzprognose Bäckerei"</a:t>
             </a:r>
           </a:p>
@@ -2142,7 +2204,7 @@
               <a:rPr lang="de-DE" smtClean="0"/>
               <a:t>‹Nr.›</a:t>
             </a:fld>
-            <a:endParaRPr lang="de-DE"/>
+            <a:endParaRPr lang="de-DE" dirty="0"/>
           </a:p>
         </p:txBody>
       </p:sp>
@@ -2361,9 +2423,9 @@
           <a:p>
             <a:fld id="{1EE6F005-3080-4F28-90DA-B2092FABA75A}" type="datetime1">
               <a:rPr lang="de-DE" smtClean="0"/>
-              <a:t>15.06.2020</a:t>
+              <a:t>16.06.2020</a:t>
             </a:fld>
-            <a:endParaRPr lang="de-DE"/>
+            <a:endParaRPr lang="de-DE" dirty="0"/>
           </a:p>
         </p:txBody>
       </p:sp>
@@ -2389,7 +2451,7 @@
           <a:lstStyle/>
           <a:p>
             <a:r>
-              <a:rPr lang="de-DE"/>
+              <a:rPr lang="de-DE" dirty="0"/>
               <a:t>Application Project "Umsatzprognose Bäckerei"</a:t>
             </a:r>
           </a:p>
@@ -2420,7 +2482,7 @@
               <a:rPr lang="de-DE" smtClean="0"/>
               <a:t>‹Nr.›</a:t>
             </a:fld>
-            <a:endParaRPr lang="de-DE"/>
+            <a:endParaRPr lang="de-DE" dirty="0"/>
           </a:p>
         </p:txBody>
       </p:sp>
@@ -2629,9 +2691,9 @@
           <a:p>
             <a:fld id="{DB5437FA-8DD9-4D71-92E7-116D6DABFD5C}" type="datetime1">
               <a:rPr lang="de-DE" smtClean="0"/>
-              <a:t>15.06.2020</a:t>
+              <a:t>16.06.2020</a:t>
             </a:fld>
-            <a:endParaRPr lang="de-DE"/>
+            <a:endParaRPr lang="de-DE" dirty="0"/>
           </a:p>
         </p:txBody>
       </p:sp>
@@ -2657,7 +2719,7 @@
           <a:lstStyle/>
           <a:p>
             <a:r>
-              <a:rPr lang="de-DE"/>
+              <a:rPr lang="de-DE" dirty="0"/>
               <a:t>Application Project "Umsatzprognose Bäckerei"</a:t>
             </a:r>
           </a:p>
@@ -2688,7 +2750,7 @@
               <a:rPr lang="de-DE" smtClean="0"/>
               <a:t>‹Nr.›</a:t>
             </a:fld>
-            <a:endParaRPr lang="de-DE"/>
+            <a:endParaRPr lang="de-DE" dirty="0"/>
           </a:p>
         </p:txBody>
       </p:sp>
@@ -3044,9 +3106,9 @@
           <a:p>
             <a:fld id="{E3C31C1D-4101-4BD3-A6A7-9AD314156F65}" type="datetime1">
               <a:rPr lang="de-DE" smtClean="0"/>
-              <a:t>15.06.2020</a:t>
+              <a:t>16.06.2020</a:t>
             </a:fld>
-            <a:endParaRPr lang="de-DE"/>
+            <a:endParaRPr lang="de-DE" dirty="0"/>
           </a:p>
         </p:txBody>
       </p:sp>
@@ -3072,7 +3134,7 @@
           <a:lstStyle/>
           <a:p>
             <a:r>
-              <a:rPr lang="de-DE"/>
+              <a:rPr lang="de-DE" dirty="0"/>
               <a:t>Application Project "Umsatzprognose Bäckerei"</a:t>
             </a:r>
           </a:p>
@@ -3103,7 +3165,7 @@
               <a:rPr lang="de-DE" smtClean="0"/>
               <a:t>‹Nr.›</a:t>
             </a:fld>
-            <a:endParaRPr lang="de-DE"/>
+            <a:endParaRPr lang="de-DE" dirty="0"/>
           </a:p>
         </p:txBody>
       </p:sp>
@@ -3188,9 +3250,9 @@
           <a:p>
             <a:fld id="{855683AA-232C-44A6-8647-15C228F86A7E}" type="datetime1">
               <a:rPr lang="de-DE" smtClean="0"/>
-              <a:t>15.06.2020</a:t>
+              <a:t>16.06.2020</a:t>
             </a:fld>
-            <a:endParaRPr lang="de-DE"/>
+            <a:endParaRPr lang="de-DE" dirty="0"/>
           </a:p>
         </p:txBody>
       </p:sp>
@@ -3216,7 +3278,7 @@
           <a:lstStyle/>
           <a:p>
             <a:r>
-              <a:rPr lang="de-DE"/>
+              <a:rPr lang="de-DE" dirty="0"/>
               <a:t>Application Project "Umsatzprognose Bäckerei"</a:t>
             </a:r>
           </a:p>
@@ -3247,7 +3309,7 @@
               <a:rPr lang="de-DE" smtClean="0"/>
               <a:t>‹Nr.›</a:t>
             </a:fld>
-            <a:endParaRPr lang="de-DE"/>
+            <a:endParaRPr lang="de-DE" dirty="0"/>
           </a:p>
         </p:txBody>
       </p:sp>
@@ -3304,9 +3366,9 @@
           <a:p>
             <a:fld id="{BF8036BA-1230-4B67-9016-04F2CF2EF38C}" type="datetime1">
               <a:rPr lang="de-DE" smtClean="0"/>
-              <a:t>15.06.2020</a:t>
+              <a:t>16.06.2020</a:t>
             </a:fld>
-            <a:endParaRPr lang="de-DE"/>
+            <a:endParaRPr lang="de-DE" dirty="0"/>
           </a:p>
         </p:txBody>
       </p:sp>
@@ -3332,7 +3394,7 @@
           <a:lstStyle/>
           <a:p>
             <a:r>
-              <a:rPr lang="de-DE"/>
+              <a:rPr lang="de-DE" dirty="0"/>
               <a:t>Application Project "Umsatzprognose Bäckerei"</a:t>
             </a:r>
           </a:p>
@@ -3363,7 +3425,7 @@
               <a:rPr lang="de-DE" smtClean="0"/>
               <a:t>‹Nr.›</a:t>
             </a:fld>
-            <a:endParaRPr lang="de-DE"/>
+            <a:endParaRPr lang="de-DE" dirty="0"/>
           </a:p>
         </p:txBody>
       </p:sp>
@@ -3618,9 +3680,9 @@
           <a:p>
             <a:fld id="{C705D9ED-1137-4454-B1B1-62A39904138B}" type="datetime1">
               <a:rPr lang="de-DE" smtClean="0"/>
-              <a:t>15.06.2020</a:t>
+              <a:t>16.06.2020</a:t>
             </a:fld>
-            <a:endParaRPr lang="de-DE"/>
+            <a:endParaRPr lang="de-DE" dirty="0"/>
           </a:p>
         </p:txBody>
       </p:sp>
@@ -3646,7 +3708,7 @@
           <a:lstStyle/>
           <a:p>
             <a:r>
-              <a:rPr lang="de-DE"/>
+              <a:rPr lang="de-DE" dirty="0"/>
               <a:t>Application Project "Umsatzprognose Bäckerei"</a:t>
             </a:r>
           </a:p>
@@ -3677,7 +3739,7 @@
               <a:rPr lang="de-DE" smtClean="0"/>
               <a:t>‹Nr.›</a:t>
             </a:fld>
-            <a:endParaRPr lang="de-DE"/>
+            <a:endParaRPr lang="de-DE" dirty="0"/>
           </a:p>
         </p:txBody>
       </p:sp>
@@ -3811,7 +3873,7 @@
             </a:lvl9pPr>
           </a:lstStyle>
           <a:p>
-            <a:endParaRPr lang="de-DE"/>
+            <a:endParaRPr lang="de-DE" dirty="0"/>
           </a:p>
         </p:txBody>
       </p:sp>
@@ -3909,9 +3971,9 @@
           <a:p>
             <a:fld id="{A795C217-277F-4F85-8043-E43C93B3A3DF}" type="datetime1">
               <a:rPr lang="de-DE" smtClean="0"/>
-              <a:t>15.06.2020</a:t>
+              <a:t>16.06.2020</a:t>
             </a:fld>
-            <a:endParaRPr lang="de-DE"/>
+            <a:endParaRPr lang="de-DE" dirty="0"/>
           </a:p>
         </p:txBody>
       </p:sp>
@@ -3937,7 +3999,7 @@
           <a:lstStyle/>
           <a:p>
             <a:r>
-              <a:rPr lang="de-DE"/>
+              <a:rPr lang="de-DE" dirty="0"/>
               <a:t>Application Project "Umsatzprognose Bäckerei"</a:t>
             </a:r>
           </a:p>
@@ -3968,7 +4030,7 @@
               <a:rPr lang="de-DE" smtClean="0"/>
               <a:t>‹Nr.›</a:t>
             </a:fld>
-            <a:endParaRPr lang="de-DE"/>
+            <a:endParaRPr lang="de-DE" dirty="0"/>
           </a:p>
         </p:txBody>
       </p:sp>
@@ -4153,9 +4215,9 @@
           <a:p>
             <a:fld id="{12141198-C8E7-43D4-976D-3793ADFF8918}" type="datetime1">
               <a:rPr lang="de-DE" smtClean="0"/>
-              <a:t>15.06.2020</a:t>
+              <a:t>16.06.2020</a:t>
             </a:fld>
-            <a:endParaRPr lang="de-DE"/>
+            <a:endParaRPr lang="de-DE" dirty="0"/>
           </a:p>
         </p:txBody>
       </p:sp>
@@ -4199,7 +4261,7 @@
           </a:lstStyle>
           <a:p>
             <a:r>
-              <a:rPr lang="de-DE"/>
+              <a:rPr lang="de-DE" dirty="0"/>
               <a:t>Application Project "Umsatzprognose Bäckerei"</a:t>
             </a:r>
           </a:p>
@@ -4248,7 +4310,7 @@
               <a:rPr lang="de-DE" smtClean="0"/>
               <a:t>‹Nr.›</a:t>
             </a:fld>
-            <a:endParaRPr lang="de-DE"/>
+            <a:endParaRPr lang="de-DE" dirty="0"/>
           </a:p>
         </p:txBody>
       </p:sp>
@@ -4601,12 +4663,8 @@
           <a:lstStyle/>
           <a:p>
             <a:r>
-              <a:rPr lang="de-DE" sz="5000" dirty="0" err="1"/>
-              <a:t>Application</a:t>
-            </a:r>
-            <a:r>
               <a:rPr lang="de-DE" sz="5000" dirty="0"/>
-              <a:t> Project </a:t>
+              <a:t>Application Project </a:t>
             </a:r>
             <a:r>
               <a:rPr lang="de-DE" dirty="0"/>
@@ -4646,15 +4704,7 @@
           <a:p>
             <a:r>
               <a:rPr lang="de-DE" dirty="0"/>
-              <a:t>Christina </a:t>
-            </a:r>
-            <a:r>
-              <a:rPr lang="de-DE" dirty="0" err="1"/>
-              <a:t>Mädge</a:t>
-            </a:r>
-            <a:r>
-              <a:rPr lang="de-DE" dirty="0"/>
-              <a:t> u. Marco Landt-Hayen</a:t>
+              <a:t>Christina Mädge u. Marco Landt-Hayen</a:t>
             </a:r>
           </a:p>
           <a:p>
@@ -4668,15 +4718,7 @@
             </a:r>
             <a:r>
               <a:rPr lang="de-DE" dirty="0"/>
-              <a:t>, </a:t>
-            </a:r>
-            <a:r>
-              <a:rPr lang="de-DE" dirty="0" err="1"/>
-              <a:t>SoSe</a:t>
-            </a:r>
-            <a:r>
-              <a:rPr lang="de-DE" dirty="0"/>
-              <a:t> 2020</a:t>
+              <a:t>, SoSe 2020</a:t>
             </a:r>
           </a:p>
         </p:txBody>
@@ -4821,7 +4863,7 @@
           <a:lstStyle/>
           <a:p>
             <a:r>
-              <a:rPr lang="de-DE"/>
+              <a:rPr lang="de-DE" dirty="0"/>
               <a:t>Application Project "Umsatzprognose Bäckerei"</a:t>
             </a:r>
           </a:p>
@@ -4852,7 +4894,7 @@
               <a:rPr lang="de-DE" smtClean="0"/>
               <a:t>10</a:t>
             </a:fld>
-            <a:endParaRPr lang="de-DE"/>
+            <a:endParaRPr lang="de-DE" dirty="0"/>
           </a:p>
         </p:txBody>
       </p:sp>
@@ -4892,15 +4934,7 @@
             </a:r>
             <a:r>
               <a:rPr lang="de-DE" dirty="0"/>
-              <a:t>linear (nicht-)trennbarer Daten haben wir in </a:t>
-            </a:r>
-            <a:r>
-              <a:rPr lang="de-DE" dirty="0" err="1"/>
-              <a:t>Machine</a:t>
-            </a:r>
-            <a:r>
-              <a:rPr lang="de-DE" dirty="0"/>
-              <a:t> Learning kennen gelernt.</a:t>
+              <a:t>linear (nicht-)trennbarer Daten haben wir in Machine Learning kennen gelernt.</a:t>
             </a:r>
           </a:p>
           <a:p>
@@ -5217,23 +5251,7 @@
             </a:pPr>
             <a:r>
               <a:rPr lang="de-DE" dirty="0"/>
-              <a:t>radial-basis-</a:t>
-            </a:r>
-            <a:r>
-              <a:rPr lang="de-DE" dirty="0" err="1"/>
-              <a:t>kernel</a:t>
-            </a:r>
-            <a:r>
-              <a:rPr lang="de-DE" dirty="0"/>
-              <a:t> („</a:t>
-            </a:r>
-            <a:r>
-              <a:rPr lang="de-DE" dirty="0" err="1"/>
-              <a:t>rbf</a:t>
-            </a:r>
-            <a:r>
-              <a:rPr lang="de-DE" dirty="0"/>
-              <a:t>“)</a:t>
+              <a:t>radial-basis-kernel („rbf“)</a:t>
             </a:r>
             <a:endParaRPr lang="de-DE" b="1" dirty="0"/>
           </a:p>
@@ -5307,7 +5325,7 @@
           <a:lstStyle/>
           <a:p>
             <a:pPr algn="ctr"/>
-            <a:endParaRPr lang="de-DE"/>
+            <a:endParaRPr lang="de-DE" dirty="0"/>
           </a:p>
         </p:txBody>
       </p:sp>
@@ -5364,21 +5382,8 @@
           <a:p>
             <a:r>
               <a:rPr lang="de-DE" dirty="0"/>
-              <a:t>Modellierung  -  </a:t>
-            </a:r>
-            <a:r>
-              <a:rPr lang="de-DE" dirty="0" err="1"/>
-              <a:t>Multilayer</a:t>
-            </a:r>
-            <a:r>
-              <a:rPr lang="de-DE" dirty="0"/>
-              <a:t> </a:t>
-            </a:r>
-            <a:r>
-              <a:rPr lang="de-DE" dirty="0" err="1"/>
-              <a:t>Perceptrons</a:t>
-            </a:r>
-            <a:endParaRPr lang="de-DE" dirty="0"/>
+              <a:t>Modellierung  -  Multilayer Perceptrons</a:t>
+            </a:r>
           </a:p>
         </p:txBody>
       </p:sp>
@@ -5404,7 +5409,7 @@
           <a:lstStyle/>
           <a:p>
             <a:r>
-              <a:rPr lang="de-DE"/>
+              <a:rPr lang="de-DE" dirty="0"/>
               <a:t>Application Project "Umsatzprognose Bäckerei"</a:t>
             </a:r>
           </a:p>
@@ -5435,7 +5440,7 @@
               <a:rPr lang="de-DE" smtClean="0"/>
               <a:t>11</a:t>
             </a:fld>
-            <a:endParaRPr lang="de-DE"/>
+            <a:endParaRPr lang="de-DE" dirty="0"/>
           </a:p>
         </p:txBody>
       </p:sp>
@@ -5504,31 +5509,7 @@
           <a:p>
             <a:r>
               <a:rPr lang="de-DE" dirty="0"/>
-              <a:t>2 </a:t>
-            </a:r>
-            <a:r>
-              <a:rPr lang="de-DE" dirty="0" err="1"/>
-              <a:t>hidden</a:t>
-            </a:r>
-            <a:r>
-              <a:rPr lang="de-DE" dirty="0"/>
-              <a:t> </a:t>
-            </a:r>
-            <a:r>
-              <a:rPr lang="de-DE" dirty="0" err="1"/>
-              <a:t>layers</a:t>
-            </a:r>
-            <a:r>
-              <a:rPr lang="de-DE" dirty="0"/>
-              <a:t> (100, 50 </a:t>
-            </a:r>
-            <a:r>
-              <a:rPr lang="de-DE" dirty="0" err="1"/>
-              <a:t>units</a:t>
-            </a:r>
-            <a:r>
-              <a:rPr lang="de-DE" dirty="0"/>
-              <a:t>)</a:t>
+              <a:t>2 hidden layers (100, 50 units)</a:t>
             </a:r>
           </a:p>
           <a:p>
@@ -5537,7 +5518,7 @@
               <a:t>„</a:t>
             </a:r>
             <a:r>
-              <a:rPr lang="de-DE" b="1" dirty="0" err="1"/>
+              <a:rPr lang="de-DE" b="1" dirty="0"/>
               <a:t>relu</a:t>
             </a:r>
             <a:r>
@@ -5649,7 +5630,7 @@
           <a:lstStyle/>
           <a:p>
             <a:r>
-              <a:rPr lang="de-DE"/>
+              <a:rPr lang="de-DE" dirty="0"/>
               <a:t>Application Project "Umsatzprognose Bäckerei"</a:t>
             </a:r>
           </a:p>
@@ -5680,7 +5661,7 @@
               <a:rPr lang="de-DE" smtClean="0"/>
               <a:t>12</a:t>
             </a:fld>
-            <a:endParaRPr lang="de-DE"/>
+            <a:endParaRPr lang="de-DE" dirty="0"/>
           </a:p>
         </p:txBody>
       </p:sp>
@@ -5770,54 +5751,84 @@
           <a:chExt cx="0" cy="0"/>
         </a:xfrm>
       </p:grpSpPr>
-      <p:sp>
-        <p:nvSpPr>
-          <p:cNvPr id="2" name="Titel 1">
-            <a:extLst>
-              <a:ext uri="{FF2B5EF4-FFF2-40B4-BE49-F238E27FC236}">
-                <a16:creationId xmlns:a16="http://schemas.microsoft.com/office/drawing/2014/main" id="{5C30B77A-CB96-4D43-8AB8-E92C92B26CD4}"/>
-              </a:ext>
-            </a:extLst>
-          </p:cNvPr>
-          <p:cNvSpPr>
-            <a:spLocks noGrp="1"/>
-          </p:cNvSpPr>
-          <p:nvPr>
-            <p:ph type="title"/>
-          </p:nvPr>
-        </p:nvSpPr>
-        <p:spPr/>
-        <p:txBody>
-          <a:bodyPr/>
-          <a:lstStyle/>
-          <a:p>
-            <a:r>
-              <a:rPr lang="de-DE" dirty="0"/>
-              <a:t>Bewertung und Vergleich der Ergebnisse</a:t>
-            </a:r>
-          </a:p>
-        </p:txBody>
-      </p:sp>
-      <p:sp>
-        <p:nvSpPr>
-          <p:cNvPr id="3" name="Inhaltsplatzhalter 2">
-            <a:extLst>
-              <a:ext uri="{FF2B5EF4-FFF2-40B4-BE49-F238E27FC236}">
-                <a16:creationId xmlns:a16="http://schemas.microsoft.com/office/drawing/2014/main" id="{84A03D58-2D35-4232-A37C-7F35259361FE}"/>
-              </a:ext>
-            </a:extLst>
-          </p:cNvPr>
-          <p:cNvSpPr>
-            <a:spLocks noGrp="1"/>
-          </p:cNvSpPr>
-          <p:nvPr>
-            <p:ph idx="1"/>
-          </p:nvPr>
-        </p:nvSpPr>
+      <p:pic>
+        <p:nvPicPr>
+          <p:cNvPr id="14" name="Grafik 13">
+            <a:extLst>
+              <a:ext uri="{FF2B5EF4-FFF2-40B4-BE49-F238E27FC236}">
+                <a16:creationId xmlns:a16="http://schemas.microsoft.com/office/drawing/2014/main" id="{CE1BCD04-E078-4AA1-AB10-F08EE0E3CFE4}"/>
+              </a:ext>
+            </a:extLst>
+          </p:cNvPr>
+          <p:cNvPicPr>
+            <a:picLocks noChangeAspect="1"/>
+          </p:cNvPicPr>
+          <p:nvPr/>
+        </p:nvPicPr>
+        <p:blipFill>
+          <a:blip r:embed="rId2"/>
+          <a:stretch>
+            <a:fillRect/>
+          </a:stretch>
+        </p:blipFill>
         <p:spPr>
           <a:xfrm>
-            <a:off x="838200" y="1683579"/>
-            <a:ext cx="10515600" cy="4351338"/>
+            <a:off x="652176" y="3704152"/>
+            <a:ext cx="10479649" cy="2225802"/>
+          </a:xfrm>
+          <a:prstGeom prst="rect">
+            <a:avLst/>
+          </a:prstGeom>
+        </p:spPr>
+      </p:pic>
+      <p:sp>
+        <p:nvSpPr>
+          <p:cNvPr id="2" name="Titel 1">
+            <a:extLst>
+              <a:ext uri="{FF2B5EF4-FFF2-40B4-BE49-F238E27FC236}">
+                <a16:creationId xmlns:a16="http://schemas.microsoft.com/office/drawing/2014/main" id="{5C30B77A-CB96-4D43-8AB8-E92C92B26CD4}"/>
+              </a:ext>
+            </a:extLst>
+          </p:cNvPr>
+          <p:cNvSpPr>
+            <a:spLocks noGrp="1"/>
+          </p:cNvSpPr>
+          <p:nvPr>
+            <p:ph type="title"/>
+          </p:nvPr>
+        </p:nvSpPr>
+        <p:spPr/>
+        <p:txBody>
+          <a:bodyPr/>
+          <a:lstStyle/>
+          <a:p>
+            <a:r>
+              <a:rPr lang="de-DE" dirty="0"/>
+              <a:t>Bewertung und Vergleich der Ergebnisse</a:t>
+            </a:r>
+          </a:p>
+        </p:txBody>
+      </p:sp>
+      <p:sp>
+        <p:nvSpPr>
+          <p:cNvPr id="3" name="Inhaltsplatzhalter 2">
+            <a:extLst>
+              <a:ext uri="{FF2B5EF4-FFF2-40B4-BE49-F238E27FC236}">
+                <a16:creationId xmlns:a16="http://schemas.microsoft.com/office/drawing/2014/main" id="{84A03D58-2D35-4232-A37C-7F35259361FE}"/>
+              </a:ext>
+            </a:extLst>
+          </p:cNvPr>
+          <p:cNvSpPr>
+            <a:spLocks noGrp="1"/>
+          </p:cNvSpPr>
+          <p:nvPr>
+            <p:ph idx="1"/>
+          </p:nvPr>
+        </p:nvSpPr>
+        <p:spPr>
+          <a:xfrm>
+            <a:off x="647700" y="1548361"/>
+            <a:ext cx="10706100" cy="4351338"/>
           </a:xfrm>
         </p:spPr>
         <p:txBody>
@@ -5830,51 +5841,8 @@
               <a:buNone/>
             </a:pPr>
             <a:r>
-              <a:rPr lang="de-DE" b="1" dirty="0" err="1"/>
-              <a:t>Gütemaße</a:t>
-            </a:r>
-            <a:endParaRPr lang="de-DE" b="1" dirty="0"/>
-          </a:p>
-          <a:p>
-            <a:r>
-              <a:rPr lang="de-DE" dirty="0"/>
-              <a:t>Mittlere relative Abweichung (</a:t>
-            </a:r>
-            <a:r>
               <a:rPr lang="de-DE" b="1" dirty="0"/>
-              <a:t>MPE</a:t>
-            </a:r>
-            <a:r>
-              <a:rPr lang="de-DE" dirty="0"/>
-              <a:t>)</a:t>
-            </a:r>
-          </a:p>
-          <a:p>
-            <a:r>
-              <a:rPr lang="de-DE" dirty="0"/>
-              <a:t>Gewichteter Absolutwert der relativen Abweichung (</a:t>
-            </a:r>
-            <a:r>
-              <a:rPr lang="de-DE" b="1" dirty="0"/>
-              <a:t>WAPE</a:t>
-            </a:r>
-            <a:r>
-              <a:rPr lang="de-DE" dirty="0"/>
-              <a:t>)</a:t>
-            </a:r>
-          </a:p>
-          <a:p>
-            <a:r>
-              <a:rPr lang="de-DE" dirty="0"/>
-              <a:t>Relative Wurzel der quadratischen Abweichung (</a:t>
-            </a:r>
-            <a:r>
-              <a:rPr lang="de-DE" b="1" dirty="0" err="1"/>
-              <a:t>rRMSE</a:t>
-            </a:r>
-            <a:r>
-              <a:rPr lang="de-DE" dirty="0"/>
-              <a:t>)</a:t>
+              <a:t>Die Ergebnisse im Detail für Warengruppe (2) Brötchen und (5) Kuchen</a:t>
             </a:r>
           </a:p>
           <a:p>
@@ -5907,7 +5875,7 @@
           <a:lstStyle/>
           <a:p>
             <a:r>
-              <a:rPr lang="de-DE"/>
+              <a:rPr lang="de-DE" dirty="0"/>
               <a:t>Application Project "Umsatzprognose Bäckerei"</a:t>
             </a:r>
           </a:p>
@@ -5938,14 +5906,74 @@
               <a:rPr lang="de-DE" smtClean="0"/>
               <a:t>13</a:t>
             </a:fld>
-            <a:endParaRPr lang="de-DE"/>
-          </a:p>
-        </p:txBody>
-      </p:sp>
+            <a:endParaRPr lang="de-DE" dirty="0"/>
+          </a:p>
+        </p:txBody>
+      </p:sp>
+      <p:pic>
+        <p:nvPicPr>
+          <p:cNvPr id="10" name="Grafik 9">
+            <a:extLst>
+              <a:ext uri="{FF2B5EF4-FFF2-40B4-BE49-F238E27FC236}">
+                <a16:creationId xmlns:a16="http://schemas.microsoft.com/office/drawing/2014/main" id="{A50DE598-881D-43A9-A742-A6C659FE99AE}"/>
+              </a:ext>
+            </a:extLst>
+          </p:cNvPr>
+          <p:cNvPicPr>
+            <a:picLocks noChangeAspect="1"/>
+          </p:cNvPicPr>
+          <p:nvPr/>
+        </p:nvPicPr>
+        <p:blipFill>
+          <a:blip r:embed="rId3"/>
+          <a:stretch>
+            <a:fillRect/>
+          </a:stretch>
+        </p:blipFill>
+        <p:spPr>
+          <a:xfrm>
+            <a:off x="679142" y="2153776"/>
+            <a:ext cx="9258300" cy="2114550"/>
+          </a:xfrm>
+          <a:prstGeom prst="rect">
+            <a:avLst/>
+          </a:prstGeom>
+        </p:spPr>
+      </p:pic>
+      <p:pic>
+        <p:nvPicPr>
+          <p:cNvPr id="7" name="Grafik 6">
+            <a:extLst>
+              <a:ext uri="{FF2B5EF4-FFF2-40B4-BE49-F238E27FC236}">
+                <a16:creationId xmlns:a16="http://schemas.microsoft.com/office/drawing/2014/main" id="{554556C1-2623-42B1-B952-2D8810283840}"/>
+              </a:ext>
+            </a:extLst>
+          </p:cNvPr>
+          <p:cNvPicPr>
+            <a:picLocks noChangeAspect="1"/>
+          </p:cNvPicPr>
+          <p:nvPr/>
+        </p:nvPicPr>
+        <p:blipFill>
+          <a:blip r:embed="rId4"/>
+          <a:stretch>
+            <a:fillRect/>
+          </a:stretch>
+        </p:blipFill>
+        <p:spPr>
+          <a:xfrm>
+            <a:off x="729634" y="2091777"/>
+            <a:ext cx="10325635" cy="2238548"/>
+          </a:xfrm>
+          <a:prstGeom prst="rect">
+            <a:avLst/>
+          </a:prstGeom>
+        </p:spPr>
+      </p:pic>
     </p:spTree>
     <p:extLst>
       <p:ext uri="{BB962C8B-B14F-4D97-AF65-F5344CB8AC3E}">
-        <p14:creationId xmlns:p14="http://schemas.microsoft.com/office/powerpoint/2010/main" val="4166588077"/>
+        <p14:creationId xmlns:p14="http://schemas.microsoft.com/office/powerpoint/2010/main" val="839399500"/>
       </p:ext>
     </p:extLst>
   </p:cSld>
@@ -6018,8 +6046,8 @@
         </p:nvSpPr>
         <p:spPr>
           <a:xfrm>
-            <a:off x="647700" y="1548361"/>
-            <a:ext cx="10706100" cy="4351338"/>
+            <a:off x="838200" y="1683579"/>
+            <a:ext cx="10515600" cy="4351338"/>
           </a:xfrm>
         </p:spPr>
         <p:txBody>
@@ -6033,7 +6061,7 @@
             </a:pPr>
             <a:r>
               <a:rPr lang="de-DE" b="1" dirty="0"/>
-              <a:t>Die Ergebnisse im Detail für Warengruppe (2) Brötchen und (5) Kuchen</a:t>
+              <a:t>Die Ergebnisse im Überblick</a:t>
             </a:r>
           </a:p>
           <a:p>
@@ -6066,7 +6094,7 @@
           <a:lstStyle/>
           <a:p>
             <a:r>
-              <a:rPr lang="de-DE"/>
+              <a:rPr lang="de-DE" dirty="0"/>
               <a:t>Application Project "Umsatzprognose Bäckerei"</a:t>
             </a:r>
           </a:p>
@@ -6097,16 +6125,16 @@
               <a:rPr lang="de-DE" smtClean="0"/>
               <a:t>14</a:t>
             </a:fld>
-            <a:endParaRPr lang="de-DE"/>
+            <a:endParaRPr lang="de-DE" dirty="0"/>
           </a:p>
         </p:txBody>
       </p:sp>
       <p:pic>
         <p:nvPicPr>
-          <p:cNvPr id="9" name="Grafik 8">
-            <a:extLst>
-              <a:ext uri="{FF2B5EF4-FFF2-40B4-BE49-F238E27FC236}">
-                <a16:creationId xmlns:a16="http://schemas.microsoft.com/office/drawing/2014/main" id="{6C5A1CF2-C6B9-4F6B-A792-4FC43372208A}"/>
+          <p:cNvPr id="6" name="Grafik 5">
+            <a:extLst>
+              <a:ext uri="{FF2B5EF4-FFF2-40B4-BE49-F238E27FC236}">
+                <a16:creationId xmlns:a16="http://schemas.microsoft.com/office/drawing/2014/main" id="{66C3148D-9EC7-483A-8546-DDC5EF77FA5A}"/>
               </a:ext>
             </a:extLst>
           </p:cNvPr>
@@ -6123,48 +6151,77 @@
         </p:blipFill>
         <p:spPr>
           <a:xfrm>
-            <a:off x="729634" y="3898038"/>
-            <a:ext cx="9239250" cy="2133600"/>
+            <a:off x="494532" y="2130544"/>
+            <a:ext cx="11202935" cy="2850700"/>
           </a:xfrm>
           <a:prstGeom prst="rect">
             <a:avLst/>
           </a:prstGeom>
         </p:spPr>
       </p:pic>
-      <p:pic>
-        <p:nvPicPr>
-          <p:cNvPr id="10" name="Grafik 9">
-            <a:extLst>
-              <a:ext uri="{FF2B5EF4-FFF2-40B4-BE49-F238E27FC236}">
-                <a16:creationId xmlns:a16="http://schemas.microsoft.com/office/drawing/2014/main" id="{A50DE598-881D-43A9-A742-A6C659FE99AE}"/>
-              </a:ext>
-            </a:extLst>
-          </p:cNvPr>
-          <p:cNvPicPr>
-            <a:picLocks noChangeAspect="1"/>
-          </p:cNvPicPr>
+      <p:sp>
+        <p:nvSpPr>
+          <p:cNvPr id="7" name="Interaktive Schaltfläche: Nächste(r) oder Weiter 6">
+            <a:hlinkClick r:id="rId3" action="ppaction://hlinksldjump" highlightClick="1"/>
+            <a:extLst>
+              <a:ext uri="{FF2B5EF4-FFF2-40B4-BE49-F238E27FC236}">
+                <a16:creationId xmlns:a16="http://schemas.microsoft.com/office/drawing/2014/main" id="{2BF7960E-008F-47DF-BDEB-57B5860C50D6}"/>
+              </a:ext>
+            </a:extLst>
+          </p:cNvPr>
+          <p:cNvSpPr/>
           <p:nvPr/>
-        </p:nvPicPr>
-        <p:blipFill>
-          <a:blip r:embed="rId3"/>
-          <a:stretch>
-            <a:fillRect/>
-          </a:stretch>
-        </p:blipFill>
+        </p:nvSpPr>
         <p:spPr>
           <a:xfrm>
-            <a:off x="679142" y="2153776"/>
-            <a:ext cx="9258300" cy="2114550"/>
+            <a:off x="381000" y="6180509"/>
+            <a:ext cx="457200" cy="365125"/>
           </a:xfrm>
-          <a:prstGeom prst="rect">
+          <a:prstGeom prst="actionButtonForwardNext">
             <a:avLst/>
           </a:prstGeom>
+          <a:solidFill>
+            <a:schemeClr val="bg1">
+              <a:lumMod val="85000"/>
+            </a:schemeClr>
+          </a:solidFill>
+          <a:ln>
+            <a:solidFill>
+              <a:schemeClr val="bg2">
+                <a:lumMod val="90000"/>
+              </a:schemeClr>
+            </a:solidFill>
+          </a:ln>
         </p:spPr>
-      </p:pic>
+        <p:style>
+          <a:lnRef idx="2">
+            <a:schemeClr val="accent1">
+              <a:shade val="50000"/>
+            </a:schemeClr>
+          </a:lnRef>
+          <a:fillRef idx="1">
+            <a:schemeClr val="accent1"/>
+          </a:fillRef>
+          <a:effectRef idx="0">
+            <a:schemeClr val="accent1"/>
+          </a:effectRef>
+          <a:fontRef idx="minor">
+            <a:schemeClr val="lt1"/>
+          </a:fontRef>
+        </p:style>
+        <p:txBody>
+          <a:bodyPr rtlCol="0" anchor="ctr"/>
+          <a:lstStyle/>
+          <a:p>
+            <a:pPr algn="ctr"/>
+            <a:endParaRPr lang="de-DE" dirty="0"/>
+          </a:p>
+        </p:txBody>
+      </p:sp>
     </p:spTree>
     <p:extLst>
       <p:ext uri="{BB962C8B-B14F-4D97-AF65-F5344CB8AC3E}">
-        <p14:creationId xmlns:p14="http://schemas.microsoft.com/office/powerpoint/2010/main" val="839399500"/>
+        <p14:creationId xmlns:p14="http://schemas.microsoft.com/office/powerpoint/2010/main" val="3336833941"/>
       </p:ext>
     </p:extLst>
   </p:cSld>
@@ -6214,7 +6271,7 @@
           <a:p>
             <a:r>
               <a:rPr lang="de-DE" dirty="0"/>
-              <a:t>Bewertung und Vergleich der Ergebnisse</a:t>
+              <a:t>Zusammenfassung und Ausblick</a:t>
             </a:r>
           </a:p>
         </p:txBody>
@@ -6237,8 +6294,8 @@
         </p:nvSpPr>
         <p:spPr>
           <a:xfrm>
-            <a:off x="838200" y="1683579"/>
-            <a:ext cx="10515600" cy="4351338"/>
+            <a:off x="838199" y="1825625"/>
+            <a:ext cx="11235431" cy="4351338"/>
           </a:xfrm>
         </p:spPr>
         <p:txBody>
@@ -6247,19 +6304,72 @@
           </a:bodyPr>
           <a:lstStyle/>
           <a:p>
+            <a:r>
+              <a:rPr lang="de-DE" dirty="0"/>
+              <a:t>Es gibt </a:t>
+            </a:r>
+            <a:r>
+              <a:rPr lang="de-DE" b="1" dirty="0"/>
+              <a:t>keinen klaren Gewinner</a:t>
+            </a:r>
+            <a:r>
+              <a:rPr lang="de-DE" dirty="0"/>
+              <a:t>, einfache Ensemble-Bildung hilft.</a:t>
+            </a:r>
+          </a:p>
+          <a:p>
+            <a:r>
+              <a:rPr lang="de-DE" dirty="0"/>
+              <a:t>Die Prognosegüte unterscheidet sich stark für die </a:t>
+            </a:r>
+            <a:r>
+              <a:rPr lang="de-DE" b="1" dirty="0"/>
+              <a:t>Warengruppen</a:t>
+            </a:r>
+            <a:r>
+              <a:rPr lang="de-DE" dirty="0"/>
+              <a:t>: Der Umsatz für Brötchen und Kuchen lässt sich am besten schätzen.</a:t>
+            </a:r>
+          </a:p>
+          <a:p>
+            <a:r>
+              <a:rPr lang="de-DE" dirty="0"/>
+              <a:t>Jedes Modell könnte alleine eine Projekt-Arbeit füllen, es gibt </a:t>
+            </a:r>
+            <a:r>
+              <a:rPr lang="de-DE" b="1" dirty="0"/>
+              <a:t>zahlreiche Ausbaustufen</a:t>
+            </a:r>
+            <a:r>
+              <a:rPr lang="de-DE" dirty="0"/>
+              <a:t>, die wir nicht behandelt haben.</a:t>
+            </a:r>
+          </a:p>
+          <a:p>
+            <a:endParaRPr lang="de-DE" dirty="0"/>
+          </a:p>
+          <a:p>
+            <a:endParaRPr lang="de-DE" dirty="0"/>
+          </a:p>
+          <a:p>
             <a:pPr marL="0" indent="0">
               <a:buNone/>
             </a:pPr>
             <a:r>
-              <a:rPr lang="de-DE" b="1" dirty="0"/>
-              <a:t>Die Ergebnisse im Überblick</a:t>
-            </a:r>
-          </a:p>
-          <a:p>
-            <a:pPr marL="0" indent="0">
-              <a:buNone/>
-            </a:pPr>
-            <a:endParaRPr lang="de-DE" dirty="0"/>
+              <a:rPr lang="de-DE" sz="3000" b="1" dirty="0"/>
+              <a:t>VIELEN DANK an Nils </a:t>
+            </a:r>
+            <a:r>
+              <a:rPr lang="de-DE" sz="3000" dirty="0"/>
+              <a:t>für die tolle Unterstützung und Inspiration !!! </a:t>
+            </a:r>
+            <a:r>
+              <a:rPr lang="de-DE" sz="3000" dirty="0">
+                <a:sym typeface="Wingdings" panose="05000000000000000000" pitchFamily="2" charset="2"/>
+              </a:rPr>
+              <a:t></a:t>
+            </a:r>
+            <a:endParaRPr lang="de-DE" sz="3000" dirty="0"/>
           </a:p>
         </p:txBody>
       </p:sp>
@@ -6285,7 +6395,7 @@
           <a:lstStyle/>
           <a:p>
             <a:r>
-              <a:rPr lang="de-DE"/>
+              <a:rPr lang="de-DE" dirty="0"/>
               <a:t>Application Project "Umsatzprognose Bäckerei"</a:t>
             </a:r>
           </a:p>
@@ -6316,44 +6426,14 @@
               <a:rPr lang="de-DE" smtClean="0"/>
               <a:t>15</a:t>
             </a:fld>
-            <a:endParaRPr lang="de-DE"/>
-          </a:p>
-        </p:txBody>
-      </p:sp>
-      <p:pic>
-        <p:nvPicPr>
-          <p:cNvPr id="6" name="Grafik 5">
-            <a:extLst>
-              <a:ext uri="{FF2B5EF4-FFF2-40B4-BE49-F238E27FC236}">
-                <a16:creationId xmlns:a16="http://schemas.microsoft.com/office/drawing/2014/main" id="{66C3148D-9EC7-483A-8546-DDC5EF77FA5A}"/>
-              </a:ext>
-            </a:extLst>
-          </p:cNvPr>
-          <p:cNvPicPr>
-            <a:picLocks noChangeAspect="1"/>
-          </p:cNvPicPr>
-          <p:nvPr/>
-        </p:nvPicPr>
-        <p:blipFill>
-          <a:blip r:embed="rId2"/>
-          <a:stretch>
-            <a:fillRect/>
-          </a:stretch>
-        </p:blipFill>
-        <p:spPr>
-          <a:xfrm>
-            <a:off x="494532" y="2130544"/>
-            <a:ext cx="11202935" cy="2850700"/>
-          </a:xfrm>
-          <a:prstGeom prst="rect">
-            <a:avLst/>
-          </a:prstGeom>
-        </p:spPr>
-      </p:pic>
+            <a:endParaRPr lang="de-DE" dirty="0"/>
+          </a:p>
+        </p:txBody>
+      </p:sp>
     </p:spTree>
     <p:extLst>
       <p:ext uri="{BB962C8B-B14F-4D97-AF65-F5344CB8AC3E}">
-        <p14:creationId xmlns:p14="http://schemas.microsoft.com/office/powerpoint/2010/main" val="3336833941"/>
+        <p14:creationId xmlns:p14="http://schemas.microsoft.com/office/powerpoint/2010/main" val="2818583017"/>
       </p:ext>
     </p:extLst>
   </p:cSld>
@@ -6403,7 +6483,7 @@
           <a:p>
             <a:r>
               <a:rPr lang="de-DE" dirty="0"/>
-              <a:t>Zusammenfassung und Ausblick</a:t>
+              <a:t>GitHub</a:t>
             </a:r>
           </a:p>
         </p:txBody>
@@ -6426,82 +6506,109 @@
         </p:nvSpPr>
         <p:spPr>
           <a:xfrm>
-            <a:off x="838199" y="1825625"/>
+            <a:off x="478283" y="1847850"/>
             <a:ext cx="11235431" cy="4351338"/>
           </a:xfrm>
         </p:spPr>
         <p:txBody>
           <a:bodyPr>
-            <a:normAutofit/>
+            <a:normAutofit fontScale="85000" lnSpcReduction="20000"/>
           </a:bodyPr>
           <a:lstStyle/>
-          <a:p>
-            <a:r>
-              <a:rPr lang="de-DE" dirty="0"/>
-              <a:t>Es gibt </a:t>
-            </a:r>
-            <a:r>
-              <a:rPr lang="de-DE" b="1" dirty="0"/>
-              <a:t>keinen klaren Gewinner</a:t>
-            </a:r>
-            <a:r>
-              <a:rPr lang="de-DE" dirty="0"/>
-              <a:t>, einfache Ensemble-Bildung hilft.</a:t>
-            </a:r>
-          </a:p>
-          <a:p>
-            <a:r>
-              <a:rPr lang="de-DE" dirty="0"/>
-              <a:t>Die Prognosegüte unterscheidet sich stark für die </a:t>
-            </a:r>
-            <a:r>
-              <a:rPr lang="de-DE" b="1" dirty="0"/>
-              <a:t>Warengruppen</a:t>
-            </a:r>
-            <a:r>
-              <a:rPr lang="de-DE" dirty="0"/>
-              <a:t>: Der Umsatz für Brötchen und Kuchen lässt sich am besten schätzen.</a:t>
-            </a:r>
-          </a:p>
-          <a:p>
-            <a:r>
-              <a:rPr lang="de-DE" dirty="0"/>
-              <a:t>Jedes Modell könnte alleine eine Projekt-Arbeit füllen, es gibt </a:t>
-            </a:r>
-            <a:r>
-              <a:rPr lang="de-DE" b="1" dirty="0"/>
-              <a:t>zahlreiche Ausbaustufen</a:t>
-            </a:r>
-            <a:r>
-              <a:rPr lang="de-DE" dirty="0"/>
-              <a:t>, die wir nicht behandelt haben.</a:t>
-            </a:r>
-          </a:p>
-          <a:p>
-            <a:endParaRPr lang="de-DE" dirty="0"/>
-          </a:p>
-          <a:p>
-            <a:endParaRPr lang="de-DE" dirty="0"/>
-          </a:p>
           <a:p>
             <a:pPr marL="0" indent="0">
               <a:buNone/>
             </a:pPr>
-            <a:r>
-              <a:rPr lang="de-DE" sz="3000" b="1" dirty="0"/>
-              <a:t>VIELEN DANK an Nils </a:t>
-            </a:r>
-            <a:r>
-              <a:rPr lang="de-DE" sz="3000" dirty="0"/>
-              <a:t>für die tolle Unterstützung und Inspiration !!! </a:t>
-            </a:r>
-            <a:r>
-              <a:rPr lang="de-DE" sz="3000" dirty="0">
-                <a:sym typeface="Wingdings" panose="05000000000000000000" pitchFamily="2" charset="2"/>
+            <a:endParaRPr lang="de-DE" dirty="0">
+              <a:hlinkClick r:id="rId3"/>
+            </a:endParaRPr>
+          </a:p>
+          <a:p>
+            <a:pPr marL="0" indent="0">
+              <a:buNone/>
+            </a:pPr>
+            <a:endParaRPr lang="de-DE" dirty="0">
+              <a:hlinkClick r:id="rId3"/>
+            </a:endParaRPr>
+          </a:p>
+          <a:p>
+            <a:pPr marL="0" indent="0">
+              <a:buNone/>
+            </a:pPr>
+            <a:endParaRPr lang="de-DE" dirty="0">
+              <a:hlinkClick r:id="rId3"/>
+            </a:endParaRPr>
+          </a:p>
+          <a:p>
+            <a:pPr marL="0" indent="0">
+              <a:buNone/>
+            </a:pPr>
+            <a:endParaRPr lang="de-DE" dirty="0">
+              <a:hlinkClick r:id="rId3"/>
+            </a:endParaRPr>
+          </a:p>
+          <a:p>
+            <a:pPr marL="0" indent="0">
+              <a:buNone/>
+            </a:pPr>
+            <a:endParaRPr lang="de-DE" dirty="0">
+              <a:hlinkClick r:id="rId3"/>
+            </a:endParaRPr>
+          </a:p>
+          <a:p>
+            <a:pPr marL="0" indent="0">
+              <a:buNone/>
+            </a:pPr>
+            <a:endParaRPr lang="de-DE" dirty="0">
+              <a:hlinkClick r:id="rId3"/>
+            </a:endParaRPr>
+          </a:p>
+          <a:p>
+            <a:pPr marL="0" indent="0">
+              <a:buNone/>
+            </a:pPr>
+            <a:endParaRPr lang="de-DE" dirty="0">
+              <a:hlinkClick r:id="rId3"/>
+            </a:endParaRPr>
+          </a:p>
+          <a:p>
+            <a:pPr marL="0" indent="0">
+              <a:buNone/>
+            </a:pPr>
+            <a:endParaRPr lang="de-DE" dirty="0">
+              <a:hlinkClick r:id="rId3"/>
+            </a:endParaRPr>
+          </a:p>
+          <a:p>
+            <a:pPr marL="0" indent="0">
+              <a:buNone/>
+            </a:pPr>
+            <a:endParaRPr lang="de-DE" dirty="0">
+              <a:hlinkClick r:id="rId3"/>
+            </a:endParaRPr>
+          </a:p>
+          <a:p>
+            <a:pPr marL="0" indent="0">
+              <a:buNone/>
+            </a:pPr>
+            <a:endParaRPr lang="de-DE" dirty="0">
+              <a:hlinkClick r:id="rId3"/>
+            </a:endParaRPr>
+          </a:p>
+          <a:p>
+            <a:pPr marL="0" indent="0" algn="ctr">
+              <a:buNone/>
+            </a:pPr>
+            <a:r>
+              <a:rPr lang="de-DE" dirty="0">
+                <a:hlinkClick r:id="rId3"/>
               </a:rPr>
-              <a:t></a:t>
-            </a:r>
-            <a:endParaRPr lang="de-DE" sz="3000" dirty="0"/>
+              <a:t>https://github.com/ChristinaMaedge/Application_Project</a:t>
+            </a:r>
+            <a:r>
+              <a:rPr lang="de-DE" dirty="0"/>
+              <a:t> </a:t>
+            </a:r>
           </a:p>
         </p:txBody>
       </p:sp>
@@ -6527,7 +6634,7 @@
           <a:lstStyle/>
           <a:p>
             <a:r>
-              <a:rPr lang="de-DE"/>
+              <a:rPr lang="de-DE" dirty="0"/>
               <a:t>Application Project "Umsatzprognose Bäckerei"</a:t>
             </a:r>
           </a:p>
@@ -6558,14 +6665,44 @@
               <a:rPr lang="de-DE" smtClean="0"/>
               <a:t>16</a:t>
             </a:fld>
-            <a:endParaRPr lang="de-DE"/>
-          </a:p>
-        </p:txBody>
-      </p:sp>
+            <a:endParaRPr lang="de-DE" dirty="0"/>
+          </a:p>
+        </p:txBody>
+      </p:sp>
+      <p:pic>
+        <p:nvPicPr>
+          <p:cNvPr id="6" name="Grafik 5">
+            <a:extLst>
+              <a:ext uri="{FF2B5EF4-FFF2-40B4-BE49-F238E27FC236}">
+                <a16:creationId xmlns:a16="http://schemas.microsoft.com/office/drawing/2014/main" id="{81F767AE-7546-49C5-9749-369DC54FEC71}"/>
+              </a:ext>
+            </a:extLst>
+          </p:cNvPr>
+          <p:cNvPicPr>
+            <a:picLocks noChangeAspect="1"/>
+          </p:cNvPicPr>
+          <p:nvPr/>
+        </p:nvPicPr>
+        <p:blipFill>
+          <a:blip r:embed="rId4"/>
+          <a:stretch>
+            <a:fillRect/>
+          </a:stretch>
+        </p:blipFill>
+        <p:spPr>
+          <a:xfrm>
+            <a:off x="3157634" y="1332407"/>
+            <a:ext cx="5876731" cy="3913265"/>
+          </a:xfrm>
+          <a:prstGeom prst="rect">
+            <a:avLst/>
+          </a:prstGeom>
+        </p:spPr>
+      </p:pic>
     </p:spTree>
     <p:extLst>
       <p:ext uri="{BB962C8B-B14F-4D97-AF65-F5344CB8AC3E}">
-        <p14:creationId xmlns:p14="http://schemas.microsoft.com/office/powerpoint/2010/main" val="2818583017"/>
+        <p14:creationId xmlns:p14="http://schemas.microsoft.com/office/powerpoint/2010/main" val="964950253"/>
       </p:ext>
     </p:extLst>
   </p:cSld>
@@ -6594,10 +6731,98 @@
       </p:grpSpPr>
       <p:sp>
         <p:nvSpPr>
+          <p:cNvPr id="2" name="Titel 1">
+            <a:extLst>
+              <a:ext uri="{FF2B5EF4-FFF2-40B4-BE49-F238E27FC236}">
+                <a16:creationId xmlns:a16="http://schemas.microsoft.com/office/drawing/2014/main" id="{E6236637-4204-424C-95DF-E82A51DDA435}"/>
+              </a:ext>
+            </a:extLst>
+          </p:cNvPr>
+          <p:cNvSpPr>
+            <a:spLocks noGrp="1"/>
+          </p:cNvSpPr>
+          <p:nvPr>
+            <p:ph type="title"/>
+          </p:nvPr>
+        </p:nvSpPr>
+        <p:spPr/>
+        <p:txBody>
+          <a:bodyPr/>
+          <a:lstStyle/>
+          <a:p>
+            <a:r>
+              <a:rPr lang="de-DE" dirty="0"/>
+              <a:t>Quellenangabe für eingebundene Bilder:</a:t>
+            </a:r>
+          </a:p>
+        </p:txBody>
+      </p:sp>
+      <p:sp>
+        <p:nvSpPr>
+          <p:cNvPr id="3" name="Inhaltsplatzhalter 2">
+            <a:extLst>
+              <a:ext uri="{FF2B5EF4-FFF2-40B4-BE49-F238E27FC236}">
+                <a16:creationId xmlns:a16="http://schemas.microsoft.com/office/drawing/2014/main" id="{20349584-F4E8-40CC-8E77-CF0CF07F818C}"/>
+              </a:ext>
+            </a:extLst>
+          </p:cNvPr>
+          <p:cNvSpPr>
+            <a:spLocks noGrp="1"/>
+          </p:cNvSpPr>
+          <p:nvPr>
+            <p:ph idx="1"/>
+          </p:nvPr>
+        </p:nvSpPr>
+        <p:spPr/>
+        <p:txBody>
+          <a:bodyPr/>
+          <a:lstStyle/>
+          <a:p>
+            <a:r>
+              <a:rPr lang="de-DE" dirty="0"/>
+              <a:t>Folie 5: </a:t>
+            </a:r>
+            <a:r>
+              <a:rPr lang="de-DE" dirty="0">
+                <a:hlinkClick r:id="rId2"/>
+              </a:rPr>
+              <a:t>https://scriptmag.com/features/garbage-in-garbage-out</a:t>
+            </a:r>
+            <a:r>
+              <a:rPr lang="de-DE" dirty="0"/>
+              <a:t> </a:t>
+            </a:r>
+          </a:p>
+          <a:p>
+            <a:r>
+              <a:rPr lang="de-DE" dirty="0"/>
+              <a:t>Folie 8: </a:t>
+            </a:r>
+            <a:r>
+              <a:rPr lang="de-DE" dirty="0">
+                <a:hlinkClick r:id="rId3"/>
+              </a:rPr>
+              <a:t>https://www.mathworks.com/help/stats/regress.html</a:t>
+            </a:r>
+            <a:endParaRPr lang="de-DE" dirty="0"/>
+          </a:p>
+          <a:p>
+            <a:pPr marL="0" indent="0">
+              <a:buNone/>
+            </a:pPr>
+            <a:r>
+              <a:rPr lang="de-DE" dirty="0"/>
+              <a:t> </a:t>
+            </a:r>
+          </a:p>
+        </p:txBody>
+      </p:sp>
+      <p:sp>
+        <p:nvSpPr>
           <p:cNvPr id="4" name="Fußzeilenplatzhalter 3">
             <a:extLst>
               <a:ext uri="{FF2B5EF4-FFF2-40B4-BE49-F238E27FC236}">
-                <a16:creationId xmlns:a16="http://schemas.microsoft.com/office/drawing/2014/main" id="{16F63B71-9DCA-4E29-A33C-A5817A2E808C}"/>
+                <a16:creationId xmlns:a16="http://schemas.microsoft.com/office/drawing/2014/main" id="{F3C125D3-55AE-4DD1-85E0-57B8EC4DD1CD}"/>
               </a:ext>
             </a:extLst>
           </p:cNvPr>
@@ -6614,7 +6839,7 @@
           <a:lstStyle/>
           <a:p>
             <a:r>
-              <a:rPr lang="de-DE"/>
+              <a:rPr lang="de-DE" dirty="0"/>
               <a:t>Application Project "Umsatzprognose Bäckerei"</a:t>
             </a:r>
           </a:p>
@@ -6625,7 +6850,7 @@
           <p:cNvPr id="5" name="Foliennummernplatzhalter 4">
             <a:extLst>
               <a:ext uri="{FF2B5EF4-FFF2-40B4-BE49-F238E27FC236}">
-                <a16:creationId xmlns:a16="http://schemas.microsoft.com/office/drawing/2014/main" id="{3B37C111-C299-456C-AE5F-E0E6F2CA0C65}"/>
+                <a16:creationId xmlns:a16="http://schemas.microsoft.com/office/drawing/2014/main" id="{DA3B00A1-DBD7-43C1-8309-9A807CBB879B}"/>
               </a:ext>
             </a:extLst>
           </p:cNvPr>
@@ -6645,77 +6870,14 @@
               <a:rPr lang="de-DE" smtClean="0"/>
               <a:t>17</a:t>
             </a:fld>
-            <a:endParaRPr lang="de-DE"/>
-          </a:p>
-        </p:txBody>
-      </p:sp>
-      <p:pic>
-        <p:nvPicPr>
-          <p:cNvPr id="6" name="Grafik 5">
-            <a:extLst>
-              <a:ext uri="{FF2B5EF4-FFF2-40B4-BE49-F238E27FC236}">
-                <a16:creationId xmlns:a16="http://schemas.microsoft.com/office/drawing/2014/main" id="{902FC70E-DC9C-47C4-A30A-9E8A64878EA2}"/>
-              </a:ext>
-            </a:extLst>
-          </p:cNvPr>
-          <p:cNvPicPr>
-            <a:picLocks noChangeAspect="1"/>
-          </p:cNvPicPr>
-          <p:nvPr/>
-        </p:nvPicPr>
-        <p:blipFill>
-          <a:blip r:embed="rId2"/>
-          <a:stretch>
-            <a:fillRect/>
-          </a:stretch>
-        </p:blipFill>
-        <p:spPr>
-          <a:xfrm>
-            <a:off x="1391175" y="1070909"/>
-            <a:ext cx="8676103" cy="5285441"/>
-          </a:xfrm>
-          <a:prstGeom prst="rect">
-            <a:avLst/>
-          </a:prstGeom>
-        </p:spPr>
-      </p:pic>
-      <p:sp>
-        <p:nvSpPr>
-          <p:cNvPr id="11" name="Titel 1">
-            <a:extLst>
-              <a:ext uri="{FF2B5EF4-FFF2-40B4-BE49-F238E27FC236}">
-                <a16:creationId xmlns:a16="http://schemas.microsoft.com/office/drawing/2014/main" id="{273ED59D-E6B4-4D95-9798-6A7FFC61F780}"/>
-              </a:ext>
-            </a:extLst>
-          </p:cNvPr>
-          <p:cNvSpPr>
-            <a:spLocks noGrp="1"/>
-          </p:cNvSpPr>
-          <p:nvPr>
-            <p:ph type="title"/>
-          </p:nvPr>
-        </p:nvSpPr>
-        <p:spPr>
-          <a:xfrm>
-            <a:off x="92476" y="1"/>
-            <a:ext cx="10515600" cy="976544"/>
-          </a:xfrm>
-        </p:spPr>
-        <p:txBody>
-          <a:bodyPr/>
-          <a:lstStyle/>
-          <a:p>
-            <a:r>
-              <a:rPr lang="de-DE" dirty="0"/>
-              <a:t>Anhang</a:t>
-            </a:r>
+            <a:endParaRPr lang="de-DE" dirty="0"/>
           </a:p>
         </p:txBody>
       </p:sp>
     </p:spTree>
     <p:extLst>
       <p:ext uri="{BB962C8B-B14F-4D97-AF65-F5344CB8AC3E}">
-        <p14:creationId xmlns:p14="http://schemas.microsoft.com/office/powerpoint/2010/main" val="3150471888"/>
+        <p14:creationId xmlns:p14="http://schemas.microsoft.com/office/powerpoint/2010/main" val="1353189687"/>
       </p:ext>
     </p:extLst>
   </p:cSld>
@@ -6764,7 +6926,7 @@
           <a:lstStyle/>
           <a:p>
             <a:r>
-              <a:rPr lang="de-DE"/>
+              <a:rPr lang="de-DE" dirty="0"/>
               <a:t>Application Project "Umsatzprognose Bäckerei"</a:t>
             </a:r>
           </a:p>
@@ -6795,16 +6957,16 @@
               <a:rPr lang="de-DE" smtClean="0"/>
               <a:t>18</a:t>
             </a:fld>
-            <a:endParaRPr lang="de-DE"/>
+            <a:endParaRPr lang="de-DE" dirty="0"/>
           </a:p>
         </p:txBody>
       </p:sp>
       <p:pic>
         <p:nvPicPr>
-          <p:cNvPr id="3" name="Grafik 2">
-            <a:extLst>
-              <a:ext uri="{FF2B5EF4-FFF2-40B4-BE49-F238E27FC236}">
-                <a16:creationId xmlns:a16="http://schemas.microsoft.com/office/drawing/2014/main" id="{252CF63A-1C76-4215-9E1B-72F1BC8D290E}"/>
+          <p:cNvPr id="6" name="Grafik 5">
+            <a:extLst>
+              <a:ext uri="{FF2B5EF4-FFF2-40B4-BE49-F238E27FC236}">
+                <a16:creationId xmlns:a16="http://schemas.microsoft.com/office/drawing/2014/main" id="{902FC70E-DC9C-47C4-A30A-9E8A64878EA2}"/>
               </a:ext>
             </a:extLst>
           </p:cNvPr>
@@ -6821,8 +6983,8 @@
         </p:blipFill>
         <p:spPr>
           <a:xfrm>
-            <a:off x="1171852" y="751378"/>
-            <a:ext cx="8984202" cy="5604972"/>
+            <a:off x="1391175" y="1070909"/>
+            <a:ext cx="8676103" cy="5285441"/>
           </a:xfrm>
           <a:prstGeom prst="rect">
             <a:avLst/>
@@ -6831,10 +6993,10 @@
       </p:pic>
       <p:sp>
         <p:nvSpPr>
-          <p:cNvPr id="9" name="Titel 1">
-            <a:extLst>
-              <a:ext uri="{FF2B5EF4-FFF2-40B4-BE49-F238E27FC236}">
-                <a16:creationId xmlns:a16="http://schemas.microsoft.com/office/drawing/2014/main" id="{605F0B5C-04B5-4DC7-AB62-259843635722}"/>
+          <p:cNvPr id="11" name="Titel 1">
+            <a:extLst>
+              <a:ext uri="{FF2B5EF4-FFF2-40B4-BE49-F238E27FC236}">
+                <a16:creationId xmlns:a16="http://schemas.microsoft.com/office/drawing/2014/main" id="{273ED59D-E6B4-4D95-9798-6A7FFC61F780}"/>
               </a:ext>
             </a:extLst>
           </p:cNvPr>
@@ -6857,15 +7019,74 @@
           <a:p>
             <a:r>
               <a:rPr lang="de-DE" dirty="0"/>
-              <a:t>Anhang</a:t>
-            </a:r>
+              <a:t>Anhang – Umsätze im Zeitverlauf</a:t>
+            </a:r>
+          </a:p>
+        </p:txBody>
+      </p:sp>
+      <p:sp>
+        <p:nvSpPr>
+          <p:cNvPr id="7" name="Interaktive Schaltfläche: Nächste(r) oder Weiter 6">
+            <a:hlinkClick r:id="rId3" action="ppaction://hlinksldjump" highlightClick="1"/>
+            <a:extLst>
+              <a:ext uri="{FF2B5EF4-FFF2-40B4-BE49-F238E27FC236}">
+                <a16:creationId xmlns:a16="http://schemas.microsoft.com/office/drawing/2014/main" id="{95D655EB-F8E1-4E3D-B53C-65BBC771A62F}"/>
+              </a:ext>
+            </a:extLst>
+          </p:cNvPr>
+          <p:cNvSpPr/>
+          <p:nvPr/>
+        </p:nvSpPr>
+        <p:spPr>
+          <a:xfrm>
+            <a:off x="364013" y="6416461"/>
+            <a:ext cx="339969" cy="244902"/>
+          </a:xfrm>
+          <a:prstGeom prst="actionButtonForwardNext">
+            <a:avLst/>
+          </a:prstGeom>
+          <a:solidFill>
+            <a:schemeClr val="bg1">
+              <a:lumMod val="85000"/>
+            </a:schemeClr>
+          </a:solidFill>
+          <a:ln>
+            <a:solidFill>
+              <a:schemeClr val="bg2">
+                <a:lumMod val="90000"/>
+              </a:schemeClr>
+            </a:solidFill>
+          </a:ln>
+        </p:spPr>
+        <p:style>
+          <a:lnRef idx="2">
+            <a:schemeClr val="accent1">
+              <a:shade val="50000"/>
+            </a:schemeClr>
+          </a:lnRef>
+          <a:fillRef idx="1">
+            <a:schemeClr val="accent1"/>
+          </a:fillRef>
+          <a:effectRef idx="0">
+            <a:schemeClr val="accent1"/>
+          </a:effectRef>
+          <a:fontRef idx="minor">
+            <a:schemeClr val="lt1"/>
+          </a:fontRef>
+        </p:style>
+        <p:txBody>
+          <a:bodyPr rtlCol="0" anchor="ctr"/>
+          <a:lstStyle/>
+          <a:p>
+            <a:pPr algn="ctr"/>
+            <a:endParaRPr lang="de-DE" dirty="0"/>
           </a:p>
         </p:txBody>
       </p:sp>
     </p:spTree>
     <p:extLst>
       <p:ext uri="{BB962C8B-B14F-4D97-AF65-F5344CB8AC3E}">
-        <p14:creationId xmlns:p14="http://schemas.microsoft.com/office/powerpoint/2010/main" val="1277087815"/>
+        <p14:creationId xmlns:p14="http://schemas.microsoft.com/office/powerpoint/2010/main" val="3150471888"/>
       </p:ext>
     </p:extLst>
   </p:cSld>
@@ -6914,7 +7135,7 @@
           <a:lstStyle/>
           <a:p>
             <a:r>
-              <a:rPr lang="de-DE"/>
+              <a:rPr lang="de-DE" dirty="0"/>
               <a:t>Application Project "Umsatzprognose Bäckerei"</a:t>
             </a:r>
           </a:p>
@@ -6945,16 +7166,16 @@
               <a:rPr lang="de-DE" smtClean="0"/>
               <a:t>19</a:t>
             </a:fld>
-            <a:endParaRPr lang="de-DE"/>
+            <a:endParaRPr lang="de-DE" dirty="0"/>
           </a:p>
         </p:txBody>
       </p:sp>
       <p:pic>
         <p:nvPicPr>
-          <p:cNvPr id="2" name="Grafik 1">
-            <a:extLst>
-              <a:ext uri="{FF2B5EF4-FFF2-40B4-BE49-F238E27FC236}">
-                <a16:creationId xmlns:a16="http://schemas.microsoft.com/office/drawing/2014/main" id="{C502594C-0238-432A-AFA8-4937A5828498}"/>
+          <p:cNvPr id="3" name="Grafik 2">
+            <a:extLst>
+              <a:ext uri="{FF2B5EF4-FFF2-40B4-BE49-F238E27FC236}">
+                <a16:creationId xmlns:a16="http://schemas.microsoft.com/office/drawing/2014/main" id="{252CF63A-1C76-4215-9E1B-72F1BC8D290E}"/>
               </a:ext>
             </a:extLst>
           </p:cNvPr>
@@ -6971,8 +7192,8 @@
         </p:blipFill>
         <p:spPr>
           <a:xfrm>
-            <a:off x="1455938" y="715856"/>
-            <a:ext cx="8891078" cy="5640494"/>
+            <a:off x="1440208" y="1056391"/>
+            <a:ext cx="8984202" cy="5604972"/>
           </a:xfrm>
           <a:prstGeom prst="rect">
             <a:avLst/>
@@ -7007,15 +7228,74 @@
           <a:p>
             <a:r>
               <a:rPr lang="de-DE" dirty="0"/>
-              <a:t>Anhang</a:t>
-            </a:r>
+              <a:t>Anhang – Naive Modelle (1)</a:t>
+            </a:r>
+          </a:p>
+        </p:txBody>
+      </p:sp>
+      <p:sp>
+        <p:nvSpPr>
+          <p:cNvPr id="6" name="Interaktive Schaltfläche: Nächste(r) oder Weiter 5">
+            <a:hlinkClick r:id="rId3" action="ppaction://hlinksldjump" highlightClick="1"/>
+            <a:extLst>
+              <a:ext uri="{FF2B5EF4-FFF2-40B4-BE49-F238E27FC236}">
+                <a16:creationId xmlns:a16="http://schemas.microsoft.com/office/drawing/2014/main" id="{31E1B15A-C50E-45A9-B576-2954A5E45353}"/>
+              </a:ext>
+            </a:extLst>
+          </p:cNvPr>
+          <p:cNvSpPr/>
+          <p:nvPr/>
+        </p:nvSpPr>
+        <p:spPr>
+          <a:xfrm>
+            <a:off x="364013" y="6416461"/>
+            <a:ext cx="339969" cy="244902"/>
+          </a:xfrm>
+          <a:prstGeom prst="actionButtonForwardNext">
+            <a:avLst/>
+          </a:prstGeom>
+          <a:solidFill>
+            <a:schemeClr val="bg1">
+              <a:lumMod val="85000"/>
+            </a:schemeClr>
+          </a:solidFill>
+          <a:ln>
+            <a:solidFill>
+              <a:schemeClr val="bg2">
+                <a:lumMod val="90000"/>
+              </a:schemeClr>
+            </a:solidFill>
+          </a:ln>
+        </p:spPr>
+        <p:style>
+          <a:lnRef idx="2">
+            <a:schemeClr val="accent1">
+              <a:shade val="50000"/>
+            </a:schemeClr>
+          </a:lnRef>
+          <a:fillRef idx="1">
+            <a:schemeClr val="accent1"/>
+          </a:fillRef>
+          <a:effectRef idx="0">
+            <a:schemeClr val="accent1"/>
+          </a:effectRef>
+          <a:fontRef idx="minor">
+            <a:schemeClr val="lt1"/>
+          </a:fontRef>
+        </p:style>
+        <p:txBody>
+          <a:bodyPr rtlCol="0" anchor="ctr"/>
+          <a:lstStyle/>
+          <a:p>
+            <a:pPr algn="ctr"/>
+            <a:endParaRPr lang="de-DE" dirty="0"/>
           </a:p>
         </p:txBody>
       </p:sp>
     </p:spTree>
     <p:extLst>
       <p:ext uri="{BB962C8B-B14F-4D97-AF65-F5344CB8AC3E}">
-        <p14:creationId xmlns:p14="http://schemas.microsoft.com/office/powerpoint/2010/main" val="2308364966"/>
+        <p14:creationId xmlns:p14="http://schemas.microsoft.com/office/powerpoint/2010/main" val="1277087815"/>
       </p:ext>
     </p:extLst>
   </p:cSld>
@@ -7139,15 +7419,7 @@
             </a:r>
             <a:r>
               <a:rPr lang="de-DE" dirty="0"/>
-              <a:t>, die Bäckereien eine bessere Planungsgrundlage </a:t>
-            </a:r>
-            <a:r>
-              <a:rPr lang="de-DE" dirty="0" err="1"/>
-              <a:t>bietensollen</a:t>
-            </a:r>
-            <a:r>
-              <a:rPr lang="de-DE" dirty="0"/>
-              <a:t>.</a:t>
+              <a:t>, die Bäckereien eine bessere Planungsgrundlage bieten sollen.</a:t>
             </a:r>
           </a:p>
           <a:p>
@@ -7202,7 +7474,7 @@
           <a:lstStyle/>
           <a:p>
             <a:r>
-              <a:rPr lang="de-DE"/>
+              <a:rPr lang="de-DE" dirty="0"/>
               <a:t>Application Project "Umsatzprognose Bäckerei"</a:t>
             </a:r>
           </a:p>
@@ -7233,7 +7505,7 @@
               <a:rPr lang="de-DE" smtClean="0"/>
               <a:t>2</a:t>
             </a:fld>
-            <a:endParaRPr lang="de-DE"/>
+            <a:endParaRPr lang="de-DE" dirty="0"/>
           </a:p>
         </p:txBody>
       </p:sp>
@@ -7289,7 +7561,7 @@
           <a:lstStyle/>
           <a:p>
             <a:r>
-              <a:rPr lang="de-DE"/>
+              <a:rPr lang="de-DE" dirty="0"/>
               <a:t>Application Project "Umsatzprognose Bäckerei"</a:t>
             </a:r>
           </a:p>
@@ -7320,16 +7592,16 @@
               <a:rPr lang="de-DE" smtClean="0"/>
               <a:t>20</a:t>
             </a:fld>
-            <a:endParaRPr lang="de-DE"/>
+            <a:endParaRPr lang="de-DE" dirty="0"/>
           </a:p>
         </p:txBody>
       </p:sp>
       <p:pic>
         <p:nvPicPr>
-          <p:cNvPr id="3" name="Grafik 2">
-            <a:extLst>
-              <a:ext uri="{FF2B5EF4-FFF2-40B4-BE49-F238E27FC236}">
-                <a16:creationId xmlns:a16="http://schemas.microsoft.com/office/drawing/2014/main" id="{B0E8FAE8-4B45-4187-A5E4-54013D3DBBC8}"/>
+          <p:cNvPr id="2" name="Grafik 1">
+            <a:extLst>
+              <a:ext uri="{FF2B5EF4-FFF2-40B4-BE49-F238E27FC236}">
+                <a16:creationId xmlns:a16="http://schemas.microsoft.com/office/drawing/2014/main" id="{C502594C-0238-432A-AFA8-4937A5828498}"/>
               </a:ext>
             </a:extLst>
           </p:cNvPr>
@@ -7346,8 +7618,8 @@
         </p:blipFill>
         <p:spPr>
           <a:xfrm>
-            <a:off x="1304497" y="423533"/>
-            <a:ext cx="9583005" cy="6010934"/>
+            <a:off x="1650461" y="1020869"/>
+            <a:ext cx="8891078" cy="5640494"/>
           </a:xfrm>
           <a:prstGeom prst="rect">
             <a:avLst/>
@@ -7382,15 +7654,74 @@
           <a:p>
             <a:r>
               <a:rPr lang="de-DE" dirty="0"/>
-              <a:t>Anhang</a:t>
-            </a:r>
+              <a:t>Anhang – Naive Modelle (2)</a:t>
+            </a:r>
+          </a:p>
+        </p:txBody>
+      </p:sp>
+      <p:sp>
+        <p:nvSpPr>
+          <p:cNvPr id="6" name="Interaktive Schaltfläche: Nächste(r) oder Weiter 5">
+            <a:hlinkClick r:id="rId3" action="ppaction://hlinksldjump" highlightClick="1"/>
+            <a:extLst>
+              <a:ext uri="{FF2B5EF4-FFF2-40B4-BE49-F238E27FC236}">
+                <a16:creationId xmlns:a16="http://schemas.microsoft.com/office/drawing/2014/main" id="{7302041A-FB1E-4BEB-8913-73D3F78B493D}"/>
+              </a:ext>
+            </a:extLst>
+          </p:cNvPr>
+          <p:cNvSpPr/>
+          <p:nvPr/>
+        </p:nvSpPr>
+        <p:spPr>
+          <a:xfrm>
+            <a:off x="364013" y="6416461"/>
+            <a:ext cx="339969" cy="244902"/>
+          </a:xfrm>
+          <a:prstGeom prst="actionButtonForwardNext">
+            <a:avLst/>
+          </a:prstGeom>
+          <a:solidFill>
+            <a:schemeClr val="bg1">
+              <a:lumMod val="85000"/>
+            </a:schemeClr>
+          </a:solidFill>
+          <a:ln>
+            <a:solidFill>
+              <a:schemeClr val="bg2">
+                <a:lumMod val="90000"/>
+              </a:schemeClr>
+            </a:solidFill>
+          </a:ln>
+        </p:spPr>
+        <p:style>
+          <a:lnRef idx="2">
+            <a:schemeClr val="accent1">
+              <a:shade val="50000"/>
+            </a:schemeClr>
+          </a:lnRef>
+          <a:fillRef idx="1">
+            <a:schemeClr val="accent1"/>
+          </a:fillRef>
+          <a:effectRef idx="0">
+            <a:schemeClr val="accent1"/>
+          </a:effectRef>
+          <a:fontRef idx="minor">
+            <a:schemeClr val="lt1"/>
+          </a:fontRef>
+        </p:style>
+        <p:txBody>
+          <a:bodyPr rtlCol="0" anchor="ctr"/>
+          <a:lstStyle/>
+          <a:p>
+            <a:pPr algn="ctr"/>
+            <a:endParaRPr lang="de-DE" dirty="0"/>
           </a:p>
         </p:txBody>
       </p:sp>
     </p:spTree>
     <p:extLst>
       <p:ext uri="{BB962C8B-B14F-4D97-AF65-F5344CB8AC3E}">
-        <p14:creationId xmlns:p14="http://schemas.microsoft.com/office/powerpoint/2010/main" val="1553958582"/>
+        <p14:creationId xmlns:p14="http://schemas.microsoft.com/office/powerpoint/2010/main" val="2308364966"/>
       </p:ext>
     </p:extLst>
   </p:cSld>
@@ -7439,7 +7770,7 @@
           <a:lstStyle/>
           <a:p>
             <a:r>
-              <a:rPr lang="de-DE"/>
+              <a:rPr lang="de-DE" dirty="0"/>
               <a:t>Application Project "Umsatzprognose Bäckerei"</a:t>
             </a:r>
           </a:p>
@@ -7470,42 +7801,7 @@
               <a:rPr lang="de-DE" smtClean="0"/>
               <a:t>21</a:t>
             </a:fld>
-            <a:endParaRPr lang="de-DE"/>
-          </a:p>
-        </p:txBody>
-      </p:sp>
-      <p:sp>
-        <p:nvSpPr>
-          <p:cNvPr id="9" name="Titel 1">
-            <a:extLst>
-              <a:ext uri="{FF2B5EF4-FFF2-40B4-BE49-F238E27FC236}">
-                <a16:creationId xmlns:a16="http://schemas.microsoft.com/office/drawing/2014/main" id="{605F0B5C-04B5-4DC7-AB62-259843635722}"/>
-              </a:ext>
-            </a:extLst>
-          </p:cNvPr>
-          <p:cNvSpPr>
-            <a:spLocks noGrp="1"/>
-          </p:cNvSpPr>
-          <p:nvPr>
-            <p:ph type="title"/>
-          </p:nvPr>
-        </p:nvSpPr>
-        <p:spPr>
-          <a:xfrm>
-            <a:off x="92476" y="1"/>
-            <a:ext cx="10997556" cy="976544"/>
-          </a:xfrm>
-        </p:spPr>
-        <p:txBody>
-          <a:bodyPr>
-            <a:normAutofit/>
-          </a:bodyPr>
-          <a:lstStyle/>
-          <a:p>
-            <a:r>
-              <a:rPr lang="de-DE" sz="3600" dirty="0"/>
-              <a:t>Anhang – Lineare Regression – Beste Teilmengenauswahl</a:t>
-            </a:r>
+            <a:endParaRPr lang="de-DE" dirty="0"/>
           </a:p>
         </p:txBody>
       </p:sp>
@@ -7514,7 +7810,7 @@
           <p:cNvPr id="3" name="Grafik 2">
             <a:extLst>
               <a:ext uri="{FF2B5EF4-FFF2-40B4-BE49-F238E27FC236}">
-                <a16:creationId xmlns:a16="http://schemas.microsoft.com/office/drawing/2014/main" id="{ECC2C405-8A5E-4330-851B-C65431592049}"/>
+                <a16:creationId xmlns:a16="http://schemas.microsoft.com/office/drawing/2014/main" id="{B0E8FAE8-4B45-4187-A5E4-54013D3DBBC8}"/>
               </a:ext>
             </a:extLst>
           </p:cNvPr>
@@ -7531,8 +7827,8 @@
         </p:blipFill>
         <p:spPr>
           <a:xfrm>
-            <a:off x="1252537" y="881795"/>
-            <a:ext cx="9686925" cy="5686425"/>
+            <a:off x="1304497" y="811157"/>
+            <a:ext cx="9583005" cy="6010934"/>
           </a:xfrm>
           <a:prstGeom prst="rect">
             <a:avLst/>
@@ -7541,8 +7837,252 @@
       </p:pic>
       <p:sp>
         <p:nvSpPr>
+          <p:cNvPr id="9" name="Titel 1">
+            <a:extLst>
+              <a:ext uri="{FF2B5EF4-FFF2-40B4-BE49-F238E27FC236}">
+                <a16:creationId xmlns:a16="http://schemas.microsoft.com/office/drawing/2014/main" id="{605F0B5C-04B5-4DC7-AB62-259843635722}"/>
+              </a:ext>
+            </a:extLst>
+          </p:cNvPr>
+          <p:cNvSpPr>
+            <a:spLocks noGrp="1"/>
+          </p:cNvSpPr>
+          <p:nvPr>
+            <p:ph type="title"/>
+          </p:nvPr>
+        </p:nvSpPr>
+        <p:spPr>
+          <a:xfrm>
+            <a:off x="92476" y="1"/>
+            <a:ext cx="10515600" cy="976544"/>
+          </a:xfrm>
+        </p:spPr>
+        <p:txBody>
+          <a:bodyPr/>
+          <a:lstStyle/>
+          <a:p>
+            <a:r>
+              <a:rPr lang="de-DE" dirty="0"/>
+              <a:t>Anhang – Naive Modelle (3)</a:t>
+            </a:r>
+          </a:p>
+        </p:txBody>
+      </p:sp>
+      <p:sp>
+        <p:nvSpPr>
+          <p:cNvPr id="6" name="Interaktive Schaltfläche: Nächste(r) oder Weiter 5">
+            <a:hlinkClick r:id="rId3" action="ppaction://hlinksldjump" highlightClick="1"/>
+            <a:extLst>
+              <a:ext uri="{FF2B5EF4-FFF2-40B4-BE49-F238E27FC236}">
+                <a16:creationId xmlns:a16="http://schemas.microsoft.com/office/drawing/2014/main" id="{4E67E2F6-4F4E-44CA-A7A1-B9166050888E}"/>
+              </a:ext>
+            </a:extLst>
+          </p:cNvPr>
+          <p:cNvSpPr/>
+          <p:nvPr/>
+        </p:nvSpPr>
+        <p:spPr>
+          <a:xfrm>
+            <a:off x="364013" y="6416461"/>
+            <a:ext cx="339969" cy="244902"/>
+          </a:xfrm>
+          <a:prstGeom prst="actionButtonForwardNext">
+            <a:avLst/>
+          </a:prstGeom>
+          <a:solidFill>
+            <a:schemeClr val="bg1">
+              <a:lumMod val="85000"/>
+            </a:schemeClr>
+          </a:solidFill>
+          <a:ln>
+            <a:solidFill>
+              <a:schemeClr val="bg2">
+                <a:lumMod val="90000"/>
+              </a:schemeClr>
+            </a:solidFill>
+          </a:ln>
+        </p:spPr>
+        <p:style>
+          <a:lnRef idx="2">
+            <a:schemeClr val="accent1">
+              <a:shade val="50000"/>
+            </a:schemeClr>
+          </a:lnRef>
+          <a:fillRef idx="1">
+            <a:schemeClr val="accent1"/>
+          </a:fillRef>
+          <a:effectRef idx="0">
+            <a:schemeClr val="accent1"/>
+          </a:effectRef>
+          <a:fontRef idx="minor">
+            <a:schemeClr val="lt1"/>
+          </a:fontRef>
+        </p:style>
+        <p:txBody>
+          <a:bodyPr rtlCol="0" anchor="ctr"/>
+          <a:lstStyle/>
+          <a:p>
+            <a:pPr algn="ctr"/>
+            <a:endParaRPr lang="de-DE" dirty="0"/>
+          </a:p>
+        </p:txBody>
+      </p:sp>
+    </p:spTree>
+    <p:extLst>
+      <p:ext uri="{BB962C8B-B14F-4D97-AF65-F5344CB8AC3E}">
+        <p14:creationId xmlns:p14="http://schemas.microsoft.com/office/powerpoint/2010/main" val="1553958582"/>
+      </p:ext>
+    </p:extLst>
+  </p:cSld>
+  <p:clrMapOvr>
+    <a:masterClrMapping/>
+  </p:clrMapOvr>
+</p:sld>
+</file>
+
+<file path=ppt/slides/slide22.xml><?xml version="1.0" encoding="utf-8"?>
+<p:sld xmlns:a="http://schemas.openxmlformats.org/drawingml/2006/main" xmlns:r="http://schemas.openxmlformats.org/officeDocument/2006/relationships" xmlns:p="http://schemas.openxmlformats.org/presentationml/2006/main">
+  <p:cSld>
+    <p:spTree>
+      <p:nvGrpSpPr>
+        <p:cNvPr id="1" name=""/>
+        <p:cNvGrpSpPr/>
+        <p:nvPr/>
+      </p:nvGrpSpPr>
+      <p:grpSpPr>
+        <a:xfrm>
+          <a:off x="0" y="0"/>
+          <a:ext cx="0" cy="0"/>
+          <a:chOff x="0" y="0"/>
+          <a:chExt cx="0" cy="0"/>
+        </a:xfrm>
+      </p:grpSpPr>
+      <p:pic>
+        <p:nvPicPr>
+          <p:cNvPr id="2" name="Grafik 1">
+            <a:extLst>
+              <a:ext uri="{FF2B5EF4-FFF2-40B4-BE49-F238E27FC236}">
+                <a16:creationId xmlns:a16="http://schemas.microsoft.com/office/drawing/2014/main" id="{1C6029AB-BC41-41B7-BAA2-89F537AF824C}"/>
+              </a:ext>
+            </a:extLst>
+          </p:cNvPr>
+          <p:cNvPicPr>
+            <a:picLocks noChangeAspect="1"/>
+          </p:cNvPicPr>
+          <p:nvPr/>
+        </p:nvPicPr>
+        <p:blipFill>
+          <a:blip r:embed="rId3"/>
+          <a:stretch>
+            <a:fillRect/>
+          </a:stretch>
+        </p:blipFill>
+        <p:spPr>
+          <a:xfrm>
+            <a:off x="1281111" y="819882"/>
+            <a:ext cx="9629775" cy="5810250"/>
+          </a:xfrm>
+          <a:prstGeom prst="rect">
+            <a:avLst/>
+          </a:prstGeom>
+        </p:spPr>
+      </p:pic>
+      <p:sp>
+        <p:nvSpPr>
+          <p:cNvPr id="4" name="Fußzeilenplatzhalter 3">
+            <a:extLst>
+              <a:ext uri="{FF2B5EF4-FFF2-40B4-BE49-F238E27FC236}">
+                <a16:creationId xmlns:a16="http://schemas.microsoft.com/office/drawing/2014/main" id="{16F63B71-9DCA-4E29-A33C-A5817A2E808C}"/>
+              </a:ext>
+            </a:extLst>
+          </p:cNvPr>
+          <p:cNvSpPr>
+            <a:spLocks noGrp="1"/>
+          </p:cNvSpPr>
+          <p:nvPr>
+            <p:ph type="ftr" sz="quarter" idx="11"/>
+          </p:nvPr>
+        </p:nvSpPr>
+        <p:spPr/>
+        <p:txBody>
+          <a:bodyPr/>
+          <a:lstStyle/>
+          <a:p>
+            <a:r>
+              <a:rPr lang="de-DE" dirty="0"/>
+              <a:t>Application Project "Umsatzprognose Bäckerei"</a:t>
+            </a:r>
+          </a:p>
+        </p:txBody>
+      </p:sp>
+      <p:sp>
+        <p:nvSpPr>
+          <p:cNvPr id="5" name="Foliennummernplatzhalter 4">
+            <a:extLst>
+              <a:ext uri="{FF2B5EF4-FFF2-40B4-BE49-F238E27FC236}">
+                <a16:creationId xmlns:a16="http://schemas.microsoft.com/office/drawing/2014/main" id="{3B37C111-C299-456C-AE5F-E0E6F2CA0C65}"/>
+              </a:ext>
+            </a:extLst>
+          </p:cNvPr>
+          <p:cNvSpPr>
+            <a:spLocks noGrp="1"/>
+          </p:cNvSpPr>
+          <p:nvPr>
+            <p:ph type="sldNum" sz="quarter" idx="12"/>
+          </p:nvPr>
+        </p:nvSpPr>
+        <p:spPr/>
+        <p:txBody>
+          <a:bodyPr/>
+          <a:lstStyle/>
+          <a:p>
+            <a:fld id="{9C75FA27-ABA3-44D1-A3BB-EAEC5689F51E}" type="slidenum">
+              <a:rPr lang="de-DE" smtClean="0"/>
+              <a:t>22</a:t>
+            </a:fld>
+            <a:endParaRPr lang="de-DE" dirty="0"/>
+          </a:p>
+        </p:txBody>
+      </p:sp>
+      <p:sp>
+        <p:nvSpPr>
+          <p:cNvPr id="9" name="Titel 1">
+            <a:extLst>
+              <a:ext uri="{FF2B5EF4-FFF2-40B4-BE49-F238E27FC236}">
+                <a16:creationId xmlns:a16="http://schemas.microsoft.com/office/drawing/2014/main" id="{605F0B5C-04B5-4DC7-AB62-259843635722}"/>
+              </a:ext>
+            </a:extLst>
+          </p:cNvPr>
+          <p:cNvSpPr>
+            <a:spLocks noGrp="1"/>
+          </p:cNvSpPr>
+          <p:nvPr>
+            <p:ph type="title"/>
+          </p:nvPr>
+        </p:nvSpPr>
+        <p:spPr>
+          <a:xfrm>
+            <a:off x="92476" y="1"/>
+            <a:ext cx="10997556" cy="976544"/>
+          </a:xfrm>
+        </p:spPr>
+        <p:txBody>
+          <a:bodyPr>
+            <a:normAutofit/>
+          </a:bodyPr>
+          <a:lstStyle/>
+          <a:p>
+            <a:r>
+              <a:rPr lang="de-DE" sz="3600" dirty="0"/>
+              <a:t>Anhang – Lineare Regression – Beste Teilmengenauswahl</a:t>
+            </a:r>
+          </a:p>
+        </p:txBody>
+      </p:sp>
+      <p:sp>
+        <p:nvSpPr>
           <p:cNvPr id="7" name="Interaktive Schaltfläche: Nächste(r) oder Weiter 6">
-            <a:hlinkClick r:id="rId3" action="ppaction://hlinksldjump" highlightClick="1"/>
+            <a:hlinkClick r:id="rId4" action="ppaction://hlinksldjump" highlightClick="1"/>
             <a:extLst>
               <a:ext uri="{FF2B5EF4-FFF2-40B4-BE49-F238E27FC236}">
                 <a16:creationId xmlns:a16="http://schemas.microsoft.com/office/drawing/2014/main" id="{6D2EC8F3-E0FA-4A9F-8CBB-EC1720BB0570}"/>
@@ -7594,7 +8134,7 @@
           <a:lstStyle/>
           <a:p>
             <a:pPr algn="ctr"/>
-            <a:endParaRPr lang="de-DE"/>
+            <a:endParaRPr lang="de-DE" dirty="0"/>
           </a:p>
         </p:txBody>
       </p:sp>
@@ -7611,7 +8151,7 @@
 </p:sld>
 </file>
 
-<file path=ppt/slides/slide22.xml><?xml version="1.0" encoding="utf-8"?>
+<file path=ppt/slides/slide23.xml><?xml version="1.0" encoding="utf-8"?>
 <p:sld xmlns:a="http://schemas.openxmlformats.org/drawingml/2006/main" xmlns:r="http://schemas.openxmlformats.org/officeDocument/2006/relationships" xmlns:p="http://schemas.openxmlformats.org/presentationml/2006/main">
   <p:cSld>
     <p:spTree>
@@ -7650,7 +8190,7 @@
           <a:lstStyle/>
           <a:p>
             <a:r>
-              <a:rPr lang="de-DE"/>
+              <a:rPr lang="de-DE" dirty="0"/>
               <a:t>Application Project "Umsatzprognose Bäckerei"</a:t>
             </a:r>
           </a:p>
@@ -7679,9 +8219,9 @@
           <a:p>
             <a:fld id="{9C75FA27-ABA3-44D1-A3BB-EAEC5689F51E}" type="slidenum">
               <a:rPr lang="de-DE" smtClean="0"/>
-              <a:t>22</a:t>
+              <a:t>23</a:t>
             </a:fld>
-            <a:endParaRPr lang="de-DE"/>
+            <a:endParaRPr lang="de-DE" dirty="0"/>
           </a:p>
         </p:txBody>
       </p:sp>
@@ -7723,7 +8263,7 @@
       <p:sp>
         <p:nvSpPr>
           <p:cNvPr id="7" name="Interaktive Schaltfläche: Nächste(r) oder Weiter 6">
-            <a:hlinkClick r:id="rId2" action="ppaction://hlinksldjump" highlightClick="1"/>
+            <a:hlinkClick r:id="rId3" action="ppaction://hlinksldjump" highlightClick="1"/>
             <a:extLst>
               <a:ext uri="{FF2B5EF4-FFF2-40B4-BE49-F238E27FC236}">
                 <a16:creationId xmlns:a16="http://schemas.microsoft.com/office/drawing/2014/main" id="{6D2EC8F3-E0FA-4A9F-8CBB-EC1720BB0570}"/>
@@ -7775,16 +8315,16 @@
           <a:lstStyle/>
           <a:p>
             <a:pPr algn="ctr"/>
-            <a:endParaRPr lang="de-DE"/>
+            <a:endParaRPr lang="de-DE" dirty="0"/>
           </a:p>
         </p:txBody>
       </p:sp>
       <p:pic>
         <p:nvPicPr>
-          <p:cNvPr id="2" name="Grafik 1">
-            <a:extLst>
-              <a:ext uri="{FF2B5EF4-FFF2-40B4-BE49-F238E27FC236}">
-                <a16:creationId xmlns:a16="http://schemas.microsoft.com/office/drawing/2014/main" id="{F3D5C02E-8510-4883-8434-1A34B07B20F0}"/>
+          <p:cNvPr id="3" name="Grafik 2">
+            <a:extLst>
+              <a:ext uri="{FF2B5EF4-FFF2-40B4-BE49-F238E27FC236}">
+                <a16:creationId xmlns:a16="http://schemas.microsoft.com/office/drawing/2014/main" id="{0E9D1DAF-76DE-4F54-A283-DD247C9357D7}"/>
               </a:ext>
             </a:extLst>
           </p:cNvPr>
@@ -7794,15 +8334,15 @@
           <p:nvPr/>
         </p:nvPicPr>
         <p:blipFill>
-          <a:blip r:embed="rId3"/>
+          <a:blip r:embed="rId4"/>
           <a:stretch>
             <a:fillRect/>
           </a:stretch>
         </p:blipFill>
         <p:spPr>
           <a:xfrm>
-            <a:off x="1147762" y="1033462"/>
-            <a:ext cx="9896475" cy="5505450"/>
+            <a:off x="1295399" y="917575"/>
+            <a:ext cx="9639300" cy="5438775"/>
           </a:xfrm>
           <a:prstGeom prst="rect">
             <a:avLst/>
@@ -7822,7 +8362,7 @@
 </p:sld>
 </file>
 
-<file path=ppt/slides/slide23.xml><?xml version="1.0" encoding="utf-8"?>
+<file path=ppt/slides/slide24.xml><?xml version="1.0" encoding="utf-8"?>
 <p:sld xmlns:a="http://schemas.openxmlformats.org/drawingml/2006/main" xmlns:r="http://schemas.openxmlformats.org/officeDocument/2006/relationships" xmlns:p="http://schemas.openxmlformats.org/presentationml/2006/main">
   <p:cSld>
     <p:spTree>
@@ -7839,6 +8379,36 @@
           <a:chExt cx="0" cy="0"/>
         </a:xfrm>
       </p:grpSpPr>
+      <p:pic>
+        <p:nvPicPr>
+          <p:cNvPr id="2" name="Grafik 1">
+            <a:extLst>
+              <a:ext uri="{FF2B5EF4-FFF2-40B4-BE49-F238E27FC236}">
+                <a16:creationId xmlns:a16="http://schemas.microsoft.com/office/drawing/2014/main" id="{69D23CE4-5B63-4146-9E6F-E2E5D6F6FAE9}"/>
+              </a:ext>
+            </a:extLst>
+          </p:cNvPr>
+          <p:cNvPicPr>
+            <a:picLocks noChangeAspect="1"/>
+          </p:cNvPicPr>
+          <p:nvPr/>
+        </p:nvPicPr>
+        <p:blipFill>
+          <a:blip r:embed="rId2"/>
+          <a:stretch>
+            <a:fillRect/>
+          </a:stretch>
+        </p:blipFill>
+        <p:spPr>
+          <a:xfrm>
+            <a:off x="1204912" y="1069975"/>
+            <a:ext cx="9772650" cy="5286375"/>
+          </a:xfrm>
+          <a:prstGeom prst="rect">
+            <a:avLst/>
+          </a:prstGeom>
+        </p:spPr>
+      </p:pic>
       <p:sp>
         <p:nvSpPr>
           <p:cNvPr id="4" name="Fußzeilenplatzhalter 3">
@@ -7861,7 +8431,7 @@
           <a:lstStyle/>
           <a:p>
             <a:r>
-              <a:rPr lang="de-DE"/>
+              <a:rPr lang="de-DE" dirty="0"/>
               <a:t>Application Project "Umsatzprognose Bäckerei"</a:t>
             </a:r>
           </a:p>
@@ -7890,9 +8460,9 @@
           <a:p>
             <a:fld id="{9C75FA27-ABA3-44D1-A3BB-EAEC5689F51E}" type="slidenum">
               <a:rPr lang="de-DE" smtClean="0"/>
-              <a:t>23</a:t>
+              <a:t>24</a:t>
             </a:fld>
-            <a:endParaRPr lang="de-DE"/>
+            <a:endParaRPr lang="de-DE" dirty="0"/>
           </a:p>
         </p:txBody>
       </p:sp>
@@ -7934,7 +8504,7 @@
       <p:sp>
         <p:nvSpPr>
           <p:cNvPr id="7" name="Interaktive Schaltfläche: Nächste(r) oder Weiter 6">
-            <a:hlinkClick r:id="rId2" action="ppaction://hlinksldjump" highlightClick="1"/>
+            <a:hlinkClick r:id="rId3" action="ppaction://hlinksldjump" highlightClick="1"/>
             <a:extLst>
               <a:ext uri="{FF2B5EF4-FFF2-40B4-BE49-F238E27FC236}">
                 <a16:creationId xmlns:a16="http://schemas.microsoft.com/office/drawing/2014/main" id="{6D2EC8F3-E0FA-4A9F-8CBB-EC1720BB0570}"/>
@@ -7986,40 +8556,10 @@
           <a:lstStyle/>
           <a:p>
             <a:pPr algn="ctr"/>
-            <a:endParaRPr lang="de-DE"/>
-          </a:p>
-        </p:txBody>
-      </p:sp>
-      <p:pic>
-        <p:nvPicPr>
-          <p:cNvPr id="3" name="Grafik 2">
-            <a:extLst>
-              <a:ext uri="{FF2B5EF4-FFF2-40B4-BE49-F238E27FC236}">
-                <a16:creationId xmlns:a16="http://schemas.microsoft.com/office/drawing/2014/main" id="{DA64EAD9-5C0A-489E-B9ED-4AD2FB56437D}"/>
-              </a:ext>
-            </a:extLst>
-          </p:cNvPr>
-          <p:cNvPicPr>
-            <a:picLocks noChangeAspect="1"/>
-          </p:cNvPicPr>
-          <p:nvPr/>
-        </p:nvPicPr>
-        <p:blipFill>
-          <a:blip r:embed="rId3"/>
-          <a:stretch>
-            <a:fillRect/>
-          </a:stretch>
-        </p:blipFill>
-        <p:spPr>
-          <a:xfrm>
-            <a:off x="1204912" y="1051835"/>
-            <a:ext cx="9782175" cy="5229225"/>
-          </a:xfrm>
-          <a:prstGeom prst="rect">
-            <a:avLst/>
-          </a:prstGeom>
-        </p:spPr>
-      </p:pic>
+            <a:endParaRPr lang="de-DE" dirty="0"/>
+          </a:p>
+        </p:txBody>
+      </p:sp>
     </p:spTree>
     <p:extLst>
       <p:ext uri="{BB962C8B-B14F-4D97-AF65-F5344CB8AC3E}">
@@ -8033,7 +8573,7 @@
 </p:sld>
 </file>
 
-<file path=ppt/slides/slide24.xml><?xml version="1.0" encoding="utf-8"?>
+<file path=ppt/slides/slide25.xml><?xml version="1.0" encoding="utf-8"?>
 <p:sld xmlns:a="http://schemas.openxmlformats.org/drawingml/2006/main" xmlns:r="http://schemas.openxmlformats.org/officeDocument/2006/relationships" xmlns:p="http://schemas.openxmlformats.org/presentationml/2006/main">
   <p:cSld>
     <p:spTree>
@@ -8072,7 +8612,7 @@
           <a:lstStyle/>
           <a:p>
             <a:r>
-              <a:rPr lang="de-DE"/>
+              <a:rPr lang="de-DE" dirty="0"/>
               <a:t>Application Project "Umsatzprognose Bäckerei"</a:t>
             </a:r>
           </a:p>
@@ -8101,9 +8641,9 @@
           <a:p>
             <a:fld id="{9C75FA27-ABA3-44D1-A3BB-EAEC5689F51E}" type="slidenum">
               <a:rPr lang="de-DE" smtClean="0"/>
-              <a:t>24</a:t>
+              <a:t>25</a:t>
             </a:fld>
-            <a:endParaRPr lang="de-DE"/>
+            <a:endParaRPr lang="de-DE" dirty="0"/>
           </a:p>
         </p:txBody>
       </p:sp>
@@ -8197,16 +8737,16 @@
           <a:lstStyle/>
           <a:p>
             <a:pPr algn="ctr"/>
-            <a:endParaRPr lang="de-DE"/>
+            <a:endParaRPr lang="de-DE" dirty="0"/>
           </a:p>
         </p:txBody>
       </p:sp>
       <p:pic>
         <p:nvPicPr>
-          <p:cNvPr id="2" name="Grafik 1">
-            <a:extLst>
-              <a:ext uri="{FF2B5EF4-FFF2-40B4-BE49-F238E27FC236}">
-                <a16:creationId xmlns:a16="http://schemas.microsoft.com/office/drawing/2014/main" id="{4F42ED41-49BE-486A-A7E3-2D73E8DF5DE5}"/>
+          <p:cNvPr id="3" name="Grafik 2">
+            <a:extLst>
+              <a:ext uri="{FF2B5EF4-FFF2-40B4-BE49-F238E27FC236}">
+                <a16:creationId xmlns:a16="http://schemas.microsoft.com/office/drawing/2014/main" id="{F1D5B807-7B0D-45A8-A6FF-87D42F67FFFE}"/>
               </a:ext>
             </a:extLst>
           </p:cNvPr>
@@ -8223,14 +8763,66 @@
         </p:blipFill>
         <p:spPr>
           <a:xfrm>
-            <a:off x="1219200" y="976545"/>
-            <a:ext cx="10172700" cy="5842189"/>
+            <a:off x="814387" y="957262"/>
+            <a:ext cx="10785745" cy="5047612"/>
           </a:xfrm>
           <a:prstGeom prst="rect">
             <a:avLst/>
           </a:prstGeom>
         </p:spPr>
       </p:pic>
+      <p:sp>
+        <p:nvSpPr>
+          <p:cNvPr id="6" name="Rechteck 5">
+            <a:extLst>
+              <a:ext uri="{FF2B5EF4-FFF2-40B4-BE49-F238E27FC236}">
+                <a16:creationId xmlns:a16="http://schemas.microsoft.com/office/drawing/2014/main" id="{89EC596F-0101-41F2-B047-304CCC42C9DE}"/>
+              </a:ext>
+            </a:extLst>
+          </p:cNvPr>
+          <p:cNvSpPr/>
+          <p:nvPr/>
+        </p:nvSpPr>
+        <p:spPr>
+          <a:xfrm>
+            <a:off x="6736702" y="957262"/>
+            <a:ext cx="765110" cy="4855709"/>
+          </a:xfrm>
+          <a:prstGeom prst="rect">
+            <a:avLst/>
+          </a:prstGeom>
+          <a:noFill/>
+          <a:ln w="19050">
+            <a:solidFill>
+              <a:srgbClr val="C00000"/>
+            </a:solidFill>
+          </a:ln>
+        </p:spPr>
+        <p:style>
+          <a:lnRef idx="2">
+            <a:schemeClr val="accent1">
+              <a:shade val="50000"/>
+            </a:schemeClr>
+          </a:lnRef>
+          <a:fillRef idx="1">
+            <a:schemeClr val="accent1"/>
+          </a:fillRef>
+          <a:effectRef idx="0">
+            <a:schemeClr val="accent1"/>
+          </a:effectRef>
+          <a:fontRef idx="minor">
+            <a:schemeClr val="lt1"/>
+          </a:fontRef>
+        </p:style>
+        <p:txBody>
+          <a:bodyPr rtlCol="0" anchor="ctr"/>
+          <a:lstStyle/>
+          <a:p>
+            <a:pPr algn="ctr"/>
+            <a:endParaRPr lang="de-DE" dirty="0"/>
+          </a:p>
+        </p:txBody>
+      </p:sp>
     </p:spTree>
     <p:extLst>
       <p:ext uri="{BB962C8B-B14F-4D97-AF65-F5344CB8AC3E}">
@@ -8244,7 +8836,7 @@
 </p:sld>
 </file>
 
-<file path=ppt/slides/slide25.xml><?xml version="1.0" encoding="utf-8"?>
+<file path=ppt/slides/slide26.xml><?xml version="1.0" encoding="utf-8"?>
 <p:sld xmlns:a="http://schemas.openxmlformats.org/drawingml/2006/main" xmlns:r="http://schemas.openxmlformats.org/officeDocument/2006/relationships" xmlns:p="http://schemas.openxmlformats.org/presentationml/2006/main">
   <p:cSld>
     <p:spTree>
@@ -8283,7 +8875,7 @@
           <a:lstStyle/>
           <a:p>
             <a:r>
-              <a:rPr lang="de-DE"/>
+              <a:rPr lang="de-DE" dirty="0"/>
               <a:t>Application Project "Umsatzprognose Bäckerei"</a:t>
             </a:r>
           </a:p>
@@ -8312,9 +8904,9 @@
           <a:p>
             <a:fld id="{9C75FA27-ABA3-44D1-A3BB-EAEC5689F51E}" type="slidenum">
               <a:rPr lang="de-DE" smtClean="0"/>
-              <a:t>25</a:t>
+              <a:t>26</a:t>
             </a:fld>
-            <a:endParaRPr lang="de-DE"/>
+            <a:endParaRPr lang="de-DE" dirty="0"/>
           </a:p>
         </p:txBody>
       </p:sp>
@@ -8408,7 +9000,7 @@
           <a:lstStyle/>
           <a:p>
             <a:pPr algn="ctr"/>
-            <a:endParaRPr lang="de-DE"/>
+            <a:endParaRPr lang="de-DE" dirty="0"/>
           </a:p>
         </p:txBody>
       </p:sp>
@@ -8455,7 +9047,7 @@
 </p:sld>
 </file>
 
-<file path=ppt/slides/slide26.xml><?xml version="1.0" encoding="utf-8"?>
+<file path=ppt/slides/slide27.xml><?xml version="1.0" encoding="utf-8"?>
 <p:sld xmlns:a="http://schemas.openxmlformats.org/drawingml/2006/main" xmlns:r="http://schemas.openxmlformats.org/officeDocument/2006/relationships" xmlns:p="http://schemas.openxmlformats.org/presentationml/2006/main">
   <p:cSld>
     <p:spTree>
@@ -8494,7 +9086,7 @@
           <a:lstStyle/>
           <a:p>
             <a:r>
-              <a:rPr lang="de-DE"/>
+              <a:rPr lang="de-DE" dirty="0"/>
               <a:t>Application Project "Umsatzprognose Bäckerei"</a:t>
             </a:r>
           </a:p>
@@ -8523,9 +9115,9 @@
           <a:p>
             <a:fld id="{9C75FA27-ABA3-44D1-A3BB-EAEC5689F51E}" type="slidenum">
               <a:rPr lang="de-DE" smtClean="0"/>
-              <a:t>26</a:t>
+              <a:t>27</a:t>
             </a:fld>
-            <a:endParaRPr lang="de-DE"/>
+            <a:endParaRPr lang="de-DE" dirty="0"/>
           </a:p>
         </p:txBody>
       </p:sp>
@@ -8551,7 +9143,7 @@
         </p:blipFill>
         <p:spPr>
           <a:xfrm>
-            <a:off x="1583923" y="539447"/>
+            <a:off x="1583923" y="748166"/>
             <a:ext cx="9226951" cy="5908977"/>
           </a:xfrm>
           <a:prstGeom prst="rect">
@@ -8587,7 +9179,7 @@
           <a:p>
             <a:r>
               <a:rPr lang="de-DE" dirty="0"/>
-              <a:t>Anhang</a:t>
+              <a:t>Anhang – Decision Tree</a:t>
             </a:r>
           </a:p>
         </p:txBody>
@@ -8647,7 +9239,7 @@
           <a:lstStyle/>
           <a:p>
             <a:pPr algn="ctr"/>
-            <a:endParaRPr lang="de-DE"/>
+            <a:endParaRPr lang="de-DE" dirty="0"/>
           </a:p>
         </p:txBody>
       </p:sp>
@@ -8664,7 +9256,7 @@
 </p:sld>
 </file>
 
-<file path=ppt/slides/slide27.xml><?xml version="1.0" encoding="utf-8"?>
+<file path=ppt/slides/slide28.xml><?xml version="1.0" encoding="utf-8"?>
 <p:sld xmlns:a="http://schemas.openxmlformats.org/drawingml/2006/main" xmlns:r="http://schemas.openxmlformats.org/officeDocument/2006/relationships" xmlns:p="http://schemas.openxmlformats.org/presentationml/2006/main">
   <p:cSld>
     <p:spTree>
@@ -8703,7 +9295,7 @@
           <a:lstStyle/>
           <a:p>
             <a:r>
-              <a:rPr lang="de-DE"/>
+              <a:rPr lang="de-DE" dirty="0"/>
               <a:t>Application Project "Umsatzprognose Bäckerei"</a:t>
             </a:r>
           </a:p>
@@ -8732,9 +9324,9 @@
           <a:p>
             <a:fld id="{9C75FA27-ABA3-44D1-A3BB-EAEC5689F51E}" type="slidenum">
               <a:rPr lang="de-DE" smtClean="0"/>
-              <a:t>27</a:t>
+              <a:t>28</a:t>
             </a:fld>
-            <a:endParaRPr lang="de-DE"/>
+            <a:endParaRPr lang="de-DE" dirty="0"/>
           </a:p>
         </p:txBody>
       </p:sp>
@@ -8766,7 +9358,7 @@
           <a:p>
             <a:r>
               <a:rPr lang="de-DE" dirty="0"/>
-              <a:t>Anhang</a:t>
+              <a:t>Anhang - SVM</a:t>
             </a:r>
           </a:p>
         </p:txBody>
@@ -8793,7 +9385,7 @@
         </p:blipFill>
         <p:spPr>
           <a:xfrm>
-            <a:off x="2299316" y="664242"/>
+            <a:off x="2299316" y="823266"/>
             <a:ext cx="8680835" cy="5529515"/>
           </a:xfrm>
           <a:prstGeom prst="rect">
@@ -8856,7 +9448,7 @@
           <a:lstStyle/>
           <a:p>
             <a:pPr algn="ctr"/>
-            <a:endParaRPr lang="de-DE"/>
+            <a:endParaRPr lang="de-DE" dirty="0"/>
           </a:p>
         </p:txBody>
       </p:sp>
@@ -8864,6 +9456,210 @@
     <p:extLst>
       <p:ext uri="{BB962C8B-B14F-4D97-AF65-F5344CB8AC3E}">
         <p14:creationId xmlns:p14="http://schemas.microsoft.com/office/powerpoint/2010/main" val="1801300589"/>
+      </p:ext>
+    </p:extLst>
+  </p:cSld>
+  <p:clrMapOvr>
+    <a:masterClrMapping/>
+  </p:clrMapOvr>
+</p:sld>
+</file>
+
+<file path=ppt/slides/slide29.xml><?xml version="1.0" encoding="utf-8"?>
+<p:sld xmlns:a="http://schemas.openxmlformats.org/drawingml/2006/main" xmlns:r="http://schemas.openxmlformats.org/officeDocument/2006/relationships" xmlns:p="http://schemas.openxmlformats.org/presentationml/2006/main">
+  <p:cSld>
+    <p:spTree>
+      <p:nvGrpSpPr>
+        <p:cNvPr id="1" name=""/>
+        <p:cNvGrpSpPr/>
+        <p:nvPr/>
+      </p:nvGrpSpPr>
+      <p:grpSpPr>
+        <a:xfrm>
+          <a:off x="0" y="0"/>
+          <a:ext cx="0" cy="0"/>
+          <a:chOff x="0" y="0"/>
+          <a:chExt cx="0" cy="0"/>
+        </a:xfrm>
+      </p:grpSpPr>
+      <p:sp>
+        <p:nvSpPr>
+          <p:cNvPr id="2" name="Titel 1">
+            <a:extLst>
+              <a:ext uri="{FF2B5EF4-FFF2-40B4-BE49-F238E27FC236}">
+                <a16:creationId xmlns:a16="http://schemas.microsoft.com/office/drawing/2014/main" id="{C0C65AB9-BE2D-49B9-A3BA-6772B5F32A01}"/>
+              </a:ext>
+            </a:extLst>
+          </p:cNvPr>
+          <p:cNvSpPr>
+            <a:spLocks noGrp="1"/>
+          </p:cNvSpPr>
+          <p:nvPr>
+            <p:ph type="title"/>
+          </p:nvPr>
+        </p:nvSpPr>
+        <p:spPr/>
+        <p:txBody>
+          <a:bodyPr/>
+          <a:lstStyle/>
+          <a:p>
+            <a:r>
+              <a:rPr lang="de-DE" dirty="0"/>
+              <a:t>Anhang - Modellvergleich </a:t>
+            </a:r>
+          </a:p>
+        </p:txBody>
+      </p:sp>
+      <p:sp>
+        <p:nvSpPr>
+          <p:cNvPr id="4" name="Fußzeilenplatzhalter 3">
+            <a:extLst>
+              <a:ext uri="{FF2B5EF4-FFF2-40B4-BE49-F238E27FC236}">
+                <a16:creationId xmlns:a16="http://schemas.microsoft.com/office/drawing/2014/main" id="{F67E3212-7083-4FC9-8A6A-86ABFC54E5F8}"/>
+              </a:ext>
+            </a:extLst>
+          </p:cNvPr>
+          <p:cNvSpPr>
+            <a:spLocks noGrp="1"/>
+          </p:cNvSpPr>
+          <p:nvPr>
+            <p:ph type="ftr" sz="quarter" idx="11"/>
+          </p:nvPr>
+        </p:nvSpPr>
+        <p:spPr/>
+        <p:txBody>
+          <a:bodyPr/>
+          <a:lstStyle/>
+          <a:p>
+            <a:r>
+              <a:rPr lang="de-DE" dirty="0"/>
+              <a:t>Application Project "Umsatzprognose Bäckerei"</a:t>
+            </a:r>
+          </a:p>
+        </p:txBody>
+      </p:sp>
+      <p:sp>
+        <p:nvSpPr>
+          <p:cNvPr id="5" name="Foliennummernplatzhalter 4">
+            <a:extLst>
+              <a:ext uri="{FF2B5EF4-FFF2-40B4-BE49-F238E27FC236}">
+                <a16:creationId xmlns:a16="http://schemas.microsoft.com/office/drawing/2014/main" id="{FB59F972-BAE0-4741-BD16-419ED2A34D89}"/>
+              </a:ext>
+            </a:extLst>
+          </p:cNvPr>
+          <p:cNvSpPr>
+            <a:spLocks noGrp="1"/>
+          </p:cNvSpPr>
+          <p:nvPr>
+            <p:ph type="sldNum" sz="quarter" idx="12"/>
+          </p:nvPr>
+        </p:nvSpPr>
+        <p:spPr/>
+        <p:txBody>
+          <a:bodyPr/>
+          <a:lstStyle/>
+          <a:p>
+            <a:fld id="{9C75FA27-ABA3-44D1-A3BB-EAEC5689F51E}" type="slidenum">
+              <a:rPr lang="de-DE" smtClean="0"/>
+              <a:t>29</a:t>
+            </a:fld>
+            <a:endParaRPr lang="de-DE" dirty="0"/>
+          </a:p>
+        </p:txBody>
+      </p:sp>
+      <p:pic>
+        <p:nvPicPr>
+          <p:cNvPr id="6" name="Grafik 5">
+            <a:extLst>
+              <a:ext uri="{FF2B5EF4-FFF2-40B4-BE49-F238E27FC236}">
+                <a16:creationId xmlns:a16="http://schemas.microsoft.com/office/drawing/2014/main" id="{EC123E9F-D7D1-41EA-8C77-B01E45D29046}"/>
+              </a:ext>
+            </a:extLst>
+          </p:cNvPr>
+          <p:cNvPicPr>
+            <a:picLocks noChangeAspect="1"/>
+          </p:cNvPicPr>
+          <p:nvPr/>
+        </p:nvPicPr>
+        <p:blipFill>
+          <a:blip r:embed="rId2"/>
+          <a:stretch>
+            <a:fillRect/>
+          </a:stretch>
+        </p:blipFill>
+        <p:spPr>
+          <a:xfrm>
+            <a:off x="1802716" y="1466850"/>
+            <a:ext cx="8586567" cy="5391150"/>
+          </a:xfrm>
+          <a:prstGeom prst="rect">
+            <a:avLst/>
+          </a:prstGeom>
+        </p:spPr>
+      </p:pic>
+      <p:sp>
+        <p:nvSpPr>
+          <p:cNvPr id="7" name="Interaktive Schaltfläche: Nächste(r) oder Weiter 6">
+            <a:hlinkClick r:id="rId3" action="ppaction://hlinksldjump" highlightClick="1"/>
+            <a:extLst>
+              <a:ext uri="{FF2B5EF4-FFF2-40B4-BE49-F238E27FC236}">
+                <a16:creationId xmlns:a16="http://schemas.microsoft.com/office/drawing/2014/main" id="{05E74D75-50C4-4112-A41F-B87A3CC94B84}"/>
+              </a:ext>
+            </a:extLst>
+          </p:cNvPr>
+          <p:cNvSpPr/>
+          <p:nvPr/>
+        </p:nvSpPr>
+        <p:spPr>
+          <a:xfrm>
+            <a:off x="381000" y="6180509"/>
+            <a:ext cx="457200" cy="365125"/>
+          </a:xfrm>
+          <a:prstGeom prst="actionButtonForwardNext">
+            <a:avLst/>
+          </a:prstGeom>
+          <a:solidFill>
+            <a:schemeClr val="bg1">
+              <a:lumMod val="85000"/>
+            </a:schemeClr>
+          </a:solidFill>
+          <a:ln>
+            <a:solidFill>
+              <a:schemeClr val="bg2">
+                <a:lumMod val="90000"/>
+              </a:schemeClr>
+            </a:solidFill>
+          </a:ln>
+        </p:spPr>
+        <p:style>
+          <a:lnRef idx="2">
+            <a:schemeClr val="accent1">
+              <a:shade val="50000"/>
+            </a:schemeClr>
+          </a:lnRef>
+          <a:fillRef idx="1">
+            <a:schemeClr val="accent1"/>
+          </a:fillRef>
+          <a:effectRef idx="0">
+            <a:schemeClr val="accent1"/>
+          </a:effectRef>
+          <a:fontRef idx="minor">
+            <a:schemeClr val="lt1"/>
+          </a:fontRef>
+        </p:style>
+        <p:txBody>
+          <a:bodyPr rtlCol="0" anchor="ctr"/>
+          <a:lstStyle/>
+          <a:p>
+            <a:pPr algn="ctr"/>
+            <a:endParaRPr lang="de-DE" dirty="0"/>
+          </a:p>
+        </p:txBody>
+      </p:sp>
+    </p:spTree>
+    <p:extLst>
+      <p:ext uri="{BB962C8B-B14F-4D97-AF65-F5344CB8AC3E}">
+        <p14:creationId xmlns:p14="http://schemas.microsoft.com/office/powerpoint/2010/main" val="2544730597"/>
       </p:ext>
     </p:extLst>
   </p:cSld>
@@ -8979,18 +9775,9 @@
           <a:p>
             <a:pPr lvl="1"/>
             <a:r>
-              <a:rPr lang="de-DE" dirty="0" err="1"/>
-              <a:t>Multilayer</a:t>
-            </a:r>
-            <a:r>
-              <a:rPr lang="de-DE" dirty="0"/>
-              <a:t> </a:t>
-            </a:r>
-            <a:r>
-              <a:rPr lang="de-DE" dirty="0" err="1"/>
-              <a:t>Perceptrons</a:t>
-            </a:r>
-            <a:endParaRPr lang="de-DE" dirty="0"/>
+              <a:rPr lang="de-DE" dirty="0"/>
+              <a:t>Multilayer Perceptrons</a:t>
+            </a:r>
           </a:p>
           <a:p>
             <a:pPr lvl="1"/>
@@ -9141,7 +9928,7 @@
           <a:lstStyle/>
           <a:p>
             <a:r>
-              <a:rPr lang="de-DE"/>
+              <a:rPr lang="de-DE" dirty="0"/>
               <a:t>Application Project "Umsatzprognose Bäckerei"</a:t>
             </a:r>
           </a:p>
@@ -9172,7 +9959,7 @@
               <a:rPr lang="de-DE" smtClean="0"/>
               <a:t>3</a:t>
             </a:fld>
-            <a:endParaRPr lang="de-DE"/>
+            <a:endParaRPr lang="de-DE" dirty="0"/>
           </a:p>
         </p:txBody>
       </p:sp>
@@ -9376,7 +10163,7 @@
           <a:lstStyle/>
           <a:p>
             <a:r>
-              <a:rPr lang="de-DE"/>
+              <a:rPr lang="de-DE" dirty="0"/>
               <a:t>Application Project "Umsatzprognose Bäckerei"</a:t>
             </a:r>
           </a:p>
@@ -9717,7 +10504,7 @@
           <a:lstStyle/>
           <a:p>
             <a:pPr algn="ctr"/>
-            <a:endParaRPr lang="de-DE"/>
+            <a:endParaRPr lang="de-DE" dirty="0"/>
           </a:p>
         </p:txBody>
       </p:sp>
@@ -9750,15 +10537,7 @@
           <a:p>
             <a:r>
               <a:rPr lang="de-DE" dirty="0"/>
-              <a:t>Diese Daten wurden uns von </a:t>
-            </a:r>
-            <a:r>
-              <a:rPr lang="de-DE" dirty="0" err="1"/>
-              <a:t>Analytix</a:t>
-            </a:r>
-            <a:r>
-              <a:rPr lang="de-DE" dirty="0"/>
-              <a:t> zur Verfügung gestellt.</a:t>
+              <a:t>Diese Daten wurden uns von Analytix zur Verfügung gestellt.</a:t>
             </a:r>
           </a:p>
         </p:txBody>
@@ -9842,7 +10621,7 @@
           <a:lstStyle/>
           <a:p>
             <a:pPr algn="ctr"/>
-            <a:endParaRPr lang="de-DE"/>
+            <a:endParaRPr lang="de-DE" dirty="0"/>
           </a:p>
         </p:txBody>
       </p:sp>
@@ -10006,7 +10785,7 @@
           <a:lstStyle/>
           <a:p>
             <a:r>
-              <a:rPr lang="de-DE"/>
+              <a:rPr lang="de-DE" dirty="0"/>
               <a:t>Application Project "Umsatzprognose Bäckerei"</a:t>
             </a:r>
           </a:p>
@@ -10250,6 +11029,15 @@
               <a:t>Vereinigung sämtlicher Datensätze</a:t>
             </a:r>
           </a:p>
+          <a:p>
+            <a:r>
+              <a:rPr lang="de-DE" sz="2600" dirty="0"/>
+              <a:t>Deskriptive Auswertungen</a:t>
+            </a:r>
+          </a:p>
+          <a:p>
+            <a:endParaRPr lang="de-DE" sz="2600" dirty="0"/>
+          </a:p>
         </p:txBody>
       </p:sp>
       <p:cxnSp>
@@ -10338,1566 +11126,22 @@
           </a:fontRef>
         </p:style>
       </p:cxnSp>
-    </p:spTree>
-    <p:extLst>
-      <p:ext uri="{BB962C8B-B14F-4D97-AF65-F5344CB8AC3E}">
-        <p14:creationId xmlns:p14="http://schemas.microsoft.com/office/powerpoint/2010/main" val="1922200099"/>
-      </p:ext>
-    </p:extLst>
-  </p:cSld>
-  <p:clrMapOvr>
-    <a:masterClrMapping/>
-  </p:clrMapOvr>
-</p:sld>
-</file>
-
-<file path=ppt/slides/slide6.xml><?xml version="1.0" encoding="utf-8"?>
-<p:sld xmlns:a="http://schemas.openxmlformats.org/drawingml/2006/main" xmlns:r="http://schemas.openxmlformats.org/officeDocument/2006/relationships" xmlns:p="http://schemas.openxmlformats.org/presentationml/2006/main">
-  <p:cSld>
-    <p:spTree>
-      <p:nvGrpSpPr>
-        <p:cNvPr id="1" name=""/>
-        <p:cNvGrpSpPr/>
-        <p:nvPr/>
-      </p:nvGrpSpPr>
-      <p:grpSpPr>
-        <a:xfrm>
-          <a:off x="0" y="0"/>
-          <a:ext cx="0" cy="0"/>
-          <a:chOff x="0" y="0"/>
-          <a:chExt cx="0" cy="0"/>
-        </a:xfrm>
-      </p:grpSpPr>
-      <p:sp>
-        <p:nvSpPr>
-          <p:cNvPr id="2" name="Titel 1">
-            <a:extLst>
-              <a:ext uri="{FF2B5EF4-FFF2-40B4-BE49-F238E27FC236}">
-                <a16:creationId xmlns:a16="http://schemas.microsoft.com/office/drawing/2014/main" id="{5C30B77A-CB96-4D43-8AB8-E92C92B26CD4}"/>
-              </a:ext>
-            </a:extLst>
-          </p:cNvPr>
-          <p:cNvSpPr>
-            <a:spLocks noGrp="1"/>
-          </p:cNvSpPr>
-          <p:nvPr>
-            <p:ph type="title"/>
-          </p:nvPr>
-        </p:nvSpPr>
-        <p:spPr/>
-        <p:txBody>
-          <a:bodyPr/>
-          <a:lstStyle/>
-          <a:p>
-            <a:r>
-              <a:rPr lang="de-DE" dirty="0"/>
-              <a:t>Bewertung und Vergleich der Ergebnisse</a:t>
-            </a:r>
-          </a:p>
-        </p:txBody>
-      </p:sp>
-      <p:sp>
-        <p:nvSpPr>
-          <p:cNvPr id="3" name="Inhaltsplatzhalter 2">
-            <a:extLst>
-              <a:ext uri="{FF2B5EF4-FFF2-40B4-BE49-F238E27FC236}">
-                <a16:creationId xmlns:a16="http://schemas.microsoft.com/office/drawing/2014/main" id="{84A03D58-2D35-4232-A37C-7F35259361FE}"/>
-              </a:ext>
-            </a:extLst>
-          </p:cNvPr>
-          <p:cNvSpPr>
-            <a:spLocks noGrp="1"/>
-          </p:cNvSpPr>
-          <p:nvPr>
-            <p:ph idx="1"/>
-          </p:nvPr>
+      <p:sp>
+        <p:nvSpPr>
+          <p:cNvPr id="10" name="Interaktive Schaltfläche: Nächste(r) oder Weiter 9">
+            <a:hlinkClick r:id="rId3" action="ppaction://hlinksldjump" highlightClick="1"/>
+            <a:extLst>
+              <a:ext uri="{FF2B5EF4-FFF2-40B4-BE49-F238E27FC236}">
+                <a16:creationId xmlns:a16="http://schemas.microsoft.com/office/drawing/2014/main" id="{E09F307B-F636-489F-9CB3-04CDA25D791E}"/>
+              </a:ext>
+            </a:extLst>
+          </p:cNvPr>
+          <p:cNvSpPr/>
+          <p:nvPr/>
         </p:nvSpPr>
         <p:spPr>
           <a:xfrm>
-            <a:off x="838200" y="1683579"/>
-            <a:ext cx="10515600" cy="4351338"/>
-          </a:xfrm>
-        </p:spPr>
-        <p:txBody>
-          <a:bodyPr>
-            <a:normAutofit/>
-          </a:bodyPr>
-          <a:lstStyle/>
-          <a:p>
-            <a:pPr marL="0" indent="0">
-              <a:buNone/>
-            </a:pPr>
-            <a:r>
-              <a:rPr lang="de-DE" b="1" dirty="0" err="1"/>
-              <a:t>Gütemaße</a:t>
-            </a:r>
-            <a:endParaRPr lang="de-DE" b="1" dirty="0"/>
-          </a:p>
-          <a:p>
-            <a:r>
-              <a:rPr lang="de-DE" dirty="0"/>
-              <a:t>Mittlere relative Abweichung (</a:t>
-            </a:r>
-            <a:r>
-              <a:rPr lang="de-DE" b="1" dirty="0"/>
-              <a:t>MPE</a:t>
-            </a:r>
-            <a:r>
-              <a:rPr lang="de-DE" dirty="0"/>
-              <a:t>)</a:t>
-            </a:r>
-          </a:p>
-          <a:p>
-            <a:pPr lvl="1"/>
-            <a:r>
-              <a:rPr lang="de-DE" sz="1600" dirty="0"/>
-              <a:t>Die mittlere relative Abweichung gibt uns ein Indiz dafür, ob unser Modell die Umsätze systematisch zu hoch oder zu niedrig schätzt. Wir wollen natürlich möglichst einen Mittelwert nahe Null erzielen. Falls ein Modell jedoch den Umsatz systematisch zu hoch oder zu niedrig schätzt und ansonsten </a:t>
-            </a:r>
-            <a:r>
-              <a:rPr lang="de-DE" sz="1600" dirty="0" err="1"/>
-              <a:t>hervoragende</a:t>
-            </a:r>
-            <a:r>
-              <a:rPr lang="de-DE" sz="1600" dirty="0"/>
-              <a:t> Güte-Kennzahlen aufweist, kann man die Schätzwerte mit einem Offset korrigieren um eben diese mittlere relative Abweichung.</a:t>
-            </a:r>
-          </a:p>
-          <a:p>
-            <a:r>
-              <a:rPr lang="de-DE" dirty="0"/>
-              <a:t>Gewichteter Absolutwert der relativen Abweichung (</a:t>
-            </a:r>
-            <a:r>
-              <a:rPr lang="de-DE" b="1" dirty="0"/>
-              <a:t>WAPE</a:t>
-            </a:r>
-            <a:r>
-              <a:rPr lang="de-DE" dirty="0"/>
-              <a:t>)</a:t>
-            </a:r>
-          </a:p>
-          <a:p>
-            <a:pPr lvl="1"/>
-            <a:r>
-              <a:rPr lang="de-DE" sz="1600" dirty="0"/>
-              <a:t>Der gewichtete Mittelwert des Absolutwertes der relativen Abweichung ist für das wichtigste Bewertungskriterium, weil es die Prognosegüte insgesamt am besten misst. Dabei gilt: Je kleiner, desto besser.</a:t>
-            </a:r>
-          </a:p>
-          <a:p>
-            <a:r>
-              <a:rPr lang="de-DE" dirty="0"/>
-              <a:t>Relative Wurzel der quadratischen Abweichung (</a:t>
-            </a:r>
-            <a:r>
-              <a:rPr lang="de-DE" b="1" dirty="0" err="1"/>
-              <a:t>rRMSE</a:t>
-            </a:r>
-            <a:r>
-              <a:rPr lang="de-DE" dirty="0"/>
-              <a:t>)</a:t>
-            </a:r>
-          </a:p>
-          <a:p>
-            <a:pPr lvl="1"/>
-            <a:r>
-              <a:rPr lang="de-DE" sz="1700" dirty="0"/>
-              <a:t>Der Mittelwert der Wurzel der quadratischen Abweichung - ins Verhältnis gesetzt zum mittleren Umsatz - liefert uns Anhaltspunkte, ob vermehrt größere Abweichungen zwischen geschätztem und tatsächlichem Umsatz vorliegen. Wir wollen also hier möglichst niedrige Werte finden.</a:t>
-            </a:r>
-          </a:p>
-          <a:p>
-            <a:pPr marL="0" indent="0">
-              <a:buNone/>
-            </a:pPr>
-            <a:endParaRPr lang="de-DE" dirty="0"/>
-          </a:p>
-        </p:txBody>
-      </p:sp>
-      <p:sp>
-        <p:nvSpPr>
-          <p:cNvPr id="4" name="Fußzeilenplatzhalter 3">
-            <a:extLst>
-              <a:ext uri="{FF2B5EF4-FFF2-40B4-BE49-F238E27FC236}">
-                <a16:creationId xmlns:a16="http://schemas.microsoft.com/office/drawing/2014/main" id="{16F63B71-9DCA-4E29-A33C-A5817A2E808C}"/>
-              </a:ext>
-            </a:extLst>
-          </p:cNvPr>
-          <p:cNvSpPr>
-            <a:spLocks noGrp="1"/>
-          </p:cNvSpPr>
-          <p:nvPr>
-            <p:ph type="ftr" sz="quarter" idx="11"/>
-          </p:nvPr>
-        </p:nvSpPr>
-        <p:spPr/>
-        <p:txBody>
-          <a:bodyPr/>
-          <a:lstStyle/>
-          <a:p>
-            <a:r>
-              <a:rPr lang="de-DE"/>
-              <a:t>Application Project "Umsatzprognose Bäckerei"</a:t>
-            </a:r>
-          </a:p>
-        </p:txBody>
-      </p:sp>
-      <p:sp>
-        <p:nvSpPr>
-          <p:cNvPr id="5" name="Foliennummernplatzhalter 4">
-            <a:extLst>
-              <a:ext uri="{FF2B5EF4-FFF2-40B4-BE49-F238E27FC236}">
-                <a16:creationId xmlns:a16="http://schemas.microsoft.com/office/drawing/2014/main" id="{3B37C111-C299-456C-AE5F-E0E6F2CA0C65}"/>
-              </a:ext>
-            </a:extLst>
-          </p:cNvPr>
-          <p:cNvSpPr>
-            <a:spLocks noGrp="1"/>
-          </p:cNvSpPr>
-          <p:nvPr>
-            <p:ph type="sldNum" sz="quarter" idx="12"/>
-          </p:nvPr>
-        </p:nvSpPr>
-        <p:spPr/>
-        <p:txBody>
-          <a:bodyPr/>
-          <a:lstStyle/>
-          <a:p>
-            <a:fld id="{9C75FA27-ABA3-44D1-A3BB-EAEC5689F51E}" type="slidenum">
-              <a:rPr lang="de-DE" smtClean="0"/>
-              <a:t>6</a:t>
-            </a:fld>
-            <a:endParaRPr lang="de-DE"/>
-          </a:p>
-        </p:txBody>
-      </p:sp>
-    </p:spTree>
-    <p:extLst>
-      <p:ext uri="{BB962C8B-B14F-4D97-AF65-F5344CB8AC3E}">
-        <p14:creationId xmlns:p14="http://schemas.microsoft.com/office/powerpoint/2010/main" val="3469004400"/>
-      </p:ext>
-    </p:extLst>
-  </p:cSld>
-  <p:clrMapOvr>
-    <a:masterClrMapping/>
-  </p:clrMapOvr>
-</p:sld>
-</file>
-
-<file path=ppt/slides/slide7.xml><?xml version="1.0" encoding="utf-8"?>
-<p:sld xmlns:a="http://schemas.openxmlformats.org/drawingml/2006/main" xmlns:r="http://schemas.openxmlformats.org/officeDocument/2006/relationships" xmlns:p="http://schemas.openxmlformats.org/presentationml/2006/main">
-  <p:cSld>
-    <p:spTree>
-      <p:nvGrpSpPr>
-        <p:cNvPr id="1" name=""/>
-        <p:cNvGrpSpPr/>
-        <p:nvPr/>
-      </p:nvGrpSpPr>
-      <p:grpSpPr>
-        <a:xfrm>
-          <a:off x="0" y="0"/>
-          <a:ext cx="0" cy="0"/>
-          <a:chOff x="0" y="0"/>
-          <a:chExt cx="0" cy="0"/>
-        </a:xfrm>
-      </p:grpSpPr>
-      <p:sp>
-        <p:nvSpPr>
-          <p:cNvPr id="10" name="Inhaltsplatzhalter 9">
-            <a:extLst>
-              <a:ext uri="{FF2B5EF4-FFF2-40B4-BE49-F238E27FC236}">
-                <a16:creationId xmlns:a16="http://schemas.microsoft.com/office/drawing/2014/main" id="{DF736178-AE49-4777-85A5-7A4D80B0E585}"/>
-              </a:ext>
-            </a:extLst>
-          </p:cNvPr>
-          <p:cNvSpPr>
-            <a:spLocks noGrp="1"/>
-          </p:cNvSpPr>
-          <p:nvPr>
-            <p:ph idx="1"/>
-          </p:nvPr>
-        </p:nvSpPr>
-        <p:spPr>
-          <a:xfrm>
-            <a:off x="838199" y="1825625"/>
-            <a:ext cx="10809303" cy="4351338"/>
-          </a:xfrm>
-        </p:spPr>
-        <p:txBody>
-          <a:bodyPr/>
-          <a:lstStyle/>
-          <a:p>
-            <a:r>
-              <a:rPr lang="de-DE" dirty="0"/>
-              <a:t>Schätzung auf Basis des </a:t>
-            </a:r>
-            <a:r>
-              <a:rPr lang="de-DE" b="1" dirty="0"/>
-              <a:t>Vorwochenwertes</a:t>
-            </a:r>
-            <a:r>
-              <a:rPr lang="de-DE" dirty="0"/>
-              <a:t> (Umsatz_lag_1W)</a:t>
-            </a:r>
-          </a:p>
-          <a:p>
-            <a:r>
-              <a:rPr lang="de-DE" b="1" dirty="0"/>
-              <a:t>Gleitender Durchschnitt</a:t>
-            </a:r>
-            <a:r>
-              <a:rPr lang="de-DE" dirty="0"/>
-              <a:t>…</a:t>
-            </a:r>
-          </a:p>
-          <a:p>
-            <a:pPr marL="457200" lvl="1" indent="0">
-              <a:buNone/>
-            </a:pPr>
-            <a:r>
-              <a:rPr lang="de-DE" dirty="0"/>
-              <a:t>…der letzten 3 Tage (Umsatz_glDS_3T)</a:t>
-            </a:r>
-          </a:p>
-          <a:p>
-            <a:pPr marL="457200" lvl="1" indent="0">
-              <a:buNone/>
-            </a:pPr>
-            <a:r>
-              <a:rPr lang="de-DE" dirty="0"/>
-              <a:t>…der letzten 3 Wochen- / Wochenendtage (Umsatz_glDS_3T_erw)</a:t>
-            </a:r>
-          </a:p>
-          <a:p>
-            <a:pPr marL="457200" lvl="1" indent="0">
-              <a:buNone/>
-            </a:pPr>
-            <a:r>
-              <a:rPr lang="de-DE" dirty="0"/>
-              <a:t>…der letzten 4 Wochen- / Wochenendtage (Umsatz_glDS_4T_erw)</a:t>
-            </a:r>
-          </a:p>
-          <a:p>
-            <a:r>
-              <a:rPr lang="de-DE" b="1" dirty="0"/>
-              <a:t>Gewichteter Mittelwert </a:t>
-            </a:r>
-            <a:r>
-              <a:rPr lang="de-DE" dirty="0"/>
-              <a:t>der letzten 4 Wochen (Umsatz_gewMW_4W)</a:t>
-            </a:r>
-          </a:p>
-        </p:txBody>
-      </p:sp>
-      <p:sp>
-        <p:nvSpPr>
-          <p:cNvPr id="2" name="Titel 1">
-            <a:extLst>
-              <a:ext uri="{FF2B5EF4-FFF2-40B4-BE49-F238E27FC236}">
-                <a16:creationId xmlns:a16="http://schemas.microsoft.com/office/drawing/2014/main" id="{5C30B77A-CB96-4D43-8AB8-E92C92B26CD4}"/>
-              </a:ext>
-            </a:extLst>
-          </p:cNvPr>
-          <p:cNvSpPr>
-            <a:spLocks noGrp="1"/>
-          </p:cNvSpPr>
-          <p:nvPr>
-            <p:ph type="title"/>
-          </p:nvPr>
-        </p:nvSpPr>
-        <p:spPr/>
-        <p:txBody>
-          <a:bodyPr/>
-          <a:lstStyle/>
-          <a:p>
-            <a:r>
-              <a:rPr lang="de-DE" dirty="0"/>
-              <a:t>Modellierung  -  naive Modelle</a:t>
-            </a:r>
-          </a:p>
-        </p:txBody>
-      </p:sp>
-      <p:sp>
-        <p:nvSpPr>
-          <p:cNvPr id="4" name="Fußzeilenplatzhalter 3">
-            <a:extLst>
-              <a:ext uri="{FF2B5EF4-FFF2-40B4-BE49-F238E27FC236}">
-                <a16:creationId xmlns:a16="http://schemas.microsoft.com/office/drawing/2014/main" id="{16F63B71-9DCA-4E29-A33C-A5817A2E808C}"/>
-              </a:ext>
-            </a:extLst>
-          </p:cNvPr>
-          <p:cNvSpPr>
-            <a:spLocks noGrp="1"/>
-          </p:cNvSpPr>
-          <p:nvPr>
-            <p:ph type="ftr" sz="quarter" idx="11"/>
-          </p:nvPr>
-        </p:nvSpPr>
-        <p:spPr/>
-        <p:txBody>
-          <a:bodyPr/>
-          <a:lstStyle/>
-          <a:p>
-            <a:r>
-              <a:rPr lang="de-DE"/>
-              <a:t>Application Project "Umsatzprognose Bäckerei"</a:t>
-            </a:r>
-          </a:p>
-        </p:txBody>
-      </p:sp>
-      <p:sp>
-        <p:nvSpPr>
-          <p:cNvPr id="5" name="Foliennummernplatzhalter 4">
-            <a:extLst>
-              <a:ext uri="{FF2B5EF4-FFF2-40B4-BE49-F238E27FC236}">
-                <a16:creationId xmlns:a16="http://schemas.microsoft.com/office/drawing/2014/main" id="{3B37C111-C299-456C-AE5F-E0E6F2CA0C65}"/>
-              </a:ext>
-            </a:extLst>
-          </p:cNvPr>
-          <p:cNvSpPr>
-            <a:spLocks noGrp="1"/>
-          </p:cNvSpPr>
-          <p:nvPr>
-            <p:ph type="sldNum" sz="quarter" idx="12"/>
-          </p:nvPr>
-        </p:nvSpPr>
-        <p:spPr/>
-        <p:txBody>
-          <a:bodyPr/>
-          <a:lstStyle/>
-          <a:p>
-            <a:fld id="{9C75FA27-ABA3-44D1-A3BB-EAEC5689F51E}" type="slidenum">
-              <a:rPr lang="de-DE" smtClean="0"/>
-              <a:t>7</a:t>
-            </a:fld>
-            <a:endParaRPr lang="de-DE"/>
-          </a:p>
-        </p:txBody>
-      </p:sp>
-      <p:sp>
-        <p:nvSpPr>
-          <p:cNvPr id="3" name="Ellipse 2">
-            <a:extLst>
-              <a:ext uri="{FF2B5EF4-FFF2-40B4-BE49-F238E27FC236}">
-                <a16:creationId xmlns:a16="http://schemas.microsoft.com/office/drawing/2014/main" id="{BF22DECD-62CD-42CB-8C26-69A3377ECF5B}"/>
-              </a:ext>
-            </a:extLst>
-          </p:cNvPr>
-          <p:cNvSpPr/>
-          <p:nvPr/>
-        </p:nvSpPr>
-        <p:spPr>
-          <a:xfrm>
-            <a:off x="1225118" y="5521911"/>
-            <a:ext cx="124288" cy="124287"/>
-          </a:xfrm>
-          <a:prstGeom prst="ellipse">
-            <a:avLst/>
-          </a:prstGeom>
-        </p:spPr>
-        <p:style>
-          <a:lnRef idx="2">
-            <a:schemeClr val="accent1">
-              <a:shade val="50000"/>
-            </a:schemeClr>
-          </a:lnRef>
-          <a:fillRef idx="1">
-            <a:schemeClr val="accent1"/>
-          </a:fillRef>
-          <a:effectRef idx="0">
-            <a:schemeClr val="accent1"/>
-          </a:effectRef>
-          <a:fontRef idx="minor">
-            <a:schemeClr val="lt1"/>
-          </a:fontRef>
-        </p:style>
-        <p:txBody>
-          <a:bodyPr rtlCol="0" anchor="ctr"/>
-          <a:lstStyle/>
-          <a:p>
-            <a:pPr algn="ctr"/>
-            <a:endParaRPr lang="de-DE"/>
-          </a:p>
-        </p:txBody>
-      </p:sp>
-      <p:sp>
-        <p:nvSpPr>
-          <p:cNvPr id="6" name="Textfeld 5">
-            <a:extLst>
-              <a:ext uri="{FF2B5EF4-FFF2-40B4-BE49-F238E27FC236}">
-                <a16:creationId xmlns:a16="http://schemas.microsoft.com/office/drawing/2014/main" id="{E871D207-02E6-43FA-A807-47CBF0656E1D}"/>
-              </a:ext>
-            </a:extLst>
-          </p:cNvPr>
-          <p:cNvSpPr txBox="1"/>
-          <p:nvPr/>
-        </p:nvSpPr>
-        <p:spPr>
-          <a:xfrm>
-            <a:off x="1021487" y="5712659"/>
-            <a:ext cx="572535" cy="369332"/>
-          </a:xfrm>
-          <a:prstGeom prst="rect">
-            <a:avLst/>
-          </a:prstGeom>
-          <a:noFill/>
-        </p:spPr>
-        <p:txBody>
-          <a:bodyPr wrap="square" rtlCol="0">
-            <a:spAutoFit/>
-          </a:bodyPr>
-          <a:lstStyle/>
-          <a:p>
-            <a:r>
-              <a:rPr lang="de-DE" dirty="0"/>
-              <a:t>Mo</a:t>
-            </a:r>
-          </a:p>
-        </p:txBody>
-      </p:sp>
-      <p:sp>
-        <p:nvSpPr>
-          <p:cNvPr id="8" name="Ellipse 7">
-            <a:extLst>
-              <a:ext uri="{FF2B5EF4-FFF2-40B4-BE49-F238E27FC236}">
-                <a16:creationId xmlns:a16="http://schemas.microsoft.com/office/drawing/2014/main" id="{B5CFA3FC-7103-420C-8F35-8226DB417B5C}"/>
-              </a:ext>
-            </a:extLst>
-          </p:cNvPr>
-          <p:cNvSpPr/>
-          <p:nvPr/>
-        </p:nvSpPr>
-        <p:spPr>
-          <a:xfrm>
-            <a:off x="2741498" y="5521911"/>
-            <a:ext cx="124288" cy="124287"/>
-          </a:xfrm>
-          <a:prstGeom prst="ellipse">
-            <a:avLst/>
-          </a:prstGeom>
-        </p:spPr>
-        <p:style>
-          <a:lnRef idx="2">
-            <a:schemeClr val="accent1">
-              <a:shade val="50000"/>
-            </a:schemeClr>
-          </a:lnRef>
-          <a:fillRef idx="1">
-            <a:schemeClr val="accent1"/>
-          </a:fillRef>
-          <a:effectRef idx="0">
-            <a:schemeClr val="accent1"/>
-          </a:effectRef>
-          <a:fontRef idx="minor">
-            <a:schemeClr val="lt1"/>
-          </a:fontRef>
-        </p:style>
-        <p:txBody>
-          <a:bodyPr rtlCol="0" anchor="ctr"/>
-          <a:lstStyle/>
-          <a:p>
-            <a:pPr algn="ctr"/>
-            <a:endParaRPr lang="de-DE"/>
-          </a:p>
-        </p:txBody>
-      </p:sp>
-      <p:sp>
-        <p:nvSpPr>
-          <p:cNvPr id="9" name="Textfeld 8">
-            <a:extLst>
-              <a:ext uri="{FF2B5EF4-FFF2-40B4-BE49-F238E27FC236}">
-                <a16:creationId xmlns:a16="http://schemas.microsoft.com/office/drawing/2014/main" id="{20D4C0D0-F8E0-4294-8231-0993614A2489}"/>
-              </a:ext>
-            </a:extLst>
-          </p:cNvPr>
-          <p:cNvSpPr txBox="1"/>
-          <p:nvPr/>
-        </p:nvSpPr>
-        <p:spPr>
-          <a:xfrm>
-            <a:off x="2537867" y="5712659"/>
-            <a:ext cx="572535" cy="369332"/>
-          </a:xfrm>
-          <a:prstGeom prst="rect">
-            <a:avLst/>
-          </a:prstGeom>
-          <a:noFill/>
-        </p:spPr>
-        <p:txBody>
-          <a:bodyPr wrap="square" rtlCol="0">
-            <a:spAutoFit/>
-          </a:bodyPr>
-          <a:lstStyle/>
-          <a:p>
-            <a:r>
-              <a:rPr lang="de-DE" dirty="0"/>
-              <a:t>Mo</a:t>
-            </a:r>
-          </a:p>
-        </p:txBody>
-      </p:sp>
-      <p:sp>
-        <p:nvSpPr>
-          <p:cNvPr id="12" name="Pfeil: nach unten gekrümmt 11">
-            <a:extLst>
-              <a:ext uri="{FF2B5EF4-FFF2-40B4-BE49-F238E27FC236}">
-                <a16:creationId xmlns:a16="http://schemas.microsoft.com/office/drawing/2014/main" id="{2D0B7DBB-08CA-4C4B-8954-EF762BAF1BD8}"/>
-              </a:ext>
-            </a:extLst>
-          </p:cNvPr>
-          <p:cNvSpPr/>
-          <p:nvPr/>
-        </p:nvSpPr>
-        <p:spPr>
-          <a:xfrm flipH="1">
-            <a:off x="1257966" y="5134403"/>
-            <a:ext cx="1561434" cy="274320"/>
-          </a:xfrm>
-          <a:prstGeom prst="curvedDownArrow">
-            <a:avLst/>
-          </a:prstGeom>
-          <a:ln>
-            <a:headEnd type="none"/>
-          </a:ln>
-        </p:spPr>
-        <p:style>
-          <a:lnRef idx="2">
-            <a:schemeClr val="accent1">
-              <a:shade val="50000"/>
-            </a:schemeClr>
-          </a:lnRef>
-          <a:fillRef idx="1">
-            <a:schemeClr val="accent1"/>
-          </a:fillRef>
-          <a:effectRef idx="0">
-            <a:schemeClr val="accent1"/>
-          </a:effectRef>
-          <a:fontRef idx="minor">
-            <a:schemeClr val="lt1"/>
-          </a:fontRef>
-        </p:style>
-        <p:txBody>
-          <a:bodyPr rtlCol="0" anchor="ctr"/>
-          <a:lstStyle/>
-          <a:p>
-            <a:pPr algn="ctr"/>
-            <a:endParaRPr lang="de-DE">
-              <a:solidFill>
-                <a:schemeClr val="tx1"/>
-              </a:solidFill>
-            </a:endParaRPr>
-          </a:p>
-        </p:txBody>
-      </p:sp>
-      <p:sp>
-        <p:nvSpPr>
-          <p:cNvPr id="13" name="Textfeld 12">
-            <a:extLst>
-              <a:ext uri="{FF2B5EF4-FFF2-40B4-BE49-F238E27FC236}">
-                <a16:creationId xmlns:a16="http://schemas.microsoft.com/office/drawing/2014/main" id="{DDD5B7E0-55B3-409F-9851-6F9082B08291}"/>
-              </a:ext>
-            </a:extLst>
-          </p:cNvPr>
-          <p:cNvSpPr txBox="1"/>
-          <p:nvPr/>
-        </p:nvSpPr>
-        <p:spPr>
-          <a:xfrm>
-            <a:off x="1287262" y="4797769"/>
-            <a:ext cx="1561434" cy="369332"/>
-          </a:xfrm>
-          <a:prstGeom prst="rect">
-            <a:avLst/>
-          </a:prstGeom>
-          <a:noFill/>
-        </p:spPr>
-        <p:txBody>
-          <a:bodyPr wrap="square" rtlCol="0">
-            <a:spAutoFit/>
-          </a:bodyPr>
-          <a:lstStyle/>
-          <a:p>
-            <a:r>
-              <a:rPr lang="de-DE" dirty="0"/>
-              <a:t>„lag 1 Woche“</a:t>
-            </a:r>
-          </a:p>
-        </p:txBody>
-      </p:sp>
-      <p:sp>
-        <p:nvSpPr>
-          <p:cNvPr id="14" name="Ellipse 13">
-            <a:extLst>
-              <a:ext uri="{FF2B5EF4-FFF2-40B4-BE49-F238E27FC236}">
-                <a16:creationId xmlns:a16="http://schemas.microsoft.com/office/drawing/2014/main" id="{26EF7C60-DEF5-425F-BD26-4B7E8D17DF64}"/>
-              </a:ext>
-            </a:extLst>
-          </p:cNvPr>
-          <p:cNvSpPr/>
-          <p:nvPr/>
-        </p:nvSpPr>
-        <p:spPr>
-          <a:xfrm>
-            <a:off x="6618597" y="5521911"/>
-            <a:ext cx="124288" cy="124287"/>
-          </a:xfrm>
-          <a:prstGeom prst="ellipse">
-            <a:avLst/>
-          </a:prstGeom>
-        </p:spPr>
-        <p:style>
-          <a:lnRef idx="2">
-            <a:schemeClr val="accent1">
-              <a:shade val="50000"/>
-            </a:schemeClr>
-          </a:lnRef>
-          <a:fillRef idx="1">
-            <a:schemeClr val="accent1"/>
-          </a:fillRef>
-          <a:effectRef idx="0">
-            <a:schemeClr val="accent1"/>
-          </a:effectRef>
-          <a:fontRef idx="minor">
-            <a:schemeClr val="lt1"/>
-          </a:fontRef>
-        </p:style>
-        <p:txBody>
-          <a:bodyPr rtlCol="0" anchor="ctr"/>
-          <a:lstStyle/>
-          <a:p>
-            <a:pPr algn="ctr"/>
-            <a:endParaRPr lang="de-DE"/>
-          </a:p>
-        </p:txBody>
-      </p:sp>
-      <p:sp>
-        <p:nvSpPr>
-          <p:cNvPr id="15" name="Textfeld 14">
-            <a:extLst>
-              <a:ext uri="{FF2B5EF4-FFF2-40B4-BE49-F238E27FC236}">
-                <a16:creationId xmlns:a16="http://schemas.microsoft.com/office/drawing/2014/main" id="{66598290-D05B-4A00-A3F7-5A09923D0F31}"/>
-              </a:ext>
-            </a:extLst>
-          </p:cNvPr>
-          <p:cNvSpPr txBox="1"/>
-          <p:nvPr/>
-        </p:nvSpPr>
-        <p:spPr>
-          <a:xfrm>
-            <a:off x="6460686" y="5712659"/>
-            <a:ext cx="572535" cy="369332"/>
-          </a:xfrm>
-          <a:prstGeom prst="rect">
-            <a:avLst/>
-          </a:prstGeom>
-          <a:noFill/>
-        </p:spPr>
-        <p:txBody>
-          <a:bodyPr wrap="square" rtlCol="0">
-            <a:spAutoFit/>
-          </a:bodyPr>
-          <a:lstStyle/>
-          <a:p>
-            <a:r>
-              <a:rPr lang="de-DE" dirty="0"/>
-              <a:t>Mi</a:t>
-            </a:r>
-          </a:p>
-        </p:txBody>
-      </p:sp>
-      <p:sp>
-        <p:nvSpPr>
-          <p:cNvPr id="16" name="Ellipse 15">
-            <a:extLst>
-              <a:ext uri="{FF2B5EF4-FFF2-40B4-BE49-F238E27FC236}">
-                <a16:creationId xmlns:a16="http://schemas.microsoft.com/office/drawing/2014/main" id="{A8592AAA-A51E-4683-8E87-E10E5E92940E}"/>
-              </a:ext>
-            </a:extLst>
-          </p:cNvPr>
-          <p:cNvSpPr/>
-          <p:nvPr/>
-        </p:nvSpPr>
-        <p:spPr>
-          <a:xfrm>
-            <a:off x="7312087" y="5534651"/>
-            <a:ext cx="124288" cy="124287"/>
-          </a:xfrm>
-          <a:prstGeom prst="ellipse">
-            <a:avLst/>
-          </a:prstGeom>
-        </p:spPr>
-        <p:style>
-          <a:lnRef idx="2">
-            <a:schemeClr val="accent1">
-              <a:shade val="50000"/>
-            </a:schemeClr>
-          </a:lnRef>
-          <a:fillRef idx="1">
-            <a:schemeClr val="accent1"/>
-          </a:fillRef>
-          <a:effectRef idx="0">
-            <a:schemeClr val="accent1"/>
-          </a:effectRef>
-          <a:fontRef idx="minor">
-            <a:schemeClr val="lt1"/>
-          </a:fontRef>
-        </p:style>
-        <p:txBody>
-          <a:bodyPr rtlCol="0" anchor="ctr"/>
-          <a:lstStyle/>
-          <a:p>
-            <a:pPr algn="ctr"/>
-            <a:endParaRPr lang="de-DE"/>
-          </a:p>
-        </p:txBody>
-      </p:sp>
-      <p:sp>
-        <p:nvSpPr>
-          <p:cNvPr id="17" name="Textfeld 16">
-            <a:extLst>
-              <a:ext uri="{FF2B5EF4-FFF2-40B4-BE49-F238E27FC236}">
-                <a16:creationId xmlns:a16="http://schemas.microsoft.com/office/drawing/2014/main" id="{50C485D4-C947-4ED3-BE71-142809488E80}"/>
-              </a:ext>
-            </a:extLst>
-          </p:cNvPr>
-          <p:cNvSpPr txBox="1"/>
-          <p:nvPr/>
-        </p:nvSpPr>
-        <p:spPr>
-          <a:xfrm>
-            <a:off x="7108456" y="5725399"/>
-            <a:ext cx="572535" cy="369332"/>
-          </a:xfrm>
-          <a:prstGeom prst="rect">
-            <a:avLst/>
-          </a:prstGeom>
-          <a:noFill/>
-        </p:spPr>
-        <p:txBody>
-          <a:bodyPr wrap="square" rtlCol="0">
-            <a:spAutoFit/>
-          </a:bodyPr>
-          <a:lstStyle/>
-          <a:p>
-            <a:r>
-              <a:rPr lang="de-DE" dirty="0"/>
-              <a:t>Do</a:t>
-            </a:r>
-          </a:p>
-        </p:txBody>
-      </p:sp>
-      <p:sp>
-        <p:nvSpPr>
-          <p:cNvPr id="18" name="Pfeil: nach unten gekrümmt 17">
-            <a:extLst>
-              <a:ext uri="{FF2B5EF4-FFF2-40B4-BE49-F238E27FC236}">
-                <a16:creationId xmlns:a16="http://schemas.microsoft.com/office/drawing/2014/main" id="{71DFB728-B834-47C8-AA05-544073CC882E}"/>
-              </a:ext>
-            </a:extLst>
-          </p:cNvPr>
-          <p:cNvSpPr/>
-          <p:nvPr/>
-        </p:nvSpPr>
-        <p:spPr>
-          <a:xfrm flipH="1">
-            <a:off x="6651445" y="5134403"/>
-            <a:ext cx="784930" cy="274320"/>
-          </a:xfrm>
-          <a:prstGeom prst="curvedDownArrow">
-            <a:avLst/>
-          </a:prstGeom>
-          <a:ln>
-            <a:headEnd type="none"/>
-          </a:ln>
-        </p:spPr>
-        <p:style>
-          <a:lnRef idx="2">
-            <a:schemeClr val="accent1">
-              <a:shade val="50000"/>
-            </a:schemeClr>
-          </a:lnRef>
-          <a:fillRef idx="1">
-            <a:schemeClr val="accent1"/>
-          </a:fillRef>
-          <a:effectRef idx="0">
-            <a:schemeClr val="accent1"/>
-          </a:effectRef>
-          <a:fontRef idx="minor">
-            <a:schemeClr val="lt1"/>
-          </a:fontRef>
-        </p:style>
-        <p:txBody>
-          <a:bodyPr rtlCol="0" anchor="ctr"/>
-          <a:lstStyle/>
-          <a:p>
-            <a:pPr algn="ctr"/>
-            <a:endParaRPr lang="de-DE">
-              <a:solidFill>
-                <a:schemeClr val="tx1"/>
-              </a:solidFill>
-            </a:endParaRPr>
-          </a:p>
-        </p:txBody>
-      </p:sp>
-      <p:sp>
-        <p:nvSpPr>
-          <p:cNvPr id="19" name="Textfeld 18">
-            <a:extLst>
-              <a:ext uri="{FF2B5EF4-FFF2-40B4-BE49-F238E27FC236}">
-                <a16:creationId xmlns:a16="http://schemas.microsoft.com/office/drawing/2014/main" id="{284E4CA8-AE4F-40F2-B631-CC389471DCA0}"/>
-              </a:ext>
-            </a:extLst>
-          </p:cNvPr>
-          <p:cNvSpPr txBox="1"/>
-          <p:nvPr/>
-        </p:nvSpPr>
-        <p:spPr>
-          <a:xfrm>
-            <a:off x="5031344" y="4708477"/>
-            <a:ext cx="3228736" cy="369332"/>
-          </a:xfrm>
-          <a:prstGeom prst="rect">
-            <a:avLst/>
-          </a:prstGeom>
-          <a:noFill/>
-        </p:spPr>
-        <p:txBody>
-          <a:bodyPr wrap="square" rtlCol="0">
-            <a:spAutoFit/>
-          </a:bodyPr>
-          <a:lstStyle/>
-          <a:p>
-            <a:r>
-              <a:rPr lang="de-DE" dirty="0"/>
-              <a:t>„gleitender Durchschnitt 3 Tage“</a:t>
-            </a:r>
-          </a:p>
-        </p:txBody>
-      </p:sp>
-      <p:sp>
-        <p:nvSpPr>
-          <p:cNvPr id="20" name="Ellipse 19">
-            <a:extLst>
-              <a:ext uri="{FF2B5EF4-FFF2-40B4-BE49-F238E27FC236}">
-                <a16:creationId xmlns:a16="http://schemas.microsoft.com/office/drawing/2014/main" id="{E3142D1B-E494-44D9-A685-BB8B04F0B7B7}"/>
-              </a:ext>
-            </a:extLst>
-          </p:cNvPr>
-          <p:cNvSpPr/>
-          <p:nvPr/>
-        </p:nvSpPr>
-        <p:spPr>
-          <a:xfrm>
-            <a:off x="5612389" y="5521911"/>
-            <a:ext cx="124288" cy="124287"/>
-          </a:xfrm>
-          <a:prstGeom prst="ellipse">
-            <a:avLst/>
-          </a:prstGeom>
-        </p:spPr>
-        <p:style>
-          <a:lnRef idx="2">
-            <a:schemeClr val="accent1">
-              <a:shade val="50000"/>
-            </a:schemeClr>
-          </a:lnRef>
-          <a:fillRef idx="1">
-            <a:schemeClr val="accent1"/>
-          </a:fillRef>
-          <a:effectRef idx="0">
-            <a:schemeClr val="accent1"/>
-          </a:effectRef>
-          <a:fontRef idx="minor">
-            <a:schemeClr val="lt1"/>
-          </a:fontRef>
-        </p:style>
-        <p:txBody>
-          <a:bodyPr rtlCol="0" anchor="ctr"/>
-          <a:lstStyle/>
-          <a:p>
-            <a:pPr algn="ctr"/>
-            <a:endParaRPr lang="de-DE"/>
-          </a:p>
-        </p:txBody>
-      </p:sp>
-      <p:sp>
-        <p:nvSpPr>
-          <p:cNvPr id="21" name="Textfeld 20">
-            <a:extLst>
-              <a:ext uri="{FF2B5EF4-FFF2-40B4-BE49-F238E27FC236}">
-                <a16:creationId xmlns:a16="http://schemas.microsoft.com/office/drawing/2014/main" id="{8ED52A84-454F-4010-A1BA-F8C3F1A0DC58}"/>
-              </a:ext>
-            </a:extLst>
-          </p:cNvPr>
-          <p:cNvSpPr txBox="1"/>
-          <p:nvPr/>
-        </p:nvSpPr>
-        <p:spPr>
-          <a:xfrm>
-            <a:off x="5408758" y="5712659"/>
-            <a:ext cx="572535" cy="369332"/>
-          </a:xfrm>
-          <a:prstGeom prst="rect">
-            <a:avLst/>
-          </a:prstGeom>
-          <a:noFill/>
-        </p:spPr>
-        <p:txBody>
-          <a:bodyPr wrap="square" rtlCol="0">
-            <a:spAutoFit/>
-          </a:bodyPr>
-          <a:lstStyle/>
-          <a:p>
-            <a:r>
-              <a:rPr lang="de-DE" dirty="0"/>
-              <a:t>Mo</a:t>
-            </a:r>
-          </a:p>
-        </p:txBody>
-      </p:sp>
-      <p:sp>
-        <p:nvSpPr>
-          <p:cNvPr id="22" name="Ellipse 21">
-            <a:extLst>
-              <a:ext uri="{FF2B5EF4-FFF2-40B4-BE49-F238E27FC236}">
-                <a16:creationId xmlns:a16="http://schemas.microsoft.com/office/drawing/2014/main" id="{6FB1157E-6F53-40CC-BB05-9E447C9B1B80}"/>
-              </a:ext>
-            </a:extLst>
-          </p:cNvPr>
-          <p:cNvSpPr/>
-          <p:nvPr/>
-        </p:nvSpPr>
-        <p:spPr>
-          <a:xfrm>
-            <a:off x="6128738" y="5521911"/>
-            <a:ext cx="124288" cy="124287"/>
-          </a:xfrm>
-          <a:prstGeom prst="ellipse">
-            <a:avLst/>
-          </a:prstGeom>
-        </p:spPr>
-        <p:style>
-          <a:lnRef idx="2">
-            <a:schemeClr val="accent1">
-              <a:shade val="50000"/>
-            </a:schemeClr>
-          </a:lnRef>
-          <a:fillRef idx="1">
-            <a:schemeClr val="accent1"/>
-          </a:fillRef>
-          <a:effectRef idx="0">
-            <a:schemeClr val="accent1"/>
-          </a:effectRef>
-          <a:fontRef idx="minor">
-            <a:schemeClr val="lt1"/>
-          </a:fontRef>
-        </p:style>
-        <p:txBody>
-          <a:bodyPr rtlCol="0" anchor="ctr"/>
-          <a:lstStyle/>
-          <a:p>
-            <a:pPr algn="ctr"/>
-            <a:endParaRPr lang="de-DE"/>
-          </a:p>
-        </p:txBody>
-      </p:sp>
-      <p:sp>
-        <p:nvSpPr>
-          <p:cNvPr id="23" name="Textfeld 22">
-            <a:extLst>
-              <a:ext uri="{FF2B5EF4-FFF2-40B4-BE49-F238E27FC236}">
-                <a16:creationId xmlns:a16="http://schemas.microsoft.com/office/drawing/2014/main" id="{884EBDFC-B89C-4488-AC19-24369760B2A5}"/>
-              </a:ext>
-            </a:extLst>
-          </p:cNvPr>
-          <p:cNvSpPr txBox="1"/>
-          <p:nvPr/>
-        </p:nvSpPr>
-        <p:spPr>
-          <a:xfrm>
-            <a:off x="5993687" y="5712659"/>
-            <a:ext cx="572535" cy="369332"/>
-          </a:xfrm>
-          <a:prstGeom prst="rect">
-            <a:avLst/>
-          </a:prstGeom>
-          <a:noFill/>
-        </p:spPr>
-        <p:txBody>
-          <a:bodyPr wrap="square" rtlCol="0">
-            <a:spAutoFit/>
-          </a:bodyPr>
-          <a:lstStyle/>
-          <a:p>
-            <a:r>
-              <a:rPr lang="de-DE" dirty="0"/>
-              <a:t>Di</a:t>
-            </a:r>
-          </a:p>
-        </p:txBody>
-      </p:sp>
-      <p:sp>
-        <p:nvSpPr>
-          <p:cNvPr id="24" name="Pfeil: nach unten gekrümmt 23">
-            <a:extLst>
-              <a:ext uri="{FF2B5EF4-FFF2-40B4-BE49-F238E27FC236}">
-                <a16:creationId xmlns:a16="http://schemas.microsoft.com/office/drawing/2014/main" id="{353B5D9E-0DAF-4EAF-AA84-3FA553B999B6}"/>
-              </a:ext>
-            </a:extLst>
-          </p:cNvPr>
-          <p:cNvSpPr/>
-          <p:nvPr/>
-        </p:nvSpPr>
-        <p:spPr>
-          <a:xfrm flipH="1">
-            <a:off x="6128738" y="5124485"/>
-            <a:ext cx="1318033" cy="274320"/>
-          </a:xfrm>
-          <a:prstGeom prst="curvedDownArrow">
-            <a:avLst/>
-          </a:prstGeom>
-          <a:ln>
-            <a:headEnd type="none"/>
-          </a:ln>
-        </p:spPr>
-        <p:style>
-          <a:lnRef idx="2">
-            <a:schemeClr val="accent1">
-              <a:shade val="50000"/>
-            </a:schemeClr>
-          </a:lnRef>
-          <a:fillRef idx="1">
-            <a:schemeClr val="accent1"/>
-          </a:fillRef>
-          <a:effectRef idx="0">
-            <a:schemeClr val="accent1"/>
-          </a:effectRef>
-          <a:fontRef idx="minor">
-            <a:schemeClr val="lt1"/>
-          </a:fontRef>
-        </p:style>
-        <p:txBody>
-          <a:bodyPr rtlCol="0" anchor="ctr"/>
-          <a:lstStyle/>
-          <a:p>
-            <a:pPr algn="ctr"/>
-            <a:endParaRPr lang="de-DE">
-              <a:solidFill>
-                <a:schemeClr val="tx1"/>
-              </a:solidFill>
-            </a:endParaRPr>
-          </a:p>
-        </p:txBody>
-      </p:sp>
-      <p:sp>
-        <p:nvSpPr>
-          <p:cNvPr id="25" name="Pfeil: nach unten gekrümmt 24">
-            <a:extLst>
-              <a:ext uri="{FF2B5EF4-FFF2-40B4-BE49-F238E27FC236}">
-                <a16:creationId xmlns:a16="http://schemas.microsoft.com/office/drawing/2014/main" id="{E3AFC6B9-6174-4773-B5C2-6AF94BA91779}"/>
-              </a:ext>
-            </a:extLst>
-          </p:cNvPr>
-          <p:cNvSpPr/>
-          <p:nvPr/>
-        </p:nvSpPr>
-        <p:spPr>
-          <a:xfrm flipH="1">
-            <a:off x="5606030" y="5114567"/>
-            <a:ext cx="1830344" cy="274320"/>
-          </a:xfrm>
-          <a:prstGeom prst="curvedDownArrow">
-            <a:avLst/>
-          </a:prstGeom>
-          <a:ln>
-            <a:headEnd type="none"/>
-          </a:ln>
-        </p:spPr>
-        <p:style>
-          <a:lnRef idx="2">
-            <a:schemeClr val="accent1">
-              <a:shade val="50000"/>
-            </a:schemeClr>
-          </a:lnRef>
-          <a:fillRef idx="1">
-            <a:schemeClr val="accent1"/>
-          </a:fillRef>
-          <a:effectRef idx="0">
-            <a:schemeClr val="accent1"/>
-          </a:effectRef>
-          <a:fontRef idx="minor">
-            <a:schemeClr val="lt1"/>
-          </a:fontRef>
-        </p:style>
-        <p:txBody>
-          <a:bodyPr rtlCol="0" anchor="ctr"/>
-          <a:lstStyle/>
-          <a:p>
-            <a:pPr algn="ctr"/>
-            <a:endParaRPr lang="de-DE">
-              <a:solidFill>
-                <a:schemeClr val="tx1"/>
-              </a:solidFill>
-            </a:endParaRPr>
-          </a:p>
-        </p:txBody>
-      </p:sp>
-    </p:spTree>
-    <p:extLst>
-      <p:ext uri="{BB962C8B-B14F-4D97-AF65-F5344CB8AC3E}">
-        <p14:creationId xmlns:p14="http://schemas.microsoft.com/office/powerpoint/2010/main" val="3987280943"/>
-      </p:ext>
-    </p:extLst>
-  </p:cSld>
-  <p:clrMapOvr>
-    <a:masterClrMapping/>
-  </p:clrMapOvr>
-</p:sld>
-</file>
-
-<file path=ppt/slides/slide8.xml><?xml version="1.0" encoding="utf-8"?>
-<p:sld xmlns:a="http://schemas.openxmlformats.org/drawingml/2006/main" xmlns:r="http://schemas.openxmlformats.org/officeDocument/2006/relationships" xmlns:p="http://schemas.openxmlformats.org/presentationml/2006/main">
-  <p:cSld>
-    <p:spTree>
-      <p:nvGrpSpPr>
-        <p:cNvPr id="1" name=""/>
-        <p:cNvGrpSpPr/>
-        <p:nvPr/>
-      </p:nvGrpSpPr>
-      <p:grpSpPr>
-        <a:xfrm>
-          <a:off x="0" y="0"/>
-          <a:ext cx="0" cy="0"/>
-          <a:chOff x="0" y="0"/>
-          <a:chExt cx="0" cy="0"/>
-        </a:xfrm>
-      </p:grpSpPr>
-      <p:sp>
-        <p:nvSpPr>
-          <p:cNvPr id="2" name="Titel 1">
-            <a:extLst>
-              <a:ext uri="{FF2B5EF4-FFF2-40B4-BE49-F238E27FC236}">
-                <a16:creationId xmlns:a16="http://schemas.microsoft.com/office/drawing/2014/main" id="{5C30B77A-CB96-4D43-8AB8-E92C92B26CD4}"/>
-              </a:ext>
-            </a:extLst>
-          </p:cNvPr>
-          <p:cNvSpPr>
-            <a:spLocks noGrp="1"/>
-          </p:cNvSpPr>
-          <p:nvPr>
-            <p:ph type="title"/>
-          </p:nvPr>
-        </p:nvSpPr>
-        <p:spPr/>
-        <p:txBody>
-          <a:bodyPr/>
-          <a:lstStyle/>
-          <a:p>
-            <a:r>
-              <a:rPr lang="de-DE" dirty="0"/>
-              <a:t>Modellierung  -  lineare Regression</a:t>
-            </a:r>
-          </a:p>
-        </p:txBody>
-      </p:sp>
-      <p:sp>
-        <p:nvSpPr>
-          <p:cNvPr id="4" name="Fußzeilenplatzhalter 3">
-            <a:extLst>
-              <a:ext uri="{FF2B5EF4-FFF2-40B4-BE49-F238E27FC236}">
-                <a16:creationId xmlns:a16="http://schemas.microsoft.com/office/drawing/2014/main" id="{16F63B71-9DCA-4E29-A33C-A5817A2E808C}"/>
-              </a:ext>
-            </a:extLst>
-          </p:cNvPr>
-          <p:cNvSpPr>
-            <a:spLocks noGrp="1"/>
-          </p:cNvSpPr>
-          <p:nvPr>
-            <p:ph type="ftr" sz="quarter" idx="11"/>
-          </p:nvPr>
-        </p:nvSpPr>
-        <p:spPr/>
-        <p:txBody>
-          <a:bodyPr/>
-          <a:lstStyle/>
-          <a:p>
-            <a:r>
-              <a:rPr lang="de-DE"/>
-              <a:t>Application Project "Umsatzprognose Bäckerei"</a:t>
-            </a:r>
-          </a:p>
-        </p:txBody>
-      </p:sp>
-      <p:sp>
-        <p:nvSpPr>
-          <p:cNvPr id="5" name="Foliennummernplatzhalter 4">
-            <a:extLst>
-              <a:ext uri="{FF2B5EF4-FFF2-40B4-BE49-F238E27FC236}">
-                <a16:creationId xmlns:a16="http://schemas.microsoft.com/office/drawing/2014/main" id="{3B37C111-C299-456C-AE5F-E0E6F2CA0C65}"/>
-              </a:ext>
-            </a:extLst>
-          </p:cNvPr>
-          <p:cNvSpPr>
-            <a:spLocks noGrp="1"/>
-          </p:cNvSpPr>
-          <p:nvPr>
-            <p:ph type="sldNum" sz="quarter" idx="12"/>
-          </p:nvPr>
-        </p:nvSpPr>
-        <p:spPr/>
-        <p:txBody>
-          <a:bodyPr/>
-          <a:lstStyle/>
-          <a:p>
-            <a:fld id="{9C75FA27-ABA3-44D1-A3BB-EAEC5689F51E}" type="slidenum">
-              <a:rPr lang="de-DE" smtClean="0"/>
-              <a:t>8</a:t>
-            </a:fld>
-            <a:endParaRPr lang="de-DE"/>
-          </a:p>
-        </p:txBody>
-      </p:sp>
-      <p:sp>
-        <p:nvSpPr>
-          <p:cNvPr id="10" name="Inhaltsplatzhalter 9">
-            <a:extLst>
-              <a:ext uri="{FF2B5EF4-FFF2-40B4-BE49-F238E27FC236}">
-                <a16:creationId xmlns:a16="http://schemas.microsoft.com/office/drawing/2014/main" id="{DF736178-AE49-4777-85A5-7A4D80B0E585}"/>
-              </a:ext>
-            </a:extLst>
-          </p:cNvPr>
-          <p:cNvSpPr>
-            <a:spLocks noGrp="1"/>
-          </p:cNvSpPr>
-          <p:nvPr>
-            <p:ph idx="1"/>
-          </p:nvPr>
-        </p:nvSpPr>
-        <p:spPr/>
-        <p:txBody>
-          <a:bodyPr/>
-          <a:lstStyle/>
-          <a:p>
-            <a:r>
-              <a:rPr lang="de-DE" dirty="0"/>
-              <a:t>Anwendung</a:t>
-            </a:r>
-            <a:r>
-              <a:rPr lang="de-DE" b="1" dirty="0"/>
-              <a:t> </a:t>
-            </a:r>
-            <a:r>
-              <a:rPr lang="de-DE" dirty="0"/>
-              <a:t>von</a:t>
-            </a:r>
-            <a:r>
-              <a:rPr lang="de-DE" b="1" dirty="0"/>
-              <a:t> multiplen Regressionsmodellen</a:t>
-            </a:r>
-          </a:p>
-          <a:p>
-            <a:r>
-              <a:rPr lang="de-DE" dirty="0"/>
-              <a:t>Mehrstufiges Vorgehen:</a:t>
-            </a:r>
-          </a:p>
-          <a:p>
-            <a:pPr marL="914400" lvl="1" indent="-457200">
-              <a:buFont typeface="+mj-lt"/>
-              <a:buAutoNum type="arabicPeriod"/>
-            </a:pPr>
-            <a:r>
-              <a:rPr lang="de-DE" dirty="0"/>
-              <a:t>Einteilung der Daten in </a:t>
-            </a:r>
-            <a:r>
-              <a:rPr lang="de-DE" b="1" dirty="0"/>
-              <a:t>Trainings- und Testdatensatz </a:t>
-            </a:r>
-            <a:r>
-              <a:rPr lang="de-DE" dirty="0"/>
-              <a:t>sowie</a:t>
-            </a:r>
-            <a:r>
-              <a:rPr lang="de-DE" b="1" dirty="0"/>
-              <a:t> Überprüfung </a:t>
-            </a:r>
-            <a:r>
-              <a:rPr lang="de-DE" dirty="0"/>
-              <a:t>der Variablen auf</a:t>
-            </a:r>
-            <a:r>
-              <a:rPr lang="de-DE" b="1" dirty="0"/>
-              <a:t> lineare Abhängigkeit </a:t>
-            </a:r>
-            <a:r>
-              <a:rPr lang="de-DE" dirty="0"/>
-              <a:t>und</a:t>
-            </a:r>
-            <a:r>
-              <a:rPr lang="de-DE" b="1" dirty="0"/>
-              <a:t> Multikollinearität</a:t>
-            </a:r>
-          </a:p>
-          <a:p>
-            <a:pPr marL="914400" lvl="1" indent="-457200">
-              <a:buFont typeface="+mj-lt"/>
-              <a:buAutoNum type="arabicPeriod"/>
-            </a:pPr>
-            <a:r>
-              <a:rPr lang="de-DE" b="1" dirty="0"/>
-              <a:t>Auswahl </a:t>
-            </a:r>
-            <a:r>
-              <a:rPr lang="de-DE" dirty="0"/>
-              <a:t>der in die Modelle </a:t>
-            </a:r>
-            <a:r>
-              <a:rPr lang="de-DE" b="1" dirty="0"/>
-              <a:t>aufzunehmenden Variablen </a:t>
-            </a:r>
-            <a:r>
-              <a:rPr lang="de-DE" dirty="0"/>
-              <a:t>(je Warengruppe)</a:t>
-            </a:r>
-          </a:p>
-          <a:p>
-            <a:pPr marL="1371600" lvl="2" indent="-457200">
-              <a:buFont typeface="+mj-lt"/>
-              <a:buAutoNum type="alphaLcParenR"/>
-            </a:pPr>
-            <a:r>
-              <a:rPr lang="de-DE" b="1" dirty="0"/>
-              <a:t>Beste Teilmengenauswahl </a:t>
-            </a:r>
-            <a:r>
-              <a:rPr lang="de-DE" dirty="0"/>
-              <a:t>(„Best </a:t>
-            </a:r>
-            <a:r>
-              <a:rPr lang="de-DE" dirty="0" err="1"/>
-              <a:t>Subset</a:t>
-            </a:r>
-            <a:r>
-              <a:rPr lang="de-DE" dirty="0"/>
-              <a:t> </a:t>
-            </a:r>
-            <a:r>
-              <a:rPr lang="de-DE" dirty="0" err="1"/>
-              <a:t>Selection</a:t>
-            </a:r>
-            <a:r>
-              <a:rPr lang="de-DE" dirty="0"/>
-              <a:t>“)</a:t>
-            </a:r>
-          </a:p>
-          <a:p>
-            <a:pPr marL="1371600" lvl="2" indent="-457200">
-              <a:buFont typeface="+mj-lt"/>
-              <a:buAutoNum type="alphaLcParenR"/>
-            </a:pPr>
-            <a:r>
-              <a:rPr lang="de-DE" b="1" dirty="0"/>
-              <a:t>Schrittweise Auswahl </a:t>
-            </a:r>
-            <a:r>
-              <a:rPr lang="de-DE" dirty="0"/>
-              <a:t>(„</a:t>
-            </a:r>
-            <a:r>
-              <a:rPr lang="de-DE" dirty="0" err="1"/>
-              <a:t>Stepwise</a:t>
-            </a:r>
-            <a:r>
-              <a:rPr lang="de-DE" dirty="0"/>
-              <a:t> </a:t>
-            </a:r>
-            <a:r>
-              <a:rPr lang="de-DE" dirty="0" err="1"/>
-              <a:t>Selection</a:t>
-            </a:r>
-            <a:r>
-              <a:rPr lang="de-DE" dirty="0"/>
-              <a:t>“): </a:t>
-            </a:r>
-            <a:r>
-              <a:rPr lang="de-DE" dirty="0" err="1"/>
-              <a:t>forward</a:t>
-            </a:r>
-            <a:r>
-              <a:rPr lang="de-DE" dirty="0"/>
-              <a:t> and </a:t>
-            </a:r>
-            <a:r>
-              <a:rPr lang="de-DE" dirty="0" err="1"/>
-              <a:t>backward</a:t>
-            </a:r>
-            <a:endParaRPr lang="de-DE" dirty="0"/>
-          </a:p>
-          <a:p>
-            <a:pPr marL="914400" lvl="1" indent="-457200">
-              <a:buFont typeface="+mj-lt"/>
-              <a:buAutoNum type="arabicPeriod"/>
-            </a:pPr>
-            <a:r>
-              <a:rPr lang="de-DE" dirty="0"/>
-              <a:t>Erstellung von </a:t>
-            </a:r>
-            <a:r>
-              <a:rPr lang="de-DE" b="1" dirty="0"/>
-              <a:t>20</a:t>
-            </a:r>
-            <a:r>
-              <a:rPr lang="de-DE" dirty="0"/>
-              <a:t> </a:t>
-            </a:r>
-            <a:r>
-              <a:rPr lang="de-DE" b="1" dirty="0"/>
-              <a:t>Regressionsmodellen</a:t>
-            </a:r>
-            <a:r>
-              <a:rPr lang="de-DE" dirty="0"/>
-              <a:t> (auf Warengruppenebene)</a:t>
-            </a:r>
-          </a:p>
-          <a:p>
-            <a:pPr marL="914400" lvl="1" indent="-457200">
-              <a:buFont typeface="+mj-lt"/>
-              <a:buAutoNum type="arabicPeriod"/>
-            </a:pPr>
-            <a:r>
-              <a:rPr lang="de-DE" b="1" dirty="0"/>
-              <a:t>Auswahl</a:t>
-            </a:r>
-            <a:r>
-              <a:rPr lang="de-DE" dirty="0"/>
-              <a:t> des jeweils </a:t>
-            </a:r>
-            <a:r>
-              <a:rPr lang="de-DE" b="1" dirty="0"/>
-              <a:t>besten Modells </a:t>
-            </a:r>
-            <a:r>
-              <a:rPr lang="de-DE" dirty="0"/>
-              <a:t>anhand vordefinierter Gütekennzahlen </a:t>
-            </a:r>
-          </a:p>
-        </p:txBody>
-      </p:sp>
-      <p:sp>
-        <p:nvSpPr>
-          <p:cNvPr id="8" name="Interaktive Schaltfläche: Nächste(r) oder Weiter 7">
-            <a:hlinkClick r:id="rId3" action="ppaction://hlinksldjump" highlightClick="1"/>
-            <a:extLst>
-              <a:ext uri="{FF2B5EF4-FFF2-40B4-BE49-F238E27FC236}">
-                <a16:creationId xmlns:a16="http://schemas.microsoft.com/office/drawing/2014/main" id="{50D1B559-C9DE-4469-B9A6-34403D1D29FC}"/>
-              </a:ext>
-            </a:extLst>
-          </p:cNvPr>
-          <p:cNvSpPr/>
-          <p:nvPr/>
-        </p:nvSpPr>
-        <p:spPr>
-          <a:xfrm>
-            <a:off x="7813431" y="3938954"/>
+            <a:off x="364013" y="6416461"/>
             <a:ext cx="339969" cy="244902"/>
           </a:xfrm>
           <a:prstGeom prst="actionButtonForwardNext">
@@ -11937,17 +11181,441 @@
           <a:lstStyle/>
           <a:p>
             <a:pPr algn="ctr"/>
-            <a:endParaRPr lang="de-DE"/>
-          </a:p>
-        </p:txBody>
-      </p:sp>
-      <p:sp>
-        <p:nvSpPr>
-          <p:cNvPr id="9" name="Interaktive Schaltfläche: Nächste(r) oder Weiter 8">
-            <a:hlinkClick r:id="rId4" action="ppaction://hlinksldjump" highlightClick="1"/>
-            <a:extLst>
-              <a:ext uri="{FF2B5EF4-FFF2-40B4-BE49-F238E27FC236}">
-                <a16:creationId xmlns:a16="http://schemas.microsoft.com/office/drawing/2014/main" id="{93F49670-E424-412B-94B5-0B879EF9F9B7}"/>
+            <a:endParaRPr lang="de-DE" dirty="0"/>
+          </a:p>
+        </p:txBody>
+      </p:sp>
+    </p:spTree>
+    <p:extLst>
+      <p:ext uri="{BB962C8B-B14F-4D97-AF65-F5344CB8AC3E}">
+        <p14:creationId xmlns:p14="http://schemas.microsoft.com/office/powerpoint/2010/main" val="1922200099"/>
+      </p:ext>
+    </p:extLst>
+  </p:cSld>
+  <p:clrMapOvr>
+    <a:masterClrMapping/>
+  </p:clrMapOvr>
+</p:sld>
+</file>
+
+<file path=ppt/slides/slide6.xml><?xml version="1.0" encoding="utf-8"?>
+<p:sld xmlns:a="http://schemas.openxmlformats.org/drawingml/2006/main" xmlns:r="http://schemas.openxmlformats.org/officeDocument/2006/relationships" xmlns:p="http://schemas.openxmlformats.org/presentationml/2006/main">
+  <p:cSld>
+    <p:spTree>
+      <p:nvGrpSpPr>
+        <p:cNvPr id="1" name=""/>
+        <p:cNvGrpSpPr/>
+        <p:nvPr/>
+      </p:nvGrpSpPr>
+      <p:grpSpPr>
+        <a:xfrm>
+          <a:off x="0" y="0"/>
+          <a:ext cx="0" cy="0"/>
+          <a:chOff x="0" y="0"/>
+          <a:chExt cx="0" cy="0"/>
+        </a:xfrm>
+      </p:grpSpPr>
+      <p:sp>
+        <p:nvSpPr>
+          <p:cNvPr id="2" name="Titel 1">
+            <a:extLst>
+              <a:ext uri="{FF2B5EF4-FFF2-40B4-BE49-F238E27FC236}">
+                <a16:creationId xmlns:a16="http://schemas.microsoft.com/office/drawing/2014/main" id="{5C30B77A-CB96-4D43-8AB8-E92C92B26CD4}"/>
+              </a:ext>
+            </a:extLst>
+          </p:cNvPr>
+          <p:cNvSpPr>
+            <a:spLocks noGrp="1"/>
+          </p:cNvSpPr>
+          <p:nvPr>
+            <p:ph type="title"/>
+          </p:nvPr>
+        </p:nvSpPr>
+        <p:spPr/>
+        <p:txBody>
+          <a:bodyPr/>
+          <a:lstStyle/>
+          <a:p>
+            <a:r>
+              <a:rPr lang="de-DE" dirty="0"/>
+              <a:t>Bewertung und Vergleich der Ergebnisse</a:t>
+            </a:r>
+          </a:p>
+        </p:txBody>
+      </p:sp>
+      <p:sp>
+        <p:nvSpPr>
+          <p:cNvPr id="3" name="Inhaltsplatzhalter 2">
+            <a:extLst>
+              <a:ext uri="{FF2B5EF4-FFF2-40B4-BE49-F238E27FC236}">
+                <a16:creationId xmlns:a16="http://schemas.microsoft.com/office/drawing/2014/main" id="{84A03D58-2D35-4232-A37C-7F35259361FE}"/>
+              </a:ext>
+            </a:extLst>
+          </p:cNvPr>
+          <p:cNvSpPr>
+            <a:spLocks noGrp="1"/>
+          </p:cNvSpPr>
+          <p:nvPr>
+            <p:ph idx="1"/>
+          </p:nvPr>
+        </p:nvSpPr>
+        <p:spPr>
+          <a:xfrm>
+            <a:off x="838200" y="1683579"/>
+            <a:ext cx="10515600" cy="4351338"/>
+          </a:xfrm>
+        </p:spPr>
+        <p:txBody>
+          <a:bodyPr>
+            <a:normAutofit lnSpcReduction="10000"/>
+          </a:bodyPr>
+          <a:lstStyle/>
+          <a:p>
+            <a:pPr marL="0" indent="0">
+              <a:buNone/>
+            </a:pPr>
+            <a:r>
+              <a:rPr lang="de-DE" b="1" dirty="0"/>
+              <a:t>Gütemaße</a:t>
+            </a:r>
+          </a:p>
+          <a:p>
+            <a:r>
+              <a:rPr lang="de-DE" dirty="0"/>
+              <a:t>Mittlere relative Abweichung (</a:t>
+            </a:r>
+            <a:r>
+              <a:rPr lang="de-DE" b="1" dirty="0"/>
+              <a:t>MPE</a:t>
+            </a:r>
+            <a:r>
+              <a:rPr lang="de-DE" dirty="0"/>
+              <a:t>)</a:t>
+            </a:r>
+          </a:p>
+          <a:p>
+            <a:pPr lvl="1"/>
+            <a:r>
+              <a:rPr lang="de-DE" sz="1700" dirty="0"/>
+              <a:t>Die mittlere relative Abweichung gibt uns ein Indiz dafür, ob unser Modell die Umsätze systematisch zu hoch oder zu niedrig schätzt. Wir wollen natürlich möglichst einen Mittelwert nahe Null erzielen. Falls ein Modell jedoch den Umsatz systematisch zu hoch oder zu niedrig schätzt und ansonsten hervorragende Güte-Kennzahlen aufweist, kann man die Schätzwerte mit einem Offset korrigieren um eben diese mittlere relative Abweichung.</a:t>
+            </a:r>
+          </a:p>
+          <a:p>
+            <a:r>
+              <a:rPr lang="de-DE" dirty="0"/>
+              <a:t>Gewichteter Absolutwert der relativen Abweichung (</a:t>
+            </a:r>
+            <a:r>
+              <a:rPr lang="de-DE" b="1" dirty="0"/>
+              <a:t>WAPE</a:t>
+            </a:r>
+            <a:r>
+              <a:rPr lang="de-DE" dirty="0"/>
+              <a:t>)</a:t>
+            </a:r>
+          </a:p>
+          <a:p>
+            <a:pPr lvl="1"/>
+            <a:r>
+              <a:rPr lang="de-DE" sz="1700" dirty="0"/>
+              <a:t>Der gewichtete Mittelwert des Absolutwertes der relativen Abweichung ist für das wichtigste Bewertungskriterium, weil es die Prognosegüte insgesamt am besten misst. Dabei gilt: Je kleiner, desto besser.</a:t>
+            </a:r>
+          </a:p>
+          <a:p>
+            <a:r>
+              <a:rPr lang="de-DE" dirty="0"/>
+              <a:t>Relative Wurzel der quadratischen Abweichung (</a:t>
+            </a:r>
+            <a:r>
+              <a:rPr lang="de-DE" b="1" dirty="0"/>
+              <a:t>rRMSE</a:t>
+            </a:r>
+            <a:r>
+              <a:rPr lang="de-DE" dirty="0"/>
+              <a:t>)</a:t>
+            </a:r>
+          </a:p>
+          <a:p>
+            <a:pPr lvl="1"/>
+            <a:r>
+              <a:rPr lang="de-DE" sz="1700" dirty="0"/>
+              <a:t>Der Mittelwert der Wurzel der quadratischen Abweichung - ins Verhältnis gesetzt zum mittleren Umsatz - liefert uns Anhaltspunkte, ob vermehrt größere Abweichungen zwischen geschätztem und tatsächlichem Umsatz vorliegen. Wir wollen also hier möglichst niedrige Werte finden.</a:t>
+            </a:r>
+          </a:p>
+          <a:p>
+            <a:pPr marL="0" indent="0">
+              <a:buNone/>
+            </a:pPr>
+            <a:endParaRPr lang="de-DE" dirty="0"/>
+          </a:p>
+        </p:txBody>
+      </p:sp>
+      <p:sp>
+        <p:nvSpPr>
+          <p:cNvPr id="4" name="Fußzeilenplatzhalter 3">
+            <a:extLst>
+              <a:ext uri="{FF2B5EF4-FFF2-40B4-BE49-F238E27FC236}">
+                <a16:creationId xmlns:a16="http://schemas.microsoft.com/office/drawing/2014/main" id="{16F63B71-9DCA-4E29-A33C-A5817A2E808C}"/>
+              </a:ext>
+            </a:extLst>
+          </p:cNvPr>
+          <p:cNvSpPr>
+            <a:spLocks noGrp="1"/>
+          </p:cNvSpPr>
+          <p:nvPr>
+            <p:ph type="ftr" sz="quarter" idx="11"/>
+          </p:nvPr>
+        </p:nvSpPr>
+        <p:spPr/>
+        <p:txBody>
+          <a:bodyPr/>
+          <a:lstStyle/>
+          <a:p>
+            <a:r>
+              <a:rPr lang="de-DE" dirty="0"/>
+              <a:t>Application Project "Umsatzprognose Bäckerei"</a:t>
+            </a:r>
+          </a:p>
+        </p:txBody>
+      </p:sp>
+      <p:sp>
+        <p:nvSpPr>
+          <p:cNvPr id="5" name="Foliennummernplatzhalter 4">
+            <a:extLst>
+              <a:ext uri="{FF2B5EF4-FFF2-40B4-BE49-F238E27FC236}">
+                <a16:creationId xmlns:a16="http://schemas.microsoft.com/office/drawing/2014/main" id="{3B37C111-C299-456C-AE5F-E0E6F2CA0C65}"/>
+              </a:ext>
+            </a:extLst>
+          </p:cNvPr>
+          <p:cNvSpPr>
+            <a:spLocks noGrp="1"/>
+          </p:cNvSpPr>
+          <p:nvPr>
+            <p:ph type="sldNum" sz="quarter" idx="12"/>
+          </p:nvPr>
+        </p:nvSpPr>
+        <p:spPr/>
+        <p:txBody>
+          <a:bodyPr/>
+          <a:lstStyle/>
+          <a:p>
+            <a:fld id="{9C75FA27-ABA3-44D1-A3BB-EAEC5689F51E}" type="slidenum">
+              <a:rPr lang="de-DE" smtClean="0"/>
+              <a:t>6</a:t>
+            </a:fld>
+            <a:endParaRPr lang="de-DE" dirty="0"/>
+          </a:p>
+        </p:txBody>
+      </p:sp>
+    </p:spTree>
+    <p:extLst>
+      <p:ext uri="{BB962C8B-B14F-4D97-AF65-F5344CB8AC3E}">
+        <p14:creationId xmlns:p14="http://schemas.microsoft.com/office/powerpoint/2010/main" val="3469004400"/>
+      </p:ext>
+    </p:extLst>
+  </p:cSld>
+  <p:clrMapOvr>
+    <a:masterClrMapping/>
+  </p:clrMapOvr>
+</p:sld>
+</file>
+
+<file path=ppt/slides/slide7.xml><?xml version="1.0" encoding="utf-8"?>
+<p:sld xmlns:a="http://schemas.openxmlformats.org/drawingml/2006/main" xmlns:r="http://schemas.openxmlformats.org/officeDocument/2006/relationships" xmlns:p="http://schemas.openxmlformats.org/presentationml/2006/main">
+  <p:cSld>
+    <p:spTree>
+      <p:nvGrpSpPr>
+        <p:cNvPr id="1" name=""/>
+        <p:cNvGrpSpPr/>
+        <p:nvPr/>
+      </p:nvGrpSpPr>
+      <p:grpSpPr>
+        <a:xfrm>
+          <a:off x="0" y="0"/>
+          <a:ext cx="0" cy="0"/>
+          <a:chOff x="0" y="0"/>
+          <a:chExt cx="0" cy="0"/>
+        </a:xfrm>
+      </p:grpSpPr>
+      <p:sp>
+        <p:nvSpPr>
+          <p:cNvPr id="10" name="Inhaltsplatzhalter 9">
+            <a:extLst>
+              <a:ext uri="{FF2B5EF4-FFF2-40B4-BE49-F238E27FC236}">
+                <a16:creationId xmlns:a16="http://schemas.microsoft.com/office/drawing/2014/main" id="{DF736178-AE49-4777-85A5-7A4D80B0E585}"/>
+              </a:ext>
+            </a:extLst>
+          </p:cNvPr>
+          <p:cNvSpPr>
+            <a:spLocks noGrp="1"/>
+          </p:cNvSpPr>
+          <p:nvPr>
+            <p:ph idx="1"/>
+          </p:nvPr>
+        </p:nvSpPr>
+        <p:spPr>
+          <a:xfrm>
+            <a:off x="838199" y="1825625"/>
+            <a:ext cx="10809303" cy="4351338"/>
+          </a:xfrm>
+        </p:spPr>
+        <p:txBody>
+          <a:bodyPr/>
+          <a:lstStyle/>
+          <a:p>
+            <a:r>
+              <a:rPr lang="de-DE" dirty="0"/>
+              <a:t>Schätzung auf Basis des </a:t>
+            </a:r>
+            <a:r>
+              <a:rPr lang="de-DE" b="1" dirty="0"/>
+              <a:t>Vorwochenwertes</a:t>
+            </a:r>
+            <a:r>
+              <a:rPr lang="de-DE" dirty="0"/>
+              <a:t> (Umsatz_lag_1W)</a:t>
+            </a:r>
+          </a:p>
+          <a:p>
+            <a:r>
+              <a:rPr lang="de-DE" b="1" dirty="0"/>
+              <a:t>Gleitender Durchschnitt</a:t>
+            </a:r>
+            <a:r>
+              <a:rPr lang="de-DE" dirty="0"/>
+              <a:t>…</a:t>
+            </a:r>
+          </a:p>
+          <a:p>
+            <a:pPr marL="457200" lvl="1" indent="0">
+              <a:buNone/>
+            </a:pPr>
+            <a:r>
+              <a:rPr lang="de-DE" dirty="0"/>
+              <a:t>…der letzten 3 Tage (Umsatz_glDS_3T)</a:t>
+            </a:r>
+          </a:p>
+          <a:p>
+            <a:pPr marL="457200" lvl="1" indent="0">
+              <a:buNone/>
+            </a:pPr>
+            <a:r>
+              <a:rPr lang="de-DE" dirty="0"/>
+              <a:t>…der letzten 3 Wochen- / Wochenendtage (Umsatz_glDS_3T_erw)</a:t>
+            </a:r>
+          </a:p>
+          <a:p>
+            <a:pPr marL="457200" lvl="1" indent="0">
+              <a:buNone/>
+            </a:pPr>
+            <a:r>
+              <a:rPr lang="de-DE" dirty="0"/>
+              <a:t>…der letzten 4 Wochen- / Wochenendtage (Umsatz_glDS_4T_erw)</a:t>
+            </a:r>
+          </a:p>
+          <a:p>
+            <a:r>
+              <a:rPr lang="de-DE" b="1" dirty="0"/>
+              <a:t>Gewichteter Mittelwert </a:t>
+            </a:r>
+            <a:r>
+              <a:rPr lang="de-DE" dirty="0"/>
+              <a:t>der letzten 4 Wochen (Umsatz_gewMW_4W)</a:t>
+            </a:r>
+          </a:p>
+        </p:txBody>
+      </p:sp>
+      <p:sp>
+        <p:nvSpPr>
+          <p:cNvPr id="2" name="Titel 1">
+            <a:extLst>
+              <a:ext uri="{FF2B5EF4-FFF2-40B4-BE49-F238E27FC236}">
+                <a16:creationId xmlns:a16="http://schemas.microsoft.com/office/drawing/2014/main" id="{5C30B77A-CB96-4D43-8AB8-E92C92B26CD4}"/>
+              </a:ext>
+            </a:extLst>
+          </p:cNvPr>
+          <p:cNvSpPr>
+            <a:spLocks noGrp="1"/>
+          </p:cNvSpPr>
+          <p:nvPr>
+            <p:ph type="title"/>
+          </p:nvPr>
+        </p:nvSpPr>
+        <p:spPr/>
+        <p:txBody>
+          <a:bodyPr/>
+          <a:lstStyle/>
+          <a:p>
+            <a:r>
+              <a:rPr lang="de-DE" dirty="0"/>
+              <a:t>Modellierung  -  naive Modelle</a:t>
+            </a:r>
+          </a:p>
+        </p:txBody>
+      </p:sp>
+      <p:sp>
+        <p:nvSpPr>
+          <p:cNvPr id="4" name="Fußzeilenplatzhalter 3">
+            <a:extLst>
+              <a:ext uri="{FF2B5EF4-FFF2-40B4-BE49-F238E27FC236}">
+                <a16:creationId xmlns:a16="http://schemas.microsoft.com/office/drawing/2014/main" id="{16F63B71-9DCA-4E29-A33C-A5817A2E808C}"/>
+              </a:ext>
+            </a:extLst>
+          </p:cNvPr>
+          <p:cNvSpPr>
+            <a:spLocks noGrp="1"/>
+          </p:cNvSpPr>
+          <p:nvPr>
+            <p:ph type="ftr" sz="quarter" idx="11"/>
+          </p:nvPr>
+        </p:nvSpPr>
+        <p:spPr/>
+        <p:txBody>
+          <a:bodyPr/>
+          <a:lstStyle/>
+          <a:p>
+            <a:r>
+              <a:rPr lang="de-DE" dirty="0"/>
+              <a:t>Application Project "Umsatzprognose Bäckerei"</a:t>
+            </a:r>
+          </a:p>
+        </p:txBody>
+      </p:sp>
+      <p:sp>
+        <p:nvSpPr>
+          <p:cNvPr id="5" name="Foliennummernplatzhalter 4">
+            <a:extLst>
+              <a:ext uri="{FF2B5EF4-FFF2-40B4-BE49-F238E27FC236}">
+                <a16:creationId xmlns:a16="http://schemas.microsoft.com/office/drawing/2014/main" id="{3B37C111-C299-456C-AE5F-E0E6F2CA0C65}"/>
+              </a:ext>
+            </a:extLst>
+          </p:cNvPr>
+          <p:cNvSpPr>
+            <a:spLocks noGrp="1"/>
+          </p:cNvSpPr>
+          <p:nvPr>
+            <p:ph type="sldNum" sz="quarter" idx="12"/>
+          </p:nvPr>
+        </p:nvSpPr>
+        <p:spPr/>
+        <p:txBody>
+          <a:bodyPr/>
+          <a:lstStyle/>
+          <a:p>
+            <a:fld id="{9C75FA27-ABA3-44D1-A3BB-EAEC5689F51E}" type="slidenum">
+              <a:rPr lang="de-DE" smtClean="0"/>
+              <a:t>7</a:t>
+            </a:fld>
+            <a:endParaRPr lang="de-DE" dirty="0"/>
+          </a:p>
+        </p:txBody>
+      </p:sp>
+      <p:sp>
+        <p:nvSpPr>
+          <p:cNvPr id="3" name="Ellipse 2">
+            <a:extLst>
+              <a:ext uri="{FF2B5EF4-FFF2-40B4-BE49-F238E27FC236}">
+                <a16:creationId xmlns:a16="http://schemas.microsoft.com/office/drawing/2014/main" id="{BF22DECD-62CD-42CB-8C26-69A3377ECF5B}"/>
               </a:ext>
             </a:extLst>
           </p:cNvPr>
@@ -11956,7 +11624,776 @@
         </p:nvSpPr>
         <p:spPr>
           <a:xfrm>
-            <a:off x="9525001" y="4278924"/>
+            <a:off x="1225118" y="5521911"/>
+            <a:ext cx="124288" cy="124287"/>
+          </a:xfrm>
+          <a:prstGeom prst="ellipse">
+            <a:avLst/>
+          </a:prstGeom>
+        </p:spPr>
+        <p:style>
+          <a:lnRef idx="2">
+            <a:schemeClr val="accent1">
+              <a:shade val="50000"/>
+            </a:schemeClr>
+          </a:lnRef>
+          <a:fillRef idx="1">
+            <a:schemeClr val="accent1"/>
+          </a:fillRef>
+          <a:effectRef idx="0">
+            <a:schemeClr val="accent1"/>
+          </a:effectRef>
+          <a:fontRef idx="minor">
+            <a:schemeClr val="lt1"/>
+          </a:fontRef>
+        </p:style>
+        <p:txBody>
+          <a:bodyPr rtlCol="0" anchor="ctr"/>
+          <a:lstStyle/>
+          <a:p>
+            <a:pPr algn="ctr"/>
+            <a:endParaRPr lang="de-DE" dirty="0"/>
+          </a:p>
+        </p:txBody>
+      </p:sp>
+      <p:sp>
+        <p:nvSpPr>
+          <p:cNvPr id="6" name="Textfeld 5">
+            <a:extLst>
+              <a:ext uri="{FF2B5EF4-FFF2-40B4-BE49-F238E27FC236}">
+                <a16:creationId xmlns:a16="http://schemas.microsoft.com/office/drawing/2014/main" id="{E871D207-02E6-43FA-A807-47CBF0656E1D}"/>
+              </a:ext>
+            </a:extLst>
+          </p:cNvPr>
+          <p:cNvSpPr txBox="1"/>
+          <p:nvPr/>
+        </p:nvSpPr>
+        <p:spPr>
+          <a:xfrm>
+            <a:off x="1021487" y="5712659"/>
+            <a:ext cx="572535" cy="369332"/>
+          </a:xfrm>
+          <a:prstGeom prst="rect">
+            <a:avLst/>
+          </a:prstGeom>
+          <a:noFill/>
+        </p:spPr>
+        <p:txBody>
+          <a:bodyPr wrap="square" rtlCol="0">
+            <a:spAutoFit/>
+          </a:bodyPr>
+          <a:lstStyle/>
+          <a:p>
+            <a:r>
+              <a:rPr lang="de-DE" dirty="0"/>
+              <a:t>Mo</a:t>
+            </a:r>
+          </a:p>
+        </p:txBody>
+      </p:sp>
+      <p:sp>
+        <p:nvSpPr>
+          <p:cNvPr id="8" name="Ellipse 7">
+            <a:extLst>
+              <a:ext uri="{FF2B5EF4-FFF2-40B4-BE49-F238E27FC236}">
+                <a16:creationId xmlns:a16="http://schemas.microsoft.com/office/drawing/2014/main" id="{B5CFA3FC-7103-420C-8F35-8226DB417B5C}"/>
+              </a:ext>
+            </a:extLst>
+          </p:cNvPr>
+          <p:cNvSpPr/>
+          <p:nvPr/>
+        </p:nvSpPr>
+        <p:spPr>
+          <a:xfrm>
+            <a:off x="2741498" y="5521911"/>
+            <a:ext cx="124288" cy="124287"/>
+          </a:xfrm>
+          <a:prstGeom prst="ellipse">
+            <a:avLst/>
+          </a:prstGeom>
+        </p:spPr>
+        <p:style>
+          <a:lnRef idx="2">
+            <a:schemeClr val="accent1">
+              <a:shade val="50000"/>
+            </a:schemeClr>
+          </a:lnRef>
+          <a:fillRef idx="1">
+            <a:schemeClr val="accent1"/>
+          </a:fillRef>
+          <a:effectRef idx="0">
+            <a:schemeClr val="accent1"/>
+          </a:effectRef>
+          <a:fontRef idx="minor">
+            <a:schemeClr val="lt1"/>
+          </a:fontRef>
+        </p:style>
+        <p:txBody>
+          <a:bodyPr rtlCol="0" anchor="ctr"/>
+          <a:lstStyle/>
+          <a:p>
+            <a:pPr algn="ctr"/>
+            <a:endParaRPr lang="de-DE" dirty="0"/>
+          </a:p>
+        </p:txBody>
+      </p:sp>
+      <p:sp>
+        <p:nvSpPr>
+          <p:cNvPr id="9" name="Textfeld 8">
+            <a:extLst>
+              <a:ext uri="{FF2B5EF4-FFF2-40B4-BE49-F238E27FC236}">
+                <a16:creationId xmlns:a16="http://schemas.microsoft.com/office/drawing/2014/main" id="{20D4C0D0-F8E0-4294-8231-0993614A2489}"/>
+              </a:ext>
+            </a:extLst>
+          </p:cNvPr>
+          <p:cNvSpPr txBox="1"/>
+          <p:nvPr/>
+        </p:nvSpPr>
+        <p:spPr>
+          <a:xfrm>
+            <a:off x="2537867" y="5712659"/>
+            <a:ext cx="572535" cy="369332"/>
+          </a:xfrm>
+          <a:prstGeom prst="rect">
+            <a:avLst/>
+          </a:prstGeom>
+          <a:noFill/>
+        </p:spPr>
+        <p:txBody>
+          <a:bodyPr wrap="square" rtlCol="0">
+            <a:spAutoFit/>
+          </a:bodyPr>
+          <a:lstStyle/>
+          <a:p>
+            <a:r>
+              <a:rPr lang="de-DE" dirty="0"/>
+              <a:t>Mo</a:t>
+            </a:r>
+          </a:p>
+        </p:txBody>
+      </p:sp>
+      <p:sp>
+        <p:nvSpPr>
+          <p:cNvPr id="12" name="Pfeil: nach unten gekrümmt 11">
+            <a:extLst>
+              <a:ext uri="{FF2B5EF4-FFF2-40B4-BE49-F238E27FC236}">
+                <a16:creationId xmlns:a16="http://schemas.microsoft.com/office/drawing/2014/main" id="{2D0B7DBB-08CA-4C4B-8954-EF762BAF1BD8}"/>
+              </a:ext>
+            </a:extLst>
+          </p:cNvPr>
+          <p:cNvSpPr/>
+          <p:nvPr/>
+        </p:nvSpPr>
+        <p:spPr>
+          <a:xfrm flipH="1">
+            <a:off x="1257966" y="5134403"/>
+            <a:ext cx="1561434" cy="274320"/>
+          </a:xfrm>
+          <a:prstGeom prst="curvedDownArrow">
+            <a:avLst/>
+          </a:prstGeom>
+          <a:ln>
+            <a:headEnd type="none"/>
+          </a:ln>
+        </p:spPr>
+        <p:style>
+          <a:lnRef idx="2">
+            <a:schemeClr val="accent1">
+              <a:shade val="50000"/>
+            </a:schemeClr>
+          </a:lnRef>
+          <a:fillRef idx="1">
+            <a:schemeClr val="accent1"/>
+          </a:fillRef>
+          <a:effectRef idx="0">
+            <a:schemeClr val="accent1"/>
+          </a:effectRef>
+          <a:fontRef idx="minor">
+            <a:schemeClr val="lt1"/>
+          </a:fontRef>
+        </p:style>
+        <p:txBody>
+          <a:bodyPr rtlCol="0" anchor="ctr"/>
+          <a:lstStyle/>
+          <a:p>
+            <a:pPr algn="ctr"/>
+            <a:endParaRPr lang="de-DE" dirty="0">
+              <a:solidFill>
+                <a:schemeClr val="tx1"/>
+              </a:solidFill>
+            </a:endParaRPr>
+          </a:p>
+        </p:txBody>
+      </p:sp>
+      <p:sp>
+        <p:nvSpPr>
+          <p:cNvPr id="13" name="Textfeld 12">
+            <a:extLst>
+              <a:ext uri="{FF2B5EF4-FFF2-40B4-BE49-F238E27FC236}">
+                <a16:creationId xmlns:a16="http://schemas.microsoft.com/office/drawing/2014/main" id="{DDD5B7E0-55B3-409F-9851-6F9082B08291}"/>
+              </a:ext>
+            </a:extLst>
+          </p:cNvPr>
+          <p:cNvSpPr txBox="1"/>
+          <p:nvPr/>
+        </p:nvSpPr>
+        <p:spPr>
+          <a:xfrm>
+            <a:off x="1287262" y="4797769"/>
+            <a:ext cx="1561434" cy="369332"/>
+          </a:xfrm>
+          <a:prstGeom prst="rect">
+            <a:avLst/>
+          </a:prstGeom>
+          <a:noFill/>
+        </p:spPr>
+        <p:txBody>
+          <a:bodyPr wrap="square" rtlCol="0">
+            <a:spAutoFit/>
+          </a:bodyPr>
+          <a:lstStyle/>
+          <a:p>
+            <a:r>
+              <a:rPr lang="de-DE" dirty="0"/>
+              <a:t>„lag 1 Woche“</a:t>
+            </a:r>
+          </a:p>
+        </p:txBody>
+      </p:sp>
+      <p:sp>
+        <p:nvSpPr>
+          <p:cNvPr id="14" name="Ellipse 13">
+            <a:extLst>
+              <a:ext uri="{FF2B5EF4-FFF2-40B4-BE49-F238E27FC236}">
+                <a16:creationId xmlns:a16="http://schemas.microsoft.com/office/drawing/2014/main" id="{26EF7C60-DEF5-425F-BD26-4B7E8D17DF64}"/>
+              </a:ext>
+            </a:extLst>
+          </p:cNvPr>
+          <p:cNvSpPr/>
+          <p:nvPr/>
+        </p:nvSpPr>
+        <p:spPr>
+          <a:xfrm>
+            <a:off x="6618597" y="5521911"/>
+            <a:ext cx="124288" cy="124287"/>
+          </a:xfrm>
+          <a:prstGeom prst="ellipse">
+            <a:avLst/>
+          </a:prstGeom>
+        </p:spPr>
+        <p:style>
+          <a:lnRef idx="2">
+            <a:schemeClr val="accent1">
+              <a:shade val="50000"/>
+            </a:schemeClr>
+          </a:lnRef>
+          <a:fillRef idx="1">
+            <a:schemeClr val="accent1"/>
+          </a:fillRef>
+          <a:effectRef idx="0">
+            <a:schemeClr val="accent1"/>
+          </a:effectRef>
+          <a:fontRef idx="minor">
+            <a:schemeClr val="lt1"/>
+          </a:fontRef>
+        </p:style>
+        <p:txBody>
+          <a:bodyPr rtlCol="0" anchor="ctr"/>
+          <a:lstStyle/>
+          <a:p>
+            <a:pPr algn="ctr"/>
+            <a:endParaRPr lang="de-DE" dirty="0"/>
+          </a:p>
+        </p:txBody>
+      </p:sp>
+      <p:sp>
+        <p:nvSpPr>
+          <p:cNvPr id="15" name="Textfeld 14">
+            <a:extLst>
+              <a:ext uri="{FF2B5EF4-FFF2-40B4-BE49-F238E27FC236}">
+                <a16:creationId xmlns:a16="http://schemas.microsoft.com/office/drawing/2014/main" id="{66598290-D05B-4A00-A3F7-5A09923D0F31}"/>
+              </a:ext>
+            </a:extLst>
+          </p:cNvPr>
+          <p:cNvSpPr txBox="1"/>
+          <p:nvPr/>
+        </p:nvSpPr>
+        <p:spPr>
+          <a:xfrm>
+            <a:off x="6460686" y="5712659"/>
+            <a:ext cx="572535" cy="369332"/>
+          </a:xfrm>
+          <a:prstGeom prst="rect">
+            <a:avLst/>
+          </a:prstGeom>
+          <a:noFill/>
+        </p:spPr>
+        <p:txBody>
+          <a:bodyPr wrap="square" rtlCol="0">
+            <a:spAutoFit/>
+          </a:bodyPr>
+          <a:lstStyle/>
+          <a:p>
+            <a:r>
+              <a:rPr lang="de-DE" dirty="0"/>
+              <a:t>Mi</a:t>
+            </a:r>
+          </a:p>
+        </p:txBody>
+      </p:sp>
+      <p:sp>
+        <p:nvSpPr>
+          <p:cNvPr id="16" name="Ellipse 15">
+            <a:extLst>
+              <a:ext uri="{FF2B5EF4-FFF2-40B4-BE49-F238E27FC236}">
+                <a16:creationId xmlns:a16="http://schemas.microsoft.com/office/drawing/2014/main" id="{A8592AAA-A51E-4683-8E87-E10E5E92940E}"/>
+              </a:ext>
+            </a:extLst>
+          </p:cNvPr>
+          <p:cNvSpPr/>
+          <p:nvPr/>
+        </p:nvSpPr>
+        <p:spPr>
+          <a:xfrm>
+            <a:off x="7312087" y="5534651"/>
+            <a:ext cx="124288" cy="124287"/>
+          </a:xfrm>
+          <a:prstGeom prst="ellipse">
+            <a:avLst/>
+          </a:prstGeom>
+        </p:spPr>
+        <p:style>
+          <a:lnRef idx="2">
+            <a:schemeClr val="accent1">
+              <a:shade val="50000"/>
+            </a:schemeClr>
+          </a:lnRef>
+          <a:fillRef idx="1">
+            <a:schemeClr val="accent1"/>
+          </a:fillRef>
+          <a:effectRef idx="0">
+            <a:schemeClr val="accent1"/>
+          </a:effectRef>
+          <a:fontRef idx="minor">
+            <a:schemeClr val="lt1"/>
+          </a:fontRef>
+        </p:style>
+        <p:txBody>
+          <a:bodyPr rtlCol="0" anchor="ctr"/>
+          <a:lstStyle/>
+          <a:p>
+            <a:pPr algn="ctr"/>
+            <a:endParaRPr lang="de-DE" dirty="0"/>
+          </a:p>
+        </p:txBody>
+      </p:sp>
+      <p:sp>
+        <p:nvSpPr>
+          <p:cNvPr id="17" name="Textfeld 16">
+            <a:extLst>
+              <a:ext uri="{FF2B5EF4-FFF2-40B4-BE49-F238E27FC236}">
+                <a16:creationId xmlns:a16="http://schemas.microsoft.com/office/drawing/2014/main" id="{50C485D4-C947-4ED3-BE71-142809488E80}"/>
+              </a:ext>
+            </a:extLst>
+          </p:cNvPr>
+          <p:cNvSpPr txBox="1"/>
+          <p:nvPr/>
+        </p:nvSpPr>
+        <p:spPr>
+          <a:xfrm>
+            <a:off x="7108456" y="5725399"/>
+            <a:ext cx="572535" cy="369332"/>
+          </a:xfrm>
+          <a:prstGeom prst="rect">
+            <a:avLst/>
+          </a:prstGeom>
+          <a:noFill/>
+        </p:spPr>
+        <p:txBody>
+          <a:bodyPr wrap="square" rtlCol="0">
+            <a:spAutoFit/>
+          </a:bodyPr>
+          <a:lstStyle/>
+          <a:p>
+            <a:r>
+              <a:rPr lang="de-DE" dirty="0"/>
+              <a:t>Do</a:t>
+            </a:r>
+          </a:p>
+        </p:txBody>
+      </p:sp>
+      <p:sp>
+        <p:nvSpPr>
+          <p:cNvPr id="18" name="Pfeil: nach unten gekrümmt 17">
+            <a:extLst>
+              <a:ext uri="{FF2B5EF4-FFF2-40B4-BE49-F238E27FC236}">
+                <a16:creationId xmlns:a16="http://schemas.microsoft.com/office/drawing/2014/main" id="{71DFB728-B834-47C8-AA05-544073CC882E}"/>
+              </a:ext>
+            </a:extLst>
+          </p:cNvPr>
+          <p:cNvSpPr/>
+          <p:nvPr/>
+        </p:nvSpPr>
+        <p:spPr>
+          <a:xfrm flipH="1">
+            <a:off x="6651445" y="5134403"/>
+            <a:ext cx="784930" cy="274320"/>
+          </a:xfrm>
+          <a:prstGeom prst="curvedDownArrow">
+            <a:avLst/>
+          </a:prstGeom>
+          <a:ln>
+            <a:headEnd type="none"/>
+          </a:ln>
+        </p:spPr>
+        <p:style>
+          <a:lnRef idx="2">
+            <a:schemeClr val="accent1">
+              <a:shade val="50000"/>
+            </a:schemeClr>
+          </a:lnRef>
+          <a:fillRef idx="1">
+            <a:schemeClr val="accent1"/>
+          </a:fillRef>
+          <a:effectRef idx="0">
+            <a:schemeClr val="accent1"/>
+          </a:effectRef>
+          <a:fontRef idx="minor">
+            <a:schemeClr val="lt1"/>
+          </a:fontRef>
+        </p:style>
+        <p:txBody>
+          <a:bodyPr rtlCol="0" anchor="ctr"/>
+          <a:lstStyle/>
+          <a:p>
+            <a:pPr algn="ctr"/>
+            <a:endParaRPr lang="de-DE" dirty="0">
+              <a:solidFill>
+                <a:schemeClr val="tx1"/>
+              </a:solidFill>
+            </a:endParaRPr>
+          </a:p>
+        </p:txBody>
+      </p:sp>
+      <p:sp>
+        <p:nvSpPr>
+          <p:cNvPr id="19" name="Textfeld 18">
+            <a:extLst>
+              <a:ext uri="{FF2B5EF4-FFF2-40B4-BE49-F238E27FC236}">
+                <a16:creationId xmlns:a16="http://schemas.microsoft.com/office/drawing/2014/main" id="{284E4CA8-AE4F-40F2-B631-CC389471DCA0}"/>
+              </a:ext>
+            </a:extLst>
+          </p:cNvPr>
+          <p:cNvSpPr txBox="1"/>
+          <p:nvPr/>
+        </p:nvSpPr>
+        <p:spPr>
+          <a:xfrm>
+            <a:off x="5031344" y="4708477"/>
+            <a:ext cx="3228736" cy="369332"/>
+          </a:xfrm>
+          <a:prstGeom prst="rect">
+            <a:avLst/>
+          </a:prstGeom>
+          <a:noFill/>
+        </p:spPr>
+        <p:txBody>
+          <a:bodyPr wrap="square" rtlCol="0">
+            <a:spAutoFit/>
+          </a:bodyPr>
+          <a:lstStyle/>
+          <a:p>
+            <a:r>
+              <a:rPr lang="de-DE" dirty="0"/>
+              <a:t>„gleitender Durchschnitt 3 Tage“</a:t>
+            </a:r>
+          </a:p>
+        </p:txBody>
+      </p:sp>
+      <p:sp>
+        <p:nvSpPr>
+          <p:cNvPr id="20" name="Ellipse 19">
+            <a:extLst>
+              <a:ext uri="{FF2B5EF4-FFF2-40B4-BE49-F238E27FC236}">
+                <a16:creationId xmlns:a16="http://schemas.microsoft.com/office/drawing/2014/main" id="{E3142D1B-E494-44D9-A685-BB8B04F0B7B7}"/>
+              </a:ext>
+            </a:extLst>
+          </p:cNvPr>
+          <p:cNvSpPr/>
+          <p:nvPr/>
+        </p:nvSpPr>
+        <p:spPr>
+          <a:xfrm>
+            <a:off x="5612389" y="5521911"/>
+            <a:ext cx="124288" cy="124287"/>
+          </a:xfrm>
+          <a:prstGeom prst="ellipse">
+            <a:avLst/>
+          </a:prstGeom>
+        </p:spPr>
+        <p:style>
+          <a:lnRef idx="2">
+            <a:schemeClr val="accent1">
+              <a:shade val="50000"/>
+            </a:schemeClr>
+          </a:lnRef>
+          <a:fillRef idx="1">
+            <a:schemeClr val="accent1"/>
+          </a:fillRef>
+          <a:effectRef idx="0">
+            <a:schemeClr val="accent1"/>
+          </a:effectRef>
+          <a:fontRef idx="minor">
+            <a:schemeClr val="lt1"/>
+          </a:fontRef>
+        </p:style>
+        <p:txBody>
+          <a:bodyPr rtlCol="0" anchor="ctr"/>
+          <a:lstStyle/>
+          <a:p>
+            <a:pPr algn="ctr"/>
+            <a:endParaRPr lang="de-DE" dirty="0"/>
+          </a:p>
+        </p:txBody>
+      </p:sp>
+      <p:sp>
+        <p:nvSpPr>
+          <p:cNvPr id="21" name="Textfeld 20">
+            <a:extLst>
+              <a:ext uri="{FF2B5EF4-FFF2-40B4-BE49-F238E27FC236}">
+                <a16:creationId xmlns:a16="http://schemas.microsoft.com/office/drawing/2014/main" id="{8ED52A84-454F-4010-A1BA-F8C3F1A0DC58}"/>
+              </a:ext>
+            </a:extLst>
+          </p:cNvPr>
+          <p:cNvSpPr txBox="1"/>
+          <p:nvPr/>
+        </p:nvSpPr>
+        <p:spPr>
+          <a:xfrm>
+            <a:off x="5408758" y="5712659"/>
+            <a:ext cx="572535" cy="369332"/>
+          </a:xfrm>
+          <a:prstGeom prst="rect">
+            <a:avLst/>
+          </a:prstGeom>
+          <a:noFill/>
+        </p:spPr>
+        <p:txBody>
+          <a:bodyPr wrap="square" rtlCol="0">
+            <a:spAutoFit/>
+          </a:bodyPr>
+          <a:lstStyle/>
+          <a:p>
+            <a:r>
+              <a:rPr lang="de-DE" dirty="0"/>
+              <a:t>Mo</a:t>
+            </a:r>
+          </a:p>
+        </p:txBody>
+      </p:sp>
+      <p:sp>
+        <p:nvSpPr>
+          <p:cNvPr id="22" name="Ellipse 21">
+            <a:extLst>
+              <a:ext uri="{FF2B5EF4-FFF2-40B4-BE49-F238E27FC236}">
+                <a16:creationId xmlns:a16="http://schemas.microsoft.com/office/drawing/2014/main" id="{6FB1157E-6F53-40CC-BB05-9E447C9B1B80}"/>
+              </a:ext>
+            </a:extLst>
+          </p:cNvPr>
+          <p:cNvSpPr/>
+          <p:nvPr/>
+        </p:nvSpPr>
+        <p:spPr>
+          <a:xfrm>
+            <a:off x="6128738" y="5521911"/>
+            <a:ext cx="124288" cy="124287"/>
+          </a:xfrm>
+          <a:prstGeom prst="ellipse">
+            <a:avLst/>
+          </a:prstGeom>
+        </p:spPr>
+        <p:style>
+          <a:lnRef idx="2">
+            <a:schemeClr val="accent1">
+              <a:shade val="50000"/>
+            </a:schemeClr>
+          </a:lnRef>
+          <a:fillRef idx="1">
+            <a:schemeClr val="accent1"/>
+          </a:fillRef>
+          <a:effectRef idx="0">
+            <a:schemeClr val="accent1"/>
+          </a:effectRef>
+          <a:fontRef idx="minor">
+            <a:schemeClr val="lt1"/>
+          </a:fontRef>
+        </p:style>
+        <p:txBody>
+          <a:bodyPr rtlCol="0" anchor="ctr"/>
+          <a:lstStyle/>
+          <a:p>
+            <a:pPr algn="ctr"/>
+            <a:endParaRPr lang="de-DE" dirty="0"/>
+          </a:p>
+        </p:txBody>
+      </p:sp>
+      <p:sp>
+        <p:nvSpPr>
+          <p:cNvPr id="23" name="Textfeld 22">
+            <a:extLst>
+              <a:ext uri="{FF2B5EF4-FFF2-40B4-BE49-F238E27FC236}">
+                <a16:creationId xmlns:a16="http://schemas.microsoft.com/office/drawing/2014/main" id="{884EBDFC-B89C-4488-AC19-24369760B2A5}"/>
+              </a:ext>
+            </a:extLst>
+          </p:cNvPr>
+          <p:cNvSpPr txBox="1"/>
+          <p:nvPr/>
+        </p:nvSpPr>
+        <p:spPr>
+          <a:xfrm>
+            <a:off x="5993687" y="5712659"/>
+            <a:ext cx="572535" cy="369332"/>
+          </a:xfrm>
+          <a:prstGeom prst="rect">
+            <a:avLst/>
+          </a:prstGeom>
+          <a:noFill/>
+        </p:spPr>
+        <p:txBody>
+          <a:bodyPr wrap="square" rtlCol="0">
+            <a:spAutoFit/>
+          </a:bodyPr>
+          <a:lstStyle/>
+          <a:p>
+            <a:r>
+              <a:rPr lang="de-DE" dirty="0"/>
+              <a:t>Di</a:t>
+            </a:r>
+          </a:p>
+        </p:txBody>
+      </p:sp>
+      <p:sp>
+        <p:nvSpPr>
+          <p:cNvPr id="24" name="Pfeil: nach unten gekrümmt 23">
+            <a:extLst>
+              <a:ext uri="{FF2B5EF4-FFF2-40B4-BE49-F238E27FC236}">
+                <a16:creationId xmlns:a16="http://schemas.microsoft.com/office/drawing/2014/main" id="{353B5D9E-0DAF-4EAF-AA84-3FA553B999B6}"/>
+              </a:ext>
+            </a:extLst>
+          </p:cNvPr>
+          <p:cNvSpPr/>
+          <p:nvPr/>
+        </p:nvSpPr>
+        <p:spPr>
+          <a:xfrm flipH="1">
+            <a:off x="6128738" y="5124485"/>
+            <a:ext cx="1318033" cy="274320"/>
+          </a:xfrm>
+          <a:prstGeom prst="curvedDownArrow">
+            <a:avLst/>
+          </a:prstGeom>
+          <a:ln>
+            <a:headEnd type="none"/>
+          </a:ln>
+        </p:spPr>
+        <p:style>
+          <a:lnRef idx="2">
+            <a:schemeClr val="accent1">
+              <a:shade val="50000"/>
+            </a:schemeClr>
+          </a:lnRef>
+          <a:fillRef idx="1">
+            <a:schemeClr val="accent1"/>
+          </a:fillRef>
+          <a:effectRef idx="0">
+            <a:schemeClr val="accent1"/>
+          </a:effectRef>
+          <a:fontRef idx="minor">
+            <a:schemeClr val="lt1"/>
+          </a:fontRef>
+        </p:style>
+        <p:txBody>
+          <a:bodyPr rtlCol="0" anchor="ctr"/>
+          <a:lstStyle/>
+          <a:p>
+            <a:pPr algn="ctr"/>
+            <a:endParaRPr lang="de-DE" dirty="0">
+              <a:solidFill>
+                <a:schemeClr val="tx1"/>
+              </a:solidFill>
+            </a:endParaRPr>
+          </a:p>
+        </p:txBody>
+      </p:sp>
+      <p:sp>
+        <p:nvSpPr>
+          <p:cNvPr id="25" name="Pfeil: nach unten gekrümmt 24">
+            <a:extLst>
+              <a:ext uri="{FF2B5EF4-FFF2-40B4-BE49-F238E27FC236}">
+                <a16:creationId xmlns:a16="http://schemas.microsoft.com/office/drawing/2014/main" id="{E3AFC6B9-6174-4773-B5C2-6AF94BA91779}"/>
+              </a:ext>
+            </a:extLst>
+          </p:cNvPr>
+          <p:cNvSpPr/>
+          <p:nvPr/>
+        </p:nvSpPr>
+        <p:spPr>
+          <a:xfrm flipH="1">
+            <a:off x="5606030" y="5114567"/>
+            <a:ext cx="1830344" cy="274320"/>
+          </a:xfrm>
+          <a:prstGeom prst="curvedDownArrow">
+            <a:avLst/>
+          </a:prstGeom>
+          <a:ln>
+            <a:headEnd type="none"/>
+          </a:ln>
+        </p:spPr>
+        <p:style>
+          <a:lnRef idx="2">
+            <a:schemeClr val="accent1">
+              <a:shade val="50000"/>
+            </a:schemeClr>
+          </a:lnRef>
+          <a:fillRef idx="1">
+            <a:schemeClr val="accent1"/>
+          </a:fillRef>
+          <a:effectRef idx="0">
+            <a:schemeClr val="accent1"/>
+          </a:effectRef>
+          <a:fontRef idx="minor">
+            <a:schemeClr val="lt1"/>
+          </a:fontRef>
+        </p:style>
+        <p:txBody>
+          <a:bodyPr rtlCol="0" anchor="ctr"/>
+          <a:lstStyle/>
+          <a:p>
+            <a:pPr algn="ctr"/>
+            <a:endParaRPr lang="de-DE" dirty="0">
+              <a:solidFill>
+                <a:schemeClr val="tx1"/>
+              </a:solidFill>
+            </a:endParaRPr>
+          </a:p>
+        </p:txBody>
+      </p:sp>
+      <p:sp>
+        <p:nvSpPr>
+          <p:cNvPr id="26" name="Interaktive Schaltfläche: Nächste(r) oder Weiter 25">
+            <a:hlinkClick r:id="rId2" action="ppaction://hlinksldjump" highlightClick="1"/>
+            <a:extLst>
+              <a:ext uri="{FF2B5EF4-FFF2-40B4-BE49-F238E27FC236}">
+                <a16:creationId xmlns:a16="http://schemas.microsoft.com/office/drawing/2014/main" id="{EA32C349-3E84-4AA0-84AC-8CDBFE39FEC8}"/>
+              </a:ext>
+            </a:extLst>
+          </p:cNvPr>
+          <p:cNvSpPr/>
+          <p:nvPr/>
+        </p:nvSpPr>
+        <p:spPr>
+          <a:xfrm>
+            <a:off x="364013" y="6416461"/>
             <a:ext cx="339969" cy="244902"/>
           </a:xfrm>
           <a:prstGeom prst="actionButtonForwardNext">
@@ -11996,17 +12433,324 @@
           <a:lstStyle/>
           <a:p>
             <a:pPr algn="ctr"/>
-            <a:endParaRPr lang="de-DE"/>
-          </a:p>
-        </p:txBody>
-      </p:sp>
-      <p:sp>
-        <p:nvSpPr>
-          <p:cNvPr id="11" name="Interaktive Schaltfläche: Nächste(r) oder Weiter 10">
-            <a:hlinkClick r:id="rId5" action="ppaction://hlinksldjump" highlightClick="1"/>
-            <a:extLst>
-              <a:ext uri="{FF2B5EF4-FFF2-40B4-BE49-F238E27FC236}">
-                <a16:creationId xmlns:a16="http://schemas.microsoft.com/office/drawing/2014/main" id="{236D4263-74A5-4796-BAB0-169C7A255F7B}"/>
+            <a:endParaRPr lang="de-DE" dirty="0"/>
+          </a:p>
+        </p:txBody>
+      </p:sp>
+    </p:spTree>
+    <p:extLst>
+      <p:ext uri="{BB962C8B-B14F-4D97-AF65-F5344CB8AC3E}">
+        <p14:creationId xmlns:p14="http://schemas.microsoft.com/office/powerpoint/2010/main" val="3987280943"/>
+      </p:ext>
+    </p:extLst>
+  </p:cSld>
+  <p:clrMapOvr>
+    <a:masterClrMapping/>
+  </p:clrMapOvr>
+</p:sld>
+</file>
+
+<file path=ppt/slides/slide8.xml><?xml version="1.0" encoding="utf-8"?>
+<p:sld xmlns:a="http://schemas.openxmlformats.org/drawingml/2006/main" xmlns:r="http://schemas.openxmlformats.org/officeDocument/2006/relationships" xmlns:p="http://schemas.openxmlformats.org/presentationml/2006/main">
+  <p:cSld>
+    <p:spTree>
+      <p:nvGrpSpPr>
+        <p:cNvPr id="1" name=""/>
+        <p:cNvGrpSpPr/>
+        <p:nvPr/>
+      </p:nvGrpSpPr>
+      <p:grpSpPr>
+        <a:xfrm>
+          <a:off x="0" y="0"/>
+          <a:ext cx="0" cy="0"/>
+          <a:chOff x="0" y="0"/>
+          <a:chExt cx="0" cy="0"/>
+        </a:xfrm>
+      </p:grpSpPr>
+      <p:sp>
+        <p:nvSpPr>
+          <p:cNvPr id="2" name="Titel 1">
+            <a:extLst>
+              <a:ext uri="{FF2B5EF4-FFF2-40B4-BE49-F238E27FC236}">
+                <a16:creationId xmlns:a16="http://schemas.microsoft.com/office/drawing/2014/main" id="{5C30B77A-CB96-4D43-8AB8-E92C92B26CD4}"/>
+              </a:ext>
+            </a:extLst>
+          </p:cNvPr>
+          <p:cNvSpPr>
+            <a:spLocks noGrp="1"/>
+          </p:cNvSpPr>
+          <p:nvPr>
+            <p:ph type="title"/>
+          </p:nvPr>
+        </p:nvSpPr>
+        <p:spPr/>
+        <p:txBody>
+          <a:bodyPr/>
+          <a:lstStyle/>
+          <a:p>
+            <a:r>
+              <a:rPr lang="de-DE" dirty="0"/>
+              <a:t>Modellierung  -  lineare Regression</a:t>
+            </a:r>
+          </a:p>
+        </p:txBody>
+      </p:sp>
+      <p:sp>
+        <p:nvSpPr>
+          <p:cNvPr id="4" name="Fußzeilenplatzhalter 3">
+            <a:extLst>
+              <a:ext uri="{FF2B5EF4-FFF2-40B4-BE49-F238E27FC236}">
+                <a16:creationId xmlns:a16="http://schemas.microsoft.com/office/drawing/2014/main" id="{16F63B71-9DCA-4E29-A33C-A5817A2E808C}"/>
+              </a:ext>
+            </a:extLst>
+          </p:cNvPr>
+          <p:cNvSpPr>
+            <a:spLocks noGrp="1"/>
+          </p:cNvSpPr>
+          <p:nvPr>
+            <p:ph type="ftr" sz="quarter" idx="11"/>
+          </p:nvPr>
+        </p:nvSpPr>
+        <p:spPr/>
+        <p:txBody>
+          <a:bodyPr/>
+          <a:lstStyle/>
+          <a:p>
+            <a:r>
+              <a:rPr lang="de-DE" dirty="0"/>
+              <a:t>Application Project "Umsatzprognose Bäckerei"</a:t>
+            </a:r>
+          </a:p>
+        </p:txBody>
+      </p:sp>
+      <p:sp>
+        <p:nvSpPr>
+          <p:cNvPr id="5" name="Foliennummernplatzhalter 4">
+            <a:extLst>
+              <a:ext uri="{FF2B5EF4-FFF2-40B4-BE49-F238E27FC236}">
+                <a16:creationId xmlns:a16="http://schemas.microsoft.com/office/drawing/2014/main" id="{3B37C111-C299-456C-AE5F-E0E6F2CA0C65}"/>
+              </a:ext>
+            </a:extLst>
+          </p:cNvPr>
+          <p:cNvSpPr>
+            <a:spLocks noGrp="1"/>
+          </p:cNvSpPr>
+          <p:nvPr>
+            <p:ph type="sldNum" sz="quarter" idx="12"/>
+          </p:nvPr>
+        </p:nvSpPr>
+        <p:spPr/>
+        <p:txBody>
+          <a:bodyPr/>
+          <a:lstStyle/>
+          <a:p>
+            <a:fld id="{9C75FA27-ABA3-44D1-A3BB-EAEC5689F51E}" type="slidenum">
+              <a:rPr lang="de-DE" smtClean="0"/>
+              <a:t>8</a:t>
+            </a:fld>
+            <a:endParaRPr lang="de-DE" dirty="0"/>
+          </a:p>
+        </p:txBody>
+      </p:sp>
+      <p:sp>
+        <p:nvSpPr>
+          <p:cNvPr id="10" name="Inhaltsplatzhalter 9">
+            <a:extLst>
+              <a:ext uri="{FF2B5EF4-FFF2-40B4-BE49-F238E27FC236}">
+                <a16:creationId xmlns:a16="http://schemas.microsoft.com/office/drawing/2014/main" id="{DF736178-AE49-4777-85A5-7A4D80B0E585}"/>
+              </a:ext>
+            </a:extLst>
+          </p:cNvPr>
+          <p:cNvSpPr>
+            <a:spLocks noGrp="1"/>
+          </p:cNvSpPr>
+          <p:nvPr>
+            <p:ph idx="1"/>
+          </p:nvPr>
+        </p:nvSpPr>
+        <p:spPr>
+          <a:xfrm>
+            <a:off x="838200" y="1825625"/>
+            <a:ext cx="10515600" cy="4351338"/>
+          </a:xfrm>
+        </p:spPr>
+        <p:txBody>
+          <a:bodyPr>
+            <a:normAutofit lnSpcReduction="10000"/>
+          </a:bodyPr>
+          <a:lstStyle/>
+          <a:p>
+            <a:r>
+              <a:rPr lang="de-DE" dirty="0"/>
+              <a:t>Anwendung</a:t>
+            </a:r>
+            <a:r>
+              <a:rPr lang="de-DE" b="1" dirty="0"/>
+              <a:t> </a:t>
+            </a:r>
+            <a:r>
+              <a:rPr lang="de-DE" dirty="0"/>
+              <a:t>von</a:t>
+            </a:r>
+            <a:r>
+              <a:rPr lang="de-DE" b="1" dirty="0"/>
+              <a:t> multiplen Regressionsmodellen</a:t>
+            </a:r>
+          </a:p>
+          <a:p>
+            <a:endParaRPr lang="de-DE" b="1" dirty="0"/>
+          </a:p>
+          <a:p>
+            <a:r>
+              <a:rPr lang="de-DE" dirty="0"/>
+              <a:t>Mehrstufiges Vorgehen:</a:t>
+            </a:r>
+          </a:p>
+          <a:p>
+            <a:pPr marL="914400" lvl="1" indent="-457200">
+              <a:buFont typeface="+mj-lt"/>
+              <a:buAutoNum type="arabicPeriod"/>
+            </a:pPr>
+            <a:r>
+              <a:rPr lang="de-DE" dirty="0"/>
+              <a:t>Einteilung der Daten in </a:t>
+            </a:r>
+            <a:r>
+              <a:rPr lang="de-DE" b="1" dirty="0"/>
+              <a:t>Trainings- und Testdatensatz                                                                 </a:t>
+            </a:r>
+            <a:r>
+              <a:rPr lang="de-DE" dirty="0"/>
+              <a:t>+</a:t>
+            </a:r>
+            <a:r>
+              <a:rPr lang="de-DE" b="1" dirty="0"/>
+              <a:t> Überprüfung </a:t>
+            </a:r>
+            <a:r>
+              <a:rPr lang="de-DE" dirty="0"/>
+              <a:t>der Variablen auf</a:t>
+            </a:r>
+            <a:r>
+              <a:rPr lang="de-DE" b="1" dirty="0"/>
+              <a:t> lineare Abhängigkeit                   </a:t>
+            </a:r>
+            <a:r>
+              <a:rPr lang="de-DE" dirty="0"/>
+              <a:t>und</a:t>
+            </a:r>
+            <a:r>
+              <a:rPr lang="de-DE" b="1" dirty="0"/>
+              <a:t> Multikollinearität</a:t>
+            </a:r>
+          </a:p>
+          <a:p>
+            <a:pPr marL="914400" lvl="1" indent="-457200">
+              <a:buFont typeface="+mj-lt"/>
+              <a:buAutoNum type="arabicPeriod"/>
+            </a:pPr>
+            <a:r>
+              <a:rPr lang="de-DE" b="1" dirty="0"/>
+              <a:t>Auswahl </a:t>
+            </a:r>
+            <a:r>
+              <a:rPr lang="de-DE" dirty="0"/>
+              <a:t>der in die Modelle </a:t>
+            </a:r>
+            <a:r>
+              <a:rPr lang="de-DE" b="1" dirty="0"/>
+              <a:t>aufzunehmenden Variablen </a:t>
+            </a:r>
+            <a:r>
+              <a:rPr lang="de-DE" dirty="0"/>
+              <a:t>(je Warengruppe)</a:t>
+            </a:r>
+          </a:p>
+          <a:p>
+            <a:pPr marL="1371600" lvl="2" indent="-457200">
+              <a:buFont typeface="+mj-lt"/>
+              <a:buAutoNum type="alphaLcParenR"/>
+            </a:pPr>
+            <a:r>
+              <a:rPr lang="de-DE" b="1" dirty="0"/>
+              <a:t>Beste Teilmengenauswahl </a:t>
+            </a:r>
+            <a:r>
+              <a:rPr lang="de-DE" dirty="0"/>
+              <a:t>(„Best Subset Selection“)</a:t>
+            </a:r>
+          </a:p>
+          <a:p>
+            <a:pPr marL="1371600" lvl="2" indent="-457200">
+              <a:buFont typeface="+mj-lt"/>
+              <a:buAutoNum type="alphaLcParenR"/>
+            </a:pPr>
+            <a:r>
+              <a:rPr lang="de-DE" b="1" dirty="0"/>
+              <a:t>Schrittweise Auswahl </a:t>
+            </a:r>
+            <a:r>
+              <a:rPr lang="de-DE" dirty="0"/>
+              <a:t>(„Stepwise Selection“): forward and backward</a:t>
+            </a:r>
+          </a:p>
+          <a:p>
+            <a:pPr marL="914400" lvl="1" indent="-457200">
+              <a:buFont typeface="+mj-lt"/>
+              <a:buAutoNum type="arabicPeriod"/>
+            </a:pPr>
+            <a:r>
+              <a:rPr lang="de-DE" dirty="0"/>
+              <a:t>Erstellung von </a:t>
+            </a:r>
+            <a:r>
+              <a:rPr lang="de-DE" b="1" dirty="0"/>
+              <a:t>20</a:t>
+            </a:r>
+            <a:r>
+              <a:rPr lang="de-DE" dirty="0"/>
+              <a:t> </a:t>
+            </a:r>
+            <a:r>
+              <a:rPr lang="de-DE" b="1" dirty="0"/>
+              <a:t>Regressionsmodellen</a:t>
+            </a:r>
+            <a:r>
+              <a:rPr lang="de-DE" dirty="0"/>
+              <a:t> (auf Warengruppenebene)</a:t>
+            </a:r>
+          </a:p>
+          <a:p>
+            <a:pPr marL="914400" lvl="1" indent="-457200">
+              <a:buFont typeface="+mj-lt"/>
+              <a:buAutoNum type="arabicPeriod"/>
+            </a:pPr>
+            <a:r>
+              <a:rPr lang="de-DE" b="1" dirty="0"/>
+              <a:t>Auswahl</a:t>
+            </a:r>
+            <a:r>
+              <a:rPr lang="de-DE" dirty="0"/>
+              <a:t> des jeweils </a:t>
+            </a:r>
+            <a:r>
+              <a:rPr lang="de-DE" b="1" dirty="0"/>
+              <a:t>besten Modells </a:t>
+            </a:r>
+            <a:r>
+              <a:rPr lang="de-DE" dirty="0"/>
+              <a:t>anhand vordefinierter Gütekennzahlen </a:t>
+            </a:r>
+          </a:p>
+        </p:txBody>
+      </p:sp>
+      <p:sp>
+        <p:nvSpPr>
+          <p:cNvPr id="8" name="Interaktive Schaltfläche: Nächste(r) oder Weiter 7">
+            <a:hlinkClick r:id="rId3" action="ppaction://hlinksldjump" highlightClick="1"/>
+            <a:extLst>
+              <a:ext uri="{FF2B5EF4-FFF2-40B4-BE49-F238E27FC236}">
+                <a16:creationId xmlns:a16="http://schemas.microsoft.com/office/drawing/2014/main" id="{50D1B559-C9DE-4469-B9A6-34403D1D29FC}"/>
               </a:ext>
             </a:extLst>
           </p:cNvPr>
@@ -12015,7 +12759,7 @@
         </p:nvSpPr>
         <p:spPr>
           <a:xfrm>
-            <a:off x="10007846" y="4278924"/>
+            <a:off x="7763189" y="4480130"/>
             <a:ext cx="339969" cy="244902"/>
           </a:xfrm>
           <a:prstGeom prst="actionButtonForwardNext">
@@ -12055,108 +12799,26 @@
           <a:lstStyle/>
           <a:p>
             <a:pPr algn="ctr"/>
-            <a:endParaRPr lang="de-DE"/>
-          </a:p>
-        </p:txBody>
-      </p:sp>
-      <p:pic>
-        <p:nvPicPr>
-          <p:cNvPr id="12" name="Grafik 11">
-            <a:extLst>
-              <a:ext uri="{FF2B5EF4-FFF2-40B4-BE49-F238E27FC236}">
-                <a16:creationId xmlns:a16="http://schemas.microsoft.com/office/drawing/2014/main" id="{F28516E8-DD04-48B8-BBE8-49F88BD726AF}"/>
-              </a:ext>
-            </a:extLst>
-          </p:cNvPr>
-          <p:cNvPicPr>
-            <a:picLocks noChangeAspect="1"/>
-          </p:cNvPicPr>
+            <a:endParaRPr lang="de-DE" dirty="0"/>
+          </a:p>
+        </p:txBody>
+      </p:sp>
+      <p:sp>
+        <p:nvSpPr>
+          <p:cNvPr id="9" name="Interaktive Schaltfläche: Nächste(r) oder Weiter 8">
+            <a:hlinkClick r:id="rId4" action="ppaction://hlinksldjump" highlightClick="1"/>
+            <a:extLst>
+              <a:ext uri="{FF2B5EF4-FFF2-40B4-BE49-F238E27FC236}">
+                <a16:creationId xmlns:a16="http://schemas.microsoft.com/office/drawing/2014/main" id="{93F49670-E424-412B-94B5-0B879EF9F9B7}"/>
+              </a:ext>
+            </a:extLst>
+          </p:cNvPr>
+          <p:cNvSpPr/>
           <p:nvPr/>
-        </p:nvPicPr>
-        <p:blipFill>
-          <a:blip r:embed="rId6"/>
-          <a:stretch>
-            <a:fillRect/>
-          </a:stretch>
-        </p:blipFill>
+        </p:nvSpPr>
         <p:spPr>
           <a:xfrm>
-            <a:off x="633826" y="5486400"/>
-            <a:ext cx="11163922" cy="1233958"/>
-          </a:xfrm>
-          <a:prstGeom prst="rect">
-            <a:avLst/>
-          </a:prstGeom>
-        </p:spPr>
-      </p:pic>
-      <p:sp>
-        <p:nvSpPr>
-          <p:cNvPr id="6" name="Rechteck 5">
-            <a:extLst>
-              <a:ext uri="{FF2B5EF4-FFF2-40B4-BE49-F238E27FC236}">
-                <a16:creationId xmlns:a16="http://schemas.microsoft.com/office/drawing/2014/main" id="{19B05EF4-5BBE-4795-816C-F39D45868157}"/>
-              </a:ext>
-            </a:extLst>
-          </p:cNvPr>
-          <p:cNvSpPr/>
-          <p:nvPr/>
-        </p:nvSpPr>
-        <p:spPr>
-          <a:xfrm>
-            <a:off x="7219632" y="5485283"/>
-            <a:ext cx="721733" cy="1235076"/>
-          </a:xfrm>
-          <a:prstGeom prst="rect">
-            <a:avLst/>
-          </a:prstGeom>
-          <a:noFill/>
-          <a:ln w="19050">
-            <a:solidFill>
-              <a:srgbClr val="C00000"/>
-            </a:solidFill>
-          </a:ln>
-        </p:spPr>
-        <p:style>
-          <a:lnRef idx="2">
-            <a:schemeClr val="accent1">
-              <a:shade val="50000"/>
-            </a:schemeClr>
-          </a:lnRef>
-          <a:fillRef idx="1">
-            <a:schemeClr val="accent1"/>
-          </a:fillRef>
-          <a:effectRef idx="0">
-            <a:schemeClr val="accent1"/>
-          </a:effectRef>
-          <a:fontRef idx="minor">
-            <a:schemeClr val="lt1"/>
-          </a:fontRef>
-        </p:style>
-        <p:txBody>
-          <a:bodyPr rtlCol="0" anchor="ctr"/>
-          <a:lstStyle/>
-          <a:p>
-            <a:pPr algn="ctr"/>
-            <a:endParaRPr lang="de-DE"/>
-          </a:p>
-        </p:txBody>
-      </p:sp>
-      <p:sp>
-        <p:nvSpPr>
-          <p:cNvPr id="13" name="Interaktive Schaltfläche: Nächste(r) oder Weiter 12">
-            <a:hlinkClick r:id="rId7" action="ppaction://hlinksldjump" highlightClick="1"/>
-            <a:extLst>
-              <a:ext uri="{FF2B5EF4-FFF2-40B4-BE49-F238E27FC236}">
-                <a16:creationId xmlns:a16="http://schemas.microsoft.com/office/drawing/2014/main" id="{7DC01CE4-C116-4029-B593-B2D9AE7E32C5}"/>
-              </a:ext>
-            </a:extLst>
-          </p:cNvPr>
-          <p:cNvSpPr/>
-          <p:nvPr/>
-        </p:nvSpPr>
-        <p:spPr>
-          <a:xfrm>
-            <a:off x="11235804" y="5048227"/>
+            <a:off x="9441022" y="4801438"/>
             <a:ext cx="339969" cy="244902"/>
           </a:xfrm>
           <a:prstGeom prst="actionButtonForwardNext">
@@ -12196,17 +12858,17 @@
           <a:lstStyle/>
           <a:p>
             <a:pPr algn="ctr"/>
-            <a:endParaRPr lang="de-DE"/>
-          </a:p>
-        </p:txBody>
-      </p:sp>
-      <p:sp>
-        <p:nvSpPr>
-          <p:cNvPr id="14" name="Interaktive Schaltfläche: Nächste(r) oder Weiter 13">
-            <a:hlinkClick r:id="rId8" action="ppaction://hlinksldjump" highlightClick="1"/>
-            <a:extLst>
-              <a:ext uri="{FF2B5EF4-FFF2-40B4-BE49-F238E27FC236}">
-                <a16:creationId xmlns:a16="http://schemas.microsoft.com/office/drawing/2014/main" id="{F7A79241-0264-40AD-9E83-C46CF63F9DB5}"/>
+            <a:endParaRPr lang="de-DE" dirty="0"/>
+          </a:p>
+        </p:txBody>
+      </p:sp>
+      <p:sp>
+        <p:nvSpPr>
+          <p:cNvPr id="11" name="Interaktive Schaltfläche: Nächste(r) oder Weiter 10">
+            <a:hlinkClick r:id="rId5" action="ppaction://hlinksldjump" highlightClick="1"/>
+            <a:extLst>
+              <a:ext uri="{FF2B5EF4-FFF2-40B4-BE49-F238E27FC236}">
+                <a16:creationId xmlns:a16="http://schemas.microsoft.com/office/drawing/2014/main" id="{236D4263-74A5-4796-BAB0-169C7A255F7B}"/>
               </a:ext>
             </a:extLst>
           </p:cNvPr>
@@ -12215,7 +12877,7 @@
         </p:nvSpPr>
         <p:spPr>
           <a:xfrm>
-            <a:off x="11627763" y="5048227"/>
+            <a:off x="9858550" y="4801438"/>
             <a:ext cx="339969" cy="244902"/>
           </a:xfrm>
           <a:prstGeom prst="actionButtonForwardNext">
@@ -12255,10 +12917,158 @@
           <a:lstStyle/>
           <a:p>
             <a:pPr algn="ctr"/>
-            <a:endParaRPr lang="de-DE"/>
-          </a:p>
-        </p:txBody>
-      </p:sp>
+            <a:endParaRPr lang="de-DE" dirty="0"/>
+          </a:p>
+        </p:txBody>
+      </p:sp>
+      <p:sp>
+        <p:nvSpPr>
+          <p:cNvPr id="13" name="Interaktive Schaltfläche: Nächste(r) oder Weiter 12">
+            <a:hlinkClick r:id="rId6" action="ppaction://hlinksldjump" highlightClick="1"/>
+            <a:extLst>
+              <a:ext uri="{FF2B5EF4-FFF2-40B4-BE49-F238E27FC236}">
+                <a16:creationId xmlns:a16="http://schemas.microsoft.com/office/drawing/2014/main" id="{7DC01CE4-C116-4029-B593-B2D9AE7E32C5}"/>
+              </a:ext>
+            </a:extLst>
+          </p:cNvPr>
+          <p:cNvSpPr/>
+          <p:nvPr/>
+        </p:nvSpPr>
+        <p:spPr>
+          <a:xfrm>
+            <a:off x="11310452" y="5477435"/>
+            <a:ext cx="339969" cy="244902"/>
+          </a:xfrm>
+          <a:prstGeom prst="actionButtonForwardNext">
+            <a:avLst/>
+          </a:prstGeom>
+          <a:solidFill>
+            <a:schemeClr val="bg1">
+              <a:lumMod val="85000"/>
+            </a:schemeClr>
+          </a:solidFill>
+          <a:ln>
+            <a:solidFill>
+              <a:schemeClr val="bg2">
+                <a:lumMod val="90000"/>
+              </a:schemeClr>
+            </a:solidFill>
+          </a:ln>
+        </p:spPr>
+        <p:style>
+          <a:lnRef idx="2">
+            <a:schemeClr val="accent1">
+              <a:shade val="50000"/>
+            </a:schemeClr>
+          </a:lnRef>
+          <a:fillRef idx="1">
+            <a:schemeClr val="accent1"/>
+          </a:fillRef>
+          <a:effectRef idx="0">
+            <a:schemeClr val="accent1"/>
+          </a:effectRef>
+          <a:fontRef idx="minor">
+            <a:schemeClr val="lt1"/>
+          </a:fontRef>
+        </p:style>
+        <p:txBody>
+          <a:bodyPr rtlCol="0" anchor="ctr"/>
+          <a:lstStyle/>
+          <a:p>
+            <a:pPr algn="ctr"/>
+            <a:endParaRPr lang="de-DE" dirty="0"/>
+          </a:p>
+        </p:txBody>
+      </p:sp>
+      <p:sp>
+        <p:nvSpPr>
+          <p:cNvPr id="14" name="Interaktive Schaltfläche: Nächste(r) oder Weiter 13">
+            <a:hlinkClick r:id="rId7" action="ppaction://hlinksldjump" highlightClick="1"/>
+            <a:extLst>
+              <a:ext uri="{FF2B5EF4-FFF2-40B4-BE49-F238E27FC236}">
+                <a16:creationId xmlns:a16="http://schemas.microsoft.com/office/drawing/2014/main" id="{F7A79241-0264-40AD-9E83-C46CF63F9DB5}"/>
+              </a:ext>
+            </a:extLst>
+          </p:cNvPr>
+          <p:cNvSpPr/>
+          <p:nvPr/>
+        </p:nvSpPr>
+        <p:spPr>
+          <a:xfrm>
+            <a:off x="11702411" y="5477435"/>
+            <a:ext cx="339969" cy="244902"/>
+          </a:xfrm>
+          <a:prstGeom prst="actionButtonForwardNext">
+            <a:avLst/>
+          </a:prstGeom>
+          <a:solidFill>
+            <a:schemeClr val="bg1">
+              <a:lumMod val="85000"/>
+            </a:schemeClr>
+          </a:solidFill>
+          <a:ln>
+            <a:solidFill>
+              <a:schemeClr val="bg2">
+                <a:lumMod val="90000"/>
+              </a:schemeClr>
+            </a:solidFill>
+          </a:ln>
+        </p:spPr>
+        <p:style>
+          <a:lnRef idx="2">
+            <a:schemeClr val="accent1">
+              <a:shade val="50000"/>
+            </a:schemeClr>
+          </a:lnRef>
+          <a:fillRef idx="1">
+            <a:schemeClr val="accent1"/>
+          </a:fillRef>
+          <a:effectRef idx="0">
+            <a:schemeClr val="accent1"/>
+          </a:effectRef>
+          <a:fontRef idx="minor">
+            <a:schemeClr val="lt1"/>
+          </a:fontRef>
+        </p:style>
+        <p:txBody>
+          <a:bodyPr rtlCol="0" anchor="ctr"/>
+          <a:lstStyle/>
+          <a:p>
+            <a:pPr algn="ctr"/>
+            <a:endParaRPr lang="de-DE" dirty="0"/>
+          </a:p>
+        </p:txBody>
+      </p:sp>
+      <p:pic>
+        <p:nvPicPr>
+          <p:cNvPr id="3" name="Grafik 2">
+            <a:extLst>
+              <a:ext uri="{FF2B5EF4-FFF2-40B4-BE49-F238E27FC236}">
+                <a16:creationId xmlns:a16="http://schemas.microsoft.com/office/drawing/2014/main" id="{73316ACB-4288-431C-92C4-3F1ABA6AA74C}"/>
+              </a:ext>
+            </a:extLst>
+          </p:cNvPr>
+          <p:cNvPicPr>
+            <a:picLocks noChangeAspect="1"/>
+          </p:cNvPicPr>
+          <p:nvPr/>
+        </p:nvPicPr>
+        <p:blipFill>
+          <a:blip r:embed="rId8"/>
+          <a:stretch>
+            <a:fillRect/>
+          </a:stretch>
+        </p:blipFill>
+        <p:spPr>
+          <a:xfrm>
+            <a:off x="8863676" y="1419022"/>
+            <a:ext cx="3178704" cy="2409584"/>
+          </a:xfrm>
+          <a:prstGeom prst="rect">
+            <a:avLst/>
+          </a:prstGeom>
+        </p:spPr>
+      </p:pic>
     </p:spTree>
     <p:extLst>
       <p:ext uri="{BB962C8B-B14F-4D97-AF65-F5344CB8AC3E}">
@@ -12339,7 +13149,7 @@
           <a:lstStyle/>
           <a:p>
             <a:r>
-              <a:rPr lang="de-DE"/>
+              <a:rPr lang="de-DE" dirty="0"/>
               <a:t>Application Project "Umsatzprognose Bäckerei"</a:t>
             </a:r>
           </a:p>
@@ -12370,7 +13180,7 @@
               <a:rPr lang="de-DE" smtClean="0"/>
               <a:t>9</a:t>
             </a:fld>
-            <a:endParaRPr lang="de-DE"/>
+            <a:endParaRPr lang="de-DE" dirty="0"/>
           </a:p>
         </p:txBody>
       </p:sp>
@@ -12392,12 +13202,14 @@
         </p:nvSpPr>
         <p:spPr>
           <a:xfrm>
-            <a:off x="838200" y="1825625"/>
-            <a:ext cx="7581900" cy="4351338"/>
+            <a:off x="457200" y="1690688"/>
+            <a:ext cx="5850294" cy="4351338"/>
           </a:xfrm>
         </p:spPr>
         <p:txBody>
-          <a:bodyPr/>
+          <a:bodyPr>
+            <a:normAutofit lnSpcReduction="10000"/>
+          </a:bodyPr>
           <a:lstStyle/>
           <a:p>
             <a:r>
@@ -12437,25 +13249,19 @@
               <a:t>egression </a:t>
             </a:r>
             <a:r>
-              <a:rPr lang="de-DE" b="1" dirty="0" err="1"/>
+              <a:rPr lang="de-DE" b="1" dirty="0"/>
               <a:t>T</a:t>
             </a:r>
             <a:r>
-              <a:rPr lang="de-DE" dirty="0" err="1"/>
-              <a:t>ree</a:t>
-            </a:r>
-            <a:r>
-              <a:rPr lang="de-DE" dirty="0"/>
-              <a:t>) nach </a:t>
-            </a:r>
-            <a:r>
-              <a:rPr lang="de-DE" dirty="0" err="1"/>
-              <a:t>Breiman</a:t>
-            </a:r>
-            <a:r>
-              <a:rPr lang="de-DE" dirty="0"/>
-              <a:t> et. al.</a:t>
-            </a:r>
+              <a:rPr lang="de-DE" dirty="0"/>
+              <a:t>ree) nach Breiman et. al.</a:t>
+            </a:r>
+          </a:p>
+          <a:p>
+            <a:pPr marL="0" indent="0">
+              <a:buNone/>
+            </a:pPr>
+            <a:endParaRPr lang="de-DE" dirty="0"/>
           </a:p>
           <a:p>
             <a:r>
@@ -12525,112 +13331,30 @@
         </p:blipFill>
         <p:spPr>
           <a:xfrm>
-            <a:off x="8610600" y="1472320"/>
-            <a:ext cx="3551165" cy="2274180"/>
+            <a:off x="6666722" y="1690688"/>
+            <a:ext cx="5068078" cy="3245617"/>
           </a:xfrm>
           <a:prstGeom prst="rect">
             <a:avLst/>
           </a:prstGeom>
         </p:spPr>
       </p:pic>
-      <p:pic>
-        <p:nvPicPr>
-          <p:cNvPr id="7" name="Grafik 6">
-            <a:extLst>
-              <a:ext uri="{FF2B5EF4-FFF2-40B4-BE49-F238E27FC236}">
-                <a16:creationId xmlns:a16="http://schemas.microsoft.com/office/drawing/2014/main" id="{1096D6F0-AFC7-4393-9746-8A908263693E}"/>
-              </a:ext>
-            </a:extLst>
-          </p:cNvPr>
-          <p:cNvPicPr>
-            <a:picLocks noChangeAspect="1"/>
-          </p:cNvPicPr>
+      <p:sp>
+        <p:nvSpPr>
+          <p:cNvPr id="16" name="Interaktive Schaltfläche: Nächste(r) oder Weiter 15">
+            <a:hlinkClick r:id="rId4" action="ppaction://hlinksldjump" highlightClick="1"/>
+            <a:extLst>
+              <a:ext uri="{FF2B5EF4-FFF2-40B4-BE49-F238E27FC236}">
+                <a16:creationId xmlns:a16="http://schemas.microsoft.com/office/drawing/2014/main" id="{E92E48E2-9A88-4126-88D1-558C9C3FA876}"/>
+              </a:ext>
+            </a:extLst>
+          </p:cNvPr>
+          <p:cNvSpPr/>
           <p:nvPr/>
-        </p:nvPicPr>
-        <p:blipFill>
-          <a:blip r:embed="rId4"/>
-          <a:stretch>
-            <a:fillRect/>
-          </a:stretch>
-        </p:blipFill>
+        </p:nvSpPr>
         <p:spPr>
           <a:xfrm>
-            <a:off x="838200" y="5031581"/>
-            <a:ext cx="10718800" cy="1663690"/>
-          </a:xfrm>
-          <a:prstGeom prst="rect">
-            <a:avLst/>
-          </a:prstGeom>
-        </p:spPr>
-      </p:pic>
-      <p:sp>
-        <p:nvSpPr>
-          <p:cNvPr id="6" name="Rechteck 5">
-            <a:extLst>
-              <a:ext uri="{FF2B5EF4-FFF2-40B4-BE49-F238E27FC236}">
-                <a16:creationId xmlns:a16="http://schemas.microsoft.com/office/drawing/2014/main" id="{19B05EF4-5BBE-4795-816C-F39D45868157}"/>
-              </a:ext>
-            </a:extLst>
-          </p:cNvPr>
-          <p:cNvSpPr/>
-          <p:nvPr/>
-        </p:nvSpPr>
-        <p:spPr>
-          <a:xfrm>
-            <a:off x="7055933" y="4974823"/>
-            <a:ext cx="721733" cy="1720448"/>
-          </a:xfrm>
-          <a:prstGeom prst="rect">
-            <a:avLst/>
-          </a:prstGeom>
-          <a:noFill/>
-          <a:ln w="19050">
-            <a:solidFill>
-              <a:srgbClr val="C00000"/>
-            </a:solidFill>
-          </a:ln>
-        </p:spPr>
-        <p:style>
-          <a:lnRef idx="2">
-            <a:schemeClr val="accent1">
-              <a:shade val="50000"/>
-            </a:schemeClr>
-          </a:lnRef>
-          <a:fillRef idx="1">
-            <a:schemeClr val="accent1"/>
-          </a:fillRef>
-          <a:effectRef idx="0">
-            <a:schemeClr val="accent1"/>
-          </a:effectRef>
-          <a:fontRef idx="minor">
-            <a:schemeClr val="lt1"/>
-          </a:fontRef>
-        </p:style>
-        <p:txBody>
-          <a:bodyPr rtlCol="0" anchor="ctr"/>
-          <a:lstStyle/>
-          <a:p>
-            <a:pPr algn="ctr"/>
-            <a:endParaRPr lang="de-DE"/>
-          </a:p>
-        </p:txBody>
-      </p:sp>
-      <p:sp>
-        <p:nvSpPr>
-          <p:cNvPr id="16" name="Interaktive Schaltfläche: Nächste(r) oder Weiter 15">
-            <a:hlinkClick r:id="rId5" action="ppaction://hlinksldjump" highlightClick="1"/>
-            <a:extLst>
-              <a:ext uri="{FF2B5EF4-FFF2-40B4-BE49-F238E27FC236}">
-                <a16:creationId xmlns:a16="http://schemas.microsoft.com/office/drawing/2014/main" id="{E92E48E2-9A88-4126-88D1-558C9C3FA876}"/>
-              </a:ext>
-            </a:extLst>
-          </p:cNvPr>
-          <p:cNvSpPr/>
-          <p:nvPr/>
-        </p:nvSpPr>
-        <p:spPr>
-          <a:xfrm>
-            <a:off x="11353800" y="3878843"/>
+            <a:off x="11290818" y="5167312"/>
             <a:ext cx="381000" cy="274058"/>
           </a:xfrm>
           <a:prstGeom prst="actionButtonForwardNext">
@@ -12670,7 +13394,7 @@
           <a:lstStyle/>
           <a:p>
             <a:pPr algn="ctr"/>
-            <a:endParaRPr lang="de-DE"/>
+            <a:endParaRPr lang="de-DE" dirty="0"/>
           </a:p>
         </p:txBody>
       </p:sp>

--- a/ApplicationProject_UmsatzprognoseBäckerei_v2.pptx
+++ b/ApplicationProject_UmsatzprognoseBäckerei_v2.pptx
@@ -6671,10 +6671,10 @@
       </p:sp>
       <p:pic>
         <p:nvPicPr>
-          <p:cNvPr id="6" name="Grafik 5">
-            <a:extLst>
-              <a:ext uri="{FF2B5EF4-FFF2-40B4-BE49-F238E27FC236}">
-                <a16:creationId xmlns:a16="http://schemas.microsoft.com/office/drawing/2014/main" id="{81F767AE-7546-49C5-9749-369DC54FEC71}"/>
+          <p:cNvPr id="8" name="Grafik 7">
+            <a:extLst>
+              <a:ext uri="{FF2B5EF4-FFF2-40B4-BE49-F238E27FC236}">
+                <a16:creationId xmlns:a16="http://schemas.microsoft.com/office/drawing/2014/main" id="{37987D32-76E5-4C53-9C62-D2AD2B4F36FD}"/>
               </a:ext>
             </a:extLst>
           </p:cNvPr>
@@ -6691,8 +6691,8 @@
         </p:blipFill>
         <p:spPr>
           <a:xfrm>
-            <a:off x="3157634" y="1332407"/>
-            <a:ext cx="5876731" cy="3913265"/>
+            <a:off x="3173906" y="1279006"/>
+            <a:ext cx="5844188" cy="4050022"/>
           </a:xfrm>
           <a:prstGeom prst="rect">
             <a:avLst/>
